--- a/expose/expose_präsentation.pptx
+++ b/expose/expose_präsentation.pptx
@@ -2,7 +2,7 @@
 <file path=ppt/presentation.xml><?xml version="1.0" encoding="utf-8"?>
 <p:presentation xmlns:a="http://schemas.openxmlformats.org/drawingml/2006/main" xmlns:r="http://schemas.openxmlformats.org/officeDocument/2006/relationships" xmlns:p="http://schemas.openxmlformats.org/presentationml/2006/main" saveSubsetFonts="1">
   <p:sldMasterIdLst>
-    <p:sldMasterId id="2147483648" r:id="rId1"/>
+    <p:sldMasterId id="2147483677" r:id="rId1"/>
   </p:sldMasterIdLst>
   <p:sldIdLst>
     <p:sldId id="256" r:id="rId2"/>
@@ -16,9 +16,9 @@
   <p:notesSz cx="6858000" cy="9144000"/>
   <p:defaultTextStyle>
     <a:defPPr>
-      <a:defRPr lang="de-DE"/>
+      <a:defRPr lang="en-US"/>
     </a:defPPr>
-    <a:lvl1pPr marL="0" algn="l" defTabSz="914400" rtl="0" eaLnBrk="1" latinLnBrk="0" hangingPunct="1">
+    <a:lvl1pPr marL="0" algn="l" defTabSz="457200" rtl="0" eaLnBrk="1" latinLnBrk="0" hangingPunct="1">
       <a:defRPr sz="1800" kern="1200">
         <a:solidFill>
           <a:schemeClr val="tx1"/>
@@ -28,7 +28,7 @@
         <a:cs typeface="+mn-cs"/>
       </a:defRPr>
     </a:lvl1pPr>
-    <a:lvl2pPr marL="457200" algn="l" defTabSz="914400" rtl="0" eaLnBrk="1" latinLnBrk="0" hangingPunct="1">
+    <a:lvl2pPr marL="457200" algn="l" defTabSz="457200" rtl="0" eaLnBrk="1" latinLnBrk="0" hangingPunct="1">
       <a:defRPr sz="1800" kern="1200">
         <a:solidFill>
           <a:schemeClr val="tx1"/>
@@ -38,7 +38,7 @@
         <a:cs typeface="+mn-cs"/>
       </a:defRPr>
     </a:lvl2pPr>
-    <a:lvl3pPr marL="914400" algn="l" defTabSz="914400" rtl="0" eaLnBrk="1" latinLnBrk="0" hangingPunct="1">
+    <a:lvl3pPr marL="914400" algn="l" defTabSz="457200" rtl="0" eaLnBrk="1" latinLnBrk="0" hangingPunct="1">
       <a:defRPr sz="1800" kern="1200">
         <a:solidFill>
           <a:schemeClr val="tx1"/>
@@ -48,7 +48,7 @@
         <a:cs typeface="+mn-cs"/>
       </a:defRPr>
     </a:lvl3pPr>
-    <a:lvl4pPr marL="1371600" algn="l" defTabSz="914400" rtl="0" eaLnBrk="1" latinLnBrk="0" hangingPunct="1">
+    <a:lvl4pPr marL="1371600" algn="l" defTabSz="457200" rtl="0" eaLnBrk="1" latinLnBrk="0" hangingPunct="1">
       <a:defRPr sz="1800" kern="1200">
         <a:solidFill>
           <a:schemeClr val="tx1"/>
@@ -58,7 +58,7 @@
         <a:cs typeface="+mn-cs"/>
       </a:defRPr>
     </a:lvl4pPr>
-    <a:lvl5pPr marL="1828800" algn="l" defTabSz="914400" rtl="0" eaLnBrk="1" latinLnBrk="0" hangingPunct="1">
+    <a:lvl5pPr marL="1828800" algn="l" defTabSz="457200" rtl="0" eaLnBrk="1" latinLnBrk="0" hangingPunct="1">
       <a:defRPr sz="1800" kern="1200">
         <a:solidFill>
           <a:schemeClr val="tx1"/>
@@ -68,7 +68,7 @@
         <a:cs typeface="+mn-cs"/>
       </a:defRPr>
     </a:lvl5pPr>
-    <a:lvl6pPr marL="2286000" algn="l" defTabSz="914400" rtl="0" eaLnBrk="1" latinLnBrk="0" hangingPunct="1">
+    <a:lvl6pPr marL="2286000" algn="l" defTabSz="457200" rtl="0" eaLnBrk="1" latinLnBrk="0" hangingPunct="1">
       <a:defRPr sz="1800" kern="1200">
         <a:solidFill>
           <a:schemeClr val="tx1"/>
@@ -78,7 +78,7 @@
         <a:cs typeface="+mn-cs"/>
       </a:defRPr>
     </a:lvl6pPr>
-    <a:lvl7pPr marL="2743200" algn="l" defTabSz="914400" rtl="0" eaLnBrk="1" latinLnBrk="0" hangingPunct="1">
+    <a:lvl7pPr marL="2743200" algn="l" defTabSz="457200" rtl="0" eaLnBrk="1" latinLnBrk="0" hangingPunct="1">
       <a:defRPr sz="1800" kern="1200">
         <a:solidFill>
           <a:schemeClr val="tx1"/>
@@ -88,7 +88,7 @@
         <a:cs typeface="+mn-cs"/>
       </a:defRPr>
     </a:lvl7pPr>
-    <a:lvl8pPr marL="3200400" algn="l" defTabSz="914400" rtl="0" eaLnBrk="1" latinLnBrk="0" hangingPunct="1">
+    <a:lvl8pPr marL="3200400" algn="l" defTabSz="457200" rtl="0" eaLnBrk="1" latinLnBrk="0" hangingPunct="1">
       <a:defRPr sz="1800" kern="1200">
         <a:solidFill>
           <a:schemeClr val="tx1"/>
@@ -98,7 +98,7 @@
         <a:cs typeface="+mn-cs"/>
       </a:defRPr>
     </a:lvl8pPr>
-    <a:lvl9pPr marL="3657600" algn="l" defTabSz="914400" rtl="0" eaLnBrk="1" latinLnBrk="0" hangingPunct="1">
+    <a:lvl9pPr marL="3657600" algn="l" defTabSz="457200" rtl="0" eaLnBrk="1" latinLnBrk="0" hangingPunct="1">
       <a:defRPr sz="1800" kern="1200">
         <a:solidFill>
           <a:schemeClr val="tx1"/>
@@ -109,11 +109,16 @@
       </a:defRPr>
     </a:lvl9pPr>
   </p:defaultTextStyle>
+  <p:extLst>
+    <p:ext uri="{EFAFB233-063F-42B5-8137-9DF3F51BA10A}">
+      <p15:sldGuideLst xmlns:p15="http://schemas.microsoft.com/office/powerpoint/2012/main"/>
+    </p:ext>
+  </p:extLst>
 </p:presentation>
 </file>
 
 <file path=ppt/slideLayouts/slideLayout1.xml><?xml version="1.0" encoding="utf-8"?>
-<p:sldLayout xmlns:a="http://schemas.openxmlformats.org/drawingml/2006/main" xmlns:r="http://schemas.openxmlformats.org/officeDocument/2006/relationships" xmlns:p="http://schemas.openxmlformats.org/presentationml/2006/main" type="title" preserve="1">
+<p:sldLayout xmlns:a="http://schemas.openxmlformats.org/drawingml/2006/main" xmlns:r="http://schemas.openxmlformats.org/officeDocument/2006/relationships" xmlns:p="http://schemas.openxmlformats.org/presentationml/2006/main" showMasterSp="0" type="title" preserve="1">
   <p:cSld name="Titelfolie">
     <p:spTree>
       <p:nvGrpSpPr>
@@ -129,15 +134,562 @@
           <a:chExt cx="0" cy="0"/>
         </a:xfrm>
       </p:grpSpPr>
-      <p:sp>
-        <p:nvSpPr>
-          <p:cNvPr id="2" name="Titel 1">
-            <a:extLst>
-              <a:ext uri="{FF2B5EF4-FFF2-40B4-BE49-F238E27FC236}">
-                <a16:creationId xmlns:a16="http://schemas.microsoft.com/office/drawing/2014/main" id="{49070ABB-CC62-40DF-BD82-6E256EF66483}"/>
-              </a:ext>
-            </a:extLst>
-          </p:cNvPr>
+      <p:grpSp>
+        <p:nvGrpSpPr>
+          <p:cNvPr id="16" name="Group 15"/>
+          <p:cNvGrpSpPr/>
+          <p:nvPr/>
+        </p:nvGrpSpPr>
+        <p:grpSpPr>
+          <a:xfrm>
+            <a:off x="0" y="-8467"/>
+            <a:ext cx="12192000" cy="6866467"/>
+            <a:chOff x="0" y="-8467"/>
+            <a:chExt cx="12192000" cy="6866467"/>
+          </a:xfrm>
+        </p:grpSpPr>
+        <p:sp>
+          <p:nvSpPr>
+            <p:cNvPr id="15" name="Freeform 14"/>
+            <p:cNvSpPr/>
+            <p:nvPr/>
+          </p:nvSpPr>
+          <p:spPr>
+            <a:xfrm>
+              <a:off x="0" y="-7862"/>
+              <a:ext cx="863600" cy="5698067"/>
+            </a:xfrm>
+            <a:custGeom>
+              <a:avLst/>
+              <a:gdLst/>
+              <a:ahLst/>
+              <a:cxnLst/>
+              <a:rect l="l" t="t" r="r" b="b"/>
+              <a:pathLst>
+                <a:path w="863600" h="5698067">
+                  <a:moveTo>
+                    <a:pt x="0" y="8467"/>
+                  </a:moveTo>
+                  <a:lnTo>
+                    <a:pt x="863600" y="0"/>
+                  </a:lnTo>
+                  <a:lnTo>
+                    <a:pt x="863600" y="16934"/>
+                  </a:lnTo>
+                  <a:lnTo>
+                    <a:pt x="0" y="5698067"/>
+                  </a:lnTo>
+                  <a:lnTo>
+                    <a:pt x="0" y="8467"/>
+                  </a:lnTo>
+                  <a:close/>
+                </a:path>
+              </a:pathLst>
+            </a:custGeom>
+            <a:solidFill>
+              <a:schemeClr val="accent1">
+                <a:alpha val="70000"/>
+              </a:schemeClr>
+            </a:solidFill>
+            <a:ln>
+              <a:noFill/>
+            </a:ln>
+            <a:effectLst/>
+          </p:spPr>
+          <p:style>
+            <a:lnRef idx="1">
+              <a:schemeClr val="accent1"/>
+            </a:lnRef>
+            <a:fillRef idx="3">
+              <a:schemeClr val="accent1"/>
+            </a:fillRef>
+            <a:effectRef idx="2">
+              <a:schemeClr val="accent1"/>
+            </a:effectRef>
+            <a:fontRef idx="minor">
+              <a:schemeClr val="lt1"/>
+            </a:fontRef>
+          </p:style>
+        </p:sp>
+        <p:cxnSp>
+          <p:nvCxnSpPr>
+            <p:cNvPr id="19" name="Straight Connector 18"/>
+            <p:cNvCxnSpPr/>
+            <p:nvPr/>
+          </p:nvCxnSpPr>
+          <p:spPr>
+            <a:xfrm>
+              <a:off x="9371012" y="0"/>
+              <a:ext cx="1219200" cy="6858000"/>
+            </a:xfrm>
+            <a:prstGeom prst="line">
+              <a:avLst/>
+            </a:prstGeom>
+            <a:ln w="9525">
+              <a:solidFill>
+                <a:schemeClr val="accent1">
+                  <a:alpha val="70000"/>
+                </a:schemeClr>
+              </a:solidFill>
+            </a:ln>
+          </p:spPr>
+          <p:style>
+            <a:lnRef idx="2">
+              <a:schemeClr val="accent1"/>
+            </a:lnRef>
+            <a:fillRef idx="0">
+              <a:schemeClr val="accent1"/>
+            </a:fillRef>
+            <a:effectRef idx="1">
+              <a:schemeClr val="accent1"/>
+            </a:effectRef>
+            <a:fontRef idx="minor">
+              <a:schemeClr val="tx1"/>
+            </a:fontRef>
+          </p:style>
+        </p:cxnSp>
+        <p:cxnSp>
+          <p:nvCxnSpPr>
+            <p:cNvPr id="20" name="Straight Connector 19"/>
+            <p:cNvCxnSpPr/>
+            <p:nvPr/>
+          </p:nvCxnSpPr>
+          <p:spPr>
+            <a:xfrm flipH="1">
+              <a:off x="7425267" y="3681413"/>
+              <a:ext cx="4763558" cy="3176587"/>
+            </a:xfrm>
+            <a:prstGeom prst="line">
+              <a:avLst/>
+            </a:prstGeom>
+            <a:ln w="9525">
+              <a:solidFill>
+                <a:schemeClr val="accent1">
+                  <a:alpha val="70000"/>
+                </a:schemeClr>
+              </a:solidFill>
+            </a:ln>
+          </p:spPr>
+          <p:style>
+            <a:lnRef idx="2">
+              <a:schemeClr val="accent1"/>
+            </a:lnRef>
+            <a:fillRef idx="0">
+              <a:schemeClr val="accent1"/>
+            </a:fillRef>
+            <a:effectRef idx="1">
+              <a:schemeClr val="accent1"/>
+            </a:effectRef>
+            <a:fontRef idx="minor">
+              <a:schemeClr val="tx1"/>
+            </a:fontRef>
+          </p:style>
+        </p:cxnSp>
+        <p:sp>
+          <p:nvSpPr>
+            <p:cNvPr id="21" name="Rectangle 23"/>
+            <p:cNvSpPr/>
+            <p:nvPr/>
+          </p:nvSpPr>
+          <p:spPr>
+            <a:xfrm>
+              <a:off x="9181476" y="-8467"/>
+              <a:ext cx="3007349" cy="6866467"/>
+            </a:xfrm>
+            <a:custGeom>
+              <a:avLst/>
+              <a:gdLst/>
+              <a:ahLst/>
+              <a:cxnLst/>
+              <a:rect l="l" t="t" r="r" b="b"/>
+              <a:pathLst>
+                <a:path w="3007349" h="6866467">
+                  <a:moveTo>
+                    <a:pt x="2045532" y="0"/>
+                  </a:moveTo>
+                  <a:lnTo>
+                    <a:pt x="3007349" y="0"/>
+                  </a:lnTo>
+                  <a:lnTo>
+                    <a:pt x="3007349" y="6866467"/>
+                  </a:lnTo>
+                  <a:lnTo>
+                    <a:pt x="0" y="6866467"/>
+                  </a:lnTo>
+                  <a:lnTo>
+                    <a:pt x="2045532" y="0"/>
+                  </a:lnTo>
+                  <a:close/>
+                </a:path>
+              </a:pathLst>
+            </a:custGeom>
+            <a:solidFill>
+              <a:schemeClr val="accent1">
+                <a:alpha val="36000"/>
+              </a:schemeClr>
+            </a:solidFill>
+            <a:ln>
+              <a:noFill/>
+            </a:ln>
+            <a:effectLst/>
+          </p:spPr>
+          <p:style>
+            <a:lnRef idx="1">
+              <a:schemeClr val="accent1"/>
+            </a:lnRef>
+            <a:fillRef idx="3">
+              <a:schemeClr val="accent1"/>
+            </a:fillRef>
+            <a:effectRef idx="2">
+              <a:schemeClr val="accent1"/>
+            </a:effectRef>
+            <a:fontRef idx="minor">
+              <a:schemeClr val="lt1"/>
+            </a:fontRef>
+          </p:style>
+        </p:sp>
+        <p:sp>
+          <p:nvSpPr>
+            <p:cNvPr id="22" name="Rectangle 25"/>
+            <p:cNvSpPr/>
+            <p:nvPr/>
+          </p:nvSpPr>
+          <p:spPr>
+            <a:xfrm>
+              <a:off x="9603442" y="-8467"/>
+              <a:ext cx="2588558" cy="6866467"/>
+            </a:xfrm>
+            <a:custGeom>
+              <a:avLst/>
+              <a:gdLst/>
+              <a:ahLst/>
+              <a:cxnLst/>
+              <a:rect l="l" t="t" r="r" b="b"/>
+              <a:pathLst>
+                <a:path w="2573311" h="6866467">
+                  <a:moveTo>
+                    <a:pt x="0" y="0"/>
+                  </a:moveTo>
+                  <a:lnTo>
+                    <a:pt x="2573311" y="0"/>
+                  </a:lnTo>
+                  <a:lnTo>
+                    <a:pt x="2573311" y="6866467"/>
+                  </a:lnTo>
+                  <a:lnTo>
+                    <a:pt x="1202336" y="6866467"/>
+                  </a:lnTo>
+                  <a:lnTo>
+                    <a:pt x="0" y="0"/>
+                  </a:lnTo>
+                  <a:close/>
+                </a:path>
+              </a:pathLst>
+            </a:custGeom>
+            <a:solidFill>
+              <a:schemeClr val="accent1">
+                <a:alpha val="20000"/>
+              </a:schemeClr>
+            </a:solidFill>
+            <a:ln>
+              <a:noFill/>
+            </a:ln>
+            <a:effectLst/>
+          </p:spPr>
+          <p:style>
+            <a:lnRef idx="1">
+              <a:schemeClr val="accent1"/>
+            </a:lnRef>
+            <a:fillRef idx="3">
+              <a:schemeClr val="accent1"/>
+            </a:fillRef>
+            <a:effectRef idx="2">
+              <a:schemeClr val="accent1"/>
+            </a:effectRef>
+            <a:fontRef idx="minor">
+              <a:schemeClr val="lt1"/>
+            </a:fontRef>
+          </p:style>
+        </p:sp>
+        <p:sp>
+          <p:nvSpPr>
+            <p:cNvPr id="23" name="Isosceles Triangle 22"/>
+            <p:cNvSpPr/>
+            <p:nvPr/>
+          </p:nvSpPr>
+          <p:spPr>
+            <a:xfrm>
+              <a:off x="8932333" y="3048000"/>
+              <a:ext cx="3259667" cy="3810000"/>
+            </a:xfrm>
+            <a:prstGeom prst="triangle">
+              <a:avLst>
+                <a:gd name="adj" fmla="val 100000"/>
+              </a:avLst>
+            </a:prstGeom>
+            <a:solidFill>
+              <a:schemeClr val="accent1">
+                <a:lumMod val="75000"/>
+                <a:alpha val="66000"/>
+              </a:schemeClr>
+            </a:solidFill>
+            <a:ln>
+              <a:noFill/>
+            </a:ln>
+            <a:effectLst/>
+          </p:spPr>
+          <p:style>
+            <a:lnRef idx="1">
+              <a:schemeClr val="accent1"/>
+            </a:lnRef>
+            <a:fillRef idx="3">
+              <a:schemeClr val="accent1"/>
+            </a:fillRef>
+            <a:effectRef idx="2">
+              <a:schemeClr val="accent1"/>
+            </a:effectRef>
+            <a:fontRef idx="minor">
+              <a:schemeClr val="lt1"/>
+            </a:fontRef>
+          </p:style>
+        </p:sp>
+        <p:sp>
+          <p:nvSpPr>
+            <p:cNvPr id="24" name="Rectangle 27"/>
+            <p:cNvSpPr/>
+            <p:nvPr/>
+          </p:nvSpPr>
+          <p:spPr>
+            <a:xfrm>
+              <a:off x="9334500" y="-8467"/>
+              <a:ext cx="2854326" cy="6866467"/>
+            </a:xfrm>
+            <a:custGeom>
+              <a:avLst/>
+              <a:gdLst/>
+              <a:ahLst/>
+              <a:cxnLst/>
+              <a:rect l="l" t="t" r="r" b="b"/>
+              <a:pathLst>
+                <a:path w="2858013" h="6866467">
+                  <a:moveTo>
+                    <a:pt x="0" y="0"/>
+                  </a:moveTo>
+                  <a:lnTo>
+                    <a:pt x="2858013" y="0"/>
+                  </a:lnTo>
+                  <a:lnTo>
+                    <a:pt x="2858013" y="6866467"/>
+                  </a:lnTo>
+                  <a:lnTo>
+                    <a:pt x="2473942" y="6866467"/>
+                  </a:lnTo>
+                  <a:lnTo>
+                    <a:pt x="0" y="0"/>
+                  </a:lnTo>
+                  <a:close/>
+                </a:path>
+              </a:pathLst>
+            </a:custGeom>
+            <a:solidFill>
+              <a:schemeClr val="accent1">
+                <a:lumMod val="75000"/>
+                <a:alpha val="50000"/>
+              </a:schemeClr>
+            </a:solidFill>
+            <a:ln>
+              <a:noFill/>
+            </a:ln>
+            <a:effectLst/>
+          </p:spPr>
+          <p:style>
+            <a:lnRef idx="1">
+              <a:schemeClr val="accent1"/>
+            </a:lnRef>
+            <a:fillRef idx="3">
+              <a:schemeClr val="accent1"/>
+            </a:fillRef>
+            <a:effectRef idx="2">
+              <a:schemeClr val="accent1"/>
+            </a:effectRef>
+            <a:fontRef idx="minor">
+              <a:schemeClr val="lt1"/>
+            </a:fontRef>
+          </p:style>
+        </p:sp>
+        <p:sp>
+          <p:nvSpPr>
+            <p:cNvPr id="25" name="Rectangle 28"/>
+            <p:cNvSpPr/>
+            <p:nvPr/>
+          </p:nvSpPr>
+          <p:spPr>
+            <a:xfrm>
+              <a:off x="10898730" y="-8467"/>
+              <a:ext cx="1290094" cy="6866467"/>
+            </a:xfrm>
+            <a:custGeom>
+              <a:avLst/>
+              <a:gdLst/>
+              <a:ahLst/>
+              <a:cxnLst/>
+              <a:rect l="l" t="t" r="r" b="b"/>
+              <a:pathLst>
+                <a:path w="1290094" h="6858000">
+                  <a:moveTo>
+                    <a:pt x="1019735" y="0"/>
+                  </a:moveTo>
+                  <a:lnTo>
+                    <a:pt x="1290094" y="0"/>
+                  </a:lnTo>
+                  <a:lnTo>
+                    <a:pt x="1290094" y="6858000"/>
+                  </a:lnTo>
+                  <a:lnTo>
+                    <a:pt x="0" y="6858000"/>
+                  </a:lnTo>
+                  <a:lnTo>
+                    <a:pt x="1019735" y="0"/>
+                  </a:lnTo>
+                  <a:close/>
+                </a:path>
+              </a:pathLst>
+            </a:custGeom>
+            <a:solidFill>
+              <a:schemeClr val="accent2">
+                <a:alpha val="70000"/>
+              </a:schemeClr>
+            </a:solidFill>
+            <a:ln>
+              <a:noFill/>
+            </a:ln>
+            <a:effectLst/>
+          </p:spPr>
+          <p:style>
+            <a:lnRef idx="1">
+              <a:schemeClr val="accent1"/>
+            </a:lnRef>
+            <a:fillRef idx="3">
+              <a:schemeClr val="accent1"/>
+            </a:fillRef>
+            <a:effectRef idx="2">
+              <a:schemeClr val="accent1"/>
+            </a:effectRef>
+            <a:fontRef idx="minor">
+              <a:schemeClr val="lt1"/>
+            </a:fontRef>
+          </p:style>
+        </p:sp>
+        <p:sp>
+          <p:nvSpPr>
+            <p:cNvPr id="26" name="Rectangle 29"/>
+            <p:cNvSpPr/>
+            <p:nvPr/>
+          </p:nvSpPr>
+          <p:spPr>
+            <a:xfrm>
+              <a:off x="10938999" y="-8467"/>
+              <a:ext cx="1249825" cy="6866467"/>
+            </a:xfrm>
+            <a:custGeom>
+              <a:avLst/>
+              <a:gdLst/>
+              <a:ahLst/>
+              <a:cxnLst/>
+              <a:rect l="l" t="t" r="r" b="b"/>
+              <a:pathLst>
+                <a:path w="1249825" h="6858000">
+                  <a:moveTo>
+                    <a:pt x="0" y="0"/>
+                  </a:moveTo>
+                  <a:lnTo>
+                    <a:pt x="1249825" y="0"/>
+                  </a:lnTo>
+                  <a:lnTo>
+                    <a:pt x="1249825" y="6858000"/>
+                  </a:lnTo>
+                  <a:lnTo>
+                    <a:pt x="1109382" y="6858000"/>
+                  </a:lnTo>
+                  <a:lnTo>
+                    <a:pt x="0" y="0"/>
+                  </a:lnTo>
+                  <a:close/>
+                </a:path>
+              </a:pathLst>
+            </a:custGeom>
+            <a:solidFill>
+              <a:schemeClr val="accent2">
+                <a:lumMod val="75000"/>
+                <a:alpha val="80000"/>
+              </a:schemeClr>
+            </a:solidFill>
+            <a:ln>
+              <a:noFill/>
+            </a:ln>
+            <a:effectLst/>
+          </p:spPr>
+          <p:style>
+            <a:lnRef idx="1">
+              <a:schemeClr val="accent1"/>
+            </a:lnRef>
+            <a:fillRef idx="3">
+              <a:schemeClr val="accent1"/>
+            </a:fillRef>
+            <a:effectRef idx="2">
+              <a:schemeClr val="accent1"/>
+            </a:effectRef>
+            <a:fontRef idx="minor">
+              <a:schemeClr val="lt1"/>
+            </a:fontRef>
+          </p:style>
+        </p:sp>
+        <p:sp>
+          <p:nvSpPr>
+            <p:cNvPr id="27" name="Isosceles Triangle 26"/>
+            <p:cNvSpPr/>
+            <p:nvPr/>
+          </p:nvSpPr>
+          <p:spPr>
+            <a:xfrm>
+              <a:off x="10371666" y="3589867"/>
+              <a:ext cx="1817159" cy="3268133"/>
+            </a:xfrm>
+            <a:prstGeom prst="triangle">
+              <a:avLst>
+                <a:gd name="adj" fmla="val 100000"/>
+              </a:avLst>
+            </a:prstGeom>
+            <a:solidFill>
+              <a:schemeClr val="accent1">
+                <a:lumMod val="75000"/>
+                <a:alpha val="66000"/>
+              </a:schemeClr>
+            </a:solidFill>
+            <a:ln>
+              <a:noFill/>
+            </a:ln>
+            <a:effectLst/>
+          </p:spPr>
+          <p:style>
+            <a:lnRef idx="1">
+              <a:schemeClr val="accent1"/>
+            </a:lnRef>
+            <a:fillRef idx="3">
+              <a:schemeClr val="accent1"/>
+            </a:fillRef>
+            <a:effectRef idx="2">
+              <a:schemeClr val="accent1"/>
+            </a:effectRef>
+            <a:fontRef idx="minor">
+              <a:schemeClr val="lt1"/>
+            </a:fontRef>
+          </p:style>
+        </p:sp>
+      </p:grpSp>
+      <p:sp>
+        <p:nvSpPr>
+          <p:cNvPr id="2" name="Title 1"/>
           <p:cNvSpPr>
             <a:spLocks noGrp="1"/>
           </p:cNvSpPr>
@@ -147,15 +699,21 @@
         </p:nvSpPr>
         <p:spPr>
           <a:xfrm>
-            <a:off x="1524000" y="1122363"/>
-            <a:ext cx="9144000" cy="2387600"/>
+            <a:off x="1507067" y="2404534"/>
+            <a:ext cx="7766936" cy="1646302"/>
           </a:xfrm>
         </p:spPr>
         <p:txBody>
-          <a:bodyPr anchor="b"/>
+          <a:bodyPr anchor="b">
+            <a:noAutofit/>
+          </a:bodyPr>
           <a:lstStyle>
-            <a:lvl1pPr algn="ctr">
-              <a:defRPr sz="6000"/>
+            <a:lvl1pPr algn="r">
+              <a:defRPr sz="5400">
+                <a:solidFill>
+                  <a:schemeClr val="accent1"/>
+                </a:solidFill>
+              </a:defRPr>
             </a:lvl1pPr>
           </a:lstStyle>
           <a:p>
@@ -163,18 +721,13 @@
               <a:rPr lang="de-DE"/>
               <a:t>Mastertitelformat bearbeiten</a:t>
             </a:r>
-          </a:p>
-        </p:txBody>
-      </p:sp>
-      <p:sp>
-        <p:nvSpPr>
-          <p:cNvPr id="3" name="Untertitel 2">
-            <a:extLst>
-              <a:ext uri="{FF2B5EF4-FFF2-40B4-BE49-F238E27FC236}">
-                <a16:creationId xmlns:a16="http://schemas.microsoft.com/office/drawing/2014/main" id="{2E2CDE7C-BFF2-4BB9-BF60-C9A33799978A}"/>
-              </a:ext>
-            </a:extLst>
-          </p:cNvPr>
+            <a:endParaRPr lang="en-US" dirty="0"/>
+          </a:p>
+        </p:txBody>
+      </p:sp>
+      <p:sp>
+        <p:nvSpPr>
+          <p:cNvPr id="3" name="Subtitle 2"/>
           <p:cNvSpPr>
             <a:spLocks noGrp="1"/>
           </p:cNvSpPr>
@@ -184,48 +737,103 @@
         </p:nvSpPr>
         <p:spPr>
           <a:xfrm>
-            <a:off x="1524000" y="3602038"/>
-            <a:ext cx="9144000" cy="1655762"/>
+            <a:off x="1507067" y="4050833"/>
+            <a:ext cx="7766936" cy="1096899"/>
           </a:xfrm>
         </p:spPr>
         <p:txBody>
-          <a:bodyPr/>
+          <a:bodyPr anchor="t"/>
           <a:lstStyle>
-            <a:lvl1pPr marL="0" indent="0" algn="ctr">
-              <a:buNone/>
-              <a:defRPr sz="2400"/>
+            <a:lvl1pPr marL="0" indent="0" algn="r">
+              <a:buNone/>
+              <a:defRPr>
+                <a:solidFill>
+                  <a:schemeClr val="tx1">
+                    <a:lumMod val="50000"/>
+                    <a:lumOff val="50000"/>
+                  </a:schemeClr>
+                </a:solidFill>
+              </a:defRPr>
             </a:lvl1pPr>
             <a:lvl2pPr marL="457200" indent="0" algn="ctr">
               <a:buNone/>
-              <a:defRPr sz="2000"/>
+              <a:defRPr>
+                <a:solidFill>
+                  <a:schemeClr val="tx1">
+                    <a:tint val="75000"/>
+                  </a:schemeClr>
+                </a:solidFill>
+              </a:defRPr>
             </a:lvl2pPr>
             <a:lvl3pPr marL="914400" indent="0" algn="ctr">
               <a:buNone/>
-              <a:defRPr sz="1800"/>
+              <a:defRPr>
+                <a:solidFill>
+                  <a:schemeClr val="tx1">
+                    <a:tint val="75000"/>
+                  </a:schemeClr>
+                </a:solidFill>
+              </a:defRPr>
             </a:lvl3pPr>
             <a:lvl4pPr marL="1371600" indent="0" algn="ctr">
               <a:buNone/>
-              <a:defRPr sz="1600"/>
+              <a:defRPr>
+                <a:solidFill>
+                  <a:schemeClr val="tx1">
+                    <a:tint val="75000"/>
+                  </a:schemeClr>
+                </a:solidFill>
+              </a:defRPr>
             </a:lvl4pPr>
             <a:lvl5pPr marL="1828800" indent="0" algn="ctr">
               <a:buNone/>
-              <a:defRPr sz="1600"/>
+              <a:defRPr>
+                <a:solidFill>
+                  <a:schemeClr val="tx1">
+                    <a:tint val="75000"/>
+                  </a:schemeClr>
+                </a:solidFill>
+              </a:defRPr>
             </a:lvl5pPr>
             <a:lvl6pPr marL="2286000" indent="0" algn="ctr">
               <a:buNone/>
-              <a:defRPr sz="1600"/>
+              <a:defRPr>
+                <a:solidFill>
+                  <a:schemeClr val="tx1">
+                    <a:tint val="75000"/>
+                  </a:schemeClr>
+                </a:solidFill>
+              </a:defRPr>
             </a:lvl6pPr>
             <a:lvl7pPr marL="2743200" indent="0" algn="ctr">
               <a:buNone/>
-              <a:defRPr sz="1600"/>
+              <a:defRPr>
+                <a:solidFill>
+                  <a:schemeClr val="tx1">
+                    <a:tint val="75000"/>
+                  </a:schemeClr>
+                </a:solidFill>
+              </a:defRPr>
             </a:lvl7pPr>
             <a:lvl8pPr marL="3200400" indent="0" algn="ctr">
               <a:buNone/>
-              <a:defRPr sz="1600"/>
+              <a:defRPr>
+                <a:solidFill>
+                  <a:schemeClr val="tx1">
+                    <a:tint val="75000"/>
+                  </a:schemeClr>
+                </a:solidFill>
+              </a:defRPr>
             </a:lvl8pPr>
             <a:lvl9pPr marL="3657600" indent="0" algn="ctr">
               <a:buNone/>
-              <a:defRPr sz="1600"/>
+              <a:defRPr>
+                <a:solidFill>
+                  <a:schemeClr val="tx1">
+                    <a:tint val="75000"/>
+                  </a:schemeClr>
+                </a:solidFill>
+              </a:defRPr>
             </a:lvl9pPr>
           </a:lstStyle>
           <a:p>
@@ -233,18 +841,13 @@
               <a:rPr lang="de-DE"/>
               <a:t>Master-Untertitelformat bearbeiten</a:t>
             </a:r>
-          </a:p>
-        </p:txBody>
-      </p:sp>
-      <p:sp>
-        <p:nvSpPr>
-          <p:cNvPr id="4" name="Datumsplatzhalter 3">
-            <a:extLst>
-              <a:ext uri="{FF2B5EF4-FFF2-40B4-BE49-F238E27FC236}">
-                <a16:creationId xmlns:a16="http://schemas.microsoft.com/office/drawing/2014/main" id="{18C69A42-1BC1-41C8-962A-8D9905F772FD}"/>
-              </a:ext>
-            </a:extLst>
-          </p:cNvPr>
+            <a:endParaRPr lang="en-US" dirty="0"/>
+          </a:p>
+        </p:txBody>
+      </p:sp>
+      <p:sp>
+        <p:nvSpPr>
+          <p:cNvPr id="4" name="Date Placeholder 3"/>
           <p:cNvSpPr>
             <a:spLocks noGrp="1"/>
           </p:cNvSpPr>
@@ -267,13 +870,7 @@
       </p:sp>
       <p:sp>
         <p:nvSpPr>
-          <p:cNvPr id="5" name="Fußzeilenplatzhalter 4">
-            <a:extLst>
-              <a:ext uri="{FF2B5EF4-FFF2-40B4-BE49-F238E27FC236}">
-                <a16:creationId xmlns:a16="http://schemas.microsoft.com/office/drawing/2014/main" id="{A72F1184-D776-4FB3-9111-439E3C36C3E4}"/>
-              </a:ext>
-            </a:extLst>
-          </p:cNvPr>
+          <p:cNvPr id="5" name="Footer Placeholder 4"/>
           <p:cNvSpPr>
             <a:spLocks noGrp="1"/>
           </p:cNvSpPr>
@@ -292,13 +889,7 @@
       </p:sp>
       <p:sp>
         <p:nvSpPr>
-          <p:cNvPr id="6" name="Foliennummernplatzhalter 5">
-            <a:extLst>
-              <a:ext uri="{FF2B5EF4-FFF2-40B4-BE49-F238E27FC236}">
-                <a16:creationId xmlns:a16="http://schemas.microsoft.com/office/drawing/2014/main" id="{123375CC-7B2F-45C3-8944-59CC75DDBCDD}"/>
-              </a:ext>
-            </a:extLst>
-          </p:cNvPr>
+          <p:cNvPr id="6" name="Slide Number Placeholder 5"/>
           <p:cNvSpPr>
             <a:spLocks noGrp="1"/>
           </p:cNvSpPr>
@@ -322,7 +913,7 @@
     </p:spTree>
     <p:extLst>
       <p:ext uri="{BB962C8B-B14F-4D97-AF65-F5344CB8AC3E}">
-        <p14:creationId xmlns:p14="http://schemas.microsoft.com/office/powerpoint/2010/main" val="2825008393"/>
+        <p14:creationId xmlns:p14="http://schemas.microsoft.com/office/powerpoint/2010/main" val="2362752858"/>
       </p:ext>
     </p:extLst>
   </p:cSld>
@@ -333,6 +924,1611 @@
 </file>
 
 <file path=ppt/slideLayouts/slideLayout10.xml><?xml version="1.0" encoding="utf-8"?>
+<p:sldLayout xmlns:a="http://schemas.openxmlformats.org/drawingml/2006/main" xmlns:r="http://schemas.openxmlformats.org/officeDocument/2006/relationships" xmlns:p="http://schemas.openxmlformats.org/presentationml/2006/main" preserve="1">
+  <p:cSld name="Titel und Beschriftung">
+    <p:spTree>
+      <p:nvGrpSpPr>
+        <p:cNvPr id="1" name=""/>
+        <p:cNvGrpSpPr/>
+        <p:nvPr/>
+      </p:nvGrpSpPr>
+      <p:grpSpPr>
+        <a:xfrm>
+          <a:off x="0" y="0"/>
+          <a:ext cx="0" cy="0"/>
+          <a:chOff x="0" y="0"/>
+          <a:chExt cx="0" cy="0"/>
+        </a:xfrm>
+      </p:grpSpPr>
+      <p:sp>
+        <p:nvSpPr>
+          <p:cNvPr id="2" name="Title 1"/>
+          <p:cNvSpPr>
+            <a:spLocks noGrp="1"/>
+          </p:cNvSpPr>
+          <p:nvPr>
+            <p:ph type="title"/>
+          </p:nvPr>
+        </p:nvSpPr>
+        <p:spPr>
+          <a:xfrm>
+            <a:off x="677335" y="609600"/>
+            <a:ext cx="8596668" cy="3403600"/>
+          </a:xfrm>
+        </p:spPr>
+        <p:txBody>
+          <a:bodyPr anchor="ctr">
+            <a:normAutofit/>
+          </a:bodyPr>
+          <a:lstStyle>
+            <a:lvl1pPr algn="l">
+              <a:defRPr sz="4400" b="0" cap="none"/>
+            </a:lvl1pPr>
+          </a:lstStyle>
+          <a:p>
+            <a:r>
+              <a:rPr lang="de-DE"/>
+              <a:t>Mastertitelformat bearbeiten</a:t>
+            </a:r>
+            <a:endParaRPr lang="en-US" dirty="0"/>
+          </a:p>
+        </p:txBody>
+      </p:sp>
+      <p:sp>
+        <p:nvSpPr>
+          <p:cNvPr id="3" name="Text Placeholder 2"/>
+          <p:cNvSpPr>
+            <a:spLocks noGrp="1"/>
+          </p:cNvSpPr>
+          <p:nvPr>
+            <p:ph type="body" idx="1"/>
+          </p:nvPr>
+        </p:nvSpPr>
+        <p:spPr>
+          <a:xfrm>
+            <a:off x="677335" y="4470400"/>
+            <a:ext cx="8596668" cy="1570962"/>
+          </a:xfrm>
+        </p:spPr>
+        <p:txBody>
+          <a:bodyPr anchor="ctr">
+            <a:normAutofit/>
+          </a:bodyPr>
+          <a:lstStyle>
+            <a:lvl1pPr marL="0" indent="0" algn="l">
+              <a:buNone/>
+              <a:defRPr sz="1800">
+                <a:solidFill>
+                  <a:schemeClr val="tx1">
+                    <a:lumMod val="75000"/>
+                    <a:lumOff val="25000"/>
+                  </a:schemeClr>
+                </a:solidFill>
+              </a:defRPr>
+            </a:lvl1pPr>
+            <a:lvl2pPr marL="457200" indent="0">
+              <a:buNone/>
+              <a:defRPr sz="1800">
+                <a:solidFill>
+                  <a:schemeClr val="tx1">
+                    <a:tint val="75000"/>
+                  </a:schemeClr>
+                </a:solidFill>
+              </a:defRPr>
+            </a:lvl2pPr>
+            <a:lvl3pPr marL="914400" indent="0">
+              <a:buNone/>
+              <a:defRPr sz="1600">
+                <a:solidFill>
+                  <a:schemeClr val="tx1">
+                    <a:tint val="75000"/>
+                  </a:schemeClr>
+                </a:solidFill>
+              </a:defRPr>
+            </a:lvl3pPr>
+            <a:lvl4pPr marL="1371600" indent="0">
+              <a:buNone/>
+              <a:defRPr sz="1400">
+                <a:solidFill>
+                  <a:schemeClr val="tx1">
+                    <a:tint val="75000"/>
+                  </a:schemeClr>
+                </a:solidFill>
+              </a:defRPr>
+            </a:lvl4pPr>
+            <a:lvl5pPr marL="1828800" indent="0">
+              <a:buNone/>
+              <a:defRPr sz="1400">
+                <a:solidFill>
+                  <a:schemeClr val="tx1">
+                    <a:tint val="75000"/>
+                  </a:schemeClr>
+                </a:solidFill>
+              </a:defRPr>
+            </a:lvl5pPr>
+            <a:lvl6pPr marL="2286000" indent="0">
+              <a:buNone/>
+              <a:defRPr sz="1400">
+                <a:solidFill>
+                  <a:schemeClr val="tx1">
+                    <a:tint val="75000"/>
+                  </a:schemeClr>
+                </a:solidFill>
+              </a:defRPr>
+            </a:lvl6pPr>
+            <a:lvl7pPr marL="2743200" indent="0">
+              <a:buNone/>
+              <a:defRPr sz="1400">
+                <a:solidFill>
+                  <a:schemeClr val="tx1">
+                    <a:tint val="75000"/>
+                  </a:schemeClr>
+                </a:solidFill>
+              </a:defRPr>
+            </a:lvl7pPr>
+            <a:lvl8pPr marL="3200400" indent="0">
+              <a:buNone/>
+              <a:defRPr sz="1400">
+                <a:solidFill>
+                  <a:schemeClr val="tx1">
+                    <a:tint val="75000"/>
+                  </a:schemeClr>
+                </a:solidFill>
+              </a:defRPr>
+            </a:lvl8pPr>
+            <a:lvl9pPr marL="3657600" indent="0">
+              <a:buNone/>
+              <a:defRPr sz="1400">
+                <a:solidFill>
+                  <a:schemeClr val="tx1">
+                    <a:tint val="75000"/>
+                  </a:schemeClr>
+                </a:solidFill>
+              </a:defRPr>
+            </a:lvl9pPr>
+          </a:lstStyle>
+          <a:p>
+            <a:pPr lvl="0"/>
+            <a:r>
+              <a:rPr lang="de-DE"/>
+              <a:t>Mastertextformat bearbeiten</a:t>
+            </a:r>
+          </a:p>
+        </p:txBody>
+      </p:sp>
+      <p:sp>
+        <p:nvSpPr>
+          <p:cNvPr id="4" name="Date Placeholder 3"/>
+          <p:cNvSpPr>
+            <a:spLocks noGrp="1"/>
+          </p:cNvSpPr>
+          <p:nvPr>
+            <p:ph type="dt" sz="half" idx="10"/>
+          </p:nvPr>
+        </p:nvSpPr>
+        <p:spPr/>
+        <p:txBody>
+          <a:bodyPr/>
+          <a:lstStyle/>
+          <a:p>
+            <a:fld id="{DC9D8582-8A58-4132-A4EC-EC2F984BAC10}" type="datetimeFigureOut">
+              <a:rPr lang="de-DE" smtClean="0"/>
+              <a:t>15.05.2018</a:t>
+            </a:fld>
+            <a:endParaRPr lang="de-DE"/>
+          </a:p>
+        </p:txBody>
+      </p:sp>
+      <p:sp>
+        <p:nvSpPr>
+          <p:cNvPr id="5" name="Footer Placeholder 4"/>
+          <p:cNvSpPr>
+            <a:spLocks noGrp="1"/>
+          </p:cNvSpPr>
+          <p:nvPr>
+            <p:ph type="ftr" sz="quarter" idx="11"/>
+          </p:nvPr>
+        </p:nvSpPr>
+        <p:spPr/>
+        <p:txBody>
+          <a:bodyPr/>
+          <a:lstStyle/>
+          <a:p>
+            <a:endParaRPr lang="de-DE"/>
+          </a:p>
+        </p:txBody>
+      </p:sp>
+      <p:sp>
+        <p:nvSpPr>
+          <p:cNvPr id="6" name="Slide Number Placeholder 5"/>
+          <p:cNvSpPr>
+            <a:spLocks noGrp="1"/>
+          </p:cNvSpPr>
+          <p:nvPr>
+            <p:ph type="sldNum" sz="quarter" idx="12"/>
+          </p:nvPr>
+        </p:nvSpPr>
+        <p:spPr/>
+        <p:txBody>
+          <a:bodyPr/>
+          <a:lstStyle/>
+          <a:p>
+            <a:fld id="{6173E00B-14C1-4A5B-BA89-8B9B564DF5D3}" type="slidenum">
+              <a:rPr lang="de-DE" smtClean="0"/>
+              <a:t>‹Nr.›</a:t>
+            </a:fld>
+            <a:endParaRPr lang="de-DE"/>
+          </a:p>
+        </p:txBody>
+      </p:sp>
+    </p:spTree>
+    <p:extLst>
+      <p:ext uri="{BB962C8B-B14F-4D97-AF65-F5344CB8AC3E}">
+        <p14:creationId xmlns:p14="http://schemas.microsoft.com/office/powerpoint/2010/main" val="2934946230"/>
+      </p:ext>
+    </p:extLst>
+  </p:cSld>
+  <p:clrMapOvr>
+    <a:masterClrMapping/>
+  </p:clrMapOvr>
+</p:sldLayout>
+</file>
+
+<file path=ppt/slideLayouts/slideLayout11.xml><?xml version="1.0" encoding="utf-8"?>
+<p:sldLayout xmlns:a="http://schemas.openxmlformats.org/drawingml/2006/main" xmlns:r="http://schemas.openxmlformats.org/officeDocument/2006/relationships" xmlns:p="http://schemas.openxmlformats.org/presentationml/2006/main" preserve="1">
+  <p:cSld name="Zitat mit Beschriftung">
+    <p:spTree>
+      <p:nvGrpSpPr>
+        <p:cNvPr id="1" name=""/>
+        <p:cNvGrpSpPr/>
+        <p:nvPr/>
+      </p:nvGrpSpPr>
+      <p:grpSpPr>
+        <a:xfrm>
+          <a:off x="0" y="0"/>
+          <a:ext cx="0" cy="0"/>
+          <a:chOff x="0" y="0"/>
+          <a:chExt cx="0" cy="0"/>
+        </a:xfrm>
+      </p:grpSpPr>
+      <p:sp>
+        <p:nvSpPr>
+          <p:cNvPr id="2" name="Title 1"/>
+          <p:cNvSpPr>
+            <a:spLocks noGrp="1"/>
+          </p:cNvSpPr>
+          <p:nvPr>
+            <p:ph type="title"/>
+          </p:nvPr>
+        </p:nvSpPr>
+        <p:spPr>
+          <a:xfrm>
+            <a:off x="931334" y="609600"/>
+            <a:ext cx="8094134" cy="3022600"/>
+          </a:xfrm>
+        </p:spPr>
+        <p:txBody>
+          <a:bodyPr anchor="ctr">
+            <a:normAutofit/>
+          </a:bodyPr>
+          <a:lstStyle>
+            <a:lvl1pPr algn="l">
+              <a:defRPr sz="4400" b="0" cap="none"/>
+            </a:lvl1pPr>
+          </a:lstStyle>
+          <a:p>
+            <a:r>
+              <a:rPr lang="de-DE"/>
+              <a:t>Mastertitelformat bearbeiten</a:t>
+            </a:r>
+            <a:endParaRPr lang="en-US" dirty="0"/>
+          </a:p>
+        </p:txBody>
+      </p:sp>
+      <p:sp>
+        <p:nvSpPr>
+          <p:cNvPr id="23" name="Text Placeholder 9"/>
+          <p:cNvSpPr>
+            <a:spLocks noGrp="1"/>
+          </p:cNvSpPr>
+          <p:nvPr>
+            <p:ph type="body" sz="quarter" idx="13"/>
+          </p:nvPr>
+        </p:nvSpPr>
+        <p:spPr>
+          <a:xfrm>
+            <a:off x="1366139" y="3632200"/>
+            <a:ext cx="7224524" cy="381000"/>
+          </a:xfrm>
+        </p:spPr>
+        <p:txBody>
+          <a:bodyPr anchor="ctr">
+            <a:noAutofit/>
+          </a:bodyPr>
+          <a:lstStyle>
+            <a:lvl1pPr marL="0" indent="0">
+              <a:buFontTx/>
+              <a:buNone/>
+              <a:defRPr sz="1600">
+                <a:solidFill>
+                  <a:schemeClr val="tx1">
+                    <a:lumMod val="50000"/>
+                    <a:lumOff val="50000"/>
+                  </a:schemeClr>
+                </a:solidFill>
+              </a:defRPr>
+            </a:lvl1pPr>
+            <a:lvl2pPr marL="457200" indent="0">
+              <a:buFontTx/>
+              <a:buNone/>
+              <a:defRPr/>
+            </a:lvl2pPr>
+            <a:lvl3pPr marL="914400" indent="0">
+              <a:buFontTx/>
+              <a:buNone/>
+              <a:defRPr/>
+            </a:lvl3pPr>
+            <a:lvl4pPr marL="1371600" indent="0">
+              <a:buFontTx/>
+              <a:buNone/>
+              <a:defRPr/>
+            </a:lvl4pPr>
+            <a:lvl5pPr marL="1828800" indent="0">
+              <a:buFontTx/>
+              <a:buNone/>
+              <a:defRPr/>
+            </a:lvl5pPr>
+          </a:lstStyle>
+          <a:p>
+            <a:pPr lvl="0"/>
+            <a:r>
+              <a:rPr lang="de-DE"/>
+              <a:t>Mastertextformat bearbeiten</a:t>
+            </a:r>
+          </a:p>
+        </p:txBody>
+      </p:sp>
+      <p:sp>
+        <p:nvSpPr>
+          <p:cNvPr id="3" name="Text Placeholder 2"/>
+          <p:cNvSpPr>
+            <a:spLocks noGrp="1"/>
+          </p:cNvSpPr>
+          <p:nvPr>
+            <p:ph type="body" idx="1"/>
+          </p:nvPr>
+        </p:nvSpPr>
+        <p:spPr>
+          <a:xfrm>
+            <a:off x="677335" y="4470400"/>
+            <a:ext cx="8596668" cy="1570962"/>
+          </a:xfrm>
+        </p:spPr>
+        <p:txBody>
+          <a:bodyPr anchor="ctr">
+            <a:normAutofit/>
+          </a:bodyPr>
+          <a:lstStyle>
+            <a:lvl1pPr marL="0" indent="0" algn="l">
+              <a:buNone/>
+              <a:defRPr sz="1800">
+                <a:solidFill>
+                  <a:schemeClr val="tx1">
+                    <a:lumMod val="75000"/>
+                    <a:lumOff val="25000"/>
+                  </a:schemeClr>
+                </a:solidFill>
+              </a:defRPr>
+            </a:lvl1pPr>
+            <a:lvl2pPr marL="457200" indent="0">
+              <a:buNone/>
+              <a:defRPr sz="1800">
+                <a:solidFill>
+                  <a:schemeClr val="tx1">
+                    <a:tint val="75000"/>
+                  </a:schemeClr>
+                </a:solidFill>
+              </a:defRPr>
+            </a:lvl2pPr>
+            <a:lvl3pPr marL="914400" indent="0">
+              <a:buNone/>
+              <a:defRPr sz="1600">
+                <a:solidFill>
+                  <a:schemeClr val="tx1">
+                    <a:tint val="75000"/>
+                  </a:schemeClr>
+                </a:solidFill>
+              </a:defRPr>
+            </a:lvl3pPr>
+            <a:lvl4pPr marL="1371600" indent="0">
+              <a:buNone/>
+              <a:defRPr sz="1400">
+                <a:solidFill>
+                  <a:schemeClr val="tx1">
+                    <a:tint val="75000"/>
+                  </a:schemeClr>
+                </a:solidFill>
+              </a:defRPr>
+            </a:lvl4pPr>
+            <a:lvl5pPr marL="1828800" indent="0">
+              <a:buNone/>
+              <a:defRPr sz="1400">
+                <a:solidFill>
+                  <a:schemeClr val="tx1">
+                    <a:tint val="75000"/>
+                  </a:schemeClr>
+                </a:solidFill>
+              </a:defRPr>
+            </a:lvl5pPr>
+            <a:lvl6pPr marL="2286000" indent="0">
+              <a:buNone/>
+              <a:defRPr sz="1400">
+                <a:solidFill>
+                  <a:schemeClr val="tx1">
+                    <a:tint val="75000"/>
+                  </a:schemeClr>
+                </a:solidFill>
+              </a:defRPr>
+            </a:lvl6pPr>
+            <a:lvl7pPr marL="2743200" indent="0">
+              <a:buNone/>
+              <a:defRPr sz="1400">
+                <a:solidFill>
+                  <a:schemeClr val="tx1">
+                    <a:tint val="75000"/>
+                  </a:schemeClr>
+                </a:solidFill>
+              </a:defRPr>
+            </a:lvl7pPr>
+            <a:lvl8pPr marL="3200400" indent="0">
+              <a:buNone/>
+              <a:defRPr sz="1400">
+                <a:solidFill>
+                  <a:schemeClr val="tx1">
+                    <a:tint val="75000"/>
+                  </a:schemeClr>
+                </a:solidFill>
+              </a:defRPr>
+            </a:lvl8pPr>
+            <a:lvl9pPr marL="3657600" indent="0">
+              <a:buNone/>
+              <a:defRPr sz="1400">
+                <a:solidFill>
+                  <a:schemeClr val="tx1">
+                    <a:tint val="75000"/>
+                  </a:schemeClr>
+                </a:solidFill>
+              </a:defRPr>
+            </a:lvl9pPr>
+          </a:lstStyle>
+          <a:p>
+            <a:pPr lvl="0"/>
+            <a:r>
+              <a:rPr lang="de-DE"/>
+              <a:t>Mastertextformat bearbeiten</a:t>
+            </a:r>
+          </a:p>
+        </p:txBody>
+      </p:sp>
+      <p:sp>
+        <p:nvSpPr>
+          <p:cNvPr id="4" name="Date Placeholder 3"/>
+          <p:cNvSpPr>
+            <a:spLocks noGrp="1"/>
+          </p:cNvSpPr>
+          <p:nvPr>
+            <p:ph type="dt" sz="half" idx="10"/>
+          </p:nvPr>
+        </p:nvSpPr>
+        <p:spPr/>
+        <p:txBody>
+          <a:bodyPr/>
+          <a:lstStyle/>
+          <a:p>
+            <a:fld id="{DC9D8582-8A58-4132-A4EC-EC2F984BAC10}" type="datetimeFigureOut">
+              <a:rPr lang="de-DE" smtClean="0"/>
+              <a:t>15.05.2018</a:t>
+            </a:fld>
+            <a:endParaRPr lang="de-DE"/>
+          </a:p>
+        </p:txBody>
+      </p:sp>
+      <p:sp>
+        <p:nvSpPr>
+          <p:cNvPr id="5" name="Footer Placeholder 4"/>
+          <p:cNvSpPr>
+            <a:spLocks noGrp="1"/>
+          </p:cNvSpPr>
+          <p:nvPr>
+            <p:ph type="ftr" sz="quarter" idx="11"/>
+          </p:nvPr>
+        </p:nvSpPr>
+        <p:spPr/>
+        <p:txBody>
+          <a:bodyPr/>
+          <a:lstStyle/>
+          <a:p>
+            <a:endParaRPr lang="de-DE"/>
+          </a:p>
+        </p:txBody>
+      </p:sp>
+      <p:sp>
+        <p:nvSpPr>
+          <p:cNvPr id="6" name="Slide Number Placeholder 5"/>
+          <p:cNvSpPr>
+            <a:spLocks noGrp="1"/>
+          </p:cNvSpPr>
+          <p:nvPr>
+            <p:ph type="sldNum" sz="quarter" idx="12"/>
+          </p:nvPr>
+        </p:nvSpPr>
+        <p:spPr/>
+        <p:txBody>
+          <a:bodyPr/>
+          <a:lstStyle/>
+          <a:p>
+            <a:fld id="{6173E00B-14C1-4A5B-BA89-8B9B564DF5D3}" type="slidenum">
+              <a:rPr lang="de-DE" smtClean="0"/>
+              <a:t>‹Nr.›</a:t>
+            </a:fld>
+            <a:endParaRPr lang="de-DE"/>
+          </a:p>
+        </p:txBody>
+      </p:sp>
+      <p:sp>
+        <p:nvSpPr>
+          <p:cNvPr id="24" name="TextBox 23"/>
+          <p:cNvSpPr txBox="1"/>
+          <p:nvPr/>
+        </p:nvSpPr>
+        <p:spPr>
+          <a:xfrm>
+            <a:off x="541870" y="790378"/>
+            <a:ext cx="609600" cy="584776"/>
+          </a:xfrm>
+          <a:prstGeom prst="rect">
+            <a:avLst/>
+          </a:prstGeom>
+        </p:spPr>
+        <p:txBody>
+          <a:bodyPr vert="horz" lIns="91440" tIns="45720" rIns="91440" bIns="45720" rtlCol="0" anchor="ctr">
+            <a:noAutofit/>
+          </a:bodyPr>
+          <a:lstStyle/>
+          <a:p>
+            <a:pPr lvl="0"/>
+            <a:r>
+              <a:rPr lang="en-US" sz="8000" baseline="0" dirty="0">
+                <a:ln w="3175" cmpd="sng">
+                  <a:noFill/>
+                </a:ln>
+                <a:solidFill>
+                  <a:schemeClr val="accent1">
+                    <a:lumMod val="60000"/>
+                    <a:lumOff val="40000"/>
+                  </a:schemeClr>
+                </a:solidFill>
+                <a:effectLst/>
+                <a:latin typeface="Arial"/>
+              </a:rPr>
+              <a:t>“</a:t>
+            </a:r>
+          </a:p>
+        </p:txBody>
+      </p:sp>
+      <p:sp>
+        <p:nvSpPr>
+          <p:cNvPr id="25" name="TextBox 24"/>
+          <p:cNvSpPr txBox="1"/>
+          <p:nvPr/>
+        </p:nvSpPr>
+        <p:spPr>
+          <a:xfrm>
+            <a:off x="8893011" y="2886556"/>
+            <a:ext cx="609600" cy="584776"/>
+          </a:xfrm>
+          <a:prstGeom prst="rect">
+            <a:avLst/>
+          </a:prstGeom>
+        </p:spPr>
+        <p:txBody>
+          <a:bodyPr vert="horz" lIns="91440" tIns="45720" rIns="91440" bIns="45720" rtlCol="0" anchor="ctr">
+            <a:noAutofit/>
+          </a:bodyPr>
+          <a:lstStyle/>
+          <a:p>
+            <a:pPr lvl="0"/>
+            <a:r>
+              <a:rPr lang="en-US" sz="8000" baseline="0" dirty="0">
+                <a:ln w="3175" cmpd="sng">
+                  <a:noFill/>
+                </a:ln>
+                <a:solidFill>
+                  <a:schemeClr val="accent1">
+                    <a:lumMod val="60000"/>
+                    <a:lumOff val="40000"/>
+                  </a:schemeClr>
+                </a:solidFill>
+                <a:effectLst/>
+                <a:latin typeface="Arial"/>
+              </a:rPr>
+              <a:t>”</a:t>
+            </a:r>
+          </a:p>
+        </p:txBody>
+      </p:sp>
+    </p:spTree>
+    <p:extLst>
+      <p:ext uri="{BB962C8B-B14F-4D97-AF65-F5344CB8AC3E}">
+        <p14:creationId xmlns:p14="http://schemas.microsoft.com/office/powerpoint/2010/main" val="1283048304"/>
+      </p:ext>
+    </p:extLst>
+  </p:cSld>
+  <p:clrMapOvr>
+    <a:masterClrMapping/>
+  </p:clrMapOvr>
+</p:sldLayout>
+</file>
+
+<file path=ppt/slideLayouts/slideLayout12.xml><?xml version="1.0" encoding="utf-8"?>
+<p:sldLayout xmlns:a="http://schemas.openxmlformats.org/drawingml/2006/main" xmlns:r="http://schemas.openxmlformats.org/officeDocument/2006/relationships" xmlns:p="http://schemas.openxmlformats.org/presentationml/2006/main" preserve="1">
+  <p:cSld name="Namenskarte">
+    <p:spTree>
+      <p:nvGrpSpPr>
+        <p:cNvPr id="1" name=""/>
+        <p:cNvGrpSpPr/>
+        <p:nvPr/>
+      </p:nvGrpSpPr>
+      <p:grpSpPr>
+        <a:xfrm>
+          <a:off x="0" y="0"/>
+          <a:ext cx="0" cy="0"/>
+          <a:chOff x="0" y="0"/>
+          <a:chExt cx="0" cy="0"/>
+        </a:xfrm>
+      </p:grpSpPr>
+      <p:sp>
+        <p:nvSpPr>
+          <p:cNvPr id="2" name="Title 1"/>
+          <p:cNvSpPr>
+            <a:spLocks noGrp="1"/>
+          </p:cNvSpPr>
+          <p:nvPr>
+            <p:ph type="title"/>
+          </p:nvPr>
+        </p:nvSpPr>
+        <p:spPr>
+          <a:xfrm>
+            <a:off x="677335" y="1931988"/>
+            <a:ext cx="8596668" cy="2595460"/>
+          </a:xfrm>
+        </p:spPr>
+        <p:txBody>
+          <a:bodyPr anchor="b">
+            <a:normAutofit/>
+          </a:bodyPr>
+          <a:lstStyle>
+            <a:lvl1pPr algn="l">
+              <a:defRPr sz="4400" b="0" cap="none"/>
+            </a:lvl1pPr>
+          </a:lstStyle>
+          <a:p>
+            <a:r>
+              <a:rPr lang="de-DE"/>
+              <a:t>Mastertitelformat bearbeiten</a:t>
+            </a:r>
+            <a:endParaRPr lang="en-US" dirty="0"/>
+          </a:p>
+        </p:txBody>
+      </p:sp>
+      <p:sp>
+        <p:nvSpPr>
+          <p:cNvPr id="3" name="Text Placeholder 2"/>
+          <p:cNvSpPr>
+            <a:spLocks noGrp="1"/>
+          </p:cNvSpPr>
+          <p:nvPr>
+            <p:ph type="body" idx="1"/>
+          </p:nvPr>
+        </p:nvSpPr>
+        <p:spPr>
+          <a:xfrm>
+            <a:off x="677335" y="4527448"/>
+            <a:ext cx="8596668" cy="1513914"/>
+          </a:xfrm>
+        </p:spPr>
+        <p:txBody>
+          <a:bodyPr anchor="t">
+            <a:normAutofit/>
+          </a:bodyPr>
+          <a:lstStyle>
+            <a:lvl1pPr marL="0" indent="0" algn="l">
+              <a:buNone/>
+              <a:defRPr sz="1800">
+                <a:solidFill>
+                  <a:schemeClr val="tx1">
+                    <a:lumMod val="75000"/>
+                    <a:lumOff val="25000"/>
+                  </a:schemeClr>
+                </a:solidFill>
+              </a:defRPr>
+            </a:lvl1pPr>
+            <a:lvl2pPr marL="457200" indent="0">
+              <a:buNone/>
+              <a:defRPr sz="1800">
+                <a:solidFill>
+                  <a:schemeClr val="tx1">
+                    <a:tint val="75000"/>
+                  </a:schemeClr>
+                </a:solidFill>
+              </a:defRPr>
+            </a:lvl2pPr>
+            <a:lvl3pPr marL="914400" indent="0">
+              <a:buNone/>
+              <a:defRPr sz="1600">
+                <a:solidFill>
+                  <a:schemeClr val="tx1">
+                    <a:tint val="75000"/>
+                  </a:schemeClr>
+                </a:solidFill>
+              </a:defRPr>
+            </a:lvl3pPr>
+            <a:lvl4pPr marL="1371600" indent="0">
+              <a:buNone/>
+              <a:defRPr sz="1400">
+                <a:solidFill>
+                  <a:schemeClr val="tx1">
+                    <a:tint val="75000"/>
+                  </a:schemeClr>
+                </a:solidFill>
+              </a:defRPr>
+            </a:lvl4pPr>
+            <a:lvl5pPr marL="1828800" indent="0">
+              <a:buNone/>
+              <a:defRPr sz="1400">
+                <a:solidFill>
+                  <a:schemeClr val="tx1">
+                    <a:tint val="75000"/>
+                  </a:schemeClr>
+                </a:solidFill>
+              </a:defRPr>
+            </a:lvl5pPr>
+            <a:lvl6pPr marL="2286000" indent="0">
+              <a:buNone/>
+              <a:defRPr sz="1400">
+                <a:solidFill>
+                  <a:schemeClr val="tx1">
+                    <a:tint val="75000"/>
+                  </a:schemeClr>
+                </a:solidFill>
+              </a:defRPr>
+            </a:lvl6pPr>
+            <a:lvl7pPr marL="2743200" indent="0">
+              <a:buNone/>
+              <a:defRPr sz="1400">
+                <a:solidFill>
+                  <a:schemeClr val="tx1">
+                    <a:tint val="75000"/>
+                  </a:schemeClr>
+                </a:solidFill>
+              </a:defRPr>
+            </a:lvl7pPr>
+            <a:lvl8pPr marL="3200400" indent="0">
+              <a:buNone/>
+              <a:defRPr sz="1400">
+                <a:solidFill>
+                  <a:schemeClr val="tx1">
+                    <a:tint val="75000"/>
+                  </a:schemeClr>
+                </a:solidFill>
+              </a:defRPr>
+            </a:lvl8pPr>
+            <a:lvl9pPr marL="3657600" indent="0">
+              <a:buNone/>
+              <a:defRPr sz="1400">
+                <a:solidFill>
+                  <a:schemeClr val="tx1">
+                    <a:tint val="75000"/>
+                  </a:schemeClr>
+                </a:solidFill>
+              </a:defRPr>
+            </a:lvl9pPr>
+          </a:lstStyle>
+          <a:p>
+            <a:pPr lvl="0"/>
+            <a:r>
+              <a:rPr lang="de-DE"/>
+              <a:t>Mastertextformat bearbeiten</a:t>
+            </a:r>
+          </a:p>
+        </p:txBody>
+      </p:sp>
+      <p:sp>
+        <p:nvSpPr>
+          <p:cNvPr id="4" name="Date Placeholder 3"/>
+          <p:cNvSpPr>
+            <a:spLocks noGrp="1"/>
+          </p:cNvSpPr>
+          <p:nvPr>
+            <p:ph type="dt" sz="half" idx="10"/>
+          </p:nvPr>
+        </p:nvSpPr>
+        <p:spPr/>
+        <p:txBody>
+          <a:bodyPr/>
+          <a:lstStyle/>
+          <a:p>
+            <a:fld id="{DC9D8582-8A58-4132-A4EC-EC2F984BAC10}" type="datetimeFigureOut">
+              <a:rPr lang="de-DE" smtClean="0"/>
+              <a:t>15.05.2018</a:t>
+            </a:fld>
+            <a:endParaRPr lang="de-DE"/>
+          </a:p>
+        </p:txBody>
+      </p:sp>
+      <p:sp>
+        <p:nvSpPr>
+          <p:cNvPr id="5" name="Footer Placeholder 4"/>
+          <p:cNvSpPr>
+            <a:spLocks noGrp="1"/>
+          </p:cNvSpPr>
+          <p:nvPr>
+            <p:ph type="ftr" sz="quarter" idx="11"/>
+          </p:nvPr>
+        </p:nvSpPr>
+        <p:spPr/>
+        <p:txBody>
+          <a:bodyPr/>
+          <a:lstStyle/>
+          <a:p>
+            <a:endParaRPr lang="de-DE"/>
+          </a:p>
+        </p:txBody>
+      </p:sp>
+      <p:sp>
+        <p:nvSpPr>
+          <p:cNvPr id="6" name="Slide Number Placeholder 5"/>
+          <p:cNvSpPr>
+            <a:spLocks noGrp="1"/>
+          </p:cNvSpPr>
+          <p:nvPr>
+            <p:ph type="sldNum" sz="quarter" idx="12"/>
+          </p:nvPr>
+        </p:nvSpPr>
+        <p:spPr/>
+        <p:txBody>
+          <a:bodyPr/>
+          <a:lstStyle/>
+          <a:p>
+            <a:fld id="{6173E00B-14C1-4A5B-BA89-8B9B564DF5D3}" type="slidenum">
+              <a:rPr lang="de-DE" smtClean="0"/>
+              <a:t>‹Nr.›</a:t>
+            </a:fld>
+            <a:endParaRPr lang="de-DE"/>
+          </a:p>
+        </p:txBody>
+      </p:sp>
+    </p:spTree>
+    <p:extLst>
+      <p:ext uri="{BB962C8B-B14F-4D97-AF65-F5344CB8AC3E}">
+        <p14:creationId xmlns:p14="http://schemas.microsoft.com/office/powerpoint/2010/main" val="4043868155"/>
+      </p:ext>
+    </p:extLst>
+  </p:cSld>
+  <p:clrMapOvr>
+    <a:masterClrMapping/>
+  </p:clrMapOvr>
+</p:sldLayout>
+</file>
+
+<file path=ppt/slideLayouts/slideLayout13.xml><?xml version="1.0" encoding="utf-8"?>
+<p:sldLayout xmlns:a="http://schemas.openxmlformats.org/drawingml/2006/main" xmlns:r="http://schemas.openxmlformats.org/officeDocument/2006/relationships" xmlns:p="http://schemas.openxmlformats.org/presentationml/2006/main" preserve="1">
+  <p:cSld name="Namenskarte für Zitat">
+    <p:spTree>
+      <p:nvGrpSpPr>
+        <p:cNvPr id="1" name=""/>
+        <p:cNvGrpSpPr/>
+        <p:nvPr/>
+      </p:nvGrpSpPr>
+      <p:grpSpPr>
+        <a:xfrm>
+          <a:off x="0" y="0"/>
+          <a:ext cx="0" cy="0"/>
+          <a:chOff x="0" y="0"/>
+          <a:chExt cx="0" cy="0"/>
+        </a:xfrm>
+      </p:grpSpPr>
+      <p:sp>
+        <p:nvSpPr>
+          <p:cNvPr id="2" name="Title 1"/>
+          <p:cNvSpPr>
+            <a:spLocks noGrp="1"/>
+          </p:cNvSpPr>
+          <p:nvPr>
+            <p:ph type="title"/>
+          </p:nvPr>
+        </p:nvSpPr>
+        <p:spPr>
+          <a:xfrm>
+            <a:off x="931334" y="609600"/>
+            <a:ext cx="8094134" cy="3022600"/>
+          </a:xfrm>
+        </p:spPr>
+        <p:txBody>
+          <a:bodyPr anchor="ctr">
+            <a:normAutofit/>
+          </a:bodyPr>
+          <a:lstStyle>
+            <a:lvl1pPr algn="l">
+              <a:defRPr sz="4400" b="0" cap="none"/>
+            </a:lvl1pPr>
+          </a:lstStyle>
+          <a:p>
+            <a:r>
+              <a:rPr lang="de-DE"/>
+              <a:t>Mastertitelformat bearbeiten</a:t>
+            </a:r>
+            <a:endParaRPr lang="en-US" dirty="0"/>
+          </a:p>
+        </p:txBody>
+      </p:sp>
+      <p:sp>
+        <p:nvSpPr>
+          <p:cNvPr id="23" name="Text Placeholder 9"/>
+          <p:cNvSpPr>
+            <a:spLocks noGrp="1"/>
+          </p:cNvSpPr>
+          <p:nvPr>
+            <p:ph type="body" sz="quarter" idx="13"/>
+          </p:nvPr>
+        </p:nvSpPr>
+        <p:spPr>
+          <a:xfrm>
+            <a:off x="677332" y="4013200"/>
+            <a:ext cx="8596669" cy="514248"/>
+          </a:xfrm>
+        </p:spPr>
+        <p:txBody>
+          <a:bodyPr anchor="b">
+            <a:noAutofit/>
+          </a:bodyPr>
+          <a:lstStyle>
+            <a:lvl1pPr marL="0" indent="0">
+              <a:buFontTx/>
+              <a:buNone/>
+              <a:defRPr sz="2400">
+                <a:solidFill>
+                  <a:schemeClr val="tx1">
+                    <a:lumMod val="75000"/>
+                    <a:lumOff val="25000"/>
+                  </a:schemeClr>
+                </a:solidFill>
+              </a:defRPr>
+            </a:lvl1pPr>
+            <a:lvl2pPr marL="457200" indent="0">
+              <a:buFontTx/>
+              <a:buNone/>
+              <a:defRPr/>
+            </a:lvl2pPr>
+            <a:lvl3pPr marL="914400" indent="0">
+              <a:buFontTx/>
+              <a:buNone/>
+              <a:defRPr/>
+            </a:lvl3pPr>
+            <a:lvl4pPr marL="1371600" indent="0">
+              <a:buFontTx/>
+              <a:buNone/>
+              <a:defRPr/>
+            </a:lvl4pPr>
+            <a:lvl5pPr marL="1828800" indent="0">
+              <a:buFontTx/>
+              <a:buNone/>
+              <a:defRPr/>
+            </a:lvl5pPr>
+          </a:lstStyle>
+          <a:p>
+            <a:pPr lvl="0"/>
+            <a:r>
+              <a:rPr lang="de-DE"/>
+              <a:t>Mastertextformat bearbeiten</a:t>
+            </a:r>
+          </a:p>
+        </p:txBody>
+      </p:sp>
+      <p:sp>
+        <p:nvSpPr>
+          <p:cNvPr id="3" name="Text Placeholder 2"/>
+          <p:cNvSpPr>
+            <a:spLocks noGrp="1"/>
+          </p:cNvSpPr>
+          <p:nvPr>
+            <p:ph type="body" idx="1"/>
+          </p:nvPr>
+        </p:nvSpPr>
+        <p:spPr>
+          <a:xfrm>
+            <a:off x="677335" y="4527448"/>
+            <a:ext cx="8596668" cy="1513914"/>
+          </a:xfrm>
+        </p:spPr>
+        <p:txBody>
+          <a:bodyPr anchor="t">
+            <a:normAutofit/>
+          </a:bodyPr>
+          <a:lstStyle>
+            <a:lvl1pPr marL="0" indent="0" algn="l">
+              <a:buNone/>
+              <a:defRPr sz="1800">
+                <a:solidFill>
+                  <a:schemeClr val="tx1">
+                    <a:lumMod val="50000"/>
+                    <a:lumOff val="50000"/>
+                  </a:schemeClr>
+                </a:solidFill>
+              </a:defRPr>
+            </a:lvl1pPr>
+            <a:lvl2pPr marL="457200" indent="0">
+              <a:buNone/>
+              <a:defRPr sz="1800">
+                <a:solidFill>
+                  <a:schemeClr val="tx1">
+                    <a:tint val="75000"/>
+                  </a:schemeClr>
+                </a:solidFill>
+              </a:defRPr>
+            </a:lvl2pPr>
+            <a:lvl3pPr marL="914400" indent="0">
+              <a:buNone/>
+              <a:defRPr sz="1600">
+                <a:solidFill>
+                  <a:schemeClr val="tx1">
+                    <a:tint val="75000"/>
+                  </a:schemeClr>
+                </a:solidFill>
+              </a:defRPr>
+            </a:lvl3pPr>
+            <a:lvl4pPr marL="1371600" indent="0">
+              <a:buNone/>
+              <a:defRPr sz="1400">
+                <a:solidFill>
+                  <a:schemeClr val="tx1">
+                    <a:tint val="75000"/>
+                  </a:schemeClr>
+                </a:solidFill>
+              </a:defRPr>
+            </a:lvl4pPr>
+            <a:lvl5pPr marL="1828800" indent="0">
+              <a:buNone/>
+              <a:defRPr sz="1400">
+                <a:solidFill>
+                  <a:schemeClr val="tx1">
+                    <a:tint val="75000"/>
+                  </a:schemeClr>
+                </a:solidFill>
+              </a:defRPr>
+            </a:lvl5pPr>
+            <a:lvl6pPr marL="2286000" indent="0">
+              <a:buNone/>
+              <a:defRPr sz="1400">
+                <a:solidFill>
+                  <a:schemeClr val="tx1">
+                    <a:tint val="75000"/>
+                  </a:schemeClr>
+                </a:solidFill>
+              </a:defRPr>
+            </a:lvl6pPr>
+            <a:lvl7pPr marL="2743200" indent="0">
+              <a:buNone/>
+              <a:defRPr sz="1400">
+                <a:solidFill>
+                  <a:schemeClr val="tx1">
+                    <a:tint val="75000"/>
+                  </a:schemeClr>
+                </a:solidFill>
+              </a:defRPr>
+            </a:lvl7pPr>
+            <a:lvl8pPr marL="3200400" indent="0">
+              <a:buNone/>
+              <a:defRPr sz="1400">
+                <a:solidFill>
+                  <a:schemeClr val="tx1">
+                    <a:tint val="75000"/>
+                  </a:schemeClr>
+                </a:solidFill>
+              </a:defRPr>
+            </a:lvl8pPr>
+            <a:lvl9pPr marL="3657600" indent="0">
+              <a:buNone/>
+              <a:defRPr sz="1400">
+                <a:solidFill>
+                  <a:schemeClr val="tx1">
+                    <a:tint val="75000"/>
+                  </a:schemeClr>
+                </a:solidFill>
+              </a:defRPr>
+            </a:lvl9pPr>
+          </a:lstStyle>
+          <a:p>
+            <a:pPr lvl="0"/>
+            <a:r>
+              <a:rPr lang="de-DE"/>
+              <a:t>Mastertextformat bearbeiten</a:t>
+            </a:r>
+          </a:p>
+        </p:txBody>
+      </p:sp>
+      <p:sp>
+        <p:nvSpPr>
+          <p:cNvPr id="4" name="Date Placeholder 3"/>
+          <p:cNvSpPr>
+            <a:spLocks noGrp="1"/>
+          </p:cNvSpPr>
+          <p:nvPr>
+            <p:ph type="dt" sz="half" idx="10"/>
+          </p:nvPr>
+        </p:nvSpPr>
+        <p:spPr/>
+        <p:txBody>
+          <a:bodyPr/>
+          <a:lstStyle/>
+          <a:p>
+            <a:fld id="{DC9D8582-8A58-4132-A4EC-EC2F984BAC10}" type="datetimeFigureOut">
+              <a:rPr lang="de-DE" smtClean="0"/>
+              <a:t>15.05.2018</a:t>
+            </a:fld>
+            <a:endParaRPr lang="de-DE"/>
+          </a:p>
+        </p:txBody>
+      </p:sp>
+      <p:sp>
+        <p:nvSpPr>
+          <p:cNvPr id="5" name="Footer Placeholder 4"/>
+          <p:cNvSpPr>
+            <a:spLocks noGrp="1"/>
+          </p:cNvSpPr>
+          <p:nvPr>
+            <p:ph type="ftr" sz="quarter" idx="11"/>
+          </p:nvPr>
+        </p:nvSpPr>
+        <p:spPr/>
+        <p:txBody>
+          <a:bodyPr/>
+          <a:lstStyle/>
+          <a:p>
+            <a:endParaRPr lang="de-DE"/>
+          </a:p>
+        </p:txBody>
+      </p:sp>
+      <p:sp>
+        <p:nvSpPr>
+          <p:cNvPr id="6" name="Slide Number Placeholder 5"/>
+          <p:cNvSpPr>
+            <a:spLocks noGrp="1"/>
+          </p:cNvSpPr>
+          <p:nvPr>
+            <p:ph type="sldNum" sz="quarter" idx="12"/>
+          </p:nvPr>
+        </p:nvSpPr>
+        <p:spPr/>
+        <p:txBody>
+          <a:bodyPr/>
+          <a:lstStyle/>
+          <a:p>
+            <a:fld id="{6173E00B-14C1-4A5B-BA89-8B9B564DF5D3}" type="slidenum">
+              <a:rPr lang="de-DE" smtClean="0"/>
+              <a:t>‹Nr.›</a:t>
+            </a:fld>
+            <a:endParaRPr lang="de-DE"/>
+          </a:p>
+        </p:txBody>
+      </p:sp>
+      <p:sp>
+        <p:nvSpPr>
+          <p:cNvPr id="24" name="TextBox 23"/>
+          <p:cNvSpPr txBox="1"/>
+          <p:nvPr/>
+        </p:nvSpPr>
+        <p:spPr>
+          <a:xfrm>
+            <a:off x="541870" y="790378"/>
+            <a:ext cx="609600" cy="584776"/>
+          </a:xfrm>
+          <a:prstGeom prst="rect">
+            <a:avLst/>
+          </a:prstGeom>
+        </p:spPr>
+        <p:txBody>
+          <a:bodyPr vert="horz" lIns="91440" tIns="45720" rIns="91440" bIns="45720" rtlCol="0" anchor="ctr">
+            <a:noAutofit/>
+          </a:bodyPr>
+          <a:lstStyle/>
+          <a:p>
+            <a:pPr lvl="0"/>
+            <a:r>
+              <a:rPr lang="en-US" sz="8000" baseline="0" dirty="0">
+                <a:ln w="3175" cmpd="sng">
+                  <a:noFill/>
+                </a:ln>
+                <a:solidFill>
+                  <a:schemeClr val="accent1">
+                    <a:lumMod val="60000"/>
+                    <a:lumOff val="40000"/>
+                  </a:schemeClr>
+                </a:solidFill>
+                <a:effectLst/>
+                <a:latin typeface="Arial"/>
+              </a:rPr>
+              <a:t>“</a:t>
+            </a:r>
+          </a:p>
+        </p:txBody>
+      </p:sp>
+      <p:sp>
+        <p:nvSpPr>
+          <p:cNvPr id="25" name="TextBox 24"/>
+          <p:cNvSpPr txBox="1"/>
+          <p:nvPr/>
+        </p:nvSpPr>
+        <p:spPr>
+          <a:xfrm>
+            <a:off x="8893011" y="2886556"/>
+            <a:ext cx="609600" cy="584776"/>
+          </a:xfrm>
+          <a:prstGeom prst="rect">
+            <a:avLst/>
+          </a:prstGeom>
+        </p:spPr>
+        <p:txBody>
+          <a:bodyPr vert="horz" lIns="91440" tIns="45720" rIns="91440" bIns="45720" rtlCol="0" anchor="ctr">
+            <a:noAutofit/>
+          </a:bodyPr>
+          <a:lstStyle/>
+          <a:p>
+            <a:pPr lvl="0"/>
+            <a:r>
+              <a:rPr lang="en-US" sz="8000" baseline="0" dirty="0">
+                <a:ln w="3175" cmpd="sng">
+                  <a:noFill/>
+                </a:ln>
+                <a:solidFill>
+                  <a:schemeClr val="accent1">
+                    <a:lumMod val="60000"/>
+                    <a:lumOff val="40000"/>
+                  </a:schemeClr>
+                </a:solidFill>
+                <a:effectLst/>
+                <a:latin typeface="Arial"/>
+              </a:rPr>
+              <a:t>”</a:t>
+            </a:r>
+          </a:p>
+        </p:txBody>
+      </p:sp>
+    </p:spTree>
+    <p:extLst>
+      <p:ext uri="{BB962C8B-B14F-4D97-AF65-F5344CB8AC3E}">
+        <p14:creationId xmlns:p14="http://schemas.microsoft.com/office/powerpoint/2010/main" val="2151897270"/>
+      </p:ext>
+    </p:extLst>
+  </p:cSld>
+  <p:clrMapOvr>
+    <a:masterClrMapping/>
+  </p:clrMapOvr>
+</p:sldLayout>
+</file>
+
+<file path=ppt/slideLayouts/slideLayout14.xml><?xml version="1.0" encoding="utf-8"?>
+<p:sldLayout xmlns:a="http://schemas.openxmlformats.org/drawingml/2006/main" xmlns:r="http://schemas.openxmlformats.org/officeDocument/2006/relationships" xmlns:p="http://schemas.openxmlformats.org/presentationml/2006/main" preserve="1">
+  <p:cSld name="Wahr oder Falsch">
+    <p:spTree>
+      <p:nvGrpSpPr>
+        <p:cNvPr id="1" name=""/>
+        <p:cNvGrpSpPr/>
+        <p:nvPr/>
+      </p:nvGrpSpPr>
+      <p:grpSpPr>
+        <a:xfrm>
+          <a:off x="0" y="0"/>
+          <a:ext cx="0" cy="0"/>
+          <a:chOff x="0" y="0"/>
+          <a:chExt cx="0" cy="0"/>
+        </a:xfrm>
+      </p:grpSpPr>
+      <p:sp>
+        <p:nvSpPr>
+          <p:cNvPr id="2" name="Title 1"/>
+          <p:cNvSpPr>
+            <a:spLocks noGrp="1"/>
+          </p:cNvSpPr>
+          <p:nvPr>
+            <p:ph type="title"/>
+          </p:nvPr>
+        </p:nvSpPr>
+        <p:spPr>
+          <a:xfrm>
+            <a:off x="685799" y="609600"/>
+            <a:ext cx="8588203" cy="3022600"/>
+          </a:xfrm>
+        </p:spPr>
+        <p:txBody>
+          <a:bodyPr anchor="ctr">
+            <a:normAutofit/>
+          </a:bodyPr>
+          <a:lstStyle>
+            <a:lvl1pPr algn="l">
+              <a:defRPr sz="4400" b="0" cap="none"/>
+            </a:lvl1pPr>
+          </a:lstStyle>
+          <a:p>
+            <a:r>
+              <a:rPr lang="de-DE"/>
+              <a:t>Mastertitelformat bearbeiten</a:t>
+            </a:r>
+            <a:endParaRPr lang="en-US" dirty="0"/>
+          </a:p>
+        </p:txBody>
+      </p:sp>
+      <p:sp>
+        <p:nvSpPr>
+          <p:cNvPr id="23" name="Text Placeholder 9"/>
+          <p:cNvSpPr>
+            <a:spLocks noGrp="1"/>
+          </p:cNvSpPr>
+          <p:nvPr>
+            <p:ph type="body" sz="quarter" idx="13"/>
+          </p:nvPr>
+        </p:nvSpPr>
+        <p:spPr>
+          <a:xfrm>
+            <a:off x="677332" y="4013200"/>
+            <a:ext cx="8596669" cy="514248"/>
+          </a:xfrm>
+        </p:spPr>
+        <p:txBody>
+          <a:bodyPr anchor="b">
+            <a:noAutofit/>
+          </a:bodyPr>
+          <a:lstStyle>
+            <a:lvl1pPr marL="0" indent="0">
+              <a:buFontTx/>
+              <a:buNone/>
+              <a:defRPr sz="2400">
+                <a:solidFill>
+                  <a:schemeClr val="accent1"/>
+                </a:solidFill>
+              </a:defRPr>
+            </a:lvl1pPr>
+            <a:lvl2pPr marL="457200" indent="0">
+              <a:buFontTx/>
+              <a:buNone/>
+              <a:defRPr/>
+            </a:lvl2pPr>
+            <a:lvl3pPr marL="914400" indent="0">
+              <a:buFontTx/>
+              <a:buNone/>
+              <a:defRPr/>
+            </a:lvl3pPr>
+            <a:lvl4pPr marL="1371600" indent="0">
+              <a:buFontTx/>
+              <a:buNone/>
+              <a:defRPr/>
+            </a:lvl4pPr>
+            <a:lvl5pPr marL="1828800" indent="0">
+              <a:buFontTx/>
+              <a:buNone/>
+              <a:defRPr/>
+            </a:lvl5pPr>
+          </a:lstStyle>
+          <a:p>
+            <a:pPr lvl="0"/>
+            <a:r>
+              <a:rPr lang="de-DE"/>
+              <a:t>Mastertextformat bearbeiten</a:t>
+            </a:r>
+          </a:p>
+        </p:txBody>
+      </p:sp>
+      <p:sp>
+        <p:nvSpPr>
+          <p:cNvPr id="3" name="Text Placeholder 2"/>
+          <p:cNvSpPr>
+            <a:spLocks noGrp="1"/>
+          </p:cNvSpPr>
+          <p:nvPr>
+            <p:ph type="body" idx="1"/>
+          </p:nvPr>
+        </p:nvSpPr>
+        <p:spPr>
+          <a:xfrm>
+            <a:off x="677335" y="4527448"/>
+            <a:ext cx="8596668" cy="1513914"/>
+          </a:xfrm>
+        </p:spPr>
+        <p:txBody>
+          <a:bodyPr anchor="t">
+            <a:normAutofit/>
+          </a:bodyPr>
+          <a:lstStyle>
+            <a:lvl1pPr marL="0" indent="0" algn="l">
+              <a:buNone/>
+              <a:defRPr sz="1800">
+                <a:solidFill>
+                  <a:schemeClr val="tx1">
+                    <a:lumMod val="50000"/>
+                    <a:lumOff val="50000"/>
+                  </a:schemeClr>
+                </a:solidFill>
+              </a:defRPr>
+            </a:lvl1pPr>
+            <a:lvl2pPr marL="457200" indent="0">
+              <a:buNone/>
+              <a:defRPr sz="1800">
+                <a:solidFill>
+                  <a:schemeClr val="tx1">
+                    <a:tint val="75000"/>
+                  </a:schemeClr>
+                </a:solidFill>
+              </a:defRPr>
+            </a:lvl2pPr>
+            <a:lvl3pPr marL="914400" indent="0">
+              <a:buNone/>
+              <a:defRPr sz="1600">
+                <a:solidFill>
+                  <a:schemeClr val="tx1">
+                    <a:tint val="75000"/>
+                  </a:schemeClr>
+                </a:solidFill>
+              </a:defRPr>
+            </a:lvl3pPr>
+            <a:lvl4pPr marL="1371600" indent="0">
+              <a:buNone/>
+              <a:defRPr sz="1400">
+                <a:solidFill>
+                  <a:schemeClr val="tx1">
+                    <a:tint val="75000"/>
+                  </a:schemeClr>
+                </a:solidFill>
+              </a:defRPr>
+            </a:lvl4pPr>
+            <a:lvl5pPr marL="1828800" indent="0">
+              <a:buNone/>
+              <a:defRPr sz="1400">
+                <a:solidFill>
+                  <a:schemeClr val="tx1">
+                    <a:tint val="75000"/>
+                  </a:schemeClr>
+                </a:solidFill>
+              </a:defRPr>
+            </a:lvl5pPr>
+            <a:lvl6pPr marL="2286000" indent="0">
+              <a:buNone/>
+              <a:defRPr sz="1400">
+                <a:solidFill>
+                  <a:schemeClr val="tx1">
+                    <a:tint val="75000"/>
+                  </a:schemeClr>
+                </a:solidFill>
+              </a:defRPr>
+            </a:lvl6pPr>
+            <a:lvl7pPr marL="2743200" indent="0">
+              <a:buNone/>
+              <a:defRPr sz="1400">
+                <a:solidFill>
+                  <a:schemeClr val="tx1">
+                    <a:tint val="75000"/>
+                  </a:schemeClr>
+                </a:solidFill>
+              </a:defRPr>
+            </a:lvl7pPr>
+            <a:lvl8pPr marL="3200400" indent="0">
+              <a:buNone/>
+              <a:defRPr sz="1400">
+                <a:solidFill>
+                  <a:schemeClr val="tx1">
+                    <a:tint val="75000"/>
+                  </a:schemeClr>
+                </a:solidFill>
+              </a:defRPr>
+            </a:lvl8pPr>
+            <a:lvl9pPr marL="3657600" indent="0">
+              <a:buNone/>
+              <a:defRPr sz="1400">
+                <a:solidFill>
+                  <a:schemeClr val="tx1">
+                    <a:tint val="75000"/>
+                  </a:schemeClr>
+                </a:solidFill>
+              </a:defRPr>
+            </a:lvl9pPr>
+          </a:lstStyle>
+          <a:p>
+            <a:pPr lvl="0"/>
+            <a:r>
+              <a:rPr lang="de-DE"/>
+              <a:t>Mastertextformat bearbeiten</a:t>
+            </a:r>
+          </a:p>
+        </p:txBody>
+      </p:sp>
+      <p:sp>
+        <p:nvSpPr>
+          <p:cNvPr id="4" name="Date Placeholder 3"/>
+          <p:cNvSpPr>
+            <a:spLocks noGrp="1"/>
+          </p:cNvSpPr>
+          <p:nvPr>
+            <p:ph type="dt" sz="half" idx="10"/>
+          </p:nvPr>
+        </p:nvSpPr>
+        <p:spPr/>
+        <p:txBody>
+          <a:bodyPr/>
+          <a:lstStyle/>
+          <a:p>
+            <a:fld id="{DC9D8582-8A58-4132-A4EC-EC2F984BAC10}" type="datetimeFigureOut">
+              <a:rPr lang="de-DE" smtClean="0"/>
+              <a:t>15.05.2018</a:t>
+            </a:fld>
+            <a:endParaRPr lang="de-DE"/>
+          </a:p>
+        </p:txBody>
+      </p:sp>
+      <p:sp>
+        <p:nvSpPr>
+          <p:cNvPr id="5" name="Footer Placeholder 4"/>
+          <p:cNvSpPr>
+            <a:spLocks noGrp="1"/>
+          </p:cNvSpPr>
+          <p:nvPr>
+            <p:ph type="ftr" sz="quarter" idx="11"/>
+          </p:nvPr>
+        </p:nvSpPr>
+        <p:spPr/>
+        <p:txBody>
+          <a:bodyPr/>
+          <a:lstStyle/>
+          <a:p>
+            <a:endParaRPr lang="de-DE"/>
+          </a:p>
+        </p:txBody>
+      </p:sp>
+      <p:sp>
+        <p:nvSpPr>
+          <p:cNvPr id="6" name="Slide Number Placeholder 5"/>
+          <p:cNvSpPr>
+            <a:spLocks noGrp="1"/>
+          </p:cNvSpPr>
+          <p:nvPr>
+            <p:ph type="sldNum" sz="quarter" idx="12"/>
+          </p:nvPr>
+        </p:nvSpPr>
+        <p:spPr/>
+        <p:txBody>
+          <a:bodyPr/>
+          <a:lstStyle/>
+          <a:p>
+            <a:fld id="{6173E00B-14C1-4A5B-BA89-8B9B564DF5D3}" type="slidenum">
+              <a:rPr lang="de-DE" smtClean="0"/>
+              <a:t>‹Nr.›</a:t>
+            </a:fld>
+            <a:endParaRPr lang="de-DE"/>
+          </a:p>
+        </p:txBody>
+      </p:sp>
+    </p:spTree>
+    <p:extLst>
+      <p:ext uri="{BB962C8B-B14F-4D97-AF65-F5344CB8AC3E}">
+        <p14:creationId xmlns:p14="http://schemas.microsoft.com/office/powerpoint/2010/main" val="3579967757"/>
+      </p:ext>
+    </p:extLst>
+  </p:cSld>
+  <p:clrMapOvr>
+    <a:masterClrMapping/>
+  </p:clrMapOvr>
+</p:sldLayout>
+</file>
+
+<file path=ppt/slideLayouts/slideLayout15.xml><?xml version="1.0" encoding="utf-8"?>
 <p:sldLayout xmlns:a="http://schemas.openxmlformats.org/drawingml/2006/main" xmlns:r="http://schemas.openxmlformats.org/officeDocument/2006/relationships" xmlns:p="http://schemas.openxmlformats.org/presentationml/2006/main" type="vertTx" preserve="1">
   <p:cSld name="Titel und vertikaler Text">
     <p:spTree>
@@ -351,13 +2547,7 @@
       </p:grpSpPr>
       <p:sp>
         <p:nvSpPr>
-          <p:cNvPr id="2" name="Titel 1">
-            <a:extLst>
-              <a:ext uri="{FF2B5EF4-FFF2-40B4-BE49-F238E27FC236}">
-                <a16:creationId xmlns:a16="http://schemas.microsoft.com/office/drawing/2014/main" id="{6298271B-67DD-4613-81BB-F26896995029}"/>
-              </a:ext>
-            </a:extLst>
-          </p:cNvPr>
+          <p:cNvPr id="2" name="Title 1"/>
           <p:cNvSpPr>
             <a:spLocks noGrp="1"/>
           </p:cNvSpPr>
@@ -374,18 +2564,13 @@
               <a:rPr lang="de-DE"/>
               <a:t>Mastertitelformat bearbeiten</a:t>
             </a:r>
-          </a:p>
-        </p:txBody>
-      </p:sp>
-      <p:sp>
-        <p:nvSpPr>
-          <p:cNvPr id="3" name="Vertikaler Textplatzhalter 2">
-            <a:extLst>
-              <a:ext uri="{FF2B5EF4-FFF2-40B4-BE49-F238E27FC236}">
-                <a16:creationId xmlns:a16="http://schemas.microsoft.com/office/drawing/2014/main" id="{4AB9087F-0A31-4914-B42F-1E52BB2DF817}"/>
-              </a:ext>
-            </a:extLst>
-          </p:cNvPr>
+            <a:endParaRPr lang="en-US" dirty="0"/>
+          </a:p>
+        </p:txBody>
+      </p:sp>
+      <p:sp>
+        <p:nvSpPr>
+          <p:cNvPr id="3" name="Vertical Text Placeholder 2"/>
           <p:cNvSpPr>
             <a:spLocks noGrp="1"/>
           </p:cNvSpPr>
@@ -431,18 +2616,13 @@
               <a:rPr lang="de-DE"/>
               <a:t>Fünfte Ebene</a:t>
             </a:r>
-          </a:p>
-        </p:txBody>
-      </p:sp>
-      <p:sp>
-        <p:nvSpPr>
-          <p:cNvPr id="4" name="Datumsplatzhalter 3">
-            <a:extLst>
-              <a:ext uri="{FF2B5EF4-FFF2-40B4-BE49-F238E27FC236}">
-                <a16:creationId xmlns:a16="http://schemas.microsoft.com/office/drawing/2014/main" id="{720A850F-A2AE-4748-857F-28A4C20772A1}"/>
-              </a:ext>
-            </a:extLst>
-          </p:cNvPr>
+            <a:endParaRPr lang="en-US" dirty="0"/>
+          </a:p>
+        </p:txBody>
+      </p:sp>
+      <p:sp>
+        <p:nvSpPr>
+          <p:cNvPr id="4" name="Date Placeholder 3"/>
           <p:cNvSpPr>
             <a:spLocks noGrp="1"/>
           </p:cNvSpPr>
@@ -465,13 +2645,7 @@
       </p:sp>
       <p:sp>
         <p:nvSpPr>
-          <p:cNvPr id="5" name="Fußzeilenplatzhalter 4">
-            <a:extLst>
-              <a:ext uri="{FF2B5EF4-FFF2-40B4-BE49-F238E27FC236}">
-                <a16:creationId xmlns:a16="http://schemas.microsoft.com/office/drawing/2014/main" id="{ED7F38DA-60EE-4533-9A6E-02DAA5278B9A}"/>
-              </a:ext>
-            </a:extLst>
-          </p:cNvPr>
+          <p:cNvPr id="5" name="Footer Placeholder 4"/>
           <p:cNvSpPr>
             <a:spLocks noGrp="1"/>
           </p:cNvSpPr>
@@ -490,13 +2664,7 @@
       </p:sp>
       <p:sp>
         <p:nvSpPr>
-          <p:cNvPr id="6" name="Foliennummernplatzhalter 5">
-            <a:extLst>
-              <a:ext uri="{FF2B5EF4-FFF2-40B4-BE49-F238E27FC236}">
-                <a16:creationId xmlns:a16="http://schemas.microsoft.com/office/drawing/2014/main" id="{0304B473-F68E-446C-94B8-F3AA1453F5E3}"/>
-              </a:ext>
-            </a:extLst>
-          </p:cNvPr>
+          <p:cNvPr id="6" name="Slide Number Placeholder 5"/>
           <p:cNvSpPr>
             <a:spLocks noGrp="1"/>
           </p:cNvSpPr>
@@ -520,7 +2688,7 @@
     </p:spTree>
     <p:extLst>
       <p:ext uri="{BB962C8B-B14F-4D97-AF65-F5344CB8AC3E}">
-        <p14:creationId xmlns:p14="http://schemas.microsoft.com/office/powerpoint/2010/main" val="1896683010"/>
+        <p14:creationId xmlns:p14="http://schemas.microsoft.com/office/powerpoint/2010/main" val="658190739"/>
       </p:ext>
     </p:extLst>
   </p:cSld>
@@ -530,7 +2698,7 @@
 </p:sldLayout>
 </file>
 
-<file path=ppt/slideLayouts/slideLayout11.xml><?xml version="1.0" encoding="utf-8"?>
+<file path=ppt/slideLayouts/slideLayout16.xml><?xml version="1.0" encoding="utf-8"?>
 <p:sldLayout xmlns:a="http://schemas.openxmlformats.org/drawingml/2006/main" xmlns:r="http://schemas.openxmlformats.org/officeDocument/2006/relationships" xmlns:p="http://schemas.openxmlformats.org/presentationml/2006/main" type="vertTitleAndTx" preserve="1">
   <p:cSld name="Vertikaler Titel und Text">
     <p:spTree>
@@ -549,13 +2717,7 @@
       </p:grpSpPr>
       <p:sp>
         <p:nvSpPr>
-          <p:cNvPr id="2" name="Vertikaler Titel 1">
-            <a:extLst>
-              <a:ext uri="{FF2B5EF4-FFF2-40B4-BE49-F238E27FC236}">
-                <a16:creationId xmlns:a16="http://schemas.microsoft.com/office/drawing/2014/main" id="{2B46CD6F-B4D6-4DCC-89A9-C8611A2F0CBA}"/>
-              </a:ext>
-            </a:extLst>
-          </p:cNvPr>
+          <p:cNvPr id="2" name="Vertical Title 1"/>
           <p:cNvSpPr>
             <a:spLocks noGrp="1"/>
           </p:cNvSpPr>
@@ -565,30 +2727,25 @@
         </p:nvSpPr>
         <p:spPr>
           <a:xfrm>
-            <a:off x="8724900" y="365125"/>
-            <a:ext cx="2628900" cy="5811838"/>
+            <a:off x="7967673" y="609599"/>
+            <a:ext cx="1304743" cy="5251451"/>
           </a:xfrm>
         </p:spPr>
         <p:txBody>
-          <a:bodyPr vert="eaVert"/>
+          <a:bodyPr vert="eaVert" anchor="ctr"/>
           <a:lstStyle/>
           <a:p>
             <a:r>
               <a:rPr lang="de-DE"/>
               <a:t>Mastertitelformat bearbeiten</a:t>
             </a:r>
-          </a:p>
-        </p:txBody>
-      </p:sp>
-      <p:sp>
-        <p:nvSpPr>
-          <p:cNvPr id="3" name="Vertikaler Textplatzhalter 2">
-            <a:extLst>
-              <a:ext uri="{FF2B5EF4-FFF2-40B4-BE49-F238E27FC236}">
-                <a16:creationId xmlns:a16="http://schemas.microsoft.com/office/drawing/2014/main" id="{DAFAEA6E-F9C5-49ED-AD15-5C477C82E984}"/>
-              </a:ext>
-            </a:extLst>
-          </p:cNvPr>
+            <a:endParaRPr lang="en-US" dirty="0"/>
+          </a:p>
+        </p:txBody>
+      </p:sp>
+      <p:sp>
+        <p:nvSpPr>
+          <p:cNvPr id="3" name="Vertical Text Placeholder 2"/>
           <p:cNvSpPr>
             <a:spLocks noGrp="1"/>
           </p:cNvSpPr>
@@ -598,8 +2755,8 @@
         </p:nvSpPr>
         <p:spPr>
           <a:xfrm>
-            <a:off x="838200" y="365125"/>
-            <a:ext cx="7734300" cy="5811838"/>
+            <a:off x="677335" y="609600"/>
+            <a:ext cx="7060150" cy="5251450"/>
           </a:xfrm>
         </p:spPr>
         <p:txBody>
@@ -639,18 +2796,13 @@
               <a:rPr lang="de-DE"/>
               <a:t>Fünfte Ebene</a:t>
             </a:r>
-          </a:p>
-        </p:txBody>
-      </p:sp>
-      <p:sp>
-        <p:nvSpPr>
-          <p:cNvPr id="4" name="Datumsplatzhalter 3">
-            <a:extLst>
-              <a:ext uri="{FF2B5EF4-FFF2-40B4-BE49-F238E27FC236}">
-                <a16:creationId xmlns:a16="http://schemas.microsoft.com/office/drawing/2014/main" id="{1622DDB9-7230-4FF7-A1CB-BC64AFCFD19C}"/>
-              </a:ext>
-            </a:extLst>
-          </p:cNvPr>
+            <a:endParaRPr lang="en-US" dirty="0"/>
+          </a:p>
+        </p:txBody>
+      </p:sp>
+      <p:sp>
+        <p:nvSpPr>
+          <p:cNvPr id="4" name="Date Placeholder 3"/>
           <p:cNvSpPr>
             <a:spLocks noGrp="1"/>
           </p:cNvSpPr>
@@ -673,13 +2825,7 @@
       </p:sp>
       <p:sp>
         <p:nvSpPr>
-          <p:cNvPr id="5" name="Fußzeilenplatzhalter 4">
-            <a:extLst>
-              <a:ext uri="{FF2B5EF4-FFF2-40B4-BE49-F238E27FC236}">
-                <a16:creationId xmlns:a16="http://schemas.microsoft.com/office/drawing/2014/main" id="{EB1E5836-B259-48F9-AFB5-C759087BD6AF}"/>
-              </a:ext>
-            </a:extLst>
-          </p:cNvPr>
+          <p:cNvPr id="5" name="Footer Placeholder 4"/>
           <p:cNvSpPr>
             <a:spLocks noGrp="1"/>
           </p:cNvSpPr>
@@ -698,13 +2844,7 @@
       </p:sp>
       <p:sp>
         <p:nvSpPr>
-          <p:cNvPr id="6" name="Foliennummernplatzhalter 5">
-            <a:extLst>
-              <a:ext uri="{FF2B5EF4-FFF2-40B4-BE49-F238E27FC236}">
-                <a16:creationId xmlns:a16="http://schemas.microsoft.com/office/drawing/2014/main" id="{EA2E90F5-2756-4082-AE71-81AFB2405DAD}"/>
-              </a:ext>
-            </a:extLst>
-          </p:cNvPr>
+          <p:cNvPr id="6" name="Slide Number Placeholder 5"/>
           <p:cNvSpPr>
             <a:spLocks noGrp="1"/>
           </p:cNvSpPr>
@@ -728,7 +2868,7 @@
     </p:spTree>
     <p:extLst>
       <p:ext uri="{BB962C8B-B14F-4D97-AF65-F5344CB8AC3E}">
-        <p14:creationId xmlns:p14="http://schemas.microsoft.com/office/powerpoint/2010/main" val="3699603639"/>
+        <p14:creationId xmlns:p14="http://schemas.microsoft.com/office/powerpoint/2010/main" val="2485684261"/>
       </p:ext>
     </p:extLst>
   </p:cSld>
@@ -757,13 +2897,7 @@
       </p:grpSpPr>
       <p:sp>
         <p:nvSpPr>
-          <p:cNvPr id="2" name="Titel 1">
-            <a:extLst>
-              <a:ext uri="{FF2B5EF4-FFF2-40B4-BE49-F238E27FC236}">
-                <a16:creationId xmlns:a16="http://schemas.microsoft.com/office/drawing/2014/main" id="{B3B5DBE3-FE0F-414F-8981-CFA05EA13DFD}"/>
-              </a:ext>
-            </a:extLst>
-          </p:cNvPr>
+          <p:cNvPr id="2" name="Title 1"/>
           <p:cNvSpPr>
             <a:spLocks noGrp="1"/>
           </p:cNvSpPr>
@@ -780,18 +2914,13 @@
               <a:rPr lang="de-DE"/>
               <a:t>Mastertitelformat bearbeiten</a:t>
             </a:r>
-          </a:p>
-        </p:txBody>
-      </p:sp>
-      <p:sp>
-        <p:nvSpPr>
-          <p:cNvPr id="3" name="Inhaltsplatzhalter 2">
-            <a:extLst>
-              <a:ext uri="{FF2B5EF4-FFF2-40B4-BE49-F238E27FC236}">
-                <a16:creationId xmlns:a16="http://schemas.microsoft.com/office/drawing/2014/main" id="{82B12D4B-B429-416D-988A-1084DE60FE9E}"/>
-              </a:ext>
-            </a:extLst>
-          </p:cNvPr>
+            <a:endParaRPr lang="en-US" dirty="0"/>
+          </a:p>
+        </p:txBody>
+      </p:sp>
+      <p:sp>
+        <p:nvSpPr>
+          <p:cNvPr id="3" name="Content Placeholder 2"/>
           <p:cNvSpPr>
             <a:spLocks noGrp="1"/>
           </p:cNvSpPr>
@@ -837,18 +2966,13 @@
               <a:rPr lang="de-DE"/>
               <a:t>Fünfte Ebene</a:t>
             </a:r>
-          </a:p>
-        </p:txBody>
-      </p:sp>
-      <p:sp>
-        <p:nvSpPr>
-          <p:cNvPr id="4" name="Datumsplatzhalter 3">
-            <a:extLst>
-              <a:ext uri="{FF2B5EF4-FFF2-40B4-BE49-F238E27FC236}">
-                <a16:creationId xmlns:a16="http://schemas.microsoft.com/office/drawing/2014/main" id="{032E6756-E65A-456E-8FDB-30018A596AAF}"/>
-              </a:ext>
-            </a:extLst>
-          </p:cNvPr>
+            <a:endParaRPr lang="en-US" dirty="0"/>
+          </a:p>
+        </p:txBody>
+      </p:sp>
+      <p:sp>
+        <p:nvSpPr>
+          <p:cNvPr id="4" name="Date Placeholder 3"/>
           <p:cNvSpPr>
             <a:spLocks noGrp="1"/>
           </p:cNvSpPr>
@@ -871,13 +2995,7 @@
       </p:sp>
       <p:sp>
         <p:nvSpPr>
-          <p:cNvPr id="5" name="Fußzeilenplatzhalter 4">
-            <a:extLst>
-              <a:ext uri="{FF2B5EF4-FFF2-40B4-BE49-F238E27FC236}">
-                <a16:creationId xmlns:a16="http://schemas.microsoft.com/office/drawing/2014/main" id="{E5F5F4D4-2131-4737-8487-BD3804BFCDD7}"/>
-              </a:ext>
-            </a:extLst>
-          </p:cNvPr>
+          <p:cNvPr id="5" name="Footer Placeholder 4"/>
           <p:cNvSpPr>
             <a:spLocks noGrp="1"/>
           </p:cNvSpPr>
@@ -896,13 +3014,7 @@
       </p:sp>
       <p:sp>
         <p:nvSpPr>
-          <p:cNvPr id="6" name="Foliennummernplatzhalter 5">
-            <a:extLst>
-              <a:ext uri="{FF2B5EF4-FFF2-40B4-BE49-F238E27FC236}">
-                <a16:creationId xmlns:a16="http://schemas.microsoft.com/office/drawing/2014/main" id="{07BE84E6-7C3F-47D2-9C55-FD289978AF73}"/>
-              </a:ext>
-            </a:extLst>
-          </p:cNvPr>
+          <p:cNvPr id="6" name="Slide Number Placeholder 5"/>
           <p:cNvSpPr>
             <a:spLocks noGrp="1"/>
           </p:cNvSpPr>
@@ -926,7 +3038,7 @@
     </p:spTree>
     <p:extLst>
       <p:ext uri="{BB962C8B-B14F-4D97-AF65-F5344CB8AC3E}">
-        <p14:creationId xmlns:p14="http://schemas.microsoft.com/office/powerpoint/2010/main" val="1639794117"/>
+        <p14:creationId xmlns:p14="http://schemas.microsoft.com/office/powerpoint/2010/main" val="2183017658"/>
       </p:ext>
     </p:extLst>
   </p:cSld>
@@ -955,13 +3067,7 @@
       </p:grpSpPr>
       <p:sp>
         <p:nvSpPr>
-          <p:cNvPr id="2" name="Titel 1">
-            <a:extLst>
-              <a:ext uri="{FF2B5EF4-FFF2-40B4-BE49-F238E27FC236}">
-                <a16:creationId xmlns:a16="http://schemas.microsoft.com/office/drawing/2014/main" id="{A39F2465-809D-425B-8B65-C024767C5ECE}"/>
-              </a:ext>
-            </a:extLst>
-          </p:cNvPr>
+          <p:cNvPr id="2" name="Title 1"/>
           <p:cNvSpPr>
             <a:spLocks noGrp="1"/>
           </p:cNvSpPr>
@@ -971,15 +3077,15 @@
         </p:nvSpPr>
         <p:spPr>
           <a:xfrm>
-            <a:off x="831850" y="1709738"/>
-            <a:ext cx="10515600" cy="2852737"/>
+            <a:off x="677335" y="2700867"/>
+            <a:ext cx="8596668" cy="1826581"/>
           </a:xfrm>
         </p:spPr>
         <p:txBody>
           <a:bodyPr anchor="b"/>
           <a:lstStyle>
-            <a:lvl1pPr>
-              <a:defRPr sz="6000"/>
+            <a:lvl1pPr algn="l">
+              <a:defRPr sz="4000" b="0" cap="none"/>
             </a:lvl1pPr>
           </a:lstStyle>
           <a:p>
@@ -987,18 +3093,13 @@
               <a:rPr lang="de-DE"/>
               <a:t>Mastertitelformat bearbeiten</a:t>
             </a:r>
-          </a:p>
-        </p:txBody>
-      </p:sp>
-      <p:sp>
-        <p:nvSpPr>
-          <p:cNvPr id="3" name="Textplatzhalter 2">
-            <a:extLst>
-              <a:ext uri="{FF2B5EF4-FFF2-40B4-BE49-F238E27FC236}">
-                <a16:creationId xmlns:a16="http://schemas.microsoft.com/office/drawing/2014/main" id="{1F97FFCB-2E86-40F0-B4DC-72B8F7A555EF}"/>
-              </a:ext>
-            </a:extLst>
-          </p:cNvPr>
+            <a:endParaRPr lang="en-US" dirty="0"/>
+          </a:p>
+        </p:txBody>
+      </p:sp>
+      <p:sp>
+        <p:nvSpPr>
+          <p:cNvPr id="3" name="Text Placeholder 2"/>
           <p:cNvSpPr>
             <a:spLocks noGrp="1"/>
           </p:cNvSpPr>
@@ -1008,26 +3109,27 @@
         </p:nvSpPr>
         <p:spPr>
           <a:xfrm>
-            <a:off x="831850" y="4589463"/>
-            <a:ext cx="10515600" cy="1500187"/>
+            <a:off x="677335" y="4527448"/>
+            <a:ext cx="8596668" cy="860400"/>
           </a:xfrm>
         </p:spPr>
         <p:txBody>
-          <a:bodyPr/>
+          <a:bodyPr anchor="t"/>
           <a:lstStyle>
-            <a:lvl1pPr marL="0" indent="0">
-              <a:buNone/>
-              <a:defRPr sz="2400">
+            <a:lvl1pPr marL="0" indent="0" algn="l">
+              <a:buNone/>
+              <a:defRPr sz="2000">
                 <a:solidFill>
                   <a:schemeClr val="tx1">
-                    <a:tint val="75000"/>
+                    <a:lumMod val="50000"/>
+                    <a:lumOff val="50000"/>
                   </a:schemeClr>
                 </a:solidFill>
               </a:defRPr>
             </a:lvl1pPr>
             <a:lvl2pPr marL="457200" indent="0">
               <a:buNone/>
-              <a:defRPr sz="2000">
+              <a:defRPr sz="1800">
                 <a:solidFill>
                   <a:schemeClr val="tx1">
                     <a:tint val="75000"/>
@@ -1037,7 +3139,7 @@
             </a:lvl2pPr>
             <a:lvl3pPr marL="914400" indent="0">
               <a:buNone/>
-              <a:defRPr sz="1800">
+              <a:defRPr sz="1600">
                 <a:solidFill>
                   <a:schemeClr val="tx1">
                     <a:tint val="75000"/>
@@ -1047,7 +3149,7 @@
             </a:lvl3pPr>
             <a:lvl4pPr marL="1371600" indent="0">
               <a:buNone/>
-              <a:defRPr sz="1600">
+              <a:defRPr sz="1400">
                 <a:solidFill>
                   <a:schemeClr val="tx1">
                     <a:tint val="75000"/>
@@ -1057,7 +3159,7 @@
             </a:lvl4pPr>
             <a:lvl5pPr marL="1828800" indent="0">
               <a:buNone/>
-              <a:defRPr sz="1600">
+              <a:defRPr sz="1400">
                 <a:solidFill>
                   <a:schemeClr val="tx1">
                     <a:tint val="75000"/>
@@ -1067,7 +3169,7 @@
             </a:lvl5pPr>
             <a:lvl6pPr marL="2286000" indent="0">
               <a:buNone/>
-              <a:defRPr sz="1600">
+              <a:defRPr sz="1400">
                 <a:solidFill>
                   <a:schemeClr val="tx1">
                     <a:tint val="75000"/>
@@ -1077,7 +3179,7 @@
             </a:lvl6pPr>
             <a:lvl7pPr marL="2743200" indent="0">
               <a:buNone/>
-              <a:defRPr sz="1600">
+              <a:defRPr sz="1400">
                 <a:solidFill>
                   <a:schemeClr val="tx1">
                     <a:tint val="75000"/>
@@ -1087,7 +3189,7 @@
             </a:lvl7pPr>
             <a:lvl8pPr marL="3200400" indent="0">
               <a:buNone/>
-              <a:defRPr sz="1600">
+              <a:defRPr sz="1400">
                 <a:solidFill>
                   <a:schemeClr val="tx1">
                     <a:tint val="75000"/>
@@ -1097,7 +3199,7 @@
             </a:lvl8pPr>
             <a:lvl9pPr marL="3657600" indent="0">
               <a:buNone/>
-              <a:defRPr sz="1600">
+              <a:defRPr sz="1400">
                 <a:solidFill>
                   <a:schemeClr val="tx1">
                     <a:tint val="75000"/>
@@ -1117,13 +3219,7 @@
       </p:sp>
       <p:sp>
         <p:nvSpPr>
-          <p:cNvPr id="4" name="Datumsplatzhalter 3">
-            <a:extLst>
-              <a:ext uri="{FF2B5EF4-FFF2-40B4-BE49-F238E27FC236}">
-                <a16:creationId xmlns:a16="http://schemas.microsoft.com/office/drawing/2014/main" id="{1891AA5F-24D6-4556-8D98-B2B8334BB8D2}"/>
-              </a:ext>
-            </a:extLst>
-          </p:cNvPr>
+          <p:cNvPr id="4" name="Date Placeholder 3"/>
           <p:cNvSpPr>
             <a:spLocks noGrp="1"/>
           </p:cNvSpPr>
@@ -1146,13 +3242,7 @@
       </p:sp>
       <p:sp>
         <p:nvSpPr>
-          <p:cNvPr id="5" name="Fußzeilenplatzhalter 4">
-            <a:extLst>
-              <a:ext uri="{FF2B5EF4-FFF2-40B4-BE49-F238E27FC236}">
-                <a16:creationId xmlns:a16="http://schemas.microsoft.com/office/drawing/2014/main" id="{245D13A8-32F2-4682-A0BE-1A9CF1383C6C}"/>
-              </a:ext>
-            </a:extLst>
-          </p:cNvPr>
+          <p:cNvPr id="5" name="Footer Placeholder 4"/>
           <p:cNvSpPr>
             <a:spLocks noGrp="1"/>
           </p:cNvSpPr>
@@ -1171,13 +3261,7 @@
       </p:sp>
       <p:sp>
         <p:nvSpPr>
-          <p:cNvPr id="6" name="Foliennummernplatzhalter 5">
-            <a:extLst>
-              <a:ext uri="{FF2B5EF4-FFF2-40B4-BE49-F238E27FC236}">
-                <a16:creationId xmlns:a16="http://schemas.microsoft.com/office/drawing/2014/main" id="{F234F37A-2695-416C-AB81-6105F42324F4}"/>
-              </a:ext>
-            </a:extLst>
-          </p:cNvPr>
+          <p:cNvPr id="6" name="Slide Number Placeholder 5"/>
           <p:cNvSpPr>
             <a:spLocks noGrp="1"/>
           </p:cNvSpPr>
@@ -1201,7 +3285,7 @@
     </p:spTree>
     <p:extLst>
       <p:ext uri="{BB962C8B-B14F-4D97-AF65-F5344CB8AC3E}">
-        <p14:creationId xmlns:p14="http://schemas.microsoft.com/office/powerpoint/2010/main" val="227882274"/>
+        <p14:creationId xmlns:p14="http://schemas.microsoft.com/office/powerpoint/2010/main" val="1032133250"/>
       </p:ext>
     </p:extLst>
   </p:cSld>
@@ -1230,13 +3314,7 @@
       </p:grpSpPr>
       <p:sp>
         <p:nvSpPr>
-          <p:cNvPr id="2" name="Titel 1">
-            <a:extLst>
-              <a:ext uri="{FF2B5EF4-FFF2-40B4-BE49-F238E27FC236}">
-                <a16:creationId xmlns:a16="http://schemas.microsoft.com/office/drawing/2014/main" id="{F19ACF51-CEAA-4126-98C9-1FC7E2086096}"/>
-              </a:ext>
-            </a:extLst>
-          </p:cNvPr>
+          <p:cNvPr id="2" name="Title 1"/>
           <p:cNvSpPr>
             <a:spLocks noGrp="1"/>
           </p:cNvSpPr>
@@ -1253,18 +3331,13 @@
               <a:rPr lang="de-DE"/>
               <a:t>Mastertitelformat bearbeiten</a:t>
             </a:r>
-          </a:p>
-        </p:txBody>
-      </p:sp>
-      <p:sp>
-        <p:nvSpPr>
-          <p:cNvPr id="3" name="Inhaltsplatzhalter 2">
-            <a:extLst>
-              <a:ext uri="{FF2B5EF4-FFF2-40B4-BE49-F238E27FC236}">
-                <a16:creationId xmlns:a16="http://schemas.microsoft.com/office/drawing/2014/main" id="{BB8B837F-9EC3-4C2B-82F9-C2FF341DB6BD}"/>
-              </a:ext>
-            </a:extLst>
-          </p:cNvPr>
+            <a:endParaRPr lang="en-US" dirty="0"/>
+          </a:p>
+        </p:txBody>
+      </p:sp>
+      <p:sp>
+        <p:nvSpPr>
+          <p:cNvPr id="3" name="Content Placeholder 2"/>
           <p:cNvSpPr>
             <a:spLocks noGrp="1"/>
           </p:cNvSpPr>
@@ -1274,8 +3347,8 @@
         </p:nvSpPr>
         <p:spPr>
           <a:xfrm>
-            <a:off x="838200" y="1825625"/>
-            <a:ext cx="5181600" cy="4351338"/>
+            <a:off x="677334" y="2160589"/>
+            <a:ext cx="4184035" cy="3880772"/>
           </a:xfrm>
         </p:spPr>
         <p:txBody>
@@ -1315,18 +3388,13 @@
               <a:rPr lang="de-DE"/>
               <a:t>Fünfte Ebene</a:t>
             </a:r>
-          </a:p>
-        </p:txBody>
-      </p:sp>
-      <p:sp>
-        <p:nvSpPr>
-          <p:cNvPr id="4" name="Inhaltsplatzhalter 3">
-            <a:extLst>
-              <a:ext uri="{FF2B5EF4-FFF2-40B4-BE49-F238E27FC236}">
-                <a16:creationId xmlns:a16="http://schemas.microsoft.com/office/drawing/2014/main" id="{9EC1C0CA-EDD1-429E-8F09-DA6D9592AB0A}"/>
-              </a:ext>
-            </a:extLst>
-          </p:cNvPr>
+            <a:endParaRPr lang="en-US" dirty="0"/>
+          </a:p>
+        </p:txBody>
+      </p:sp>
+      <p:sp>
+        <p:nvSpPr>
+          <p:cNvPr id="4" name="Content Placeholder 3"/>
           <p:cNvSpPr>
             <a:spLocks noGrp="1"/>
           </p:cNvSpPr>
@@ -1336,8 +3404,8 @@
         </p:nvSpPr>
         <p:spPr>
           <a:xfrm>
-            <a:off x="6172200" y="1825625"/>
-            <a:ext cx="5181600" cy="4351338"/>
+            <a:off x="5089970" y="2160589"/>
+            <a:ext cx="4184034" cy="3880773"/>
           </a:xfrm>
         </p:spPr>
         <p:txBody>
@@ -1377,18 +3445,13 @@
               <a:rPr lang="de-DE"/>
               <a:t>Fünfte Ebene</a:t>
             </a:r>
-          </a:p>
-        </p:txBody>
-      </p:sp>
-      <p:sp>
-        <p:nvSpPr>
-          <p:cNvPr id="5" name="Datumsplatzhalter 4">
-            <a:extLst>
-              <a:ext uri="{FF2B5EF4-FFF2-40B4-BE49-F238E27FC236}">
-                <a16:creationId xmlns:a16="http://schemas.microsoft.com/office/drawing/2014/main" id="{9AF60950-2A5E-42A4-92F4-AFAB089470E0}"/>
-              </a:ext>
-            </a:extLst>
-          </p:cNvPr>
+            <a:endParaRPr lang="en-US" dirty="0"/>
+          </a:p>
+        </p:txBody>
+      </p:sp>
+      <p:sp>
+        <p:nvSpPr>
+          <p:cNvPr id="5" name="Date Placeholder 4"/>
           <p:cNvSpPr>
             <a:spLocks noGrp="1"/>
           </p:cNvSpPr>
@@ -1411,13 +3474,7 @@
       </p:sp>
       <p:sp>
         <p:nvSpPr>
-          <p:cNvPr id="6" name="Fußzeilenplatzhalter 5">
-            <a:extLst>
-              <a:ext uri="{FF2B5EF4-FFF2-40B4-BE49-F238E27FC236}">
-                <a16:creationId xmlns:a16="http://schemas.microsoft.com/office/drawing/2014/main" id="{6504E87A-11EF-4AC4-A321-3DBF5691FA14}"/>
-              </a:ext>
-            </a:extLst>
-          </p:cNvPr>
+          <p:cNvPr id="6" name="Footer Placeholder 5"/>
           <p:cNvSpPr>
             <a:spLocks noGrp="1"/>
           </p:cNvSpPr>
@@ -1436,13 +3493,7 @@
       </p:sp>
       <p:sp>
         <p:nvSpPr>
-          <p:cNvPr id="7" name="Foliennummernplatzhalter 6">
-            <a:extLst>
-              <a:ext uri="{FF2B5EF4-FFF2-40B4-BE49-F238E27FC236}">
-                <a16:creationId xmlns:a16="http://schemas.microsoft.com/office/drawing/2014/main" id="{5B4B9664-ADDA-44BD-B12D-E067D809B13E}"/>
-              </a:ext>
-            </a:extLst>
-          </p:cNvPr>
+          <p:cNvPr id="7" name="Slide Number Placeholder 6"/>
           <p:cNvSpPr>
             <a:spLocks noGrp="1"/>
           </p:cNvSpPr>
@@ -1466,7 +3517,7 @@
     </p:spTree>
     <p:extLst>
       <p:ext uri="{BB962C8B-B14F-4D97-AF65-F5344CB8AC3E}">
-        <p14:creationId xmlns:p14="http://schemas.microsoft.com/office/powerpoint/2010/main" val="2281796940"/>
+        <p14:creationId xmlns:p14="http://schemas.microsoft.com/office/powerpoint/2010/main" val="3687364250"/>
       </p:ext>
     </p:extLst>
   </p:cSld>
@@ -1495,13 +3546,7 @@
       </p:grpSpPr>
       <p:sp>
         <p:nvSpPr>
-          <p:cNvPr id="2" name="Titel 1">
-            <a:extLst>
-              <a:ext uri="{FF2B5EF4-FFF2-40B4-BE49-F238E27FC236}">
-                <a16:creationId xmlns:a16="http://schemas.microsoft.com/office/drawing/2014/main" id="{92AA065F-1989-4FC1-A273-C20088241073}"/>
-              </a:ext>
-            </a:extLst>
-          </p:cNvPr>
+          <p:cNvPr id="2" name="Title 1"/>
           <p:cNvSpPr>
             <a:spLocks noGrp="1"/>
           </p:cNvSpPr>
@@ -1509,32 +3554,26 @@
             <p:ph type="title"/>
           </p:nvPr>
         </p:nvSpPr>
-        <p:spPr>
-          <a:xfrm>
-            <a:off x="839788" y="365125"/>
-            <a:ext cx="10515600" cy="1325563"/>
-          </a:xfrm>
-        </p:spPr>
+        <p:spPr/>
         <p:txBody>
           <a:bodyPr/>
-          <a:lstStyle/>
+          <a:lstStyle>
+            <a:lvl1pPr>
+              <a:defRPr/>
+            </a:lvl1pPr>
+          </a:lstStyle>
           <a:p>
             <a:r>
               <a:rPr lang="de-DE"/>
               <a:t>Mastertitelformat bearbeiten</a:t>
             </a:r>
-          </a:p>
-        </p:txBody>
-      </p:sp>
-      <p:sp>
-        <p:nvSpPr>
-          <p:cNvPr id="3" name="Textplatzhalter 2">
-            <a:extLst>
-              <a:ext uri="{FF2B5EF4-FFF2-40B4-BE49-F238E27FC236}">
-                <a16:creationId xmlns:a16="http://schemas.microsoft.com/office/drawing/2014/main" id="{2226A193-EAD0-4686-8A9F-C48A8FA8C2E4}"/>
-              </a:ext>
-            </a:extLst>
-          </p:cNvPr>
+            <a:endParaRPr lang="en-US" dirty="0"/>
+          </a:p>
+        </p:txBody>
+      </p:sp>
+      <p:sp>
+        <p:nvSpPr>
+          <p:cNvPr id="3" name="Text Placeholder 2"/>
           <p:cNvSpPr>
             <a:spLocks noGrp="1"/>
           </p:cNvSpPr>
@@ -1544,16 +3583,18 @@
         </p:nvSpPr>
         <p:spPr>
           <a:xfrm>
-            <a:off x="839788" y="1681163"/>
-            <a:ext cx="5157787" cy="823912"/>
+            <a:off x="675745" y="2160983"/>
+            <a:ext cx="4185623" cy="576262"/>
           </a:xfrm>
         </p:spPr>
         <p:txBody>
-          <a:bodyPr anchor="b"/>
+          <a:bodyPr anchor="b">
+            <a:noAutofit/>
+          </a:bodyPr>
           <a:lstStyle>
             <a:lvl1pPr marL="0" indent="0">
               <a:buNone/>
-              <a:defRPr sz="2400" b="1"/>
+              <a:defRPr sz="2400" b="0"/>
             </a:lvl1pPr>
             <a:lvl2pPr marL="457200" indent="0">
               <a:buNone/>
@@ -1599,13 +3640,7 @@
       </p:sp>
       <p:sp>
         <p:nvSpPr>
-          <p:cNvPr id="4" name="Inhaltsplatzhalter 3">
-            <a:extLst>
-              <a:ext uri="{FF2B5EF4-FFF2-40B4-BE49-F238E27FC236}">
-                <a16:creationId xmlns:a16="http://schemas.microsoft.com/office/drawing/2014/main" id="{379DB17B-2C83-4A30-B607-E3571301A40A}"/>
-              </a:ext>
-            </a:extLst>
-          </p:cNvPr>
+          <p:cNvPr id="4" name="Content Placeholder 3"/>
           <p:cNvSpPr>
             <a:spLocks noGrp="1"/>
           </p:cNvSpPr>
@@ -1615,12 +3650,14 @@
         </p:nvSpPr>
         <p:spPr>
           <a:xfrm>
-            <a:off x="839788" y="2505075"/>
-            <a:ext cx="5157787" cy="3684588"/>
+            <a:off x="675745" y="2737245"/>
+            <a:ext cx="4185623" cy="3304117"/>
           </a:xfrm>
         </p:spPr>
         <p:txBody>
-          <a:bodyPr/>
+          <a:bodyPr>
+            <a:normAutofit/>
+          </a:bodyPr>
           <a:lstStyle/>
           <a:p>
             <a:pPr lvl="0"/>
@@ -1656,18 +3693,13 @@
               <a:rPr lang="de-DE"/>
               <a:t>Fünfte Ebene</a:t>
             </a:r>
-          </a:p>
-        </p:txBody>
-      </p:sp>
-      <p:sp>
-        <p:nvSpPr>
-          <p:cNvPr id="5" name="Textplatzhalter 4">
-            <a:extLst>
-              <a:ext uri="{FF2B5EF4-FFF2-40B4-BE49-F238E27FC236}">
-                <a16:creationId xmlns:a16="http://schemas.microsoft.com/office/drawing/2014/main" id="{F3AABF07-FBFE-4CB5-879D-F37D03F4F060}"/>
-              </a:ext>
-            </a:extLst>
-          </p:cNvPr>
+            <a:endParaRPr lang="en-US" dirty="0"/>
+          </a:p>
+        </p:txBody>
+      </p:sp>
+      <p:sp>
+        <p:nvSpPr>
+          <p:cNvPr id="5" name="Text Placeholder 4"/>
           <p:cNvSpPr>
             <a:spLocks noGrp="1"/>
           </p:cNvSpPr>
@@ -1677,16 +3709,18 @@
         </p:nvSpPr>
         <p:spPr>
           <a:xfrm>
-            <a:off x="6172200" y="1681163"/>
-            <a:ext cx="5183188" cy="823912"/>
+            <a:off x="5088383" y="2160983"/>
+            <a:ext cx="4185618" cy="576262"/>
           </a:xfrm>
         </p:spPr>
         <p:txBody>
-          <a:bodyPr anchor="b"/>
+          <a:bodyPr anchor="b">
+            <a:noAutofit/>
+          </a:bodyPr>
           <a:lstStyle>
             <a:lvl1pPr marL="0" indent="0">
               <a:buNone/>
-              <a:defRPr sz="2400" b="1"/>
+              <a:defRPr sz="2400" b="0"/>
             </a:lvl1pPr>
             <a:lvl2pPr marL="457200" indent="0">
               <a:buNone/>
@@ -1732,13 +3766,7 @@
       </p:sp>
       <p:sp>
         <p:nvSpPr>
-          <p:cNvPr id="6" name="Inhaltsplatzhalter 5">
-            <a:extLst>
-              <a:ext uri="{FF2B5EF4-FFF2-40B4-BE49-F238E27FC236}">
-                <a16:creationId xmlns:a16="http://schemas.microsoft.com/office/drawing/2014/main" id="{62795F7F-C769-4B15-99CA-A0B4D1E2CEC4}"/>
-              </a:ext>
-            </a:extLst>
-          </p:cNvPr>
+          <p:cNvPr id="6" name="Content Placeholder 5"/>
           <p:cNvSpPr>
             <a:spLocks noGrp="1"/>
           </p:cNvSpPr>
@@ -1748,12 +3776,14 @@
         </p:nvSpPr>
         <p:spPr>
           <a:xfrm>
-            <a:off x="6172200" y="2505075"/>
-            <a:ext cx="5183188" cy="3684588"/>
+            <a:off x="5088384" y="2737245"/>
+            <a:ext cx="4185617" cy="3304117"/>
           </a:xfrm>
         </p:spPr>
         <p:txBody>
-          <a:bodyPr/>
+          <a:bodyPr>
+            <a:normAutofit/>
+          </a:bodyPr>
           <a:lstStyle/>
           <a:p>
             <a:pPr lvl="0"/>
@@ -1789,18 +3819,13 @@
               <a:rPr lang="de-DE"/>
               <a:t>Fünfte Ebene</a:t>
             </a:r>
-          </a:p>
-        </p:txBody>
-      </p:sp>
-      <p:sp>
-        <p:nvSpPr>
-          <p:cNvPr id="7" name="Datumsplatzhalter 6">
-            <a:extLst>
-              <a:ext uri="{FF2B5EF4-FFF2-40B4-BE49-F238E27FC236}">
-                <a16:creationId xmlns:a16="http://schemas.microsoft.com/office/drawing/2014/main" id="{B5080814-F4E0-413A-B2E0-3099674EE2D4}"/>
-              </a:ext>
-            </a:extLst>
-          </p:cNvPr>
+            <a:endParaRPr lang="en-US" dirty="0"/>
+          </a:p>
+        </p:txBody>
+      </p:sp>
+      <p:sp>
+        <p:nvSpPr>
+          <p:cNvPr id="7" name="Date Placeholder 6"/>
           <p:cNvSpPr>
             <a:spLocks noGrp="1"/>
           </p:cNvSpPr>
@@ -1823,13 +3848,7 @@
       </p:sp>
       <p:sp>
         <p:nvSpPr>
-          <p:cNvPr id="8" name="Fußzeilenplatzhalter 7">
-            <a:extLst>
-              <a:ext uri="{FF2B5EF4-FFF2-40B4-BE49-F238E27FC236}">
-                <a16:creationId xmlns:a16="http://schemas.microsoft.com/office/drawing/2014/main" id="{69548626-C166-4ABF-BEDE-B49BDB281F1A}"/>
-              </a:ext>
-            </a:extLst>
-          </p:cNvPr>
+          <p:cNvPr id="8" name="Footer Placeholder 7"/>
           <p:cNvSpPr>
             <a:spLocks noGrp="1"/>
           </p:cNvSpPr>
@@ -1848,13 +3867,7 @@
       </p:sp>
       <p:sp>
         <p:nvSpPr>
-          <p:cNvPr id="9" name="Foliennummernplatzhalter 8">
-            <a:extLst>
-              <a:ext uri="{FF2B5EF4-FFF2-40B4-BE49-F238E27FC236}">
-                <a16:creationId xmlns:a16="http://schemas.microsoft.com/office/drawing/2014/main" id="{1FE5008F-CA35-4355-B166-A7315FDA4999}"/>
-              </a:ext>
-            </a:extLst>
-          </p:cNvPr>
+          <p:cNvPr id="9" name="Slide Number Placeholder 8"/>
           <p:cNvSpPr>
             <a:spLocks noGrp="1"/>
           </p:cNvSpPr>
@@ -1878,7 +3891,7 @@
     </p:spTree>
     <p:extLst>
       <p:ext uri="{BB962C8B-B14F-4D97-AF65-F5344CB8AC3E}">
-        <p14:creationId xmlns:p14="http://schemas.microsoft.com/office/powerpoint/2010/main" val="3232154483"/>
+        <p14:creationId xmlns:p14="http://schemas.microsoft.com/office/powerpoint/2010/main" val="4094367685"/>
       </p:ext>
     </p:extLst>
   </p:cSld>
@@ -1907,13 +3920,7 @@
       </p:grpSpPr>
       <p:sp>
         <p:nvSpPr>
-          <p:cNvPr id="2" name="Titel 1">
-            <a:extLst>
-              <a:ext uri="{FF2B5EF4-FFF2-40B4-BE49-F238E27FC236}">
-                <a16:creationId xmlns:a16="http://schemas.microsoft.com/office/drawing/2014/main" id="{1063CFD8-F00A-4D11-9F23-560713E572A1}"/>
-              </a:ext>
-            </a:extLst>
-          </p:cNvPr>
+          <p:cNvPr id="2" name="Title 1"/>
           <p:cNvSpPr>
             <a:spLocks noGrp="1"/>
           </p:cNvSpPr>
@@ -1921,7 +3928,12 @@
             <p:ph type="title"/>
           </p:nvPr>
         </p:nvSpPr>
-        <p:spPr/>
+        <p:spPr>
+          <a:xfrm>
+            <a:off x="677334" y="609600"/>
+            <a:ext cx="8596668" cy="1320800"/>
+          </a:xfrm>
+        </p:spPr>
         <p:txBody>
           <a:bodyPr/>
           <a:lstStyle/>
@@ -1930,18 +3942,13 @@
               <a:rPr lang="de-DE"/>
               <a:t>Mastertitelformat bearbeiten</a:t>
             </a:r>
-          </a:p>
-        </p:txBody>
-      </p:sp>
-      <p:sp>
-        <p:nvSpPr>
-          <p:cNvPr id="3" name="Datumsplatzhalter 2">
-            <a:extLst>
-              <a:ext uri="{FF2B5EF4-FFF2-40B4-BE49-F238E27FC236}">
-                <a16:creationId xmlns:a16="http://schemas.microsoft.com/office/drawing/2014/main" id="{4CB9E52F-D3C2-4AE8-8FC4-9A5D5CAF3D6A}"/>
-              </a:ext>
-            </a:extLst>
-          </p:cNvPr>
+            <a:endParaRPr lang="en-US" dirty="0"/>
+          </a:p>
+        </p:txBody>
+      </p:sp>
+      <p:sp>
+        <p:nvSpPr>
+          <p:cNvPr id="3" name="Date Placeholder 2"/>
           <p:cNvSpPr>
             <a:spLocks noGrp="1"/>
           </p:cNvSpPr>
@@ -1964,13 +3971,7 @@
       </p:sp>
       <p:sp>
         <p:nvSpPr>
-          <p:cNvPr id="4" name="Fußzeilenplatzhalter 3">
-            <a:extLst>
-              <a:ext uri="{FF2B5EF4-FFF2-40B4-BE49-F238E27FC236}">
-                <a16:creationId xmlns:a16="http://schemas.microsoft.com/office/drawing/2014/main" id="{48553532-B249-4983-AC80-EB0008FE28F2}"/>
-              </a:ext>
-            </a:extLst>
-          </p:cNvPr>
+          <p:cNvPr id="4" name="Footer Placeholder 3"/>
           <p:cNvSpPr>
             <a:spLocks noGrp="1"/>
           </p:cNvSpPr>
@@ -1989,13 +3990,7 @@
       </p:sp>
       <p:sp>
         <p:nvSpPr>
-          <p:cNvPr id="5" name="Foliennummernplatzhalter 4">
-            <a:extLst>
-              <a:ext uri="{FF2B5EF4-FFF2-40B4-BE49-F238E27FC236}">
-                <a16:creationId xmlns:a16="http://schemas.microsoft.com/office/drawing/2014/main" id="{B015A5EA-1FFF-4A5D-B51B-E15D98C9AE23}"/>
-              </a:ext>
-            </a:extLst>
-          </p:cNvPr>
+          <p:cNvPr id="5" name="Slide Number Placeholder 4"/>
           <p:cNvSpPr>
             <a:spLocks noGrp="1"/>
           </p:cNvSpPr>
@@ -2019,7 +4014,7 @@
     </p:spTree>
     <p:extLst>
       <p:ext uri="{BB962C8B-B14F-4D97-AF65-F5344CB8AC3E}">
-        <p14:creationId xmlns:p14="http://schemas.microsoft.com/office/powerpoint/2010/main" val="1465701080"/>
+        <p14:creationId xmlns:p14="http://schemas.microsoft.com/office/powerpoint/2010/main" val="159086495"/>
       </p:ext>
     </p:extLst>
   </p:cSld>
@@ -2048,13 +4043,7 @@
       </p:grpSpPr>
       <p:sp>
         <p:nvSpPr>
-          <p:cNvPr id="2" name="Datumsplatzhalter 1">
-            <a:extLst>
-              <a:ext uri="{FF2B5EF4-FFF2-40B4-BE49-F238E27FC236}">
-                <a16:creationId xmlns:a16="http://schemas.microsoft.com/office/drawing/2014/main" id="{481C710C-592B-48FF-8392-35CF2463016B}"/>
-              </a:ext>
-            </a:extLst>
-          </p:cNvPr>
+          <p:cNvPr id="2" name="Date Placeholder 1"/>
           <p:cNvSpPr>
             <a:spLocks noGrp="1"/>
           </p:cNvSpPr>
@@ -2077,13 +4066,7 @@
       </p:sp>
       <p:sp>
         <p:nvSpPr>
-          <p:cNvPr id="3" name="Fußzeilenplatzhalter 2">
-            <a:extLst>
-              <a:ext uri="{FF2B5EF4-FFF2-40B4-BE49-F238E27FC236}">
-                <a16:creationId xmlns:a16="http://schemas.microsoft.com/office/drawing/2014/main" id="{84E6CAFB-D2A4-4A46-B9D8-3386E2BC5B6F}"/>
-              </a:ext>
-            </a:extLst>
-          </p:cNvPr>
+          <p:cNvPr id="3" name="Footer Placeholder 2"/>
           <p:cNvSpPr>
             <a:spLocks noGrp="1"/>
           </p:cNvSpPr>
@@ -2102,13 +4085,7 @@
       </p:sp>
       <p:sp>
         <p:nvSpPr>
-          <p:cNvPr id="4" name="Foliennummernplatzhalter 3">
-            <a:extLst>
-              <a:ext uri="{FF2B5EF4-FFF2-40B4-BE49-F238E27FC236}">
-                <a16:creationId xmlns:a16="http://schemas.microsoft.com/office/drawing/2014/main" id="{66DC1E74-368A-400F-BECE-5BE00CE4BE57}"/>
-              </a:ext>
-            </a:extLst>
-          </p:cNvPr>
+          <p:cNvPr id="4" name="Slide Number Placeholder 3"/>
           <p:cNvSpPr>
             <a:spLocks noGrp="1"/>
           </p:cNvSpPr>
@@ -2132,7 +4109,7 @@
     </p:spTree>
     <p:extLst>
       <p:ext uri="{BB962C8B-B14F-4D97-AF65-F5344CB8AC3E}">
-        <p14:creationId xmlns:p14="http://schemas.microsoft.com/office/powerpoint/2010/main" val="382689821"/>
+        <p14:creationId xmlns:p14="http://schemas.microsoft.com/office/powerpoint/2010/main" val="2019511259"/>
       </p:ext>
     </p:extLst>
   </p:cSld>
@@ -2161,13 +4138,7 @@
       </p:grpSpPr>
       <p:sp>
         <p:nvSpPr>
-          <p:cNvPr id="2" name="Titel 1">
-            <a:extLst>
-              <a:ext uri="{FF2B5EF4-FFF2-40B4-BE49-F238E27FC236}">
-                <a16:creationId xmlns:a16="http://schemas.microsoft.com/office/drawing/2014/main" id="{F988E9DD-2F03-4B2F-8AEC-C9EF3E18BB41}"/>
-              </a:ext>
-            </a:extLst>
-          </p:cNvPr>
+          <p:cNvPr id="2" name="Title 1"/>
           <p:cNvSpPr>
             <a:spLocks noGrp="1"/>
           </p:cNvSpPr>
@@ -2177,15 +4148,17 @@
         </p:nvSpPr>
         <p:spPr>
           <a:xfrm>
-            <a:off x="839788" y="457200"/>
-            <a:ext cx="3932237" cy="1600200"/>
+            <a:off x="677334" y="1498604"/>
+            <a:ext cx="3854528" cy="1278466"/>
           </a:xfrm>
         </p:spPr>
         <p:txBody>
-          <a:bodyPr anchor="b"/>
+          <a:bodyPr anchor="b">
+            <a:normAutofit/>
+          </a:bodyPr>
           <a:lstStyle>
             <a:lvl1pPr>
-              <a:defRPr sz="3200"/>
+              <a:defRPr sz="2000"/>
             </a:lvl1pPr>
           </a:lstStyle>
           <a:p>
@@ -2193,18 +4166,13 @@
               <a:rPr lang="de-DE"/>
               <a:t>Mastertitelformat bearbeiten</a:t>
             </a:r>
-          </a:p>
-        </p:txBody>
-      </p:sp>
-      <p:sp>
-        <p:nvSpPr>
-          <p:cNvPr id="3" name="Inhaltsplatzhalter 2">
-            <a:extLst>
-              <a:ext uri="{FF2B5EF4-FFF2-40B4-BE49-F238E27FC236}">
-                <a16:creationId xmlns:a16="http://schemas.microsoft.com/office/drawing/2014/main" id="{3C5E3430-E8C8-4AAD-B970-33DDEB6EF533}"/>
-              </a:ext>
-            </a:extLst>
-          </p:cNvPr>
+            <a:endParaRPr lang="en-US" dirty="0"/>
+          </a:p>
+        </p:txBody>
+      </p:sp>
+      <p:sp>
+        <p:nvSpPr>
+          <p:cNvPr id="3" name="Content Placeholder 2"/>
           <p:cNvSpPr>
             <a:spLocks noGrp="1"/>
           </p:cNvSpPr>
@@ -2214,41 +4182,15 @@
         </p:nvSpPr>
         <p:spPr>
           <a:xfrm>
-            <a:off x="5183188" y="987425"/>
-            <a:ext cx="6172200" cy="4873625"/>
+            <a:off x="4760461" y="514924"/>
+            <a:ext cx="4513541" cy="5526437"/>
           </a:xfrm>
         </p:spPr>
         <p:txBody>
-          <a:bodyPr/>
-          <a:lstStyle>
-            <a:lvl1pPr>
-              <a:defRPr sz="3200"/>
-            </a:lvl1pPr>
-            <a:lvl2pPr>
-              <a:defRPr sz="2800"/>
-            </a:lvl2pPr>
-            <a:lvl3pPr>
-              <a:defRPr sz="2400"/>
-            </a:lvl3pPr>
-            <a:lvl4pPr>
-              <a:defRPr sz="2000"/>
-            </a:lvl4pPr>
-            <a:lvl5pPr>
-              <a:defRPr sz="2000"/>
-            </a:lvl5pPr>
-            <a:lvl6pPr>
-              <a:defRPr sz="2000"/>
-            </a:lvl6pPr>
-            <a:lvl7pPr>
-              <a:defRPr sz="2000"/>
-            </a:lvl7pPr>
-            <a:lvl8pPr>
-              <a:defRPr sz="2000"/>
-            </a:lvl8pPr>
-            <a:lvl9pPr>
-              <a:defRPr sz="2000"/>
-            </a:lvl9pPr>
-          </a:lstStyle>
+          <a:bodyPr>
+            <a:normAutofit/>
+          </a:bodyPr>
+          <a:lstStyle/>
           <a:p>
             <a:pPr lvl="0"/>
             <a:r>
@@ -2283,18 +4225,13 @@
               <a:rPr lang="de-DE"/>
               <a:t>Fünfte Ebene</a:t>
             </a:r>
-          </a:p>
-        </p:txBody>
-      </p:sp>
-      <p:sp>
-        <p:nvSpPr>
-          <p:cNvPr id="4" name="Textplatzhalter 3">
-            <a:extLst>
-              <a:ext uri="{FF2B5EF4-FFF2-40B4-BE49-F238E27FC236}">
-                <a16:creationId xmlns:a16="http://schemas.microsoft.com/office/drawing/2014/main" id="{BAE8E66E-752D-41D7-8634-ED19822ED23E}"/>
-              </a:ext>
-            </a:extLst>
-          </p:cNvPr>
+            <a:endParaRPr lang="en-US" dirty="0"/>
+          </a:p>
+        </p:txBody>
+      </p:sp>
+      <p:sp>
+        <p:nvSpPr>
+          <p:cNvPr id="4" name="Text Placeholder 3"/>
           <p:cNvSpPr>
             <a:spLocks noGrp="1"/>
           </p:cNvSpPr>
@@ -2304,46 +4241,48 @@
         </p:nvSpPr>
         <p:spPr>
           <a:xfrm>
-            <a:off x="839788" y="2057400"/>
-            <a:ext cx="3932237" cy="3811588"/>
+            <a:off x="677334" y="2777069"/>
+            <a:ext cx="3854528" cy="2584449"/>
           </a:xfrm>
         </p:spPr>
         <p:txBody>
-          <a:bodyPr/>
+          <a:bodyPr>
+            <a:normAutofit/>
+          </a:bodyPr>
           <a:lstStyle>
             <a:lvl1pPr marL="0" indent="0">
               <a:buNone/>
-              <a:defRPr sz="1600"/>
+              <a:defRPr sz="1400"/>
             </a:lvl1pPr>
-            <a:lvl2pPr marL="457200" indent="0">
+            <a:lvl2pPr marL="457063" indent="0">
               <a:buNone/>
               <a:defRPr sz="1400"/>
             </a:lvl2pPr>
-            <a:lvl3pPr marL="914400" indent="0">
+            <a:lvl3pPr marL="914126" indent="0">
               <a:buNone/>
               <a:defRPr sz="1200"/>
             </a:lvl3pPr>
-            <a:lvl4pPr marL="1371600" indent="0">
+            <a:lvl4pPr marL="1371189" indent="0">
               <a:buNone/>
               <a:defRPr sz="1000"/>
             </a:lvl4pPr>
-            <a:lvl5pPr marL="1828800" indent="0">
+            <a:lvl5pPr marL="1828251" indent="0">
               <a:buNone/>
               <a:defRPr sz="1000"/>
             </a:lvl5pPr>
-            <a:lvl6pPr marL="2286000" indent="0">
+            <a:lvl6pPr marL="2285314" indent="0">
               <a:buNone/>
               <a:defRPr sz="1000"/>
             </a:lvl6pPr>
-            <a:lvl7pPr marL="2743200" indent="0">
+            <a:lvl7pPr marL="2742377" indent="0">
               <a:buNone/>
               <a:defRPr sz="1000"/>
             </a:lvl7pPr>
-            <a:lvl8pPr marL="3200400" indent="0">
+            <a:lvl8pPr marL="3199440" indent="0">
               <a:buNone/>
               <a:defRPr sz="1000"/>
             </a:lvl8pPr>
-            <a:lvl9pPr marL="3657600" indent="0">
+            <a:lvl9pPr marL="3656503" indent="0">
               <a:buNone/>
               <a:defRPr sz="1000"/>
             </a:lvl9pPr>
@@ -2359,13 +4298,7 @@
       </p:sp>
       <p:sp>
         <p:nvSpPr>
-          <p:cNvPr id="5" name="Datumsplatzhalter 4">
-            <a:extLst>
-              <a:ext uri="{FF2B5EF4-FFF2-40B4-BE49-F238E27FC236}">
-                <a16:creationId xmlns:a16="http://schemas.microsoft.com/office/drawing/2014/main" id="{8A80C638-8B92-4BA8-A70F-8393735E106B}"/>
-              </a:ext>
-            </a:extLst>
-          </p:cNvPr>
+          <p:cNvPr id="5" name="Date Placeholder 4"/>
           <p:cNvSpPr>
             <a:spLocks noGrp="1"/>
           </p:cNvSpPr>
@@ -2388,13 +4321,7 @@
       </p:sp>
       <p:sp>
         <p:nvSpPr>
-          <p:cNvPr id="6" name="Fußzeilenplatzhalter 5">
-            <a:extLst>
-              <a:ext uri="{FF2B5EF4-FFF2-40B4-BE49-F238E27FC236}">
-                <a16:creationId xmlns:a16="http://schemas.microsoft.com/office/drawing/2014/main" id="{338D6AE1-F0E5-448A-B5D7-19E054BD7245}"/>
-              </a:ext>
-            </a:extLst>
-          </p:cNvPr>
+          <p:cNvPr id="6" name="Footer Placeholder 5"/>
           <p:cNvSpPr>
             <a:spLocks noGrp="1"/>
           </p:cNvSpPr>
@@ -2413,13 +4340,7 @@
       </p:sp>
       <p:sp>
         <p:nvSpPr>
-          <p:cNvPr id="7" name="Foliennummernplatzhalter 6">
-            <a:extLst>
-              <a:ext uri="{FF2B5EF4-FFF2-40B4-BE49-F238E27FC236}">
-                <a16:creationId xmlns:a16="http://schemas.microsoft.com/office/drawing/2014/main" id="{7D187FB8-8BDB-4FEB-9C24-4DF54533DB6F}"/>
-              </a:ext>
-            </a:extLst>
-          </p:cNvPr>
+          <p:cNvPr id="7" name="Slide Number Placeholder 6"/>
           <p:cNvSpPr>
             <a:spLocks noGrp="1"/>
           </p:cNvSpPr>
@@ -2443,7 +4364,7 @@
     </p:spTree>
     <p:extLst>
       <p:ext uri="{BB962C8B-B14F-4D97-AF65-F5344CB8AC3E}">
-        <p14:creationId xmlns:p14="http://schemas.microsoft.com/office/powerpoint/2010/main" val="586301482"/>
+        <p14:creationId xmlns:p14="http://schemas.microsoft.com/office/powerpoint/2010/main" val="52249236"/>
       </p:ext>
     </p:extLst>
   </p:cSld>
@@ -2472,13 +4393,7 @@
       </p:grpSpPr>
       <p:sp>
         <p:nvSpPr>
-          <p:cNvPr id="2" name="Titel 1">
-            <a:extLst>
-              <a:ext uri="{FF2B5EF4-FFF2-40B4-BE49-F238E27FC236}">
-                <a16:creationId xmlns:a16="http://schemas.microsoft.com/office/drawing/2014/main" id="{D7B8AF4F-23CB-4E58-94B8-FFA546C20A0B}"/>
-              </a:ext>
-            </a:extLst>
-          </p:cNvPr>
+          <p:cNvPr id="2" name="Title 1"/>
           <p:cNvSpPr>
             <a:spLocks noGrp="1"/>
           </p:cNvSpPr>
@@ -2488,15 +4403,17 @@
         </p:nvSpPr>
         <p:spPr>
           <a:xfrm>
-            <a:off x="839788" y="457200"/>
-            <a:ext cx="3932237" cy="1600200"/>
+            <a:off x="677334" y="4800600"/>
+            <a:ext cx="8596667" cy="566738"/>
           </a:xfrm>
         </p:spPr>
         <p:txBody>
-          <a:bodyPr anchor="b"/>
+          <a:bodyPr anchor="b">
+            <a:normAutofit/>
+          </a:bodyPr>
           <a:lstStyle>
-            <a:lvl1pPr>
-              <a:defRPr sz="3200"/>
+            <a:lvl1pPr algn="l">
+              <a:defRPr sz="2400" b="0"/>
             </a:lvl1pPr>
           </a:lstStyle>
           <a:p>
@@ -2504,20 +4421,15 @@
               <a:rPr lang="de-DE"/>
               <a:t>Mastertitelformat bearbeiten</a:t>
             </a:r>
-          </a:p>
-        </p:txBody>
-      </p:sp>
-      <p:sp>
-        <p:nvSpPr>
-          <p:cNvPr id="3" name="Bildplatzhalter 2">
-            <a:extLst>
-              <a:ext uri="{FF2B5EF4-FFF2-40B4-BE49-F238E27FC236}">
-                <a16:creationId xmlns:a16="http://schemas.microsoft.com/office/drawing/2014/main" id="{699F9B9F-574C-4D86-8212-A52FBA9D03EE}"/>
-              </a:ext>
-            </a:extLst>
-          </p:cNvPr>
+            <a:endParaRPr lang="en-US" dirty="0"/>
+          </a:p>
+        </p:txBody>
+      </p:sp>
+      <p:sp>
+        <p:nvSpPr>
+          <p:cNvPr id="3" name="Picture Placeholder 2"/>
           <p:cNvSpPr>
-            <a:spLocks noGrp="1"/>
+            <a:spLocks noGrp="1" noChangeAspect="1"/>
           </p:cNvSpPr>
           <p:nvPr>
             <p:ph type="pic" idx="1"/>
@@ -2525,64 +4437,64 @@
         </p:nvSpPr>
         <p:spPr>
           <a:xfrm>
-            <a:off x="5183188" y="987425"/>
-            <a:ext cx="6172200" cy="4873625"/>
+            <a:off x="677334" y="609600"/>
+            <a:ext cx="8596668" cy="3845718"/>
           </a:xfrm>
         </p:spPr>
         <p:txBody>
-          <a:bodyPr/>
+          <a:bodyPr anchor="t">
+            <a:normAutofit/>
+          </a:bodyPr>
           <a:lstStyle>
-            <a:lvl1pPr marL="0" indent="0">
-              <a:buNone/>
-              <a:defRPr sz="3200"/>
+            <a:lvl1pPr marL="0" indent="0" algn="ctr">
+              <a:buNone/>
+              <a:defRPr sz="1600"/>
             </a:lvl1pPr>
             <a:lvl2pPr marL="457200" indent="0">
               <a:buNone/>
-              <a:defRPr sz="2800"/>
+              <a:defRPr sz="1600"/>
             </a:lvl2pPr>
             <a:lvl3pPr marL="914400" indent="0">
               <a:buNone/>
-              <a:defRPr sz="2400"/>
+              <a:defRPr sz="1600"/>
             </a:lvl3pPr>
             <a:lvl4pPr marL="1371600" indent="0">
               <a:buNone/>
-              <a:defRPr sz="2000"/>
+              <a:defRPr sz="1600"/>
             </a:lvl4pPr>
             <a:lvl5pPr marL="1828800" indent="0">
               <a:buNone/>
-              <a:defRPr sz="2000"/>
+              <a:defRPr sz="1600"/>
             </a:lvl5pPr>
             <a:lvl6pPr marL="2286000" indent="0">
               <a:buNone/>
-              <a:defRPr sz="2000"/>
+              <a:defRPr sz="1600"/>
             </a:lvl6pPr>
             <a:lvl7pPr marL="2743200" indent="0">
               <a:buNone/>
-              <a:defRPr sz="2000"/>
+              <a:defRPr sz="1600"/>
             </a:lvl7pPr>
             <a:lvl8pPr marL="3200400" indent="0">
               <a:buNone/>
-              <a:defRPr sz="2000"/>
+              <a:defRPr sz="1600"/>
             </a:lvl8pPr>
             <a:lvl9pPr marL="3657600" indent="0">
               <a:buNone/>
-              <a:defRPr sz="2000"/>
+              <a:defRPr sz="1600"/>
             </a:lvl9pPr>
           </a:lstStyle>
           <a:p>
-            <a:endParaRPr lang="de-DE"/>
-          </a:p>
-        </p:txBody>
-      </p:sp>
-      <p:sp>
-        <p:nvSpPr>
-          <p:cNvPr id="4" name="Textplatzhalter 3">
-            <a:extLst>
-              <a:ext uri="{FF2B5EF4-FFF2-40B4-BE49-F238E27FC236}">
-                <a16:creationId xmlns:a16="http://schemas.microsoft.com/office/drawing/2014/main" id="{4542EA9C-7B01-44FC-B268-C2A04428DF09}"/>
-              </a:ext>
-            </a:extLst>
-          </p:cNvPr>
+            <a:r>
+              <a:rPr lang="de-DE"/>
+              <a:t>Bild durch Klicken auf Symbol hinzufügen</a:t>
+            </a:r>
+            <a:endParaRPr lang="en-US" dirty="0"/>
+          </a:p>
+        </p:txBody>
+      </p:sp>
+      <p:sp>
+        <p:nvSpPr>
+          <p:cNvPr id="4" name="Text Placeholder 3"/>
           <p:cNvSpPr>
             <a:spLocks noGrp="1"/>
           </p:cNvSpPr>
@@ -2592,48 +4504,50 @@
         </p:nvSpPr>
         <p:spPr>
           <a:xfrm>
-            <a:off x="839788" y="2057400"/>
-            <a:ext cx="3932237" cy="3811588"/>
+            <a:off x="677334" y="5367338"/>
+            <a:ext cx="8596667" cy="674024"/>
           </a:xfrm>
         </p:spPr>
         <p:txBody>
-          <a:bodyPr/>
+          <a:bodyPr>
+            <a:normAutofit/>
+          </a:bodyPr>
           <a:lstStyle>
             <a:lvl1pPr marL="0" indent="0">
               <a:buNone/>
-              <a:defRPr sz="1600"/>
+              <a:defRPr sz="1200"/>
             </a:lvl1pPr>
             <a:lvl2pPr marL="457200" indent="0">
               <a:buNone/>
-              <a:defRPr sz="1400"/>
+              <a:defRPr sz="1200"/>
             </a:lvl2pPr>
             <a:lvl3pPr marL="914400" indent="0">
               <a:buNone/>
-              <a:defRPr sz="1200"/>
+              <a:defRPr sz="1000"/>
             </a:lvl3pPr>
             <a:lvl4pPr marL="1371600" indent="0">
               <a:buNone/>
-              <a:defRPr sz="1000"/>
+              <a:defRPr sz="900"/>
             </a:lvl4pPr>
             <a:lvl5pPr marL="1828800" indent="0">
               <a:buNone/>
-              <a:defRPr sz="1000"/>
+              <a:defRPr sz="900"/>
             </a:lvl5pPr>
             <a:lvl6pPr marL="2286000" indent="0">
               <a:buNone/>
-              <a:defRPr sz="1000"/>
+              <a:defRPr sz="900"/>
             </a:lvl6pPr>
             <a:lvl7pPr marL="2743200" indent="0">
               <a:buNone/>
-              <a:defRPr sz="1000"/>
+              <a:defRPr sz="900"/>
             </a:lvl7pPr>
             <a:lvl8pPr marL="3200400" indent="0">
               <a:buNone/>
-              <a:defRPr sz="1000"/>
+              <a:defRPr sz="900"/>
             </a:lvl8pPr>
             <a:lvl9pPr marL="3657600" indent="0">
               <a:buNone/>
-              <a:defRPr sz="1000"/>
+              <a:defRPr sz="900"/>
             </a:lvl9pPr>
           </a:lstStyle>
           <a:p>
@@ -2647,13 +4561,49 @@
       </p:sp>
       <p:sp>
         <p:nvSpPr>
-          <p:cNvPr id="5" name="Datumsplatzhalter 4">
-            <a:extLst>
-              <a:ext uri="{FF2B5EF4-FFF2-40B4-BE49-F238E27FC236}">
-                <a16:creationId xmlns:a16="http://schemas.microsoft.com/office/drawing/2014/main" id="{BE1588BA-E7F6-4B90-A6ED-804CAEEDFC30}"/>
-              </a:ext>
-            </a:extLst>
-          </p:cNvPr>
+          <p:cNvPr id="6" name="Footer Placeholder 5"/>
+          <p:cNvSpPr>
+            <a:spLocks noGrp="1"/>
+          </p:cNvSpPr>
+          <p:nvPr>
+            <p:ph type="ftr" sz="quarter" idx="11"/>
+          </p:nvPr>
+        </p:nvSpPr>
+        <p:spPr/>
+        <p:txBody>
+          <a:bodyPr/>
+          <a:lstStyle/>
+          <a:p>
+            <a:endParaRPr lang="de-DE"/>
+          </a:p>
+        </p:txBody>
+      </p:sp>
+      <p:sp>
+        <p:nvSpPr>
+          <p:cNvPr id="7" name="Slide Number Placeholder 6"/>
+          <p:cNvSpPr>
+            <a:spLocks noGrp="1"/>
+          </p:cNvSpPr>
+          <p:nvPr>
+            <p:ph type="sldNum" sz="quarter" idx="12"/>
+          </p:nvPr>
+        </p:nvSpPr>
+        <p:spPr/>
+        <p:txBody>
+          <a:bodyPr/>
+          <a:lstStyle/>
+          <a:p>
+            <a:fld id="{6173E00B-14C1-4A5B-BA89-8B9B564DF5D3}" type="slidenum">
+              <a:rPr lang="de-DE" smtClean="0"/>
+              <a:t>‹Nr.›</a:t>
+            </a:fld>
+            <a:endParaRPr lang="de-DE"/>
+          </a:p>
+        </p:txBody>
+      </p:sp>
+      <p:sp>
+        <p:nvSpPr>
+          <p:cNvPr id="5" name="Date Placeholder 4"/>
           <p:cNvSpPr>
             <a:spLocks noGrp="1"/>
           </p:cNvSpPr>
@@ -2674,64 +4624,10 @@
           </a:p>
         </p:txBody>
       </p:sp>
-      <p:sp>
-        <p:nvSpPr>
-          <p:cNvPr id="6" name="Fußzeilenplatzhalter 5">
-            <a:extLst>
-              <a:ext uri="{FF2B5EF4-FFF2-40B4-BE49-F238E27FC236}">
-                <a16:creationId xmlns:a16="http://schemas.microsoft.com/office/drawing/2014/main" id="{02B87014-552F-4F53-81B3-3CD1CCDC7652}"/>
-              </a:ext>
-            </a:extLst>
-          </p:cNvPr>
-          <p:cNvSpPr>
-            <a:spLocks noGrp="1"/>
-          </p:cNvSpPr>
-          <p:nvPr>
-            <p:ph type="ftr" sz="quarter" idx="11"/>
-          </p:nvPr>
-        </p:nvSpPr>
-        <p:spPr/>
-        <p:txBody>
-          <a:bodyPr/>
-          <a:lstStyle/>
-          <a:p>
-            <a:endParaRPr lang="de-DE"/>
-          </a:p>
-        </p:txBody>
-      </p:sp>
-      <p:sp>
-        <p:nvSpPr>
-          <p:cNvPr id="7" name="Foliennummernplatzhalter 6">
-            <a:extLst>
-              <a:ext uri="{FF2B5EF4-FFF2-40B4-BE49-F238E27FC236}">
-                <a16:creationId xmlns:a16="http://schemas.microsoft.com/office/drawing/2014/main" id="{E78B8FE3-5334-495C-ABF8-B30C277717D5}"/>
-              </a:ext>
-            </a:extLst>
-          </p:cNvPr>
-          <p:cNvSpPr>
-            <a:spLocks noGrp="1"/>
-          </p:cNvSpPr>
-          <p:nvPr>
-            <p:ph type="sldNum" sz="quarter" idx="12"/>
-          </p:nvPr>
-        </p:nvSpPr>
-        <p:spPr/>
-        <p:txBody>
-          <a:bodyPr/>
-          <a:lstStyle/>
-          <a:p>
-            <a:fld id="{6173E00B-14C1-4A5B-BA89-8B9B564DF5D3}" type="slidenum">
-              <a:rPr lang="de-DE" smtClean="0"/>
-              <a:t>‹Nr.›</a:t>
-            </a:fld>
-            <a:endParaRPr lang="de-DE"/>
-          </a:p>
-        </p:txBody>
-      </p:sp>
     </p:spTree>
     <p:extLst>
       <p:ext uri="{BB962C8B-B14F-4D97-AF65-F5344CB8AC3E}">
-        <p14:creationId xmlns:p14="http://schemas.microsoft.com/office/powerpoint/2010/main" val="2316744049"/>
+        <p14:creationId xmlns:p14="http://schemas.microsoft.com/office/powerpoint/2010/main" val="3630464790"/>
       </p:ext>
     </p:extLst>
   </p:cSld>
@@ -2763,15 +4659,540 @@
           <a:chExt cx="0" cy="0"/>
         </a:xfrm>
       </p:grpSpPr>
-      <p:sp>
-        <p:nvSpPr>
-          <p:cNvPr id="2" name="Titelplatzhalter 1">
-            <a:extLst>
-              <a:ext uri="{FF2B5EF4-FFF2-40B4-BE49-F238E27FC236}">
-                <a16:creationId xmlns:a16="http://schemas.microsoft.com/office/drawing/2014/main" id="{063DC0E7-54BF-4F60-AB13-E9381A6199B7}"/>
-              </a:ext>
-            </a:extLst>
-          </p:cNvPr>
+      <p:grpSp>
+        <p:nvGrpSpPr>
+          <p:cNvPr id="44" name="Group 43"/>
+          <p:cNvGrpSpPr/>
+          <p:nvPr/>
+        </p:nvGrpSpPr>
+        <p:grpSpPr>
+          <a:xfrm>
+            <a:off x="0" y="-8467"/>
+            <a:ext cx="12192000" cy="6866467"/>
+            <a:chOff x="0" y="-8467"/>
+            <a:chExt cx="12192000" cy="6866467"/>
+          </a:xfrm>
+        </p:grpSpPr>
+        <p:cxnSp>
+          <p:nvCxnSpPr>
+            <p:cNvPr id="20" name="Straight Connector 19"/>
+            <p:cNvCxnSpPr/>
+            <p:nvPr/>
+          </p:nvCxnSpPr>
+          <p:spPr>
+            <a:xfrm>
+              <a:off x="9371012" y="0"/>
+              <a:ext cx="1219200" cy="6858000"/>
+            </a:xfrm>
+            <a:prstGeom prst="line">
+              <a:avLst/>
+            </a:prstGeom>
+            <a:ln w="9525">
+              <a:solidFill>
+                <a:schemeClr val="accent1">
+                  <a:alpha val="70000"/>
+                </a:schemeClr>
+              </a:solidFill>
+            </a:ln>
+          </p:spPr>
+          <p:style>
+            <a:lnRef idx="2">
+              <a:schemeClr val="accent1"/>
+            </a:lnRef>
+            <a:fillRef idx="0">
+              <a:schemeClr val="accent1"/>
+            </a:fillRef>
+            <a:effectRef idx="1">
+              <a:schemeClr val="accent1"/>
+            </a:effectRef>
+            <a:fontRef idx="minor">
+              <a:schemeClr val="tx1"/>
+            </a:fontRef>
+          </p:style>
+        </p:cxnSp>
+        <p:cxnSp>
+          <p:nvCxnSpPr>
+            <p:cNvPr id="21" name="Straight Connector 20"/>
+            <p:cNvCxnSpPr/>
+            <p:nvPr/>
+          </p:nvCxnSpPr>
+          <p:spPr>
+            <a:xfrm flipH="1">
+              <a:off x="7425267" y="3681413"/>
+              <a:ext cx="4763558" cy="3176587"/>
+            </a:xfrm>
+            <a:prstGeom prst="line">
+              <a:avLst/>
+            </a:prstGeom>
+            <a:ln w="9525">
+              <a:solidFill>
+                <a:schemeClr val="accent1">
+                  <a:alpha val="70000"/>
+                </a:schemeClr>
+              </a:solidFill>
+            </a:ln>
+          </p:spPr>
+          <p:style>
+            <a:lnRef idx="2">
+              <a:schemeClr val="accent1"/>
+            </a:lnRef>
+            <a:fillRef idx="0">
+              <a:schemeClr val="accent1"/>
+            </a:fillRef>
+            <a:effectRef idx="1">
+              <a:schemeClr val="accent1"/>
+            </a:effectRef>
+            <a:fontRef idx="minor">
+              <a:schemeClr val="tx1"/>
+            </a:fontRef>
+          </p:style>
+        </p:cxnSp>
+        <p:sp>
+          <p:nvSpPr>
+            <p:cNvPr id="22" name="Rectangle 23"/>
+            <p:cNvSpPr/>
+            <p:nvPr/>
+          </p:nvSpPr>
+          <p:spPr>
+            <a:xfrm>
+              <a:off x="9181476" y="-8467"/>
+              <a:ext cx="3007349" cy="6866467"/>
+            </a:xfrm>
+            <a:custGeom>
+              <a:avLst/>
+              <a:gdLst/>
+              <a:ahLst/>
+              <a:cxnLst/>
+              <a:rect l="l" t="t" r="r" b="b"/>
+              <a:pathLst>
+                <a:path w="3007349" h="6866467">
+                  <a:moveTo>
+                    <a:pt x="2045532" y="0"/>
+                  </a:moveTo>
+                  <a:lnTo>
+                    <a:pt x="3007349" y="0"/>
+                  </a:lnTo>
+                  <a:lnTo>
+                    <a:pt x="3007349" y="6866467"/>
+                  </a:lnTo>
+                  <a:lnTo>
+                    <a:pt x="0" y="6866467"/>
+                  </a:lnTo>
+                  <a:lnTo>
+                    <a:pt x="2045532" y="0"/>
+                  </a:lnTo>
+                  <a:close/>
+                </a:path>
+              </a:pathLst>
+            </a:custGeom>
+            <a:solidFill>
+              <a:schemeClr val="accent1">
+                <a:alpha val="36000"/>
+              </a:schemeClr>
+            </a:solidFill>
+            <a:ln>
+              <a:noFill/>
+            </a:ln>
+            <a:effectLst/>
+          </p:spPr>
+          <p:style>
+            <a:lnRef idx="1">
+              <a:schemeClr val="accent1"/>
+            </a:lnRef>
+            <a:fillRef idx="3">
+              <a:schemeClr val="accent1"/>
+            </a:fillRef>
+            <a:effectRef idx="2">
+              <a:schemeClr val="accent1"/>
+            </a:effectRef>
+            <a:fontRef idx="minor">
+              <a:schemeClr val="lt1"/>
+            </a:fontRef>
+          </p:style>
+        </p:sp>
+        <p:sp>
+          <p:nvSpPr>
+            <p:cNvPr id="23" name="Rectangle 25"/>
+            <p:cNvSpPr/>
+            <p:nvPr/>
+          </p:nvSpPr>
+          <p:spPr>
+            <a:xfrm>
+              <a:off x="9603442" y="-8467"/>
+              <a:ext cx="2588558" cy="6866467"/>
+            </a:xfrm>
+            <a:custGeom>
+              <a:avLst/>
+              <a:gdLst/>
+              <a:ahLst/>
+              <a:cxnLst/>
+              <a:rect l="l" t="t" r="r" b="b"/>
+              <a:pathLst>
+                <a:path w="2573311" h="6866467">
+                  <a:moveTo>
+                    <a:pt x="0" y="0"/>
+                  </a:moveTo>
+                  <a:lnTo>
+                    <a:pt x="2573311" y="0"/>
+                  </a:lnTo>
+                  <a:lnTo>
+                    <a:pt x="2573311" y="6866467"/>
+                  </a:lnTo>
+                  <a:lnTo>
+                    <a:pt x="1202336" y="6866467"/>
+                  </a:lnTo>
+                  <a:lnTo>
+                    <a:pt x="0" y="0"/>
+                  </a:lnTo>
+                  <a:close/>
+                </a:path>
+              </a:pathLst>
+            </a:custGeom>
+            <a:solidFill>
+              <a:schemeClr val="accent1">
+                <a:alpha val="20000"/>
+              </a:schemeClr>
+            </a:solidFill>
+            <a:ln>
+              <a:noFill/>
+            </a:ln>
+            <a:effectLst/>
+          </p:spPr>
+          <p:style>
+            <a:lnRef idx="1">
+              <a:schemeClr val="accent1"/>
+            </a:lnRef>
+            <a:fillRef idx="3">
+              <a:schemeClr val="accent1"/>
+            </a:fillRef>
+            <a:effectRef idx="2">
+              <a:schemeClr val="accent1"/>
+            </a:effectRef>
+            <a:fontRef idx="minor">
+              <a:schemeClr val="lt1"/>
+            </a:fontRef>
+          </p:style>
+        </p:sp>
+        <p:sp>
+          <p:nvSpPr>
+            <p:cNvPr id="24" name="Isosceles Triangle 23"/>
+            <p:cNvSpPr/>
+            <p:nvPr/>
+          </p:nvSpPr>
+          <p:spPr>
+            <a:xfrm>
+              <a:off x="8932333" y="3048000"/>
+              <a:ext cx="3259667" cy="3810000"/>
+            </a:xfrm>
+            <a:prstGeom prst="triangle">
+              <a:avLst>
+                <a:gd name="adj" fmla="val 100000"/>
+              </a:avLst>
+            </a:prstGeom>
+            <a:solidFill>
+              <a:schemeClr val="accent1">
+                <a:lumMod val="75000"/>
+                <a:alpha val="66000"/>
+              </a:schemeClr>
+            </a:solidFill>
+            <a:ln>
+              <a:noFill/>
+            </a:ln>
+            <a:effectLst/>
+          </p:spPr>
+          <p:style>
+            <a:lnRef idx="1">
+              <a:schemeClr val="accent1"/>
+            </a:lnRef>
+            <a:fillRef idx="3">
+              <a:schemeClr val="accent1"/>
+            </a:fillRef>
+            <a:effectRef idx="2">
+              <a:schemeClr val="accent1"/>
+            </a:effectRef>
+            <a:fontRef idx="minor">
+              <a:schemeClr val="lt1"/>
+            </a:fontRef>
+          </p:style>
+        </p:sp>
+        <p:sp>
+          <p:nvSpPr>
+            <p:cNvPr id="25" name="Rectangle 27"/>
+            <p:cNvSpPr/>
+            <p:nvPr/>
+          </p:nvSpPr>
+          <p:spPr>
+            <a:xfrm>
+              <a:off x="9334500" y="-8467"/>
+              <a:ext cx="2854326" cy="6866467"/>
+            </a:xfrm>
+            <a:custGeom>
+              <a:avLst/>
+              <a:gdLst/>
+              <a:ahLst/>
+              <a:cxnLst/>
+              <a:rect l="l" t="t" r="r" b="b"/>
+              <a:pathLst>
+                <a:path w="2858013" h="6866467">
+                  <a:moveTo>
+                    <a:pt x="0" y="0"/>
+                  </a:moveTo>
+                  <a:lnTo>
+                    <a:pt x="2858013" y="0"/>
+                  </a:lnTo>
+                  <a:lnTo>
+                    <a:pt x="2858013" y="6866467"/>
+                  </a:lnTo>
+                  <a:lnTo>
+                    <a:pt x="2473942" y="6866467"/>
+                  </a:lnTo>
+                  <a:lnTo>
+                    <a:pt x="0" y="0"/>
+                  </a:lnTo>
+                  <a:close/>
+                </a:path>
+              </a:pathLst>
+            </a:custGeom>
+            <a:solidFill>
+              <a:schemeClr val="accent1">
+                <a:lumMod val="75000"/>
+                <a:alpha val="50000"/>
+              </a:schemeClr>
+            </a:solidFill>
+            <a:ln>
+              <a:noFill/>
+            </a:ln>
+            <a:effectLst/>
+          </p:spPr>
+          <p:style>
+            <a:lnRef idx="1">
+              <a:schemeClr val="accent1"/>
+            </a:lnRef>
+            <a:fillRef idx="3">
+              <a:schemeClr val="accent1"/>
+            </a:fillRef>
+            <a:effectRef idx="2">
+              <a:schemeClr val="accent1"/>
+            </a:effectRef>
+            <a:fontRef idx="minor">
+              <a:schemeClr val="lt1"/>
+            </a:fontRef>
+          </p:style>
+        </p:sp>
+        <p:sp>
+          <p:nvSpPr>
+            <p:cNvPr id="26" name="Rectangle 28"/>
+            <p:cNvSpPr/>
+            <p:nvPr/>
+          </p:nvSpPr>
+          <p:spPr>
+            <a:xfrm>
+              <a:off x="10898730" y="-8467"/>
+              <a:ext cx="1290094" cy="6866467"/>
+            </a:xfrm>
+            <a:custGeom>
+              <a:avLst/>
+              <a:gdLst/>
+              <a:ahLst/>
+              <a:cxnLst/>
+              <a:rect l="l" t="t" r="r" b="b"/>
+              <a:pathLst>
+                <a:path w="1290094" h="6858000">
+                  <a:moveTo>
+                    <a:pt x="1019735" y="0"/>
+                  </a:moveTo>
+                  <a:lnTo>
+                    <a:pt x="1290094" y="0"/>
+                  </a:lnTo>
+                  <a:lnTo>
+                    <a:pt x="1290094" y="6858000"/>
+                  </a:lnTo>
+                  <a:lnTo>
+                    <a:pt x="0" y="6858000"/>
+                  </a:lnTo>
+                  <a:lnTo>
+                    <a:pt x="1019735" y="0"/>
+                  </a:lnTo>
+                  <a:close/>
+                </a:path>
+              </a:pathLst>
+            </a:custGeom>
+            <a:solidFill>
+              <a:schemeClr val="accent2">
+                <a:alpha val="70000"/>
+              </a:schemeClr>
+            </a:solidFill>
+            <a:ln>
+              <a:noFill/>
+            </a:ln>
+            <a:effectLst/>
+          </p:spPr>
+          <p:style>
+            <a:lnRef idx="1">
+              <a:schemeClr val="accent1"/>
+            </a:lnRef>
+            <a:fillRef idx="3">
+              <a:schemeClr val="accent1"/>
+            </a:fillRef>
+            <a:effectRef idx="2">
+              <a:schemeClr val="accent1"/>
+            </a:effectRef>
+            <a:fontRef idx="minor">
+              <a:schemeClr val="lt1"/>
+            </a:fontRef>
+          </p:style>
+        </p:sp>
+        <p:sp>
+          <p:nvSpPr>
+            <p:cNvPr id="27" name="Rectangle 29"/>
+            <p:cNvSpPr/>
+            <p:nvPr/>
+          </p:nvSpPr>
+          <p:spPr>
+            <a:xfrm>
+              <a:off x="10938999" y="-8467"/>
+              <a:ext cx="1249825" cy="6866467"/>
+            </a:xfrm>
+            <a:custGeom>
+              <a:avLst/>
+              <a:gdLst/>
+              <a:ahLst/>
+              <a:cxnLst/>
+              <a:rect l="l" t="t" r="r" b="b"/>
+              <a:pathLst>
+                <a:path w="1249825" h="6858000">
+                  <a:moveTo>
+                    <a:pt x="0" y="0"/>
+                  </a:moveTo>
+                  <a:lnTo>
+                    <a:pt x="1249825" y="0"/>
+                  </a:lnTo>
+                  <a:lnTo>
+                    <a:pt x="1249825" y="6858000"/>
+                  </a:lnTo>
+                  <a:lnTo>
+                    <a:pt x="1109382" y="6858000"/>
+                  </a:lnTo>
+                  <a:lnTo>
+                    <a:pt x="0" y="0"/>
+                  </a:lnTo>
+                  <a:close/>
+                </a:path>
+              </a:pathLst>
+            </a:custGeom>
+            <a:solidFill>
+              <a:schemeClr val="accent2">
+                <a:lumMod val="75000"/>
+                <a:alpha val="80000"/>
+              </a:schemeClr>
+            </a:solidFill>
+            <a:ln>
+              <a:noFill/>
+            </a:ln>
+            <a:effectLst/>
+          </p:spPr>
+          <p:style>
+            <a:lnRef idx="1">
+              <a:schemeClr val="accent1"/>
+            </a:lnRef>
+            <a:fillRef idx="3">
+              <a:schemeClr val="accent1"/>
+            </a:fillRef>
+            <a:effectRef idx="2">
+              <a:schemeClr val="accent1"/>
+            </a:effectRef>
+            <a:fontRef idx="minor">
+              <a:schemeClr val="lt1"/>
+            </a:fontRef>
+          </p:style>
+        </p:sp>
+        <p:sp>
+          <p:nvSpPr>
+            <p:cNvPr id="28" name="Isosceles Triangle 27"/>
+            <p:cNvSpPr/>
+            <p:nvPr/>
+          </p:nvSpPr>
+          <p:spPr>
+            <a:xfrm>
+              <a:off x="10371666" y="3589867"/>
+              <a:ext cx="1817159" cy="3268133"/>
+            </a:xfrm>
+            <a:prstGeom prst="triangle">
+              <a:avLst>
+                <a:gd name="adj" fmla="val 100000"/>
+              </a:avLst>
+            </a:prstGeom>
+            <a:solidFill>
+              <a:schemeClr val="accent1">
+                <a:lumMod val="75000"/>
+                <a:alpha val="66000"/>
+              </a:schemeClr>
+            </a:solidFill>
+            <a:ln>
+              <a:noFill/>
+            </a:ln>
+            <a:effectLst/>
+          </p:spPr>
+          <p:style>
+            <a:lnRef idx="1">
+              <a:schemeClr val="accent1"/>
+            </a:lnRef>
+            <a:fillRef idx="3">
+              <a:schemeClr val="accent1"/>
+            </a:fillRef>
+            <a:effectRef idx="2">
+              <a:schemeClr val="accent1"/>
+            </a:effectRef>
+            <a:fontRef idx="minor">
+              <a:schemeClr val="lt1"/>
+            </a:fontRef>
+          </p:style>
+        </p:sp>
+        <p:sp>
+          <p:nvSpPr>
+            <p:cNvPr id="19" name="Isosceles Triangle 18"/>
+            <p:cNvSpPr/>
+            <p:nvPr/>
+          </p:nvSpPr>
+          <p:spPr>
+            <a:xfrm>
+              <a:off x="0" y="4013200"/>
+              <a:ext cx="448733" cy="2844800"/>
+            </a:xfrm>
+            <a:prstGeom prst="triangle">
+              <a:avLst>
+                <a:gd name="adj" fmla="val 0"/>
+              </a:avLst>
+            </a:prstGeom>
+            <a:solidFill>
+              <a:schemeClr val="accent1">
+                <a:alpha val="70000"/>
+              </a:schemeClr>
+            </a:solidFill>
+            <a:ln>
+              <a:noFill/>
+            </a:ln>
+            <a:effectLst/>
+          </p:spPr>
+          <p:style>
+            <a:lnRef idx="1">
+              <a:schemeClr val="accent1"/>
+            </a:lnRef>
+            <a:fillRef idx="3">
+              <a:schemeClr val="accent1"/>
+            </a:fillRef>
+            <a:effectRef idx="2">
+              <a:schemeClr val="accent1"/>
+            </a:effectRef>
+            <a:fontRef idx="minor">
+              <a:schemeClr val="lt1"/>
+            </a:fontRef>
+          </p:style>
+        </p:sp>
+      </p:grpSp>
+      <p:sp>
+        <p:nvSpPr>
+          <p:cNvPr id="2" name="Title Placeholder 1"/>
           <p:cNvSpPr>
             <a:spLocks noGrp="1"/>
           </p:cNvSpPr>
@@ -2781,15 +5202,15 @@
         </p:nvSpPr>
         <p:spPr>
           <a:xfrm>
-            <a:off x="838200" y="365125"/>
-            <a:ext cx="10515600" cy="1325563"/>
+            <a:off x="677334" y="609600"/>
+            <a:ext cx="8596668" cy="1320800"/>
           </a:xfrm>
           <a:prstGeom prst="rect">
             <a:avLst/>
           </a:prstGeom>
         </p:spPr>
         <p:txBody>
-          <a:bodyPr vert="horz" lIns="91440" tIns="45720" rIns="91440" bIns="45720" rtlCol="0" anchor="ctr">
+          <a:bodyPr vert="horz" lIns="91440" tIns="45720" rIns="91440" bIns="45720" rtlCol="0" anchor="t">
             <a:normAutofit/>
           </a:bodyPr>
           <a:lstStyle/>
@@ -2798,18 +5219,13 @@
               <a:rPr lang="de-DE"/>
               <a:t>Mastertitelformat bearbeiten</a:t>
             </a:r>
-          </a:p>
-        </p:txBody>
-      </p:sp>
-      <p:sp>
-        <p:nvSpPr>
-          <p:cNvPr id="3" name="Textplatzhalter 2">
-            <a:extLst>
-              <a:ext uri="{FF2B5EF4-FFF2-40B4-BE49-F238E27FC236}">
-                <a16:creationId xmlns:a16="http://schemas.microsoft.com/office/drawing/2014/main" id="{555E5A8B-1BC6-4562-BC38-9B5B1D0D0C07}"/>
-              </a:ext>
-            </a:extLst>
-          </p:cNvPr>
+            <a:endParaRPr lang="en-US" dirty="0"/>
+          </a:p>
+        </p:txBody>
+      </p:sp>
+      <p:sp>
+        <p:nvSpPr>
+          <p:cNvPr id="3" name="Text Placeholder 2"/>
           <p:cNvSpPr>
             <a:spLocks noGrp="1"/>
           </p:cNvSpPr>
@@ -2819,8 +5235,8 @@
         </p:nvSpPr>
         <p:spPr>
           <a:xfrm>
-            <a:off x="838200" y="1825625"/>
-            <a:ext cx="10515600" cy="4351338"/>
+            <a:off x="677334" y="2160589"/>
+            <a:ext cx="8596668" cy="3880773"/>
           </a:xfrm>
           <a:prstGeom prst="rect">
             <a:avLst/>
@@ -2865,18 +5281,13 @@
               <a:rPr lang="de-DE"/>
               <a:t>Fünfte Ebene</a:t>
             </a:r>
-          </a:p>
-        </p:txBody>
-      </p:sp>
-      <p:sp>
-        <p:nvSpPr>
-          <p:cNvPr id="4" name="Datumsplatzhalter 3">
-            <a:extLst>
-              <a:ext uri="{FF2B5EF4-FFF2-40B4-BE49-F238E27FC236}">
-                <a16:creationId xmlns:a16="http://schemas.microsoft.com/office/drawing/2014/main" id="{CBF6F492-A3F6-4605-A350-587266D146C9}"/>
-              </a:ext>
-            </a:extLst>
-          </p:cNvPr>
+            <a:endParaRPr lang="en-US" dirty="0"/>
+          </a:p>
+        </p:txBody>
+      </p:sp>
+      <p:sp>
+        <p:nvSpPr>
+          <p:cNvPr id="4" name="Date Placeholder 3"/>
           <p:cNvSpPr>
             <a:spLocks noGrp="1"/>
           </p:cNvSpPr>
@@ -2886,8 +5297,8 @@
         </p:nvSpPr>
         <p:spPr>
           <a:xfrm>
-            <a:off x="838200" y="6356350"/>
-            <a:ext cx="2743200" cy="365125"/>
+            <a:off x="7205133" y="6041362"/>
+            <a:ext cx="911939" cy="365125"/>
           </a:xfrm>
           <a:prstGeom prst="rect">
             <a:avLst/>
@@ -2896,8 +5307,8 @@
         <p:txBody>
           <a:bodyPr vert="horz" lIns="91440" tIns="45720" rIns="91440" bIns="45720" rtlCol="0" anchor="ctr"/>
           <a:lstStyle>
-            <a:lvl1pPr algn="l">
-              <a:defRPr sz="1200">
+            <a:lvl1pPr algn="r">
+              <a:defRPr sz="900">
                 <a:solidFill>
                   <a:schemeClr val="tx1">
                     <a:tint val="75000"/>
@@ -2917,13 +5328,7 @@
       </p:sp>
       <p:sp>
         <p:nvSpPr>
-          <p:cNvPr id="5" name="Fußzeilenplatzhalter 4">
-            <a:extLst>
-              <a:ext uri="{FF2B5EF4-FFF2-40B4-BE49-F238E27FC236}">
-                <a16:creationId xmlns:a16="http://schemas.microsoft.com/office/drawing/2014/main" id="{23732E98-CB6A-4EE9-958F-CC714D1195E1}"/>
-              </a:ext>
-            </a:extLst>
-          </p:cNvPr>
+          <p:cNvPr id="5" name="Footer Placeholder 4"/>
           <p:cNvSpPr>
             <a:spLocks noGrp="1"/>
           </p:cNvSpPr>
@@ -2933,8 +5338,8 @@
         </p:nvSpPr>
         <p:spPr>
           <a:xfrm>
-            <a:off x="4038600" y="6356350"/>
-            <a:ext cx="4114800" cy="365125"/>
+            <a:off x="677334" y="6041362"/>
+            <a:ext cx="6297612" cy="365125"/>
           </a:xfrm>
           <a:prstGeom prst="rect">
             <a:avLst/>
@@ -2943,8 +5348,8 @@
         <p:txBody>
           <a:bodyPr vert="horz" lIns="91440" tIns="45720" rIns="91440" bIns="45720" rtlCol="0" anchor="ctr"/>
           <a:lstStyle>
-            <a:lvl1pPr algn="ctr">
-              <a:defRPr sz="1200">
+            <a:lvl1pPr algn="l">
+              <a:defRPr sz="900">
                 <a:solidFill>
                   <a:schemeClr val="tx1">
                     <a:tint val="75000"/>
@@ -2960,13 +5365,7 @@
       </p:sp>
       <p:sp>
         <p:nvSpPr>
-          <p:cNvPr id="6" name="Foliennummernplatzhalter 5">
-            <a:extLst>
-              <a:ext uri="{FF2B5EF4-FFF2-40B4-BE49-F238E27FC236}">
-                <a16:creationId xmlns:a16="http://schemas.microsoft.com/office/drawing/2014/main" id="{56AE407C-CD20-4A8D-A980-D4CA6F0FFA67}"/>
-              </a:ext>
-            </a:extLst>
-          </p:cNvPr>
+          <p:cNvPr id="6" name="Slide Number Placeholder 5"/>
           <p:cNvSpPr>
             <a:spLocks noGrp="1"/>
           </p:cNvSpPr>
@@ -2976,8 +5375,8 @@
         </p:nvSpPr>
         <p:spPr>
           <a:xfrm>
-            <a:off x="8610600" y="6356350"/>
-            <a:ext cx="2743200" cy="365125"/>
+            <a:off x="8590663" y="6041362"/>
+            <a:ext cx="683339" cy="365125"/>
           </a:xfrm>
           <a:prstGeom prst="rect">
             <a:avLst/>
@@ -2987,11 +5386,9 @@
           <a:bodyPr vert="horz" lIns="91440" tIns="45720" rIns="91440" bIns="45720" rtlCol="0" anchor="ctr"/>
           <a:lstStyle>
             <a:lvl1pPr algn="r">
-              <a:defRPr sz="1200">
+              <a:defRPr sz="900">
                 <a:solidFill>
-                  <a:schemeClr val="tx1">
-                    <a:tint val="75000"/>
-                  </a:schemeClr>
+                  <a:schemeClr val="accent1"/>
                 </a:solidFill>
               </a:defRPr>
             </a:lvl1pPr>
@@ -3008,55 +5405,335 @@
     </p:spTree>
     <p:extLst>
       <p:ext uri="{BB962C8B-B14F-4D97-AF65-F5344CB8AC3E}">
-        <p14:creationId xmlns:p14="http://schemas.microsoft.com/office/powerpoint/2010/main" val="4221591206"/>
+        <p14:creationId xmlns:p14="http://schemas.microsoft.com/office/powerpoint/2010/main" val="452110518"/>
       </p:ext>
     </p:extLst>
   </p:cSld>
   <p:clrMap bg1="lt1" tx1="dk1" bg2="lt2" tx2="dk2" accent1="accent1" accent2="accent2" accent3="accent3" accent4="accent4" accent5="accent5" accent6="accent6" hlink="hlink" folHlink="folHlink"/>
   <p:sldLayoutIdLst>
-    <p:sldLayoutId id="2147483649" r:id="rId1"/>
-    <p:sldLayoutId id="2147483650" r:id="rId2"/>
-    <p:sldLayoutId id="2147483651" r:id="rId3"/>
-    <p:sldLayoutId id="2147483652" r:id="rId4"/>
-    <p:sldLayoutId id="2147483653" r:id="rId5"/>
-    <p:sldLayoutId id="2147483654" r:id="rId6"/>
-    <p:sldLayoutId id="2147483655" r:id="rId7"/>
-    <p:sldLayoutId id="2147483656" r:id="rId8"/>
-    <p:sldLayoutId id="2147483657" r:id="rId9"/>
-    <p:sldLayoutId id="2147483658" r:id="rId10"/>
-    <p:sldLayoutId id="2147483659" r:id="rId11"/>
+    <p:sldLayoutId id="2147483678" r:id="rId1"/>
+    <p:sldLayoutId id="2147483679" r:id="rId2"/>
+    <p:sldLayoutId id="2147483680" r:id="rId3"/>
+    <p:sldLayoutId id="2147483681" r:id="rId4"/>
+    <p:sldLayoutId id="2147483682" r:id="rId5"/>
+    <p:sldLayoutId id="2147483683" r:id="rId6"/>
+    <p:sldLayoutId id="2147483684" r:id="rId7"/>
+    <p:sldLayoutId id="2147483685" r:id="rId8"/>
+    <p:sldLayoutId id="2147483686" r:id="rId9"/>
+    <p:sldLayoutId id="2147483687" r:id="rId10"/>
+    <p:sldLayoutId id="2147483688" r:id="rId11"/>
+    <p:sldLayoutId id="2147483689" r:id="rId12"/>
+    <p:sldLayoutId id="2147483690" r:id="rId13"/>
+    <p:sldLayoutId id="2147483691" r:id="rId14"/>
+    <p:sldLayoutId id="2147483692" r:id="rId15"/>
+    <p:sldLayoutId id="2147483693" r:id="rId16"/>
   </p:sldLayoutIdLst>
   <p:txStyles>
     <p:titleStyle>
-      <a:lvl1pPr algn="l" defTabSz="914400" rtl="0" eaLnBrk="1" latinLnBrk="0" hangingPunct="1">
-        <a:lnSpc>
-          <a:spcPct val="90000"/>
-        </a:lnSpc>
+      <a:lvl1pPr algn="l" defTabSz="457200" rtl="0" eaLnBrk="1" latinLnBrk="0" hangingPunct="1">
         <a:spcBef>
           <a:spcPct val="0"/>
         </a:spcBef>
         <a:buNone/>
-        <a:defRPr sz="4400" kern="1200">
+        <a:defRPr sz="3600" kern="1200">
           <a:solidFill>
-            <a:schemeClr val="tx1"/>
+            <a:schemeClr val="accent1"/>
           </a:solidFill>
           <a:latin typeface="+mj-lt"/>
           <a:ea typeface="+mj-ea"/>
           <a:cs typeface="+mj-cs"/>
         </a:defRPr>
       </a:lvl1pPr>
+      <a:lvl2pPr eaLnBrk="1" hangingPunct="1">
+        <a:defRPr>
+          <a:solidFill>
+            <a:schemeClr val="tx2"/>
+          </a:solidFill>
+        </a:defRPr>
+      </a:lvl2pPr>
+      <a:lvl3pPr eaLnBrk="1" hangingPunct="1">
+        <a:defRPr>
+          <a:solidFill>
+            <a:schemeClr val="tx2"/>
+          </a:solidFill>
+        </a:defRPr>
+      </a:lvl3pPr>
+      <a:lvl4pPr eaLnBrk="1" hangingPunct="1">
+        <a:defRPr>
+          <a:solidFill>
+            <a:schemeClr val="tx2"/>
+          </a:solidFill>
+        </a:defRPr>
+      </a:lvl4pPr>
+      <a:lvl5pPr eaLnBrk="1" hangingPunct="1">
+        <a:defRPr>
+          <a:solidFill>
+            <a:schemeClr val="tx2"/>
+          </a:solidFill>
+        </a:defRPr>
+      </a:lvl5pPr>
+      <a:lvl6pPr eaLnBrk="1" hangingPunct="1">
+        <a:defRPr>
+          <a:solidFill>
+            <a:schemeClr val="tx2"/>
+          </a:solidFill>
+        </a:defRPr>
+      </a:lvl6pPr>
+      <a:lvl7pPr eaLnBrk="1" hangingPunct="1">
+        <a:defRPr>
+          <a:solidFill>
+            <a:schemeClr val="tx2"/>
+          </a:solidFill>
+        </a:defRPr>
+      </a:lvl7pPr>
+      <a:lvl8pPr eaLnBrk="1" hangingPunct="1">
+        <a:defRPr>
+          <a:solidFill>
+            <a:schemeClr val="tx2"/>
+          </a:solidFill>
+        </a:defRPr>
+      </a:lvl8pPr>
+      <a:lvl9pPr eaLnBrk="1" hangingPunct="1">
+        <a:defRPr>
+          <a:solidFill>
+            <a:schemeClr val="tx2"/>
+          </a:solidFill>
+        </a:defRPr>
+      </a:lvl9pPr>
     </p:titleStyle>
     <p:bodyStyle>
-      <a:lvl1pPr marL="228600" indent="-228600" algn="l" defTabSz="914400" rtl="0" eaLnBrk="1" latinLnBrk="0" hangingPunct="1">
-        <a:lnSpc>
-          <a:spcPct val="90000"/>
-        </a:lnSpc>
+      <a:lvl1pPr marL="342900" indent="-342900" algn="l" defTabSz="457200" rtl="0" eaLnBrk="1" latinLnBrk="0" hangingPunct="1">
         <a:spcBef>
           <a:spcPts val="1000"/>
         </a:spcBef>
-        <a:buFont typeface="Arial" panose="020B0604020202020204" pitchFamily="34" charset="0"/>
-        <a:buChar char="•"/>
-        <a:defRPr sz="2800" kern="1200">
+        <a:spcAft>
+          <a:spcPts val="0"/>
+        </a:spcAft>
+        <a:buClr>
+          <a:schemeClr val="accent1"/>
+        </a:buClr>
+        <a:buSzPct val="80000"/>
+        <a:buFont typeface="Wingdings 3" charset="2"/>
+        <a:buChar char=""/>
+        <a:defRPr sz="1800" kern="1200">
+          <a:solidFill>
+            <a:schemeClr val="tx1">
+              <a:lumMod val="75000"/>
+              <a:lumOff val="25000"/>
+            </a:schemeClr>
+          </a:solidFill>
+          <a:latin typeface="+mn-lt"/>
+          <a:ea typeface="+mn-ea"/>
+          <a:cs typeface="+mn-cs"/>
+        </a:defRPr>
+      </a:lvl1pPr>
+      <a:lvl2pPr marL="742950" indent="-285750" algn="l" defTabSz="457200" rtl="0" eaLnBrk="1" latinLnBrk="0" hangingPunct="1">
+        <a:spcBef>
+          <a:spcPts val="1000"/>
+        </a:spcBef>
+        <a:spcAft>
+          <a:spcPts val="0"/>
+        </a:spcAft>
+        <a:buClr>
+          <a:schemeClr val="accent1"/>
+        </a:buClr>
+        <a:buSzPct val="80000"/>
+        <a:buFont typeface="Wingdings 3" charset="2"/>
+        <a:buChar char=""/>
+        <a:defRPr sz="1600" kern="1200">
+          <a:solidFill>
+            <a:schemeClr val="tx1">
+              <a:lumMod val="75000"/>
+              <a:lumOff val="25000"/>
+            </a:schemeClr>
+          </a:solidFill>
+          <a:latin typeface="+mn-lt"/>
+          <a:ea typeface="+mn-ea"/>
+          <a:cs typeface="+mn-cs"/>
+        </a:defRPr>
+      </a:lvl2pPr>
+      <a:lvl3pPr marL="1143000" indent="-228600" algn="l" defTabSz="457200" rtl="0" eaLnBrk="1" latinLnBrk="0" hangingPunct="1">
+        <a:spcBef>
+          <a:spcPts val="1000"/>
+        </a:spcBef>
+        <a:spcAft>
+          <a:spcPts val="0"/>
+        </a:spcAft>
+        <a:buClr>
+          <a:schemeClr val="accent1"/>
+        </a:buClr>
+        <a:buSzPct val="80000"/>
+        <a:buFont typeface="Wingdings 3" charset="2"/>
+        <a:buChar char=""/>
+        <a:defRPr sz="1400" kern="1200">
+          <a:solidFill>
+            <a:schemeClr val="tx1">
+              <a:lumMod val="75000"/>
+              <a:lumOff val="25000"/>
+            </a:schemeClr>
+          </a:solidFill>
+          <a:latin typeface="+mn-lt"/>
+          <a:ea typeface="+mn-ea"/>
+          <a:cs typeface="+mn-cs"/>
+        </a:defRPr>
+      </a:lvl3pPr>
+      <a:lvl4pPr marL="1600200" indent="-228600" algn="l" defTabSz="457200" rtl="0" eaLnBrk="1" latinLnBrk="0" hangingPunct="1">
+        <a:spcBef>
+          <a:spcPts val="1000"/>
+        </a:spcBef>
+        <a:spcAft>
+          <a:spcPts val="0"/>
+        </a:spcAft>
+        <a:buClr>
+          <a:schemeClr val="accent1"/>
+        </a:buClr>
+        <a:buSzPct val="80000"/>
+        <a:buFont typeface="Wingdings 3" charset="2"/>
+        <a:buChar char=""/>
+        <a:defRPr sz="1200" kern="1200">
+          <a:solidFill>
+            <a:schemeClr val="tx1">
+              <a:lumMod val="75000"/>
+              <a:lumOff val="25000"/>
+            </a:schemeClr>
+          </a:solidFill>
+          <a:latin typeface="+mn-lt"/>
+          <a:ea typeface="+mn-ea"/>
+          <a:cs typeface="+mn-cs"/>
+        </a:defRPr>
+      </a:lvl4pPr>
+      <a:lvl5pPr marL="2057400" indent="-228600" algn="l" defTabSz="457200" rtl="0" eaLnBrk="1" latinLnBrk="0" hangingPunct="1">
+        <a:spcBef>
+          <a:spcPts val="1000"/>
+        </a:spcBef>
+        <a:spcAft>
+          <a:spcPts val="0"/>
+        </a:spcAft>
+        <a:buClr>
+          <a:schemeClr val="accent1"/>
+        </a:buClr>
+        <a:buSzPct val="80000"/>
+        <a:buFont typeface="Wingdings 3" charset="2"/>
+        <a:buChar char=""/>
+        <a:defRPr sz="1200" kern="1200">
+          <a:solidFill>
+            <a:schemeClr val="tx1">
+              <a:lumMod val="75000"/>
+              <a:lumOff val="25000"/>
+            </a:schemeClr>
+          </a:solidFill>
+          <a:latin typeface="+mn-lt"/>
+          <a:ea typeface="+mn-ea"/>
+          <a:cs typeface="+mn-cs"/>
+        </a:defRPr>
+      </a:lvl5pPr>
+      <a:lvl6pPr marL="2514600" indent="-228600" algn="l" defTabSz="457200" rtl="0" eaLnBrk="1" latinLnBrk="0" hangingPunct="1">
+        <a:spcBef>
+          <a:spcPts val="1000"/>
+        </a:spcBef>
+        <a:spcAft>
+          <a:spcPts val="0"/>
+        </a:spcAft>
+        <a:buClr>
+          <a:schemeClr val="accent1"/>
+        </a:buClr>
+        <a:buSzPct val="80000"/>
+        <a:buFont typeface="Wingdings 3" charset="2"/>
+        <a:buChar char=""/>
+        <a:defRPr sz="1200" kern="1200">
+          <a:solidFill>
+            <a:schemeClr val="tx1">
+              <a:lumMod val="75000"/>
+              <a:lumOff val="25000"/>
+            </a:schemeClr>
+          </a:solidFill>
+          <a:latin typeface="+mn-lt"/>
+          <a:ea typeface="+mn-ea"/>
+          <a:cs typeface="+mn-cs"/>
+        </a:defRPr>
+      </a:lvl6pPr>
+      <a:lvl7pPr marL="2971800" indent="-228600" algn="l" defTabSz="457200" rtl="0" eaLnBrk="1" latinLnBrk="0" hangingPunct="1">
+        <a:spcBef>
+          <a:spcPts val="1000"/>
+        </a:spcBef>
+        <a:spcAft>
+          <a:spcPts val="0"/>
+        </a:spcAft>
+        <a:buClr>
+          <a:schemeClr val="accent1"/>
+        </a:buClr>
+        <a:buSzPct val="80000"/>
+        <a:buFont typeface="Wingdings 3" charset="2"/>
+        <a:buChar char=""/>
+        <a:defRPr sz="1200" kern="1200">
+          <a:solidFill>
+            <a:schemeClr val="tx1">
+              <a:lumMod val="75000"/>
+              <a:lumOff val="25000"/>
+            </a:schemeClr>
+          </a:solidFill>
+          <a:latin typeface="+mn-lt"/>
+          <a:ea typeface="+mn-ea"/>
+          <a:cs typeface="+mn-cs"/>
+        </a:defRPr>
+      </a:lvl7pPr>
+      <a:lvl8pPr marL="3429000" indent="-228600" algn="l" defTabSz="457200" rtl="0" eaLnBrk="1" latinLnBrk="0" hangingPunct="1">
+        <a:spcBef>
+          <a:spcPts val="1000"/>
+        </a:spcBef>
+        <a:spcAft>
+          <a:spcPts val="0"/>
+        </a:spcAft>
+        <a:buClr>
+          <a:schemeClr val="accent1"/>
+        </a:buClr>
+        <a:buSzPct val="80000"/>
+        <a:buFont typeface="Wingdings 3" charset="2"/>
+        <a:buChar char=""/>
+        <a:defRPr sz="1200" kern="1200">
+          <a:solidFill>
+            <a:schemeClr val="tx1">
+              <a:lumMod val="75000"/>
+              <a:lumOff val="25000"/>
+            </a:schemeClr>
+          </a:solidFill>
+          <a:latin typeface="+mn-lt"/>
+          <a:ea typeface="+mn-ea"/>
+          <a:cs typeface="+mn-cs"/>
+        </a:defRPr>
+      </a:lvl8pPr>
+      <a:lvl9pPr marL="3886200" indent="-228600" algn="l" defTabSz="457200" rtl="0" eaLnBrk="1" latinLnBrk="0" hangingPunct="1">
+        <a:spcBef>
+          <a:spcPts val="1000"/>
+        </a:spcBef>
+        <a:spcAft>
+          <a:spcPts val="0"/>
+        </a:spcAft>
+        <a:buClr>
+          <a:schemeClr val="accent1"/>
+        </a:buClr>
+        <a:buSzPct val="80000"/>
+        <a:buFont typeface="Wingdings 3" charset="2"/>
+        <a:buChar char=""/>
+        <a:defRPr sz="1200" kern="1200">
+          <a:solidFill>
+            <a:schemeClr val="tx1">
+              <a:lumMod val="75000"/>
+              <a:lumOff val="25000"/>
+            </a:schemeClr>
+          </a:solidFill>
+          <a:latin typeface="+mn-lt"/>
+          <a:ea typeface="+mn-ea"/>
+          <a:cs typeface="+mn-cs"/>
+        </a:defRPr>
+      </a:lvl9pPr>
+    </p:bodyStyle>
+    <p:otherStyle>
+      <a:defPPr>
+        <a:defRPr lang="en-US"/>
+      </a:defPPr>
+      <a:lvl1pPr marL="0" algn="l" defTabSz="457200" rtl="0" eaLnBrk="1" latinLnBrk="0" hangingPunct="1">
+        <a:defRPr sz="1800" kern="1200">
           <a:solidFill>
             <a:schemeClr val="tx1"/>
           </a:solidFill>
@@ -3065,16 +5742,8 @@
           <a:cs typeface="+mn-cs"/>
         </a:defRPr>
       </a:lvl1pPr>
-      <a:lvl2pPr marL="685800" indent="-228600" algn="l" defTabSz="914400" rtl="0" eaLnBrk="1" latinLnBrk="0" hangingPunct="1">
-        <a:lnSpc>
-          <a:spcPct val="90000"/>
-        </a:lnSpc>
-        <a:spcBef>
-          <a:spcPts val="500"/>
-        </a:spcBef>
-        <a:buFont typeface="Arial" panose="020B0604020202020204" pitchFamily="34" charset="0"/>
-        <a:buChar char="•"/>
-        <a:defRPr sz="2400" kern="1200">
+      <a:lvl2pPr marL="457200" algn="l" defTabSz="457200" rtl="0" eaLnBrk="1" latinLnBrk="0" hangingPunct="1">
+        <a:defRPr sz="1800" kern="1200">
           <a:solidFill>
             <a:schemeClr val="tx1"/>
           </a:solidFill>
@@ -3083,16 +5752,8 @@
           <a:cs typeface="+mn-cs"/>
         </a:defRPr>
       </a:lvl2pPr>
-      <a:lvl3pPr marL="1143000" indent="-228600" algn="l" defTabSz="914400" rtl="0" eaLnBrk="1" latinLnBrk="0" hangingPunct="1">
-        <a:lnSpc>
-          <a:spcPct val="90000"/>
-        </a:lnSpc>
-        <a:spcBef>
-          <a:spcPts val="500"/>
-        </a:spcBef>
-        <a:buFont typeface="Arial" panose="020B0604020202020204" pitchFamily="34" charset="0"/>
-        <a:buChar char="•"/>
-        <a:defRPr sz="2000" kern="1200">
+      <a:lvl3pPr marL="914400" algn="l" defTabSz="457200" rtl="0" eaLnBrk="1" latinLnBrk="0" hangingPunct="1">
+        <a:defRPr sz="1800" kern="1200">
           <a:solidFill>
             <a:schemeClr val="tx1"/>
           </a:solidFill>
@@ -3101,15 +5762,7 @@
           <a:cs typeface="+mn-cs"/>
         </a:defRPr>
       </a:lvl3pPr>
-      <a:lvl4pPr marL="1600200" indent="-228600" algn="l" defTabSz="914400" rtl="0" eaLnBrk="1" latinLnBrk="0" hangingPunct="1">
-        <a:lnSpc>
-          <a:spcPct val="90000"/>
-        </a:lnSpc>
-        <a:spcBef>
-          <a:spcPts val="500"/>
-        </a:spcBef>
-        <a:buFont typeface="Arial" panose="020B0604020202020204" pitchFamily="34" charset="0"/>
-        <a:buChar char="•"/>
+      <a:lvl4pPr marL="1371600" algn="l" defTabSz="457200" rtl="0" eaLnBrk="1" latinLnBrk="0" hangingPunct="1">
         <a:defRPr sz="1800" kern="1200">
           <a:solidFill>
             <a:schemeClr val="tx1"/>
@@ -3119,15 +5772,7 @@
           <a:cs typeface="+mn-cs"/>
         </a:defRPr>
       </a:lvl4pPr>
-      <a:lvl5pPr marL="2057400" indent="-228600" algn="l" defTabSz="914400" rtl="0" eaLnBrk="1" latinLnBrk="0" hangingPunct="1">
-        <a:lnSpc>
-          <a:spcPct val="90000"/>
-        </a:lnSpc>
-        <a:spcBef>
-          <a:spcPts val="500"/>
-        </a:spcBef>
-        <a:buFont typeface="Arial" panose="020B0604020202020204" pitchFamily="34" charset="0"/>
-        <a:buChar char="•"/>
+      <a:lvl5pPr marL="1828800" algn="l" defTabSz="457200" rtl="0" eaLnBrk="1" latinLnBrk="0" hangingPunct="1">
         <a:defRPr sz="1800" kern="1200">
           <a:solidFill>
             <a:schemeClr val="tx1"/>
@@ -3137,15 +5782,7 @@
           <a:cs typeface="+mn-cs"/>
         </a:defRPr>
       </a:lvl5pPr>
-      <a:lvl6pPr marL="2514600" indent="-228600" algn="l" defTabSz="914400" rtl="0" eaLnBrk="1" latinLnBrk="0" hangingPunct="1">
-        <a:lnSpc>
-          <a:spcPct val="90000"/>
-        </a:lnSpc>
-        <a:spcBef>
-          <a:spcPts val="500"/>
-        </a:spcBef>
-        <a:buFont typeface="Arial" panose="020B0604020202020204" pitchFamily="34" charset="0"/>
-        <a:buChar char="•"/>
+      <a:lvl6pPr marL="2286000" algn="l" defTabSz="457200" rtl="0" eaLnBrk="1" latinLnBrk="0" hangingPunct="1">
         <a:defRPr sz="1800" kern="1200">
           <a:solidFill>
             <a:schemeClr val="tx1"/>
@@ -3155,15 +5792,7 @@
           <a:cs typeface="+mn-cs"/>
         </a:defRPr>
       </a:lvl6pPr>
-      <a:lvl7pPr marL="2971800" indent="-228600" algn="l" defTabSz="914400" rtl="0" eaLnBrk="1" latinLnBrk="0" hangingPunct="1">
-        <a:lnSpc>
-          <a:spcPct val="90000"/>
-        </a:lnSpc>
-        <a:spcBef>
-          <a:spcPts val="500"/>
-        </a:spcBef>
-        <a:buFont typeface="Arial" panose="020B0604020202020204" pitchFamily="34" charset="0"/>
-        <a:buChar char="•"/>
+      <a:lvl7pPr marL="2743200" algn="l" defTabSz="457200" rtl="0" eaLnBrk="1" latinLnBrk="0" hangingPunct="1">
         <a:defRPr sz="1800" kern="1200">
           <a:solidFill>
             <a:schemeClr val="tx1"/>
@@ -3173,15 +5802,7 @@
           <a:cs typeface="+mn-cs"/>
         </a:defRPr>
       </a:lvl7pPr>
-      <a:lvl8pPr marL="3429000" indent="-228600" algn="l" defTabSz="914400" rtl="0" eaLnBrk="1" latinLnBrk="0" hangingPunct="1">
-        <a:lnSpc>
-          <a:spcPct val="90000"/>
-        </a:lnSpc>
-        <a:spcBef>
-          <a:spcPts val="500"/>
-        </a:spcBef>
-        <a:buFont typeface="Arial" panose="020B0604020202020204" pitchFamily="34" charset="0"/>
-        <a:buChar char="•"/>
+      <a:lvl8pPr marL="3200400" algn="l" defTabSz="457200" rtl="0" eaLnBrk="1" latinLnBrk="0" hangingPunct="1">
         <a:defRPr sz="1800" kern="1200">
           <a:solidFill>
             <a:schemeClr val="tx1"/>
@@ -3191,110 +5812,7 @@
           <a:cs typeface="+mn-cs"/>
         </a:defRPr>
       </a:lvl8pPr>
-      <a:lvl9pPr marL="3886200" indent="-228600" algn="l" defTabSz="914400" rtl="0" eaLnBrk="1" latinLnBrk="0" hangingPunct="1">
-        <a:lnSpc>
-          <a:spcPct val="90000"/>
-        </a:lnSpc>
-        <a:spcBef>
-          <a:spcPts val="500"/>
-        </a:spcBef>
-        <a:buFont typeface="Arial" panose="020B0604020202020204" pitchFamily="34" charset="0"/>
-        <a:buChar char="•"/>
-        <a:defRPr sz="1800" kern="1200">
-          <a:solidFill>
-            <a:schemeClr val="tx1"/>
-          </a:solidFill>
-          <a:latin typeface="+mn-lt"/>
-          <a:ea typeface="+mn-ea"/>
-          <a:cs typeface="+mn-cs"/>
-        </a:defRPr>
-      </a:lvl9pPr>
-    </p:bodyStyle>
-    <p:otherStyle>
-      <a:defPPr>
-        <a:defRPr lang="de-DE"/>
-      </a:defPPr>
-      <a:lvl1pPr marL="0" algn="l" defTabSz="914400" rtl="0" eaLnBrk="1" latinLnBrk="0" hangingPunct="1">
-        <a:defRPr sz="1800" kern="1200">
-          <a:solidFill>
-            <a:schemeClr val="tx1"/>
-          </a:solidFill>
-          <a:latin typeface="+mn-lt"/>
-          <a:ea typeface="+mn-ea"/>
-          <a:cs typeface="+mn-cs"/>
-        </a:defRPr>
-      </a:lvl1pPr>
-      <a:lvl2pPr marL="457200" algn="l" defTabSz="914400" rtl="0" eaLnBrk="1" latinLnBrk="0" hangingPunct="1">
-        <a:defRPr sz="1800" kern="1200">
-          <a:solidFill>
-            <a:schemeClr val="tx1"/>
-          </a:solidFill>
-          <a:latin typeface="+mn-lt"/>
-          <a:ea typeface="+mn-ea"/>
-          <a:cs typeface="+mn-cs"/>
-        </a:defRPr>
-      </a:lvl2pPr>
-      <a:lvl3pPr marL="914400" algn="l" defTabSz="914400" rtl="0" eaLnBrk="1" latinLnBrk="0" hangingPunct="1">
-        <a:defRPr sz="1800" kern="1200">
-          <a:solidFill>
-            <a:schemeClr val="tx1"/>
-          </a:solidFill>
-          <a:latin typeface="+mn-lt"/>
-          <a:ea typeface="+mn-ea"/>
-          <a:cs typeface="+mn-cs"/>
-        </a:defRPr>
-      </a:lvl3pPr>
-      <a:lvl4pPr marL="1371600" algn="l" defTabSz="914400" rtl="0" eaLnBrk="1" latinLnBrk="0" hangingPunct="1">
-        <a:defRPr sz="1800" kern="1200">
-          <a:solidFill>
-            <a:schemeClr val="tx1"/>
-          </a:solidFill>
-          <a:latin typeface="+mn-lt"/>
-          <a:ea typeface="+mn-ea"/>
-          <a:cs typeface="+mn-cs"/>
-        </a:defRPr>
-      </a:lvl4pPr>
-      <a:lvl5pPr marL="1828800" algn="l" defTabSz="914400" rtl="0" eaLnBrk="1" latinLnBrk="0" hangingPunct="1">
-        <a:defRPr sz="1800" kern="1200">
-          <a:solidFill>
-            <a:schemeClr val="tx1"/>
-          </a:solidFill>
-          <a:latin typeface="+mn-lt"/>
-          <a:ea typeface="+mn-ea"/>
-          <a:cs typeface="+mn-cs"/>
-        </a:defRPr>
-      </a:lvl5pPr>
-      <a:lvl6pPr marL="2286000" algn="l" defTabSz="914400" rtl="0" eaLnBrk="1" latinLnBrk="0" hangingPunct="1">
-        <a:defRPr sz="1800" kern="1200">
-          <a:solidFill>
-            <a:schemeClr val="tx1"/>
-          </a:solidFill>
-          <a:latin typeface="+mn-lt"/>
-          <a:ea typeface="+mn-ea"/>
-          <a:cs typeface="+mn-cs"/>
-        </a:defRPr>
-      </a:lvl6pPr>
-      <a:lvl7pPr marL="2743200" algn="l" defTabSz="914400" rtl="0" eaLnBrk="1" latinLnBrk="0" hangingPunct="1">
-        <a:defRPr sz="1800" kern="1200">
-          <a:solidFill>
-            <a:schemeClr val="tx1"/>
-          </a:solidFill>
-          <a:latin typeface="+mn-lt"/>
-          <a:ea typeface="+mn-ea"/>
-          <a:cs typeface="+mn-cs"/>
-        </a:defRPr>
-      </a:lvl7pPr>
-      <a:lvl8pPr marL="3200400" algn="l" defTabSz="914400" rtl="0" eaLnBrk="1" latinLnBrk="0" hangingPunct="1">
-        <a:defRPr sz="1800" kern="1200">
-          <a:solidFill>
-            <a:schemeClr val="tx1"/>
-          </a:solidFill>
-          <a:latin typeface="+mn-lt"/>
-          <a:ea typeface="+mn-ea"/>
-          <a:cs typeface="+mn-cs"/>
-        </a:defRPr>
-      </a:lvl8pPr>
-      <a:lvl9pPr marL="3657600" algn="l" defTabSz="914400" rtl="0" eaLnBrk="1" latinLnBrk="0" hangingPunct="1">
+      <a:lvl9pPr marL="3657600" algn="l" defTabSz="457200" rtl="0" eaLnBrk="1" latinLnBrk="0" hangingPunct="1">
         <a:defRPr sz="1800" kern="1200">
           <a:solidFill>
             <a:schemeClr val="tx1"/>
@@ -3342,16 +5860,35 @@
             <p:ph type="ctrTitle"/>
           </p:nvPr>
         </p:nvSpPr>
-        <p:spPr/>
+        <p:spPr>
+          <a:xfrm>
+            <a:off x="1507067" y="1903446"/>
+            <a:ext cx="7766936" cy="2949824"/>
+          </a:xfrm>
+        </p:spPr>
         <p:txBody>
           <a:bodyPr>
-            <a:normAutofit/>
+            <a:normAutofit fontScale="90000"/>
           </a:bodyPr>
           <a:lstStyle/>
           <a:p>
             <a:r>
               <a:rPr lang="de-DE" dirty="0"/>
-              <a:t>Automatisches ausschneiden von Bildern aus Fotoalben</a:t>
+              <a:t>Automatisches ausschneiden </a:t>
+            </a:r>
+            <a:br>
+              <a:rPr lang="de-DE" dirty="0"/>
+            </a:br>
+            <a:r>
+              <a:rPr lang="de-DE" dirty="0"/>
+              <a:t>von Bildern </a:t>
+            </a:r>
+            <a:br>
+              <a:rPr lang="de-DE" dirty="0"/>
+            </a:br>
+            <a:r>
+              <a:rPr lang="de-DE" dirty="0"/>
+              <a:t>aus Fotoalben</a:t>
             </a:r>
           </a:p>
         </p:txBody>
@@ -3372,7 +5909,12 @@
             <p:ph type="subTitle" idx="1"/>
           </p:nvPr>
         </p:nvSpPr>
-        <p:spPr/>
+        <p:spPr>
+          <a:xfrm>
+            <a:off x="1507067" y="4834604"/>
+            <a:ext cx="7766936" cy="1096899"/>
+          </a:xfrm>
+        </p:spPr>
         <p:txBody>
           <a:bodyPr/>
           <a:lstStyle/>
@@ -3702,98 +6244,1611 @@
           </a:p>
         </p:txBody>
       </p:sp>
-      <p:sp>
-        <p:nvSpPr>
-          <p:cNvPr id="3" name="Inhaltsplatzhalter 2">
+      <p:graphicFrame>
+        <p:nvGraphicFramePr>
+          <p:cNvPr id="4" name="Tabelle 3">
             <a:extLst>
               <a:ext uri="{FF2B5EF4-FFF2-40B4-BE49-F238E27FC236}">
-                <a16:creationId xmlns:a16="http://schemas.microsoft.com/office/drawing/2014/main" id="{F19ACF22-D815-4C81-A4DC-8809EF707A1A}"/>
+                <a16:creationId xmlns:a16="http://schemas.microsoft.com/office/drawing/2014/main" id="{0AF96836-4B01-4EA2-AB12-B9EC04F1ED59}"/>
               </a:ext>
             </a:extLst>
           </p:cNvPr>
-          <p:cNvSpPr>
-            <a:spLocks noGrp="1"/>
-          </p:cNvSpPr>
+          <p:cNvGraphicFramePr>
+            <a:graphicFrameLocks noGrp="1"/>
+          </p:cNvGraphicFramePr>
           <p:nvPr>
-            <p:ph idx="1"/>
+            <p:extLst>
+              <p:ext uri="{D42A27DB-BD31-4B8C-83A1-F6EECF244321}">
+                <p14:modId xmlns:p14="http://schemas.microsoft.com/office/powerpoint/2010/main" val="464957638"/>
+              </p:ext>
+            </p:extLst>
           </p:nvPr>
-        </p:nvSpPr>
-        <p:spPr/>
-        <p:txBody>
-          <a:bodyPr>
-            <a:normAutofit/>
-          </a:bodyPr>
-          <a:lstStyle/>
-          <a:p>
-            <a:r>
-              <a:rPr lang="de-DE" dirty="0"/>
-              <a:t>Automatischer Vergleich </a:t>
-            </a:r>
-          </a:p>
-          <a:p>
-            <a:pPr lvl="1"/>
-            <a:r>
-              <a:rPr lang="de-DE" dirty="0"/>
-              <a:t>Erstellen der Testdaten durch manuelles ausschneiden von Bildern</a:t>
-            </a:r>
-          </a:p>
-          <a:p>
-            <a:pPr lvl="1"/>
-            <a:r>
-              <a:rPr lang="de-DE" dirty="0"/>
-              <a:t>Festlegen der Kenngrößen um Fehler zu ermitteln</a:t>
-            </a:r>
-          </a:p>
-          <a:p>
-            <a:pPr lvl="1"/>
-            <a:r>
-              <a:rPr lang="de-DE" dirty="0"/>
-              <a:t>Ein Skript schreiben um die Kenngrößen zu ermitteln und auszuwerten</a:t>
-            </a:r>
-          </a:p>
-          <a:p>
-            <a:pPr lvl="1"/>
-            <a:r>
-              <a:rPr lang="de-DE" dirty="0"/>
-              <a:t>Artefakt: Vergleichstool</a:t>
-            </a:r>
-          </a:p>
-          <a:p>
-            <a:r>
-              <a:rPr lang="de-DE" dirty="0"/>
-              <a:t>Grobe Segmentierung</a:t>
-            </a:r>
-          </a:p>
-          <a:p>
-            <a:pPr lvl="1"/>
-            <a:r>
-              <a:rPr lang="de-DE" dirty="0"/>
-              <a:t>Erstellen eines Histogramms</a:t>
-            </a:r>
-          </a:p>
-          <a:p>
-            <a:pPr lvl="1"/>
-            <a:r>
-              <a:rPr lang="de-DE" dirty="0"/>
-              <a:t>Methode zur Segmentierung bestimmen</a:t>
-            </a:r>
-          </a:p>
-          <a:p>
-            <a:pPr lvl="1"/>
-            <a:r>
-              <a:rPr lang="de-DE" dirty="0"/>
-              <a:t>Implementierung eines Moduls zur groben Segmentierung</a:t>
-            </a:r>
-          </a:p>
-          <a:p>
-            <a:pPr lvl="1"/>
-            <a:r>
-              <a:rPr lang="de-DE" dirty="0"/>
-              <a:t>Artefakt: Segmentierungsmodul</a:t>
-            </a:r>
-          </a:p>
-        </p:txBody>
-      </p:sp>
+        </p:nvGraphicFramePr>
+        <p:xfrm>
+          <a:off x="870857" y="1567550"/>
+          <a:ext cx="10738523" cy="4153989"/>
+        </p:xfrm>
+        <a:graphic>
+          <a:graphicData uri="http://schemas.openxmlformats.org/drawingml/2006/table">
+            <a:tbl>
+              <a:tblPr firstRow="1" bandRow="1">
+                <a:tableStyleId>{5C22544A-7EE6-4342-B048-85BDC9FD1C3A}</a:tableStyleId>
+              </a:tblPr>
+              <a:tblGrid>
+                <a:gridCol w="6822231">
+                  <a:extLst>
+                    <a:ext uri="{9D8B030D-6E8A-4147-A177-3AD203B41FA5}">
+                      <a16:colId xmlns:a16="http://schemas.microsoft.com/office/drawing/2014/main" val="3315867083"/>
+                    </a:ext>
+                  </a:extLst>
+                </a:gridCol>
+                <a:gridCol w="2145030">
+                  <a:extLst>
+                    <a:ext uri="{9D8B030D-6E8A-4147-A177-3AD203B41FA5}">
+                      <a16:colId xmlns:a16="http://schemas.microsoft.com/office/drawing/2014/main" val="3823184431"/>
+                    </a:ext>
+                  </a:extLst>
+                </a:gridCol>
+                <a:gridCol w="1771262">
+                  <a:extLst>
+                    <a:ext uri="{9D8B030D-6E8A-4147-A177-3AD203B41FA5}">
+                      <a16:colId xmlns:a16="http://schemas.microsoft.com/office/drawing/2014/main" val="3662850478"/>
+                    </a:ext>
+                  </a:extLst>
+                </a:gridCol>
+              </a:tblGrid>
+              <a:tr h="271886">
+                <a:tc>
+                  <a:txBody>
+                    <a:bodyPr/>
+                    <a:lstStyle/>
+                    <a:p>
+                      <a:r>
+                        <a:rPr lang="de-DE" dirty="0"/>
+                        <a:t>Aufgabe</a:t>
+                      </a:r>
+                    </a:p>
+                  </a:txBody>
+                  <a:tcPr>
+                    <a:lnL w="12700" cap="flat" cmpd="sng" algn="ctr">
+                      <a:solidFill>
+                        <a:schemeClr val="tx1"/>
+                      </a:solidFill>
+                      <a:prstDash val="solid"/>
+                      <a:round/>
+                      <a:headEnd type="none" w="med" len="med"/>
+                      <a:tailEnd type="none" w="med" len="med"/>
+                    </a:lnL>
+                    <a:lnR w="12700" cap="flat" cmpd="sng" algn="ctr">
+                      <a:solidFill>
+                        <a:schemeClr val="tx1"/>
+                      </a:solidFill>
+                      <a:prstDash val="solid"/>
+                      <a:round/>
+                      <a:headEnd type="none" w="med" len="med"/>
+                      <a:tailEnd type="none" w="med" len="med"/>
+                    </a:lnR>
+                    <a:lnT w="12700" cap="flat" cmpd="sng" algn="ctr">
+                      <a:solidFill>
+                        <a:schemeClr val="tx1"/>
+                      </a:solidFill>
+                      <a:prstDash val="solid"/>
+                      <a:round/>
+                      <a:headEnd type="none" w="med" len="med"/>
+                      <a:tailEnd type="none" w="med" len="med"/>
+                    </a:lnT>
+                    <a:lnB w="12700" cap="flat" cmpd="sng" algn="ctr">
+                      <a:solidFill>
+                        <a:schemeClr val="tx1"/>
+                      </a:solidFill>
+                      <a:prstDash val="solid"/>
+                      <a:round/>
+                      <a:headEnd type="none" w="med" len="med"/>
+                      <a:tailEnd type="none" w="med" len="med"/>
+                    </a:lnB>
+                  </a:tcPr>
+                </a:tc>
+                <a:tc>
+                  <a:txBody>
+                    <a:bodyPr/>
+                    <a:lstStyle/>
+                    <a:p>
+                      <a:r>
+                        <a:rPr lang="de-DE" dirty="0"/>
+                        <a:t>Priorität ( 0 – 10 )</a:t>
+                      </a:r>
+                    </a:p>
+                  </a:txBody>
+                  <a:tcPr>
+                    <a:lnL w="12700" cap="flat" cmpd="sng" algn="ctr">
+                      <a:solidFill>
+                        <a:schemeClr val="tx1"/>
+                      </a:solidFill>
+                      <a:prstDash val="solid"/>
+                      <a:round/>
+                      <a:headEnd type="none" w="med" len="med"/>
+                      <a:tailEnd type="none" w="med" len="med"/>
+                    </a:lnL>
+                    <a:lnR w="12700" cap="flat" cmpd="sng" algn="ctr">
+                      <a:solidFill>
+                        <a:schemeClr val="tx1"/>
+                      </a:solidFill>
+                      <a:prstDash val="solid"/>
+                      <a:round/>
+                      <a:headEnd type="none" w="med" len="med"/>
+                      <a:tailEnd type="none" w="med" len="med"/>
+                    </a:lnR>
+                    <a:lnT w="12700" cap="flat" cmpd="sng" algn="ctr">
+                      <a:solidFill>
+                        <a:schemeClr val="tx1"/>
+                      </a:solidFill>
+                      <a:prstDash val="solid"/>
+                      <a:round/>
+                      <a:headEnd type="none" w="med" len="med"/>
+                      <a:tailEnd type="none" w="med" len="med"/>
+                    </a:lnT>
+                    <a:lnB w="12700" cap="flat" cmpd="sng" algn="ctr">
+                      <a:solidFill>
+                        <a:schemeClr val="tx1"/>
+                      </a:solidFill>
+                      <a:prstDash val="solid"/>
+                      <a:round/>
+                      <a:headEnd type="none" w="med" len="med"/>
+                      <a:tailEnd type="none" w="med" len="med"/>
+                    </a:lnB>
+                  </a:tcPr>
+                </a:tc>
+                <a:tc>
+                  <a:txBody>
+                    <a:bodyPr/>
+                    <a:lstStyle/>
+                    <a:p>
+                      <a:r>
+                        <a:rPr lang="de-DE" dirty="0"/>
+                        <a:t>Bearbeitet von</a:t>
+                      </a:r>
+                    </a:p>
+                  </a:txBody>
+                  <a:tcPr>
+                    <a:lnL w="12700" cap="flat" cmpd="sng" algn="ctr">
+                      <a:solidFill>
+                        <a:schemeClr val="tx1"/>
+                      </a:solidFill>
+                      <a:prstDash val="solid"/>
+                      <a:round/>
+                      <a:headEnd type="none" w="med" len="med"/>
+                      <a:tailEnd type="none" w="med" len="med"/>
+                    </a:lnL>
+                    <a:lnR w="12700" cap="flat" cmpd="sng" algn="ctr">
+                      <a:solidFill>
+                        <a:schemeClr val="tx1"/>
+                      </a:solidFill>
+                      <a:prstDash val="solid"/>
+                      <a:round/>
+                      <a:headEnd type="none" w="med" len="med"/>
+                      <a:tailEnd type="none" w="med" len="med"/>
+                    </a:lnR>
+                    <a:lnT w="12700" cap="flat" cmpd="sng" algn="ctr">
+                      <a:solidFill>
+                        <a:schemeClr val="tx1"/>
+                      </a:solidFill>
+                      <a:prstDash val="solid"/>
+                      <a:round/>
+                      <a:headEnd type="none" w="med" len="med"/>
+                      <a:tailEnd type="none" w="med" len="med"/>
+                    </a:lnT>
+                    <a:lnB w="12700" cap="flat" cmpd="sng" algn="ctr">
+                      <a:solidFill>
+                        <a:schemeClr val="tx1"/>
+                      </a:solidFill>
+                      <a:prstDash val="solid"/>
+                      <a:round/>
+                      <a:headEnd type="none" w="med" len="med"/>
+                      <a:tailEnd type="none" w="med" len="med"/>
+                    </a:lnB>
+                  </a:tcPr>
+                </a:tc>
+                <a:extLst>
+                  <a:ext uri="{0D108BD9-81ED-4DB2-BD59-A6C34878D82A}">
+                    <a16:rowId xmlns:a16="http://schemas.microsoft.com/office/drawing/2014/main" val="2599813341"/>
+                  </a:ext>
+                </a:extLst>
+              </a:tr>
+              <a:tr h="271886">
+                <a:tc>
+                  <a:txBody>
+                    <a:bodyPr/>
+                    <a:lstStyle/>
+                    <a:p>
+                      <a:r>
+                        <a:rPr lang="de-DE" dirty="0">
+                          <a:solidFill>
+                            <a:schemeClr val="bg1"/>
+                          </a:solidFill>
+                        </a:rPr>
+                        <a:t>Automatischer Vergleich</a:t>
+                      </a:r>
+                    </a:p>
+                  </a:txBody>
+                  <a:tcPr>
+                    <a:lnL w="12700" cap="flat" cmpd="sng" algn="ctr">
+                      <a:solidFill>
+                        <a:schemeClr val="tx1"/>
+                      </a:solidFill>
+                      <a:prstDash val="solid"/>
+                      <a:round/>
+                      <a:headEnd type="none" w="med" len="med"/>
+                      <a:tailEnd type="none" w="med" len="med"/>
+                    </a:lnL>
+                    <a:lnR w="12700" cap="flat" cmpd="sng" algn="ctr">
+                      <a:solidFill>
+                        <a:schemeClr val="tx1"/>
+                      </a:solidFill>
+                      <a:prstDash val="solid"/>
+                      <a:round/>
+                      <a:headEnd type="none" w="med" len="med"/>
+                      <a:tailEnd type="none" w="med" len="med"/>
+                    </a:lnR>
+                    <a:lnT w="12700" cap="flat" cmpd="sng" algn="ctr">
+                      <a:solidFill>
+                        <a:schemeClr val="tx1"/>
+                      </a:solidFill>
+                      <a:prstDash val="solid"/>
+                      <a:round/>
+                      <a:headEnd type="none" w="med" len="med"/>
+                      <a:tailEnd type="none" w="med" len="med"/>
+                    </a:lnT>
+                    <a:lnB w="12700" cap="flat" cmpd="sng" algn="ctr">
+                      <a:solidFill>
+                        <a:schemeClr val="tx1"/>
+                      </a:solidFill>
+                      <a:prstDash val="solid"/>
+                      <a:round/>
+                      <a:headEnd type="none" w="med" len="med"/>
+                      <a:tailEnd type="none" w="med" len="med"/>
+                    </a:lnB>
+                    <a:solidFill>
+                      <a:srgbClr val="994040"/>
+                    </a:solidFill>
+                  </a:tcPr>
+                </a:tc>
+                <a:tc>
+                  <a:txBody>
+                    <a:bodyPr/>
+                    <a:lstStyle/>
+                    <a:p>
+                      <a:pPr algn="ctr"/>
+                      <a:endParaRPr lang="de-DE" dirty="0"/>
+                    </a:p>
+                  </a:txBody>
+                  <a:tcPr>
+                    <a:lnL w="12700" cap="flat" cmpd="sng" algn="ctr">
+                      <a:solidFill>
+                        <a:schemeClr val="tx1"/>
+                      </a:solidFill>
+                      <a:prstDash val="solid"/>
+                      <a:round/>
+                      <a:headEnd type="none" w="med" len="med"/>
+                      <a:tailEnd type="none" w="med" len="med"/>
+                    </a:lnL>
+                    <a:lnR w="12700" cap="flat" cmpd="sng" algn="ctr">
+                      <a:solidFill>
+                        <a:schemeClr val="tx1"/>
+                      </a:solidFill>
+                      <a:prstDash val="solid"/>
+                      <a:round/>
+                      <a:headEnd type="none" w="med" len="med"/>
+                      <a:tailEnd type="none" w="med" len="med"/>
+                    </a:lnR>
+                    <a:lnT w="12700" cap="flat" cmpd="sng" algn="ctr">
+                      <a:solidFill>
+                        <a:schemeClr val="tx1"/>
+                      </a:solidFill>
+                      <a:prstDash val="solid"/>
+                      <a:round/>
+                      <a:headEnd type="none" w="med" len="med"/>
+                      <a:tailEnd type="none" w="med" len="med"/>
+                    </a:lnT>
+                    <a:lnB w="12700" cap="flat" cmpd="sng" algn="ctr">
+                      <a:solidFill>
+                        <a:schemeClr val="tx1"/>
+                      </a:solidFill>
+                      <a:prstDash val="solid"/>
+                      <a:round/>
+                      <a:headEnd type="none" w="med" len="med"/>
+                      <a:tailEnd type="none" w="med" len="med"/>
+                    </a:lnB>
+                    <a:solidFill>
+                      <a:srgbClr val="994040"/>
+                    </a:solidFill>
+                  </a:tcPr>
+                </a:tc>
+                <a:tc>
+                  <a:txBody>
+                    <a:bodyPr/>
+                    <a:lstStyle/>
+                    <a:p>
+                      <a:pPr algn="ctr"/>
+                      <a:endParaRPr lang="de-DE" dirty="0"/>
+                    </a:p>
+                  </a:txBody>
+                  <a:tcPr>
+                    <a:lnL w="12700" cap="flat" cmpd="sng" algn="ctr">
+                      <a:solidFill>
+                        <a:schemeClr val="tx1"/>
+                      </a:solidFill>
+                      <a:prstDash val="solid"/>
+                      <a:round/>
+                      <a:headEnd type="none" w="med" len="med"/>
+                      <a:tailEnd type="none" w="med" len="med"/>
+                    </a:lnL>
+                    <a:lnR w="12700" cap="flat" cmpd="sng" algn="ctr">
+                      <a:solidFill>
+                        <a:schemeClr val="tx1"/>
+                      </a:solidFill>
+                      <a:prstDash val="solid"/>
+                      <a:round/>
+                      <a:headEnd type="none" w="med" len="med"/>
+                      <a:tailEnd type="none" w="med" len="med"/>
+                    </a:lnR>
+                    <a:lnT w="12700" cap="flat" cmpd="sng" algn="ctr">
+                      <a:solidFill>
+                        <a:schemeClr val="tx1"/>
+                      </a:solidFill>
+                      <a:prstDash val="solid"/>
+                      <a:round/>
+                      <a:headEnd type="none" w="med" len="med"/>
+                      <a:tailEnd type="none" w="med" len="med"/>
+                    </a:lnT>
+                    <a:lnB w="12700" cap="flat" cmpd="sng" algn="ctr">
+                      <a:solidFill>
+                        <a:schemeClr val="tx1"/>
+                      </a:solidFill>
+                      <a:prstDash val="solid"/>
+                      <a:round/>
+                      <a:headEnd type="none" w="med" len="med"/>
+                      <a:tailEnd type="none" w="med" len="med"/>
+                    </a:lnB>
+                    <a:solidFill>
+                      <a:srgbClr val="994040"/>
+                    </a:solidFill>
+                  </a:tcPr>
+                </a:tc>
+                <a:extLst>
+                  <a:ext uri="{0D108BD9-81ED-4DB2-BD59-A6C34878D82A}">
+                    <a16:rowId xmlns:a16="http://schemas.microsoft.com/office/drawing/2014/main" val="2186858902"/>
+                  </a:ext>
+                </a:extLst>
+              </a:tr>
+              <a:tr h="294847">
+                <a:tc>
+                  <a:txBody>
+                    <a:bodyPr/>
+                    <a:lstStyle/>
+                    <a:p>
+                      <a:r>
+                        <a:rPr lang="de-DE" dirty="0"/>
+                        <a:t>Erstellen der Testdaten durch manuelles ausschneiden von Bildern</a:t>
+                      </a:r>
+                    </a:p>
+                  </a:txBody>
+                  <a:tcPr>
+                    <a:lnL w="12700" cap="flat" cmpd="sng" algn="ctr">
+                      <a:solidFill>
+                        <a:schemeClr val="tx1"/>
+                      </a:solidFill>
+                      <a:prstDash val="solid"/>
+                      <a:round/>
+                      <a:headEnd type="none" w="med" len="med"/>
+                      <a:tailEnd type="none" w="med" len="med"/>
+                    </a:lnL>
+                    <a:lnR w="12700" cap="flat" cmpd="sng" algn="ctr">
+                      <a:solidFill>
+                        <a:schemeClr val="tx1"/>
+                      </a:solidFill>
+                      <a:prstDash val="solid"/>
+                      <a:round/>
+                      <a:headEnd type="none" w="med" len="med"/>
+                      <a:tailEnd type="none" w="med" len="med"/>
+                    </a:lnR>
+                    <a:lnT w="12700" cap="flat" cmpd="sng" algn="ctr">
+                      <a:solidFill>
+                        <a:schemeClr val="tx1"/>
+                      </a:solidFill>
+                      <a:prstDash val="solid"/>
+                      <a:round/>
+                      <a:headEnd type="none" w="med" len="med"/>
+                      <a:tailEnd type="none" w="med" len="med"/>
+                    </a:lnT>
+                    <a:lnB w="12700" cap="flat" cmpd="sng" algn="ctr">
+                      <a:solidFill>
+                        <a:schemeClr val="tx1"/>
+                      </a:solidFill>
+                      <a:prstDash val="solid"/>
+                      <a:round/>
+                      <a:headEnd type="none" w="med" len="med"/>
+                      <a:tailEnd type="none" w="med" len="med"/>
+                    </a:lnB>
+                    <a:solidFill>
+                      <a:schemeClr val="bg1"/>
+                    </a:solidFill>
+                  </a:tcPr>
+                </a:tc>
+                <a:tc>
+                  <a:txBody>
+                    <a:bodyPr/>
+                    <a:lstStyle/>
+                    <a:p>
+                      <a:pPr algn="ctr"/>
+                      <a:r>
+                        <a:rPr lang="de-DE" dirty="0"/>
+                        <a:t>6</a:t>
+                      </a:r>
+                    </a:p>
+                  </a:txBody>
+                  <a:tcPr>
+                    <a:lnL w="12700" cap="flat" cmpd="sng" algn="ctr">
+                      <a:solidFill>
+                        <a:schemeClr val="tx1"/>
+                      </a:solidFill>
+                      <a:prstDash val="solid"/>
+                      <a:round/>
+                      <a:headEnd type="none" w="med" len="med"/>
+                      <a:tailEnd type="none" w="med" len="med"/>
+                    </a:lnL>
+                    <a:lnR w="12700" cap="flat" cmpd="sng" algn="ctr">
+                      <a:solidFill>
+                        <a:schemeClr val="tx1"/>
+                      </a:solidFill>
+                      <a:prstDash val="solid"/>
+                      <a:round/>
+                      <a:headEnd type="none" w="med" len="med"/>
+                      <a:tailEnd type="none" w="med" len="med"/>
+                    </a:lnR>
+                    <a:lnT w="12700" cap="flat" cmpd="sng" algn="ctr">
+                      <a:solidFill>
+                        <a:schemeClr val="tx1"/>
+                      </a:solidFill>
+                      <a:prstDash val="solid"/>
+                      <a:round/>
+                      <a:headEnd type="none" w="med" len="med"/>
+                      <a:tailEnd type="none" w="med" len="med"/>
+                    </a:lnT>
+                    <a:lnB w="12700" cap="flat" cmpd="sng" algn="ctr">
+                      <a:solidFill>
+                        <a:schemeClr val="tx1"/>
+                      </a:solidFill>
+                      <a:prstDash val="solid"/>
+                      <a:round/>
+                      <a:headEnd type="none" w="med" len="med"/>
+                      <a:tailEnd type="none" w="med" len="med"/>
+                    </a:lnB>
+                    <a:solidFill>
+                      <a:schemeClr val="bg1"/>
+                    </a:solidFill>
+                  </a:tcPr>
+                </a:tc>
+                <a:tc>
+                  <a:txBody>
+                    <a:bodyPr/>
+                    <a:lstStyle/>
+                    <a:p>
+                      <a:pPr algn="ctr"/>
+                      <a:r>
+                        <a:rPr lang="de-DE" dirty="0"/>
+                        <a:t>allen</a:t>
+                      </a:r>
+                    </a:p>
+                  </a:txBody>
+                  <a:tcPr>
+                    <a:lnL w="12700" cap="flat" cmpd="sng" algn="ctr">
+                      <a:solidFill>
+                        <a:schemeClr val="tx1"/>
+                      </a:solidFill>
+                      <a:prstDash val="solid"/>
+                      <a:round/>
+                      <a:headEnd type="none" w="med" len="med"/>
+                      <a:tailEnd type="none" w="med" len="med"/>
+                    </a:lnL>
+                    <a:lnR w="12700" cap="flat" cmpd="sng" algn="ctr">
+                      <a:solidFill>
+                        <a:schemeClr val="tx1"/>
+                      </a:solidFill>
+                      <a:prstDash val="solid"/>
+                      <a:round/>
+                      <a:headEnd type="none" w="med" len="med"/>
+                      <a:tailEnd type="none" w="med" len="med"/>
+                    </a:lnR>
+                    <a:lnT w="12700" cap="flat" cmpd="sng" algn="ctr">
+                      <a:solidFill>
+                        <a:schemeClr val="tx1"/>
+                      </a:solidFill>
+                      <a:prstDash val="solid"/>
+                      <a:round/>
+                      <a:headEnd type="none" w="med" len="med"/>
+                      <a:tailEnd type="none" w="med" len="med"/>
+                    </a:lnT>
+                    <a:lnB w="12700" cap="flat" cmpd="sng" algn="ctr">
+                      <a:solidFill>
+                        <a:schemeClr val="tx1"/>
+                      </a:solidFill>
+                      <a:prstDash val="solid"/>
+                      <a:round/>
+                      <a:headEnd type="none" w="med" len="med"/>
+                      <a:tailEnd type="none" w="med" len="med"/>
+                    </a:lnB>
+                    <a:solidFill>
+                      <a:schemeClr val="bg1"/>
+                    </a:solidFill>
+                  </a:tcPr>
+                </a:tc>
+                <a:extLst>
+                  <a:ext uri="{0D108BD9-81ED-4DB2-BD59-A6C34878D82A}">
+                    <a16:rowId xmlns:a16="http://schemas.microsoft.com/office/drawing/2014/main" val="1576252859"/>
+                  </a:ext>
+                </a:extLst>
+              </a:tr>
+              <a:tr h="0">
+                <a:tc>
+                  <a:txBody>
+                    <a:bodyPr/>
+                    <a:lstStyle/>
+                    <a:p>
+                      <a:r>
+                        <a:rPr lang="de-DE" dirty="0"/>
+                        <a:t>Festlegen der Kenngrößen um Fehler zu ermitteln</a:t>
+                      </a:r>
+                    </a:p>
+                  </a:txBody>
+                  <a:tcPr>
+                    <a:lnL w="12700" cap="flat" cmpd="sng" algn="ctr">
+                      <a:solidFill>
+                        <a:schemeClr val="tx1"/>
+                      </a:solidFill>
+                      <a:prstDash val="solid"/>
+                      <a:round/>
+                      <a:headEnd type="none" w="med" len="med"/>
+                      <a:tailEnd type="none" w="med" len="med"/>
+                    </a:lnL>
+                    <a:lnR w="12700" cap="flat" cmpd="sng" algn="ctr">
+                      <a:solidFill>
+                        <a:schemeClr val="tx1"/>
+                      </a:solidFill>
+                      <a:prstDash val="solid"/>
+                      <a:round/>
+                      <a:headEnd type="none" w="med" len="med"/>
+                      <a:tailEnd type="none" w="med" len="med"/>
+                    </a:lnR>
+                    <a:lnT w="12700" cap="flat" cmpd="sng" algn="ctr">
+                      <a:solidFill>
+                        <a:schemeClr val="tx1"/>
+                      </a:solidFill>
+                      <a:prstDash val="solid"/>
+                      <a:round/>
+                      <a:headEnd type="none" w="med" len="med"/>
+                      <a:tailEnd type="none" w="med" len="med"/>
+                    </a:lnT>
+                    <a:lnB w="12700" cap="flat" cmpd="sng" algn="ctr">
+                      <a:solidFill>
+                        <a:schemeClr val="tx1"/>
+                      </a:solidFill>
+                      <a:prstDash val="solid"/>
+                      <a:round/>
+                      <a:headEnd type="none" w="med" len="med"/>
+                      <a:tailEnd type="none" w="med" len="med"/>
+                    </a:lnB>
+                    <a:solidFill>
+                      <a:schemeClr val="bg1"/>
+                    </a:solidFill>
+                  </a:tcPr>
+                </a:tc>
+                <a:tc>
+                  <a:txBody>
+                    <a:bodyPr/>
+                    <a:lstStyle/>
+                    <a:p>
+                      <a:pPr algn="ctr"/>
+                      <a:r>
+                        <a:rPr lang="de-DE" dirty="0"/>
+                        <a:t>4</a:t>
+                      </a:r>
+                    </a:p>
+                  </a:txBody>
+                  <a:tcPr>
+                    <a:lnL w="12700" cap="flat" cmpd="sng" algn="ctr">
+                      <a:solidFill>
+                        <a:schemeClr val="tx1"/>
+                      </a:solidFill>
+                      <a:prstDash val="solid"/>
+                      <a:round/>
+                      <a:headEnd type="none" w="med" len="med"/>
+                      <a:tailEnd type="none" w="med" len="med"/>
+                    </a:lnL>
+                    <a:lnR w="12700" cap="flat" cmpd="sng" algn="ctr">
+                      <a:solidFill>
+                        <a:schemeClr val="tx1"/>
+                      </a:solidFill>
+                      <a:prstDash val="solid"/>
+                      <a:round/>
+                      <a:headEnd type="none" w="med" len="med"/>
+                      <a:tailEnd type="none" w="med" len="med"/>
+                    </a:lnR>
+                    <a:lnT w="12700" cap="flat" cmpd="sng" algn="ctr">
+                      <a:solidFill>
+                        <a:schemeClr val="tx1"/>
+                      </a:solidFill>
+                      <a:prstDash val="solid"/>
+                      <a:round/>
+                      <a:headEnd type="none" w="med" len="med"/>
+                      <a:tailEnd type="none" w="med" len="med"/>
+                    </a:lnT>
+                    <a:lnB w="12700" cap="flat" cmpd="sng" algn="ctr">
+                      <a:solidFill>
+                        <a:schemeClr val="tx1"/>
+                      </a:solidFill>
+                      <a:prstDash val="solid"/>
+                      <a:round/>
+                      <a:headEnd type="none" w="med" len="med"/>
+                      <a:tailEnd type="none" w="med" len="med"/>
+                    </a:lnB>
+                    <a:solidFill>
+                      <a:schemeClr val="bg1"/>
+                    </a:solidFill>
+                  </a:tcPr>
+                </a:tc>
+                <a:tc>
+                  <a:txBody>
+                    <a:bodyPr/>
+                    <a:lstStyle/>
+                    <a:p>
+                      <a:pPr algn="ctr"/>
+                      <a:r>
+                        <a:rPr lang="de-DE" dirty="0"/>
+                        <a:t>Mariella, Stefan</a:t>
+                      </a:r>
+                    </a:p>
+                  </a:txBody>
+                  <a:tcPr>
+                    <a:lnL w="12700" cap="flat" cmpd="sng" algn="ctr">
+                      <a:solidFill>
+                        <a:schemeClr val="tx1"/>
+                      </a:solidFill>
+                      <a:prstDash val="solid"/>
+                      <a:round/>
+                      <a:headEnd type="none" w="med" len="med"/>
+                      <a:tailEnd type="none" w="med" len="med"/>
+                    </a:lnL>
+                    <a:lnR w="12700" cap="flat" cmpd="sng" algn="ctr">
+                      <a:solidFill>
+                        <a:schemeClr val="tx1"/>
+                      </a:solidFill>
+                      <a:prstDash val="solid"/>
+                      <a:round/>
+                      <a:headEnd type="none" w="med" len="med"/>
+                      <a:tailEnd type="none" w="med" len="med"/>
+                    </a:lnR>
+                    <a:lnT w="12700" cap="flat" cmpd="sng" algn="ctr">
+                      <a:solidFill>
+                        <a:schemeClr val="tx1"/>
+                      </a:solidFill>
+                      <a:prstDash val="solid"/>
+                      <a:round/>
+                      <a:headEnd type="none" w="med" len="med"/>
+                      <a:tailEnd type="none" w="med" len="med"/>
+                    </a:lnT>
+                    <a:lnB w="12700" cap="flat" cmpd="sng" algn="ctr">
+                      <a:solidFill>
+                        <a:schemeClr val="tx1"/>
+                      </a:solidFill>
+                      <a:prstDash val="solid"/>
+                      <a:round/>
+                      <a:headEnd type="none" w="med" len="med"/>
+                      <a:tailEnd type="none" w="med" len="med"/>
+                    </a:lnB>
+                    <a:solidFill>
+                      <a:schemeClr val="bg1"/>
+                    </a:solidFill>
+                  </a:tcPr>
+                </a:tc>
+                <a:extLst>
+                  <a:ext uri="{0D108BD9-81ED-4DB2-BD59-A6C34878D82A}">
+                    <a16:rowId xmlns:a16="http://schemas.microsoft.com/office/drawing/2014/main" val="1060909734"/>
+                  </a:ext>
+                </a:extLst>
+              </a:tr>
+              <a:tr h="0">
+                <a:tc>
+                  <a:txBody>
+                    <a:bodyPr/>
+                    <a:lstStyle/>
+                    <a:p>
+                      <a:r>
+                        <a:rPr lang="de-DE" dirty="0"/>
+                        <a:t>Skript implementieren um Kenngrößen zu ermitteln und auszuwerten</a:t>
+                      </a:r>
+                    </a:p>
+                  </a:txBody>
+                  <a:tcPr>
+                    <a:lnL w="12700" cap="flat" cmpd="sng" algn="ctr">
+                      <a:solidFill>
+                        <a:schemeClr val="tx1"/>
+                      </a:solidFill>
+                      <a:prstDash val="solid"/>
+                      <a:round/>
+                      <a:headEnd type="none" w="med" len="med"/>
+                      <a:tailEnd type="none" w="med" len="med"/>
+                    </a:lnL>
+                    <a:lnR w="12700" cap="flat" cmpd="sng" algn="ctr">
+                      <a:solidFill>
+                        <a:schemeClr val="tx1"/>
+                      </a:solidFill>
+                      <a:prstDash val="solid"/>
+                      <a:round/>
+                      <a:headEnd type="none" w="med" len="med"/>
+                      <a:tailEnd type="none" w="med" len="med"/>
+                    </a:lnR>
+                    <a:lnT w="12700" cap="flat" cmpd="sng" algn="ctr">
+                      <a:solidFill>
+                        <a:schemeClr val="tx1"/>
+                      </a:solidFill>
+                      <a:prstDash val="solid"/>
+                      <a:round/>
+                      <a:headEnd type="none" w="med" len="med"/>
+                      <a:tailEnd type="none" w="med" len="med"/>
+                    </a:lnT>
+                    <a:lnB w="12700" cap="flat" cmpd="sng" algn="ctr">
+                      <a:solidFill>
+                        <a:schemeClr val="tx1"/>
+                      </a:solidFill>
+                      <a:prstDash val="solid"/>
+                      <a:round/>
+                      <a:headEnd type="none" w="med" len="med"/>
+                      <a:tailEnd type="none" w="med" len="med"/>
+                    </a:lnB>
+                    <a:solidFill>
+                      <a:schemeClr val="bg1"/>
+                    </a:solidFill>
+                  </a:tcPr>
+                </a:tc>
+                <a:tc>
+                  <a:txBody>
+                    <a:bodyPr/>
+                    <a:lstStyle/>
+                    <a:p>
+                      <a:pPr algn="ctr"/>
+                      <a:r>
+                        <a:rPr lang="de-DE" dirty="0"/>
+                        <a:t>6</a:t>
+                      </a:r>
+                    </a:p>
+                  </a:txBody>
+                  <a:tcPr>
+                    <a:lnL w="12700" cap="flat" cmpd="sng" algn="ctr">
+                      <a:solidFill>
+                        <a:schemeClr val="tx1"/>
+                      </a:solidFill>
+                      <a:prstDash val="solid"/>
+                      <a:round/>
+                      <a:headEnd type="none" w="med" len="med"/>
+                      <a:tailEnd type="none" w="med" len="med"/>
+                    </a:lnL>
+                    <a:lnR w="12700" cap="flat" cmpd="sng" algn="ctr">
+                      <a:solidFill>
+                        <a:schemeClr val="tx1"/>
+                      </a:solidFill>
+                      <a:prstDash val="solid"/>
+                      <a:round/>
+                      <a:headEnd type="none" w="med" len="med"/>
+                      <a:tailEnd type="none" w="med" len="med"/>
+                    </a:lnR>
+                    <a:lnT w="12700" cap="flat" cmpd="sng" algn="ctr">
+                      <a:solidFill>
+                        <a:schemeClr val="tx1"/>
+                      </a:solidFill>
+                      <a:prstDash val="solid"/>
+                      <a:round/>
+                      <a:headEnd type="none" w="med" len="med"/>
+                      <a:tailEnd type="none" w="med" len="med"/>
+                    </a:lnT>
+                    <a:lnB w="12700" cap="flat" cmpd="sng" algn="ctr">
+                      <a:solidFill>
+                        <a:schemeClr val="tx1"/>
+                      </a:solidFill>
+                      <a:prstDash val="solid"/>
+                      <a:round/>
+                      <a:headEnd type="none" w="med" len="med"/>
+                      <a:tailEnd type="none" w="med" len="med"/>
+                    </a:lnB>
+                    <a:solidFill>
+                      <a:schemeClr val="bg1"/>
+                    </a:solidFill>
+                  </a:tcPr>
+                </a:tc>
+                <a:tc>
+                  <a:txBody>
+                    <a:bodyPr/>
+                    <a:lstStyle/>
+                    <a:p>
+                      <a:pPr algn="ctr"/>
+                      <a:r>
+                        <a:rPr lang="de-DE" dirty="0"/>
+                        <a:t>Mariella, Stefan</a:t>
+                      </a:r>
+                    </a:p>
+                  </a:txBody>
+                  <a:tcPr>
+                    <a:lnL w="12700" cap="flat" cmpd="sng" algn="ctr">
+                      <a:solidFill>
+                        <a:schemeClr val="tx1"/>
+                      </a:solidFill>
+                      <a:prstDash val="solid"/>
+                      <a:round/>
+                      <a:headEnd type="none" w="med" len="med"/>
+                      <a:tailEnd type="none" w="med" len="med"/>
+                    </a:lnL>
+                    <a:lnR w="12700" cap="flat" cmpd="sng" algn="ctr">
+                      <a:solidFill>
+                        <a:schemeClr val="tx1"/>
+                      </a:solidFill>
+                      <a:prstDash val="solid"/>
+                      <a:round/>
+                      <a:headEnd type="none" w="med" len="med"/>
+                      <a:tailEnd type="none" w="med" len="med"/>
+                    </a:lnR>
+                    <a:lnT w="12700" cap="flat" cmpd="sng" algn="ctr">
+                      <a:solidFill>
+                        <a:schemeClr val="tx1"/>
+                      </a:solidFill>
+                      <a:prstDash val="solid"/>
+                      <a:round/>
+                      <a:headEnd type="none" w="med" len="med"/>
+                      <a:tailEnd type="none" w="med" len="med"/>
+                    </a:lnT>
+                    <a:lnB w="12700" cap="flat" cmpd="sng" algn="ctr">
+                      <a:solidFill>
+                        <a:schemeClr val="tx1"/>
+                      </a:solidFill>
+                      <a:prstDash val="solid"/>
+                      <a:round/>
+                      <a:headEnd type="none" w="med" len="med"/>
+                      <a:tailEnd type="none" w="med" len="med"/>
+                    </a:lnB>
+                    <a:solidFill>
+                      <a:schemeClr val="bg1"/>
+                    </a:solidFill>
+                  </a:tcPr>
+                </a:tc>
+                <a:extLst>
+                  <a:ext uri="{0D108BD9-81ED-4DB2-BD59-A6C34878D82A}">
+                    <a16:rowId xmlns:a16="http://schemas.microsoft.com/office/drawing/2014/main" val="270417348"/>
+                  </a:ext>
+                </a:extLst>
+              </a:tr>
+              <a:tr h="271886">
+                <a:tc>
+                  <a:txBody>
+                    <a:bodyPr/>
+                    <a:lstStyle/>
+                    <a:p>
+                      <a:r>
+                        <a:rPr lang="de-DE" dirty="0">
+                          <a:solidFill>
+                            <a:schemeClr val="bg1"/>
+                          </a:solidFill>
+                        </a:rPr>
+                        <a:t>Grobe Segmentierung</a:t>
+                      </a:r>
+                    </a:p>
+                  </a:txBody>
+                  <a:tcPr>
+                    <a:lnL w="12700" cap="flat" cmpd="sng" algn="ctr">
+                      <a:solidFill>
+                        <a:schemeClr val="tx1"/>
+                      </a:solidFill>
+                      <a:prstDash val="solid"/>
+                      <a:round/>
+                      <a:headEnd type="none" w="med" len="med"/>
+                      <a:tailEnd type="none" w="med" len="med"/>
+                    </a:lnL>
+                    <a:lnR w="12700" cap="flat" cmpd="sng" algn="ctr">
+                      <a:solidFill>
+                        <a:schemeClr val="tx1"/>
+                      </a:solidFill>
+                      <a:prstDash val="solid"/>
+                      <a:round/>
+                      <a:headEnd type="none" w="med" len="med"/>
+                      <a:tailEnd type="none" w="med" len="med"/>
+                    </a:lnR>
+                    <a:lnT w="12700" cap="flat" cmpd="sng" algn="ctr">
+                      <a:solidFill>
+                        <a:schemeClr val="tx1"/>
+                      </a:solidFill>
+                      <a:prstDash val="solid"/>
+                      <a:round/>
+                      <a:headEnd type="none" w="med" len="med"/>
+                      <a:tailEnd type="none" w="med" len="med"/>
+                    </a:lnT>
+                    <a:lnB w="12700" cap="flat" cmpd="sng" algn="ctr">
+                      <a:solidFill>
+                        <a:schemeClr val="tx1"/>
+                      </a:solidFill>
+                      <a:prstDash val="solid"/>
+                      <a:round/>
+                      <a:headEnd type="none" w="med" len="med"/>
+                      <a:tailEnd type="none" w="med" len="med"/>
+                    </a:lnB>
+                    <a:solidFill>
+                      <a:srgbClr val="994040"/>
+                    </a:solidFill>
+                  </a:tcPr>
+                </a:tc>
+                <a:tc>
+                  <a:txBody>
+                    <a:bodyPr/>
+                    <a:lstStyle/>
+                    <a:p>
+                      <a:pPr algn="ctr"/>
+                      <a:endParaRPr lang="de-DE" dirty="0"/>
+                    </a:p>
+                  </a:txBody>
+                  <a:tcPr>
+                    <a:lnL w="12700" cap="flat" cmpd="sng" algn="ctr">
+                      <a:solidFill>
+                        <a:schemeClr val="tx1"/>
+                      </a:solidFill>
+                      <a:prstDash val="solid"/>
+                      <a:round/>
+                      <a:headEnd type="none" w="med" len="med"/>
+                      <a:tailEnd type="none" w="med" len="med"/>
+                    </a:lnL>
+                    <a:lnR w="12700" cap="flat" cmpd="sng" algn="ctr">
+                      <a:solidFill>
+                        <a:schemeClr val="tx1"/>
+                      </a:solidFill>
+                      <a:prstDash val="solid"/>
+                      <a:round/>
+                      <a:headEnd type="none" w="med" len="med"/>
+                      <a:tailEnd type="none" w="med" len="med"/>
+                    </a:lnR>
+                    <a:lnT w="12700" cap="flat" cmpd="sng" algn="ctr">
+                      <a:solidFill>
+                        <a:schemeClr val="tx1"/>
+                      </a:solidFill>
+                      <a:prstDash val="solid"/>
+                      <a:round/>
+                      <a:headEnd type="none" w="med" len="med"/>
+                      <a:tailEnd type="none" w="med" len="med"/>
+                    </a:lnT>
+                    <a:lnB w="12700" cap="flat" cmpd="sng" algn="ctr">
+                      <a:solidFill>
+                        <a:schemeClr val="tx1"/>
+                      </a:solidFill>
+                      <a:prstDash val="solid"/>
+                      <a:round/>
+                      <a:headEnd type="none" w="med" len="med"/>
+                      <a:tailEnd type="none" w="med" len="med"/>
+                    </a:lnB>
+                    <a:solidFill>
+                      <a:srgbClr val="994040"/>
+                    </a:solidFill>
+                  </a:tcPr>
+                </a:tc>
+                <a:tc>
+                  <a:txBody>
+                    <a:bodyPr/>
+                    <a:lstStyle/>
+                    <a:p>
+                      <a:pPr algn="ctr"/>
+                      <a:endParaRPr lang="de-DE" dirty="0"/>
+                    </a:p>
+                  </a:txBody>
+                  <a:tcPr>
+                    <a:lnL w="12700" cap="flat" cmpd="sng" algn="ctr">
+                      <a:solidFill>
+                        <a:schemeClr val="tx1"/>
+                      </a:solidFill>
+                      <a:prstDash val="solid"/>
+                      <a:round/>
+                      <a:headEnd type="none" w="med" len="med"/>
+                      <a:tailEnd type="none" w="med" len="med"/>
+                    </a:lnL>
+                    <a:lnR w="12700" cap="flat" cmpd="sng" algn="ctr">
+                      <a:solidFill>
+                        <a:schemeClr val="tx1"/>
+                      </a:solidFill>
+                      <a:prstDash val="solid"/>
+                      <a:round/>
+                      <a:headEnd type="none" w="med" len="med"/>
+                      <a:tailEnd type="none" w="med" len="med"/>
+                    </a:lnR>
+                    <a:lnT w="12700" cap="flat" cmpd="sng" algn="ctr">
+                      <a:solidFill>
+                        <a:schemeClr val="tx1"/>
+                      </a:solidFill>
+                      <a:prstDash val="solid"/>
+                      <a:round/>
+                      <a:headEnd type="none" w="med" len="med"/>
+                      <a:tailEnd type="none" w="med" len="med"/>
+                    </a:lnT>
+                    <a:lnB w="12700" cap="flat" cmpd="sng" algn="ctr">
+                      <a:solidFill>
+                        <a:schemeClr val="tx1"/>
+                      </a:solidFill>
+                      <a:prstDash val="solid"/>
+                      <a:round/>
+                      <a:headEnd type="none" w="med" len="med"/>
+                      <a:tailEnd type="none" w="med" len="med"/>
+                    </a:lnB>
+                    <a:solidFill>
+                      <a:srgbClr val="994040"/>
+                    </a:solidFill>
+                  </a:tcPr>
+                </a:tc>
+                <a:extLst>
+                  <a:ext uri="{0D108BD9-81ED-4DB2-BD59-A6C34878D82A}">
+                    <a16:rowId xmlns:a16="http://schemas.microsoft.com/office/drawing/2014/main" val="1375342737"/>
+                  </a:ext>
+                </a:extLst>
+              </a:tr>
+              <a:tr h="0">
+                <a:tc>
+                  <a:txBody>
+                    <a:bodyPr/>
+                    <a:lstStyle/>
+                    <a:p>
+                      <a:pPr marL="0" marR="0" lvl="0" indent="0" algn="l" defTabSz="914400" rtl="0" eaLnBrk="1" fontAlgn="auto" latinLnBrk="0" hangingPunct="1">
+                        <a:lnSpc>
+                          <a:spcPct val="100000"/>
+                        </a:lnSpc>
+                        <a:spcBef>
+                          <a:spcPts val="0"/>
+                        </a:spcBef>
+                        <a:spcAft>
+                          <a:spcPts val="0"/>
+                        </a:spcAft>
+                        <a:buClrTx/>
+                        <a:buSzTx/>
+                        <a:buFontTx/>
+                        <a:buNone/>
+                        <a:tabLst/>
+                        <a:defRPr/>
+                      </a:pPr>
+                      <a:r>
+                        <a:rPr lang="de-DE" dirty="0"/>
+                        <a:t>Erstellen eines Histogramms</a:t>
+                      </a:r>
+                    </a:p>
+                  </a:txBody>
+                  <a:tcPr>
+                    <a:lnL w="12700" cap="flat" cmpd="sng" algn="ctr">
+                      <a:solidFill>
+                        <a:schemeClr val="tx1"/>
+                      </a:solidFill>
+                      <a:prstDash val="solid"/>
+                      <a:round/>
+                      <a:headEnd type="none" w="med" len="med"/>
+                      <a:tailEnd type="none" w="med" len="med"/>
+                    </a:lnL>
+                    <a:lnR w="12700" cap="flat" cmpd="sng" algn="ctr">
+                      <a:solidFill>
+                        <a:schemeClr val="tx1"/>
+                      </a:solidFill>
+                      <a:prstDash val="solid"/>
+                      <a:round/>
+                      <a:headEnd type="none" w="med" len="med"/>
+                      <a:tailEnd type="none" w="med" len="med"/>
+                    </a:lnR>
+                    <a:lnT w="12700" cap="flat" cmpd="sng" algn="ctr">
+                      <a:solidFill>
+                        <a:schemeClr val="tx1"/>
+                      </a:solidFill>
+                      <a:prstDash val="solid"/>
+                      <a:round/>
+                      <a:headEnd type="none" w="med" len="med"/>
+                      <a:tailEnd type="none" w="med" len="med"/>
+                    </a:lnT>
+                    <a:lnB w="12700" cap="flat" cmpd="sng" algn="ctr">
+                      <a:solidFill>
+                        <a:schemeClr val="tx1"/>
+                      </a:solidFill>
+                      <a:prstDash val="solid"/>
+                      <a:round/>
+                      <a:headEnd type="none" w="med" len="med"/>
+                      <a:tailEnd type="none" w="med" len="med"/>
+                    </a:lnB>
+                    <a:solidFill>
+                      <a:schemeClr val="bg1"/>
+                    </a:solidFill>
+                  </a:tcPr>
+                </a:tc>
+                <a:tc>
+                  <a:txBody>
+                    <a:bodyPr/>
+                    <a:lstStyle/>
+                    <a:p>
+                      <a:pPr algn="ctr"/>
+                      <a:r>
+                        <a:rPr lang="de-DE" dirty="0"/>
+                        <a:t>4</a:t>
+                      </a:r>
+                    </a:p>
+                  </a:txBody>
+                  <a:tcPr>
+                    <a:lnL w="12700" cap="flat" cmpd="sng" algn="ctr">
+                      <a:solidFill>
+                        <a:schemeClr val="tx1"/>
+                      </a:solidFill>
+                      <a:prstDash val="solid"/>
+                      <a:round/>
+                      <a:headEnd type="none" w="med" len="med"/>
+                      <a:tailEnd type="none" w="med" len="med"/>
+                    </a:lnL>
+                    <a:lnR w="12700" cap="flat" cmpd="sng" algn="ctr">
+                      <a:solidFill>
+                        <a:schemeClr val="tx1"/>
+                      </a:solidFill>
+                      <a:prstDash val="solid"/>
+                      <a:round/>
+                      <a:headEnd type="none" w="med" len="med"/>
+                      <a:tailEnd type="none" w="med" len="med"/>
+                    </a:lnR>
+                    <a:lnT w="12700" cap="flat" cmpd="sng" algn="ctr">
+                      <a:solidFill>
+                        <a:schemeClr val="tx1"/>
+                      </a:solidFill>
+                      <a:prstDash val="solid"/>
+                      <a:round/>
+                      <a:headEnd type="none" w="med" len="med"/>
+                      <a:tailEnd type="none" w="med" len="med"/>
+                    </a:lnT>
+                    <a:lnB w="12700" cap="flat" cmpd="sng" algn="ctr">
+                      <a:solidFill>
+                        <a:schemeClr val="tx1"/>
+                      </a:solidFill>
+                      <a:prstDash val="solid"/>
+                      <a:round/>
+                      <a:headEnd type="none" w="med" len="med"/>
+                      <a:tailEnd type="none" w="med" len="med"/>
+                    </a:lnB>
+                    <a:solidFill>
+                      <a:schemeClr val="bg1"/>
+                    </a:solidFill>
+                  </a:tcPr>
+                </a:tc>
+                <a:tc>
+                  <a:txBody>
+                    <a:bodyPr/>
+                    <a:lstStyle/>
+                    <a:p>
+                      <a:pPr algn="ctr"/>
+                      <a:r>
+                        <a:rPr lang="de-DE" dirty="0"/>
+                        <a:t>Tom</a:t>
+                      </a:r>
+                    </a:p>
+                  </a:txBody>
+                  <a:tcPr>
+                    <a:lnL w="12700" cap="flat" cmpd="sng" algn="ctr">
+                      <a:solidFill>
+                        <a:schemeClr val="tx1"/>
+                      </a:solidFill>
+                      <a:prstDash val="solid"/>
+                      <a:round/>
+                      <a:headEnd type="none" w="med" len="med"/>
+                      <a:tailEnd type="none" w="med" len="med"/>
+                    </a:lnL>
+                    <a:lnR w="12700" cap="flat" cmpd="sng" algn="ctr">
+                      <a:solidFill>
+                        <a:schemeClr val="tx1"/>
+                      </a:solidFill>
+                      <a:prstDash val="solid"/>
+                      <a:round/>
+                      <a:headEnd type="none" w="med" len="med"/>
+                      <a:tailEnd type="none" w="med" len="med"/>
+                    </a:lnR>
+                    <a:lnT w="12700" cap="flat" cmpd="sng" algn="ctr">
+                      <a:solidFill>
+                        <a:schemeClr val="tx1"/>
+                      </a:solidFill>
+                      <a:prstDash val="solid"/>
+                      <a:round/>
+                      <a:headEnd type="none" w="med" len="med"/>
+                      <a:tailEnd type="none" w="med" len="med"/>
+                    </a:lnT>
+                    <a:lnB w="12700" cap="flat" cmpd="sng" algn="ctr">
+                      <a:solidFill>
+                        <a:schemeClr val="tx1"/>
+                      </a:solidFill>
+                      <a:prstDash val="solid"/>
+                      <a:round/>
+                      <a:headEnd type="none" w="med" len="med"/>
+                      <a:tailEnd type="none" w="med" len="med"/>
+                    </a:lnB>
+                    <a:solidFill>
+                      <a:schemeClr val="bg1"/>
+                    </a:solidFill>
+                  </a:tcPr>
+                </a:tc>
+                <a:extLst>
+                  <a:ext uri="{0D108BD9-81ED-4DB2-BD59-A6C34878D82A}">
+                    <a16:rowId xmlns:a16="http://schemas.microsoft.com/office/drawing/2014/main" val="4038599401"/>
+                  </a:ext>
+                </a:extLst>
+              </a:tr>
+              <a:tr h="0">
+                <a:tc>
+                  <a:txBody>
+                    <a:bodyPr/>
+                    <a:lstStyle/>
+                    <a:p>
+                      <a:pPr marL="0" marR="0" lvl="0" indent="0" algn="l" defTabSz="914400" rtl="0" eaLnBrk="1" fontAlgn="auto" latinLnBrk="0" hangingPunct="1">
+                        <a:lnSpc>
+                          <a:spcPct val="100000"/>
+                        </a:lnSpc>
+                        <a:spcBef>
+                          <a:spcPts val="0"/>
+                        </a:spcBef>
+                        <a:spcAft>
+                          <a:spcPts val="0"/>
+                        </a:spcAft>
+                        <a:buClrTx/>
+                        <a:buSzTx/>
+                        <a:buFontTx/>
+                        <a:buNone/>
+                        <a:tabLst/>
+                        <a:defRPr/>
+                      </a:pPr>
+                      <a:r>
+                        <a:rPr lang="de-DE" dirty="0"/>
+                        <a:t>Methode zur Segmentierung bestimmen</a:t>
+                      </a:r>
+                    </a:p>
+                  </a:txBody>
+                  <a:tcPr>
+                    <a:lnL w="12700" cap="flat" cmpd="sng" algn="ctr">
+                      <a:solidFill>
+                        <a:schemeClr val="tx1"/>
+                      </a:solidFill>
+                      <a:prstDash val="solid"/>
+                      <a:round/>
+                      <a:headEnd type="none" w="med" len="med"/>
+                      <a:tailEnd type="none" w="med" len="med"/>
+                    </a:lnL>
+                    <a:lnR w="12700" cap="flat" cmpd="sng" algn="ctr">
+                      <a:solidFill>
+                        <a:schemeClr val="tx1"/>
+                      </a:solidFill>
+                      <a:prstDash val="solid"/>
+                      <a:round/>
+                      <a:headEnd type="none" w="med" len="med"/>
+                      <a:tailEnd type="none" w="med" len="med"/>
+                    </a:lnR>
+                    <a:lnT w="12700" cap="flat" cmpd="sng" algn="ctr">
+                      <a:solidFill>
+                        <a:schemeClr val="tx1"/>
+                      </a:solidFill>
+                      <a:prstDash val="solid"/>
+                      <a:round/>
+                      <a:headEnd type="none" w="med" len="med"/>
+                      <a:tailEnd type="none" w="med" len="med"/>
+                    </a:lnT>
+                    <a:lnB w="12700" cap="flat" cmpd="sng" algn="ctr">
+                      <a:solidFill>
+                        <a:schemeClr val="tx1"/>
+                      </a:solidFill>
+                      <a:prstDash val="solid"/>
+                      <a:round/>
+                      <a:headEnd type="none" w="med" len="med"/>
+                      <a:tailEnd type="none" w="med" len="med"/>
+                    </a:lnB>
+                    <a:solidFill>
+                      <a:schemeClr val="bg1"/>
+                    </a:solidFill>
+                  </a:tcPr>
+                </a:tc>
+                <a:tc>
+                  <a:txBody>
+                    <a:bodyPr/>
+                    <a:lstStyle/>
+                    <a:p>
+                      <a:pPr algn="ctr"/>
+                      <a:r>
+                        <a:rPr lang="de-DE" dirty="0"/>
+                        <a:t>9</a:t>
+                      </a:r>
+                    </a:p>
+                  </a:txBody>
+                  <a:tcPr>
+                    <a:lnL w="12700" cap="flat" cmpd="sng" algn="ctr">
+                      <a:solidFill>
+                        <a:schemeClr val="tx1"/>
+                      </a:solidFill>
+                      <a:prstDash val="solid"/>
+                      <a:round/>
+                      <a:headEnd type="none" w="med" len="med"/>
+                      <a:tailEnd type="none" w="med" len="med"/>
+                    </a:lnL>
+                    <a:lnR w="12700" cap="flat" cmpd="sng" algn="ctr">
+                      <a:solidFill>
+                        <a:schemeClr val="tx1"/>
+                      </a:solidFill>
+                      <a:prstDash val="solid"/>
+                      <a:round/>
+                      <a:headEnd type="none" w="med" len="med"/>
+                      <a:tailEnd type="none" w="med" len="med"/>
+                    </a:lnR>
+                    <a:lnT w="12700" cap="flat" cmpd="sng" algn="ctr">
+                      <a:solidFill>
+                        <a:schemeClr val="tx1"/>
+                      </a:solidFill>
+                      <a:prstDash val="solid"/>
+                      <a:round/>
+                      <a:headEnd type="none" w="med" len="med"/>
+                      <a:tailEnd type="none" w="med" len="med"/>
+                    </a:lnT>
+                    <a:lnB w="12700" cap="flat" cmpd="sng" algn="ctr">
+                      <a:solidFill>
+                        <a:schemeClr val="tx1"/>
+                      </a:solidFill>
+                      <a:prstDash val="solid"/>
+                      <a:round/>
+                      <a:headEnd type="none" w="med" len="med"/>
+                      <a:tailEnd type="none" w="med" len="med"/>
+                    </a:lnB>
+                    <a:solidFill>
+                      <a:schemeClr val="bg1"/>
+                    </a:solidFill>
+                  </a:tcPr>
+                </a:tc>
+                <a:tc>
+                  <a:txBody>
+                    <a:bodyPr/>
+                    <a:lstStyle/>
+                    <a:p>
+                      <a:pPr algn="ctr"/>
+                      <a:r>
+                        <a:rPr lang="de-DE" dirty="0"/>
+                        <a:t>Tom</a:t>
+                      </a:r>
+                    </a:p>
+                  </a:txBody>
+                  <a:tcPr>
+                    <a:lnL w="12700" cap="flat" cmpd="sng" algn="ctr">
+                      <a:solidFill>
+                        <a:schemeClr val="tx1"/>
+                      </a:solidFill>
+                      <a:prstDash val="solid"/>
+                      <a:round/>
+                      <a:headEnd type="none" w="med" len="med"/>
+                      <a:tailEnd type="none" w="med" len="med"/>
+                    </a:lnL>
+                    <a:lnR w="12700" cap="flat" cmpd="sng" algn="ctr">
+                      <a:solidFill>
+                        <a:schemeClr val="tx1"/>
+                      </a:solidFill>
+                      <a:prstDash val="solid"/>
+                      <a:round/>
+                      <a:headEnd type="none" w="med" len="med"/>
+                      <a:tailEnd type="none" w="med" len="med"/>
+                    </a:lnR>
+                    <a:lnT w="12700" cap="flat" cmpd="sng" algn="ctr">
+                      <a:solidFill>
+                        <a:schemeClr val="tx1"/>
+                      </a:solidFill>
+                      <a:prstDash val="solid"/>
+                      <a:round/>
+                      <a:headEnd type="none" w="med" len="med"/>
+                      <a:tailEnd type="none" w="med" len="med"/>
+                    </a:lnT>
+                    <a:lnB w="12700" cap="flat" cmpd="sng" algn="ctr">
+                      <a:solidFill>
+                        <a:schemeClr val="tx1"/>
+                      </a:solidFill>
+                      <a:prstDash val="solid"/>
+                      <a:round/>
+                      <a:headEnd type="none" w="med" len="med"/>
+                      <a:tailEnd type="none" w="med" len="med"/>
+                    </a:lnB>
+                    <a:solidFill>
+                      <a:schemeClr val="bg1"/>
+                    </a:solidFill>
+                  </a:tcPr>
+                </a:tc>
+                <a:extLst>
+                  <a:ext uri="{0D108BD9-81ED-4DB2-BD59-A6C34878D82A}">
+                    <a16:rowId xmlns:a16="http://schemas.microsoft.com/office/drawing/2014/main" val="1369248427"/>
+                  </a:ext>
+                </a:extLst>
+              </a:tr>
+              <a:tr h="404949">
+                <a:tc>
+                  <a:txBody>
+                    <a:bodyPr/>
+                    <a:lstStyle/>
+                    <a:p>
+                      <a:pPr marL="0" marR="0" lvl="0" indent="0" algn="l" defTabSz="914400" rtl="0" eaLnBrk="1" fontAlgn="auto" latinLnBrk="0" hangingPunct="1">
+                        <a:lnSpc>
+                          <a:spcPct val="100000"/>
+                        </a:lnSpc>
+                        <a:spcBef>
+                          <a:spcPts val="0"/>
+                        </a:spcBef>
+                        <a:spcAft>
+                          <a:spcPts val="0"/>
+                        </a:spcAft>
+                        <a:buClrTx/>
+                        <a:buSzTx/>
+                        <a:buFontTx/>
+                        <a:buNone/>
+                        <a:tabLst/>
+                        <a:defRPr/>
+                      </a:pPr>
+                      <a:r>
+                        <a:rPr lang="de-DE" dirty="0"/>
+                        <a:t>Implementierung eines Moduls zur groben Segmentierung</a:t>
+                      </a:r>
+                    </a:p>
+                  </a:txBody>
+                  <a:tcPr>
+                    <a:lnL w="12700" cap="flat" cmpd="sng" algn="ctr">
+                      <a:solidFill>
+                        <a:schemeClr val="tx1"/>
+                      </a:solidFill>
+                      <a:prstDash val="solid"/>
+                      <a:round/>
+                      <a:headEnd type="none" w="med" len="med"/>
+                      <a:tailEnd type="none" w="med" len="med"/>
+                    </a:lnL>
+                    <a:lnR w="12700" cap="flat" cmpd="sng" algn="ctr">
+                      <a:solidFill>
+                        <a:schemeClr val="tx1"/>
+                      </a:solidFill>
+                      <a:prstDash val="solid"/>
+                      <a:round/>
+                      <a:headEnd type="none" w="med" len="med"/>
+                      <a:tailEnd type="none" w="med" len="med"/>
+                    </a:lnR>
+                    <a:lnT w="12700" cap="flat" cmpd="sng" algn="ctr">
+                      <a:solidFill>
+                        <a:schemeClr val="tx1"/>
+                      </a:solidFill>
+                      <a:prstDash val="solid"/>
+                      <a:round/>
+                      <a:headEnd type="none" w="med" len="med"/>
+                      <a:tailEnd type="none" w="med" len="med"/>
+                    </a:lnT>
+                    <a:lnB w="12700" cap="flat" cmpd="sng" algn="ctr">
+                      <a:solidFill>
+                        <a:schemeClr val="tx1"/>
+                      </a:solidFill>
+                      <a:prstDash val="solid"/>
+                      <a:round/>
+                      <a:headEnd type="none" w="med" len="med"/>
+                      <a:tailEnd type="none" w="med" len="med"/>
+                    </a:lnB>
+                    <a:solidFill>
+                      <a:schemeClr val="bg1"/>
+                    </a:solidFill>
+                  </a:tcPr>
+                </a:tc>
+                <a:tc>
+                  <a:txBody>
+                    <a:bodyPr/>
+                    <a:lstStyle/>
+                    <a:p>
+                      <a:pPr algn="ctr"/>
+                      <a:r>
+                        <a:rPr lang="de-DE" dirty="0"/>
+                        <a:t>6</a:t>
+                      </a:r>
+                    </a:p>
+                  </a:txBody>
+                  <a:tcPr>
+                    <a:lnL w="12700" cap="flat" cmpd="sng" algn="ctr">
+                      <a:solidFill>
+                        <a:schemeClr val="tx1"/>
+                      </a:solidFill>
+                      <a:prstDash val="solid"/>
+                      <a:round/>
+                      <a:headEnd type="none" w="med" len="med"/>
+                      <a:tailEnd type="none" w="med" len="med"/>
+                    </a:lnL>
+                    <a:lnR w="12700" cap="flat" cmpd="sng" algn="ctr">
+                      <a:solidFill>
+                        <a:schemeClr val="tx1"/>
+                      </a:solidFill>
+                      <a:prstDash val="solid"/>
+                      <a:round/>
+                      <a:headEnd type="none" w="med" len="med"/>
+                      <a:tailEnd type="none" w="med" len="med"/>
+                    </a:lnR>
+                    <a:lnT w="12700" cap="flat" cmpd="sng" algn="ctr">
+                      <a:solidFill>
+                        <a:schemeClr val="tx1"/>
+                      </a:solidFill>
+                      <a:prstDash val="solid"/>
+                      <a:round/>
+                      <a:headEnd type="none" w="med" len="med"/>
+                      <a:tailEnd type="none" w="med" len="med"/>
+                    </a:lnT>
+                    <a:lnB w="12700" cap="flat" cmpd="sng" algn="ctr">
+                      <a:solidFill>
+                        <a:schemeClr val="tx1"/>
+                      </a:solidFill>
+                      <a:prstDash val="solid"/>
+                      <a:round/>
+                      <a:headEnd type="none" w="med" len="med"/>
+                      <a:tailEnd type="none" w="med" len="med"/>
+                    </a:lnB>
+                    <a:solidFill>
+                      <a:schemeClr val="bg1"/>
+                    </a:solidFill>
+                  </a:tcPr>
+                </a:tc>
+                <a:tc>
+                  <a:txBody>
+                    <a:bodyPr/>
+                    <a:lstStyle/>
+                    <a:p>
+                      <a:pPr algn="ctr"/>
+                      <a:r>
+                        <a:rPr lang="de-DE" dirty="0"/>
+                        <a:t>Tom</a:t>
+                      </a:r>
+                    </a:p>
+                  </a:txBody>
+                  <a:tcPr>
+                    <a:lnL w="12700" cap="flat" cmpd="sng" algn="ctr">
+                      <a:solidFill>
+                        <a:schemeClr val="tx1"/>
+                      </a:solidFill>
+                      <a:prstDash val="solid"/>
+                      <a:round/>
+                      <a:headEnd type="none" w="med" len="med"/>
+                      <a:tailEnd type="none" w="med" len="med"/>
+                    </a:lnL>
+                    <a:lnR w="12700" cap="flat" cmpd="sng" algn="ctr">
+                      <a:solidFill>
+                        <a:schemeClr val="tx1"/>
+                      </a:solidFill>
+                      <a:prstDash val="solid"/>
+                      <a:round/>
+                      <a:headEnd type="none" w="med" len="med"/>
+                      <a:tailEnd type="none" w="med" len="med"/>
+                    </a:lnR>
+                    <a:lnT w="12700" cap="flat" cmpd="sng" algn="ctr">
+                      <a:solidFill>
+                        <a:schemeClr val="tx1"/>
+                      </a:solidFill>
+                      <a:prstDash val="solid"/>
+                      <a:round/>
+                      <a:headEnd type="none" w="med" len="med"/>
+                      <a:tailEnd type="none" w="med" len="med"/>
+                    </a:lnT>
+                    <a:lnB w="12700" cap="flat" cmpd="sng" algn="ctr">
+                      <a:solidFill>
+                        <a:schemeClr val="tx1"/>
+                      </a:solidFill>
+                      <a:prstDash val="solid"/>
+                      <a:round/>
+                      <a:headEnd type="none" w="med" len="med"/>
+                      <a:tailEnd type="none" w="med" len="med"/>
+                    </a:lnB>
+                    <a:solidFill>
+                      <a:schemeClr val="bg1"/>
+                    </a:solidFill>
+                  </a:tcPr>
+                </a:tc>
+                <a:extLst>
+                  <a:ext uri="{0D108BD9-81ED-4DB2-BD59-A6C34878D82A}">
+                    <a16:rowId xmlns:a16="http://schemas.microsoft.com/office/drawing/2014/main" val="2809869963"/>
+                  </a:ext>
+                </a:extLst>
+              </a:tr>
+            </a:tbl>
+          </a:graphicData>
+        </a:graphic>
+      </p:graphicFrame>
     </p:spTree>
     <p:extLst>
       <p:ext uri="{BB962C8B-B14F-4D97-AF65-F5344CB8AC3E}">
@@ -3852,107 +7907,1998 @@
           </a:p>
         </p:txBody>
       </p:sp>
-      <p:sp>
-        <p:nvSpPr>
-          <p:cNvPr id="3" name="Inhaltsplatzhalter 2">
+      <p:graphicFrame>
+        <p:nvGraphicFramePr>
+          <p:cNvPr id="4" name="Tabelle 3">
             <a:extLst>
               <a:ext uri="{FF2B5EF4-FFF2-40B4-BE49-F238E27FC236}">
-                <a16:creationId xmlns:a16="http://schemas.microsoft.com/office/drawing/2014/main" id="{DFD23E0B-D623-4C37-B711-3BD85BAF3B1C}"/>
+                <a16:creationId xmlns:a16="http://schemas.microsoft.com/office/drawing/2014/main" id="{4A1418E1-089F-4642-9E13-16825E0834DC}"/>
               </a:ext>
             </a:extLst>
           </p:cNvPr>
-          <p:cNvSpPr>
-            <a:spLocks noGrp="1"/>
-          </p:cNvSpPr>
+          <p:cNvGraphicFramePr>
+            <a:graphicFrameLocks noGrp="1"/>
+          </p:cNvGraphicFramePr>
           <p:nvPr>
-            <p:ph idx="1"/>
+            <p:extLst>
+              <p:ext uri="{D42A27DB-BD31-4B8C-83A1-F6EECF244321}">
+                <p14:modId xmlns:p14="http://schemas.microsoft.com/office/powerpoint/2010/main" val="4162033907"/>
+              </p:ext>
+            </p:extLst>
           </p:nvPr>
-        </p:nvSpPr>
-        <p:spPr/>
-        <p:txBody>
-          <a:bodyPr/>
-          <a:lstStyle/>
-          <a:p>
-            <a:r>
-              <a:rPr lang="de-DE" dirty="0"/>
-              <a:t>Genauere Auswertung</a:t>
-            </a:r>
-          </a:p>
-          <a:p>
-            <a:pPr lvl="1"/>
-            <a:r>
-              <a:rPr lang="de-DE" dirty="0"/>
-              <a:t>Methodenrecherche</a:t>
-            </a:r>
-          </a:p>
-          <a:p>
-            <a:pPr lvl="1"/>
-            <a:r>
-              <a:rPr lang="de-DE" dirty="0"/>
-              <a:t>Potentielle Randentfernung</a:t>
-            </a:r>
-          </a:p>
-          <a:p>
-            <a:pPr lvl="1"/>
-            <a:r>
-              <a:rPr lang="de-DE" dirty="0"/>
-              <a:t>Unterschiedliche Algorithmen für verschiedene Formen</a:t>
-            </a:r>
-          </a:p>
-          <a:p>
-            <a:pPr lvl="2"/>
-            <a:r>
-              <a:rPr lang="de-DE" dirty="0"/>
-              <a:t>Rechteck </a:t>
-            </a:r>
-          </a:p>
-          <a:p>
-            <a:pPr lvl="2"/>
-            <a:r>
-              <a:rPr lang="de-DE" dirty="0"/>
-              <a:t>Oval</a:t>
-            </a:r>
-          </a:p>
-          <a:p>
-            <a:pPr lvl="2"/>
-            <a:r>
-              <a:rPr lang="de-DE" dirty="0"/>
-              <a:t>Kreis</a:t>
-            </a:r>
-          </a:p>
-          <a:p>
-            <a:pPr lvl="2"/>
-            <a:r>
-              <a:rPr lang="de-DE" dirty="0"/>
-              <a:t>Sonstige Formen (z.B. Dreieck)</a:t>
-            </a:r>
-          </a:p>
-          <a:p>
-            <a:pPr lvl="1"/>
-            <a:r>
-              <a:rPr lang="de-DE" dirty="0"/>
-              <a:t>Besten Algorithmus automatisch erkennen und auswählen</a:t>
-            </a:r>
-          </a:p>
-          <a:p>
-            <a:pPr lvl="2"/>
-            <a:r>
-              <a:rPr lang="de-DE" dirty="0"/>
-              <a:t>Fehlerwertermittlung </a:t>
-            </a:r>
-          </a:p>
-          <a:p>
-            <a:pPr lvl="1"/>
-            <a:r>
-              <a:rPr lang="de-DE" dirty="0"/>
-              <a:t>Artefakt: Extraktionsmodul</a:t>
-            </a:r>
-          </a:p>
-          <a:p>
-            <a:endParaRPr lang="de-DE" dirty="0"/>
-          </a:p>
-        </p:txBody>
-      </p:sp>
+        </p:nvGraphicFramePr>
+        <p:xfrm>
+          <a:off x="870857" y="1560071"/>
+          <a:ext cx="10738523" cy="4140927"/>
+        </p:xfrm>
+        <a:graphic>
+          <a:graphicData uri="http://schemas.openxmlformats.org/drawingml/2006/table">
+            <a:tbl>
+              <a:tblPr firstRow="1" bandRow="1">
+                <a:tableStyleId>{5C22544A-7EE6-4342-B048-85BDC9FD1C3A}</a:tableStyleId>
+              </a:tblPr>
+              <a:tblGrid>
+                <a:gridCol w="6822231">
+                  <a:extLst>
+                    <a:ext uri="{9D8B030D-6E8A-4147-A177-3AD203B41FA5}">
+                      <a16:colId xmlns:a16="http://schemas.microsoft.com/office/drawing/2014/main" val="3315867083"/>
+                    </a:ext>
+                  </a:extLst>
+                </a:gridCol>
+                <a:gridCol w="2145030">
+                  <a:extLst>
+                    <a:ext uri="{9D8B030D-6E8A-4147-A177-3AD203B41FA5}">
+                      <a16:colId xmlns:a16="http://schemas.microsoft.com/office/drawing/2014/main" val="3823184431"/>
+                    </a:ext>
+                  </a:extLst>
+                </a:gridCol>
+                <a:gridCol w="1771262">
+                  <a:extLst>
+                    <a:ext uri="{9D8B030D-6E8A-4147-A177-3AD203B41FA5}">
+                      <a16:colId xmlns:a16="http://schemas.microsoft.com/office/drawing/2014/main" val="3662850478"/>
+                    </a:ext>
+                  </a:extLst>
+                </a:gridCol>
+              </a:tblGrid>
+              <a:tr h="271886">
+                <a:tc>
+                  <a:txBody>
+                    <a:bodyPr/>
+                    <a:lstStyle/>
+                    <a:p>
+                      <a:r>
+                        <a:rPr lang="de-DE" dirty="0"/>
+                        <a:t>Aufgabe</a:t>
+                      </a:r>
+                    </a:p>
+                  </a:txBody>
+                  <a:tcPr>
+                    <a:lnL w="12700" cap="flat" cmpd="sng" algn="ctr">
+                      <a:solidFill>
+                        <a:schemeClr val="tx1"/>
+                      </a:solidFill>
+                      <a:prstDash val="solid"/>
+                      <a:round/>
+                      <a:headEnd type="none" w="med" len="med"/>
+                      <a:tailEnd type="none" w="med" len="med"/>
+                    </a:lnL>
+                    <a:lnR w="12700" cap="flat" cmpd="sng" algn="ctr">
+                      <a:solidFill>
+                        <a:schemeClr val="tx1"/>
+                      </a:solidFill>
+                      <a:prstDash val="solid"/>
+                      <a:round/>
+                      <a:headEnd type="none" w="med" len="med"/>
+                      <a:tailEnd type="none" w="med" len="med"/>
+                    </a:lnR>
+                    <a:lnT w="12700" cap="flat" cmpd="sng" algn="ctr">
+                      <a:solidFill>
+                        <a:schemeClr val="tx1"/>
+                      </a:solidFill>
+                      <a:prstDash val="solid"/>
+                      <a:round/>
+                      <a:headEnd type="none" w="med" len="med"/>
+                      <a:tailEnd type="none" w="med" len="med"/>
+                    </a:lnT>
+                    <a:lnB w="12700" cap="flat" cmpd="sng" algn="ctr">
+                      <a:solidFill>
+                        <a:schemeClr val="tx1"/>
+                      </a:solidFill>
+                      <a:prstDash val="solid"/>
+                      <a:round/>
+                      <a:headEnd type="none" w="med" len="med"/>
+                      <a:tailEnd type="none" w="med" len="med"/>
+                    </a:lnB>
+                  </a:tcPr>
+                </a:tc>
+                <a:tc>
+                  <a:txBody>
+                    <a:bodyPr/>
+                    <a:lstStyle/>
+                    <a:p>
+                      <a:r>
+                        <a:rPr lang="de-DE" dirty="0"/>
+                        <a:t>Priorität ( 0 – 10 )</a:t>
+                      </a:r>
+                    </a:p>
+                  </a:txBody>
+                  <a:tcPr>
+                    <a:lnL w="12700" cap="flat" cmpd="sng" algn="ctr">
+                      <a:solidFill>
+                        <a:schemeClr val="tx1"/>
+                      </a:solidFill>
+                      <a:prstDash val="solid"/>
+                      <a:round/>
+                      <a:headEnd type="none" w="med" len="med"/>
+                      <a:tailEnd type="none" w="med" len="med"/>
+                    </a:lnL>
+                    <a:lnR w="12700" cap="flat" cmpd="sng" algn="ctr">
+                      <a:solidFill>
+                        <a:schemeClr val="tx1"/>
+                      </a:solidFill>
+                      <a:prstDash val="solid"/>
+                      <a:round/>
+                      <a:headEnd type="none" w="med" len="med"/>
+                      <a:tailEnd type="none" w="med" len="med"/>
+                    </a:lnR>
+                    <a:lnT w="12700" cap="flat" cmpd="sng" algn="ctr">
+                      <a:solidFill>
+                        <a:schemeClr val="tx1"/>
+                      </a:solidFill>
+                      <a:prstDash val="solid"/>
+                      <a:round/>
+                      <a:headEnd type="none" w="med" len="med"/>
+                      <a:tailEnd type="none" w="med" len="med"/>
+                    </a:lnT>
+                    <a:lnB w="12700" cap="flat" cmpd="sng" algn="ctr">
+                      <a:solidFill>
+                        <a:schemeClr val="tx1"/>
+                      </a:solidFill>
+                      <a:prstDash val="solid"/>
+                      <a:round/>
+                      <a:headEnd type="none" w="med" len="med"/>
+                      <a:tailEnd type="none" w="med" len="med"/>
+                    </a:lnB>
+                  </a:tcPr>
+                </a:tc>
+                <a:tc>
+                  <a:txBody>
+                    <a:bodyPr/>
+                    <a:lstStyle/>
+                    <a:p>
+                      <a:r>
+                        <a:rPr lang="de-DE" dirty="0"/>
+                        <a:t>Bearbeitet von</a:t>
+                      </a:r>
+                    </a:p>
+                  </a:txBody>
+                  <a:tcPr>
+                    <a:lnL w="12700" cap="flat" cmpd="sng" algn="ctr">
+                      <a:solidFill>
+                        <a:schemeClr val="tx1"/>
+                      </a:solidFill>
+                      <a:prstDash val="solid"/>
+                      <a:round/>
+                      <a:headEnd type="none" w="med" len="med"/>
+                      <a:tailEnd type="none" w="med" len="med"/>
+                    </a:lnL>
+                    <a:lnR w="12700" cap="flat" cmpd="sng" algn="ctr">
+                      <a:solidFill>
+                        <a:schemeClr val="tx1"/>
+                      </a:solidFill>
+                      <a:prstDash val="solid"/>
+                      <a:round/>
+                      <a:headEnd type="none" w="med" len="med"/>
+                      <a:tailEnd type="none" w="med" len="med"/>
+                    </a:lnR>
+                    <a:lnT w="12700" cap="flat" cmpd="sng" algn="ctr">
+                      <a:solidFill>
+                        <a:schemeClr val="tx1"/>
+                      </a:solidFill>
+                      <a:prstDash val="solid"/>
+                      <a:round/>
+                      <a:headEnd type="none" w="med" len="med"/>
+                      <a:tailEnd type="none" w="med" len="med"/>
+                    </a:lnT>
+                    <a:lnB w="12700" cap="flat" cmpd="sng" algn="ctr">
+                      <a:solidFill>
+                        <a:schemeClr val="tx1"/>
+                      </a:solidFill>
+                      <a:prstDash val="solid"/>
+                      <a:round/>
+                      <a:headEnd type="none" w="med" len="med"/>
+                      <a:tailEnd type="none" w="med" len="med"/>
+                    </a:lnB>
+                  </a:tcPr>
+                </a:tc>
+                <a:extLst>
+                  <a:ext uri="{0D108BD9-81ED-4DB2-BD59-A6C34878D82A}">
+                    <a16:rowId xmlns:a16="http://schemas.microsoft.com/office/drawing/2014/main" val="2599813341"/>
+                  </a:ext>
+                </a:extLst>
+              </a:tr>
+              <a:tr h="271886">
+                <a:tc>
+                  <a:txBody>
+                    <a:bodyPr/>
+                    <a:lstStyle/>
+                    <a:p>
+                      <a:r>
+                        <a:rPr lang="de-DE" dirty="0">
+                          <a:solidFill>
+                            <a:schemeClr val="bg1"/>
+                          </a:solidFill>
+                        </a:rPr>
+                        <a:t>Genauere Auswertung</a:t>
+                      </a:r>
+                    </a:p>
+                  </a:txBody>
+                  <a:tcPr>
+                    <a:lnL w="12700" cap="flat" cmpd="sng" algn="ctr">
+                      <a:solidFill>
+                        <a:schemeClr val="tx1"/>
+                      </a:solidFill>
+                      <a:prstDash val="solid"/>
+                      <a:round/>
+                      <a:headEnd type="none" w="med" len="med"/>
+                      <a:tailEnd type="none" w="med" len="med"/>
+                    </a:lnL>
+                    <a:lnR w="12700" cap="flat" cmpd="sng" algn="ctr">
+                      <a:solidFill>
+                        <a:schemeClr val="tx1"/>
+                      </a:solidFill>
+                      <a:prstDash val="solid"/>
+                      <a:round/>
+                      <a:headEnd type="none" w="med" len="med"/>
+                      <a:tailEnd type="none" w="med" len="med"/>
+                    </a:lnR>
+                    <a:lnT w="12700" cap="flat" cmpd="sng" algn="ctr">
+                      <a:solidFill>
+                        <a:schemeClr val="tx1"/>
+                      </a:solidFill>
+                      <a:prstDash val="solid"/>
+                      <a:round/>
+                      <a:headEnd type="none" w="med" len="med"/>
+                      <a:tailEnd type="none" w="med" len="med"/>
+                    </a:lnT>
+                    <a:lnB w="12700" cap="flat" cmpd="sng" algn="ctr">
+                      <a:solidFill>
+                        <a:schemeClr val="tx1"/>
+                      </a:solidFill>
+                      <a:prstDash val="solid"/>
+                      <a:round/>
+                      <a:headEnd type="none" w="med" len="med"/>
+                      <a:tailEnd type="none" w="med" len="med"/>
+                    </a:lnB>
+                    <a:solidFill>
+                      <a:srgbClr val="994040"/>
+                    </a:solidFill>
+                  </a:tcPr>
+                </a:tc>
+                <a:tc>
+                  <a:txBody>
+                    <a:bodyPr/>
+                    <a:lstStyle/>
+                    <a:p>
+                      <a:endParaRPr lang="de-DE" dirty="0"/>
+                    </a:p>
+                  </a:txBody>
+                  <a:tcPr>
+                    <a:lnL w="12700" cap="flat" cmpd="sng" algn="ctr">
+                      <a:solidFill>
+                        <a:schemeClr val="tx1"/>
+                      </a:solidFill>
+                      <a:prstDash val="solid"/>
+                      <a:round/>
+                      <a:headEnd type="none" w="med" len="med"/>
+                      <a:tailEnd type="none" w="med" len="med"/>
+                    </a:lnL>
+                    <a:lnR w="12700" cap="flat" cmpd="sng" algn="ctr">
+                      <a:solidFill>
+                        <a:schemeClr val="tx1"/>
+                      </a:solidFill>
+                      <a:prstDash val="solid"/>
+                      <a:round/>
+                      <a:headEnd type="none" w="med" len="med"/>
+                      <a:tailEnd type="none" w="med" len="med"/>
+                    </a:lnR>
+                    <a:lnT w="12700" cap="flat" cmpd="sng" algn="ctr">
+                      <a:solidFill>
+                        <a:schemeClr val="tx1"/>
+                      </a:solidFill>
+                      <a:prstDash val="solid"/>
+                      <a:round/>
+                      <a:headEnd type="none" w="med" len="med"/>
+                      <a:tailEnd type="none" w="med" len="med"/>
+                    </a:lnT>
+                    <a:lnB w="12700" cap="flat" cmpd="sng" algn="ctr">
+                      <a:solidFill>
+                        <a:schemeClr val="tx1"/>
+                      </a:solidFill>
+                      <a:prstDash val="solid"/>
+                      <a:round/>
+                      <a:headEnd type="none" w="med" len="med"/>
+                      <a:tailEnd type="none" w="med" len="med"/>
+                    </a:lnB>
+                    <a:solidFill>
+                      <a:srgbClr val="994040"/>
+                    </a:solidFill>
+                  </a:tcPr>
+                </a:tc>
+                <a:tc>
+                  <a:txBody>
+                    <a:bodyPr/>
+                    <a:lstStyle/>
+                    <a:p>
+                      <a:endParaRPr lang="de-DE" dirty="0"/>
+                    </a:p>
+                  </a:txBody>
+                  <a:tcPr>
+                    <a:lnL w="12700" cap="flat" cmpd="sng" algn="ctr">
+                      <a:solidFill>
+                        <a:schemeClr val="tx1"/>
+                      </a:solidFill>
+                      <a:prstDash val="solid"/>
+                      <a:round/>
+                      <a:headEnd type="none" w="med" len="med"/>
+                      <a:tailEnd type="none" w="med" len="med"/>
+                    </a:lnL>
+                    <a:lnR w="12700" cap="flat" cmpd="sng" algn="ctr">
+                      <a:solidFill>
+                        <a:schemeClr val="tx1"/>
+                      </a:solidFill>
+                      <a:prstDash val="solid"/>
+                      <a:round/>
+                      <a:headEnd type="none" w="med" len="med"/>
+                      <a:tailEnd type="none" w="med" len="med"/>
+                    </a:lnR>
+                    <a:lnT w="12700" cap="flat" cmpd="sng" algn="ctr">
+                      <a:solidFill>
+                        <a:schemeClr val="tx1"/>
+                      </a:solidFill>
+                      <a:prstDash val="solid"/>
+                      <a:round/>
+                      <a:headEnd type="none" w="med" len="med"/>
+                      <a:tailEnd type="none" w="med" len="med"/>
+                    </a:lnT>
+                    <a:lnB w="12700" cap="flat" cmpd="sng" algn="ctr">
+                      <a:solidFill>
+                        <a:schemeClr val="tx1"/>
+                      </a:solidFill>
+                      <a:prstDash val="solid"/>
+                      <a:round/>
+                      <a:headEnd type="none" w="med" len="med"/>
+                      <a:tailEnd type="none" w="med" len="med"/>
+                    </a:lnB>
+                    <a:solidFill>
+                      <a:srgbClr val="994040"/>
+                    </a:solidFill>
+                  </a:tcPr>
+                </a:tc>
+                <a:extLst>
+                  <a:ext uri="{0D108BD9-81ED-4DB2-BD59-A6C34878D82A}">
+                    <a16:rowId xmlns:a16="http://schemas.microsoft.com/office/drawing/2014/main" val="2186858902"/>
+                  </a:ext>
+                </a:extLst>
+              </a:tr>
+              <a:tr h="294847">
+                <a:tc>
+                  <a:txBody>
+                    <a:bodyPr/>
+                    <a:lstStyle/>
+                    <a:p>
+                      <a:r>
+                        <a:rPr lang="de-DE" dirty="0"/>
+                        <a:t>Methodenrecherche</a:t>
+                      </a:r>
+                    </a:p>
+                  </a:txBody>
+                  <a:tcPr>
+                    <a:lnL w="12700" cap="flat" cmpd="sng" algn="ctr">
+                      <a:solidFill>
+                        <a:schemeClr val="tx1"/>
+                      </a:solidFill>
+                      <a:prstDash val="solid"/>
+                      <a:round/>
+                      <a:headEnd type="none" w="med" len="med"/>
+                      <a:tailEnd type="none" w="med" len="med"/>
+                    </a:lnL>
+                    <a:lnR w="12700" cap="flat" cmpd="sng" algn="ctr">
+                      <a:solidFill>
+                        <a:schemeClr val="tx1"/>
+                      </a:solidFill>
+                      <a:prstDash val="solid"/>
+                      <a:round/>
+                      <a:headEnd type="none" w="med" len="med"/>
+                      <a:tailEnd type="none" w="med" len="med"/>
+                    </a:lnR>
+                    <a:lnT w="12700" cap="flat" cmpd="sng" algn="ctr">
+                      <a:solidFill>
+                        <a:schemeClr val="tx1"/>
+                      </a:solidFill>
+                      <a:prstDash val="solid"/>
+                      <a:round/>
+                      <a:headEnd type="none" w="med" len="med"/>
+                      <a:tailEnd type="none" w="med" len="med"/>
+                    </a:lnT>
+                    <a:lnB w="12700" cap="flat" cmpd="sng" algn="ctr">
+                      <a:solidFill>
+                        <a:schemeClr val="tx1"/>
+                      </a:solidFill>
+                      <a:prstDash val="solid"/>
+                      <a:round/>
+                      <a:headEnd type="none" w="med" len="med"/>
+                      <a:tailEnd type="none" w="med" len="med"/>
+                    </a:lnB>
+                    <a:solidFill>
+                      <a:schemeClr val="bg1"/>
+                    </a:solidFill>
+                  </a:tcPr>
+                </a:tc>
+                <a:tc>
+                  <a:txBody>
+                    <a:bodyPr/>
+                    <a:lstStyle/>
+                    <a:p>
+                      <a:pPr algn="ctr"/>
+                      <a:r>
+                        <a:rPr lang="de-DE" dirty="0"/>
+                        <a:t>8</a:t>
+                      </a:r>
+                    </a:p>
+                  </a:txBody>
+                  <a:tcPr>
+                    <a:lnL w="12700" cap="flat" cmpd="sng" algn="ctr">
+                      <a:solidFill>
+                        <a:schemeClr val="tx1"/>
+                      </a:solidFill>
+                      <a:prstDash val="solid"/>
+                      <a:round/>
+                      <a:headEnd type="none" w="med" len="med"/>
+                      <a:tailEnd type="none" w="med" len="med"/>
+                    </a:lnL>
+                    <a:lnR w="12700" cap="flat" cmpd="sng" algn="ctr">
+                      <a:solidFill>
+                        <a:schemeClr val="tx1"/>
+                      </a:solidFill>
+                      <a:prstDash val="solid"/>
+                      <a:round/>
+                      <a:headEnd type="none" w="med" len="med"/>
+                      <a:tailEnd type="none" w="med" len="med"/>
+                    </a:lnR>
+                    <a:lnT w="12700" cap="flat" cmpd="sng" algn="ctr">
+                      <a:solidFill>
+                        <a:schemeClr val="tx1"/>
+                      </a:solidFill>
+                      <a:prstDash val="solid"/>
+                      <a:round/>
+                      <a:headEnd type="none" w="med" len="med"/>
+                      <a:tailEnd type="none" w="med" len="med"/>
+                    </a:lnT>
+                    <a:lnB w="12700" cap="flat" cmpd="sng" algn="ctr">
+                      <a:solidFill>
+                        <a:schemeClr val="tx1"/>
+                      </a:solidFill>
+                      <a:prstDash val="solid"/>
+                      <a:round/>
+                      <a:headEnd type="none" w="med" len="med"/>
+                      <a:tailEnd type="none" w="med" len="med"/>
+                    </a:lnB>
+                    <a:solidFill>
+                      <a:schemeClr val="bg1"/>
+                    </a:solidFill>
+                  </a:tcPr>
+                </a:tc>
+                <a:tc>
+                  <a:txBody>
+                    <a:bodyPr/>
+                    <a:lstStyle/>
+                    <a:p>
+                      <a:pPr algn="ctr"/>
+                      <a:r>
+                        <a:rPr lang="de-DE" dirty="0"/>
+                        <a:t>allen</a:t>
+                      </a:r>
+                    </a:p>
+                  </a:txBody>
+                  <a:tcPr>
+                    <a:lnL w="12700" cap="flat" cmpd="sng" algn="ctr">
+                      <a:solidFill>
+                        <a:schemeClr val="tx1"/>
+                      </a:solidFill>
+                      <a:prstDash val="solid"/>
+                      <a:round/>
+                      <a:headEnd type="none" w="med" len="med"/>
+                      <a:tailEnd type="none" w="med" len="med"/>
+                    </a:lnL>
+                    <a:lnR w="12700" cap="flat" cmpd="sng" algn="ctr">
+                      <a:solidFill>
+                        <a:schemeClr val="tx1"/>
+                      </a:solidFill>
+                      <a:prstDash val="solid"/>
+                      <a:round/>
+                      <a:headEnd type="none" w="med" len="med"/>
+                      <a:tailEnd type="none" w="med" len="med"/>
+                    </a:lnR>
+                    <a:lnT w="12700" cap="flat" cmpd="sng" algn="ctr">
+                      <a:solidFill>
+                        <a:schemeClr val="tx1"/>
+                      </a:solidFill>
+                      <a:prstDash val="solid"/>
+                      <a:round/>
+                      <a:headEnd type="none" w="med" len="med"/>
+                      <a:tailEnd type="none" w="med" len="med"/>
+                    </a:lnT>
+                    <a:lnB w="12700" cap="flat" cmpd="sng" algn="ctr">
+                      <a:solidFill>
+                        <a:schemeClr val="tx1"/>
+                      </a:solidFill>
+                      <a:prstDash val="solid"/>
+                      <a:round/>
+                      <a:headEnd type="none" w="med" len="med"/>
+                      <a:tailEnd type="none" w="med" len="med"/>
+                    </a:lnB>
+                    <a:solidFill>
+                      <a:schemeClr val="bg1"/>
+                    </a:solidFill>
+                  </a:tcPr>
+                </a:tc>
+                <a:extLst>
+                  <a:ext uri="{0D108BD9-81ED-4DB2-BD59-A6C34878D82A}">
+                    <a16:rowId xmlns:a16="http://schemas.microsoft.com/office/drawing/2014/main" val="1576252859"/>
+                  </a:ext>
+                </a:extLst>
+              </a:tr>
+              <a:tr h="0">
+                <a:tc>
+                  <a:txBody>
+                    <a:bodyPr/>
+                    <a:lstStyle/>
+                    <a:p>
+                      <a:r>
+                        <a:rPr lang="de-DE" dirty="0"/>
+                        <a:t>Potentielle Randentfernung</a:t>
+                      </a:r>
+                    </a:p>
+                  </a:txBody>
+                  <a:tcPr>
+                    <a:lnL w="12700" cap="flat" cmpd="sng" algn="ctr">
+                      <a:solidFill>
+                        <a:schemeClr val="tx1"/>
+                      </a:solidFill>
+                      <a:prstDash val="solid"/>
+                      <a:round/>
+                      <a:headEnd type="none" w="med" len="med"/>
+                      <a:tailEnd type="none" w="med" len="med"/>
+                    </a:lnL>
+                    <a:lnR w="12700" cap="flat" cmpd="sng" algn="ctr">
+                      <a:solidFill>
+                        <a:schemeClr val="tx1"/>
+                      </a:solidFill>
+                      <a:prstDash val="solid"/>
+                      <a:round/>
+                      <a:headEnd type="none" w="med" len="med"/>
+                      <a:tailEnd type="none" w="med" len="med"/>
+                    </a:lnR>
+                    <a:lnT w="12700" cap="flat" cmpd="sng" algn="ctr">
+                      <a:solidFill>
+                        <a:schemeClr val="tx1"/>
+                      </a:solidFill>
+                      <a:prstDash val="solid"/>
+                      <a:round/>
+                      <a:headEnd type="none" w="med" len="med"/>
+                      <a:tailEnd type="none" w="med" len="med"/>
+                    </a:lnT>
+                    <a:lnB w="12700" cap="flat" cmpd="sng" algn="ctr">
+                      <a:solidFill>
+                        <a:schemeClr val="tx1"/>
+                      </a:solidFill>
+                      <a:prstDash val="solid"/>
+                      <a:round/>
+                      <a:headEnd type="none" w="med" len="med"/>
+                      <a:tailEnd type="none" w="med" len="med"/>
+                    </a:lnB>
+                    <a:solidFill>
+                      <a:schemeClr val="bg1"/>
+                    </a:solidFill>
+                  </a:tcPr>
+                </a:tc>
+                <a:tc>
+                  <a:txBody>
+                    <a:bodyPr/>
+                    <a:lstStyle/>
+                    <a:p>
+                      <a:pPr algn="ctr"/>
+                      <a:r>
+                        <a:rPr lang="de-DE" dirty="0"/>
+                        <a:t>3</a:t>
+                      </a:r>
+                    </a:p>
+                  </a:txBody>
+                  <a:tcPr>
+                    <a:lnL w="12700" cap="flat" cmpd="sng" algn="ctr">
+                      <a:solidFill>
+                        <a:schemeClr val="tx1"/>
+                      </a:solidFill>
+                      <a:prstDash val="solid"/>
+                      <a:round/>
+                      <a:headEnd type="none" w="med" len="med"/>
+                      <a:tailEnd type="none" w="med" len="med"/>
+                    </a:lnL>
+                    <a:lnR w="12700" cap="flat" cmpd="sng" algn="ctr">
+                      <a:solidFill>
+                        <a:schemeClr val="tx1"/>
+                      </a:solidFill>
+                      <a:prstDash val="solid"/>
+                      <a:round/>
+                      <a:headEnd type="none" w="med" len="med"/>
+                      <a:tailEnd type="none" w="med" len="med"/>
+                    </a:lnR>
+                    <a:lnT w="12700" cap="flat" cmpd="sng" algn="ctr">
+                      <a:solidFill>
+                        <a:schemeClr val="tx1"/>
+                      </a:solidFill>
+                      <a:prstDash val="solid"/>
+                      <a:round/>
+                      <a:headEnd type="none" w="med" len="med"/>
+                      <a:tailEnd type="none" w="med" len="med"/>
+                    </a:lnT>
+                    <a:lnB w="12700" cap="flat" cmpd="sng" algn="ctr">
+                      <a:solidFill>
+                        <a:schemeClr val="tx1"/>
+                      </a:solidFill>
+                      <a:prstDash val="solid"/>
+                      <a:round/>
+                      <a:headEnd type="none" w="med" len="med"/>
+                      <a:tailEnd type="none" w="med" len="med"/>
+                    </a:lnB>
+                    <a:solidFill>
+                      <a:schemeClr val="bg1"/>
+                    </a:solidFill>
+                  </a:tcPr>
+                </a:tc>
+                <a:tc>
+                  <a:txBody>
+                    <a:bodyPr/>
+                    <a:lstStyle/>
+                    <a:p>
+                      <a:pPr algn="ctr"/>
+                      <a:r>
+                        <a:rPr lang="de-DE" dirty="0"/>
+                        <a:t>Tom</a:t>
+                      </a:r>
+                    </a:p>
+                  </a:txBody>
+                  <a:tcPr>
+                    <a:lnL w="12700" cap="flat" cmpd="sng" algn="ctr">
+                      <a:solidFill>
+                        <a:schemeClr val="tx1"/>
+                      </a:solidFill>
+                      <a:prstDash val="solid"/>
+                      <a:round/>
+                      <a:headEnd type="none" w="med" len="med"/>
+                      <a:tailEnd type="none" w="med" len="med"/>
+                    </a:lnL>
+                    <a:lnR w="12700" cap="flat" cmpd="sng" algn="ctr">
+                      <a:solidFill>
+                        <a:schemeClr val="tx1"/>
+                      </a:solidFill>
+                      <a:prstDash val="solid"/>
+                      <a:round/>
+                      <a:headEnd type="none" w="med" len="med"/>
+                      <a:tailEnd type="none" w="med" len="med"/>
+                    </a:lnR>
+                    <a:lnT w="12700" cap="flat" cmpd="sng" algn="ctr">
+                      <a:solidFill>
+                        <a:schemeClr val="tx1"/>
+                      </a:solidFill>
+                      <a:prstDash val="solid"/>
+                      <a:round/>
+                      <a:headEnd type="none" w="med" len="med"/>
+                      <a:tailEnd type="none" w="med" len="med"/>
+                    </a:lnT>
+                    <a:lnB w="12700" cap="flat" cmpd="sng" algn="ctr">
+                      <a:solidFill>
+                        <a:schemeClr val="tx1"/>
+                      </a:solidFill>
+                      <a:prstDash val="solid"/>
+                      <a:round/>
+                      <a:headEnd type="none" w="med" len="med"/>
+                      <a:tailEnd type="none" w="med" len="med"/>
+                    </a:lnB>
+                    <a:solidFill>
+                      <a:schemeClr val="bg1"/>
+                    </a:solidFill>
+                  </a:tcPr>
+                </a:tc>
+                <a:extLst>
+                  <a:ext uri="{0D108BD9-81ED-4DB2-BD59-A6C34878D82A}">
+                    <a16:rowId xmlns:a16="http://schemas.microsoft.com/office/drawing/2014/main" val="1060909734"/>
+                  </a:ext>
+                </a:extLst>
+              </a:tr>
+              <a:tr h="0">
+                <a:tc>
+                  <a:txBody>
+                    <a:bodyPr/>
+                    <a:lstStyle/>
+                    <a:p>
+                      <a:pPr marL="0" marR="0" lvl="0" indent="0" algn="l" defTabSz="914400" rtl="0" eaLnBrk="1" fontAlgn="auto" latinLnBrk="0" hangingPunct="1">
+                        <a:lnSpc>
+                          <a:spcPct val="100000"/>
+                        </a:lnSpc>
+                        <a:spcBef>
+                          <a:spcPts val="0"/>
+                        </a:spcBef>
+                        <a:spcAft>
+                          <a:spcPts val="0"/>
+                        </a:spcAft>
+                        <a:buClrTx/>
+                        <a:buSzTx/>
+                        <a:buFontTx/>
+                        <a:buNone/>
+                        <a:tabLst/>
+                        <a:defRPr/>
+                      </a:pPr>
+                      <a:r>
+                        <a:rPr lang="de-DE" dirty="0"/>
+                        <a:t>Fehlerwertermittlung</a:t>
+                      </a:r>
+                    </a:p>
+                  </a:txBody>
+                  <a:tcPr>
+                    <a:lnL w="12700" cap="flat" cmpd="sng" algn="ctr">
+                      <a:solidFill>
+                        <a:schemeClr val="tx1"/>
+                      </a:solidFill>
+                      <a:prstDash val="solid"/>
+                      <a:round/>
+                      <a:headEnd type="none" w="med" len="med"/>
+                      <a:tailEnd type="none" w="med" len="med"/>
+                    </a:lnL>
+                    <a:lnR w="12700" cap="flat" cmpd="sng" algn="ctr">
+                      <a:solidFill>
+                        <a:schemeClr val="tx1"/>
+                      </a:solidFill>
+                      <a:prstDash val="solid"/>
+                      <a:round/>
+                      <a:headEnd type="none" w="med" len="med"/>
+                      <a:tailEnd type="none" w="med" len="med"/>
+                    </a:lnR>
+                    <a:lnT w="12700" cap="flat" cmpd="sng" algn="ctr">
+                      <a:solidFill>
+                        <a:schemeClr val="tx1"/>
+                      </a:solidFill>
+                      <a:prstDash val="solid"/>
+                      <a:round/>
+                      <a:headEnd type="none" w="med" len="med"/>
+                      <a:tailEnd type="none" w="med" len="med"/>
+                    </a:lnT>
+                    <a:lnB w="12700" cap="flat" cmpd="sng" algn="ctr">
+                      <a:solidFill>
+                        <a:schemeClr val="tx1"/>
+                      </a:solidFill>
+                      <a:prstDash val="solid"/>
+                      <a:round/>
+                      <a:headEnd type="none" w="med" len="med"/>
+                      <a:tailEnd type="none" w="med" len="med"/>
+                    </a:lnB>
+                    <a:solidFill>
+                      <a:schemeClr val="bg1"/>
+                    </a:solidFill>
+                  </a:tcPr>
+                </a:tc>
+                <a:tc>
+                  <a:txBody>
+                    <a:bodyPr/>
+                    <a:lstStyle/>
+                    <a:p>
+                      <a:pPr algn="ctr"/>
+                      <a:r>
+                        <a:rPr lang="de-DE" dirty="0"/>
+                        <a:t>5</a:t>
+                      </a:r>
+                    </a:p>
+                  </a:txBody>
+                  <a:tcPr>
+                    <a:lnL w="12700" cap="flat" cmpd="sng" algn="ctr">
+                      <a:solidFill>
+                        <a:schemeClr val="tx1"/>
+                      </a:solidFill>
+                      <a:prstDash val="solid"/>
+                      <a:round/>
+                      <a:headEnd type="none" w="med" len="med"/>
+                      <a:tailEnd type="none" w="med" len="med"/>
+                    </a:lnL>
+                    <a:lnR w="12700" cap="flat" cmpd="sng" algn="ctr">
+                      <a:solidFill>
+                        <a:schemeClr val="tx1"/>
+                      </a:solidFill>
+                      <a:prstDash val="solid"/>
+                      <a:round/>
+                      <a:headEnd type="none" w="med" len="med"/>
+                      <a:tailEnd type="none" w="med" len="med"/>
+                    </a:lnR>
+                    <a:lnT w="12700" cap="flat" cmpd="sng" algn="ctr">
+                      <a:solidFill>
+                        <a:schemeClr val="tx1"/>
+                      </a:solidFill>
+                      <a:prstDash val="solid"/>
+                      <a:round/>
+                      <a:headEnd type="none" w="med" len="med"/>
+                      <a:tailEnd type="none" w="med" len="med"/>
+                    </a:lnT>
+                    <a:lnB w="12700" cap="flat" cmpd="sng" algn="ctr">
+                      <a:solidFill>
+                        <a:schemeClr val="tx1"/>
+                      </a:solidFill>
+                      <a:prstDash val="solid"/>
+                      <a:round/>
+                      <a:headEnd type="none" w="med" len="med"/>
+                      <a:tailEnd type="none" w="med" len="med"/>
+                    </a:lnB>
+                    <a:solidFill>
+                      <a:schemeClr val="bg1"/>
+                    </a:solidFill>
+                  </a:tcPr>
+                </a:tc>
+                <a:tc>
+                  <a:txBody>
+                    <a:bodyPr/>
+                    <a:lstStyle/>
+                    <a:p>
+                      <a:pPr algn="ctr"/>
+                      <a:r>
+                        <a:rPr lang="de-DE" dirty="0"/>
+                        <a:t>Stefan</a:t>
+                      </a:r>
+                    </a:p>
+                  </a:txBody>
+                  <a:tcPr>
+                    <a:lnL w="12700" cap="flat" cmpd="sng" algn="ctr">
+                      <a:solidFill>
+                        <a:schemeClr val="tx1"/>
+                      </a:solidFill>
+                      <a:prstDash val="solid"/>
+                      <a:round/>
+                      <a:headEnd type="none" w="med" len="med"/>
+                      <a:tailEnd type="none" w="med" len="med"/>
+                    </a:lnL>
+                    <a:lnR w="12700" cap="flat" cmpd="sng" algn="ctr">
+                      <a:solidFill>
+                        <a:schemeClr val="tx1"/>
+                      </a:solidFill>
+                      <a:prstDash val="solid"/>
+                      <a:round/>
+                      <a:headEnd type="none" w="med" len="med"/>
+                      <a:tailEnd type="none" w="med" len="med"/>
+                    </a:lnR>
+                    <a:lnT w="12700" cap="flat" cmpd="sng" algn="ctr">
+                      <a:solidFill>
+                        <a:schemeClr val="tx1"/>
+                      </a:solidFill>
+                      <a:prstDash val="solid"/>
+                      <a:round/>
+                      <a:headEnd type="none" w="med" len="med"/>
+                      <a:tailEnd type="none" w="med" len="med"/>
+                    </a:lnT>
+                    <a:lnB w="12700" cap="flat" cmpd="sng" algn="ctr">
+                      <a:solidFill>
+                        <a:schemeClr val="tx1"/>
+                      </a:solidFill>
+                      <a:prstDash val="solid"/>
+                      <a:round/>
+                      <a:headEnd type="none" w="med" len="med"/>
+                      <a:tailEnd type="none" w="med" len="med"/>
+                    </a:lnB>
+                    <a:solidFill>
+                      <a:schemeClr val="bg1"/>
+                    </a:solidFill>
+                  </a:tcPr>
+                </a:tc>
+                <a:extLst>
+                  <a:ext uri="{0D108BD9-81ED-4DB2-BD59-A6C34878D82A}">
+                    <a16:rowId xmlns:a16="http://schemas.microsoft.com/office/drawing/2014/main" val="3575142651"/>
+                  </a:ext>
+                </a:extLst>
+              </a:tr>
+              <a:tr h="0">
+                <a:tc>
+                  <a:txBody>
+                    <a:bodyPr/>
+                    <a:lstStyle/>
+                    <a:p>
+                      <a:r>
+                        <a:rPr lang="de-DE" dirty="0"/>
+                        <a:t>Unterschiedliche Algorithmen für verschiedene Formen</a:t>
+                      </a:r>
+                    </a:p>
+                  </a:txBody>
+                  <a:tcPr>
+                    <a:lnL w="12700" cap="flat" cmpd="sng" algn="ctr">
+                      <a:solidFill>
+                        <a:schemeClr val="tx1"/>
+                      </a:solidFill>
+                      <a:prstDash val="solid"/>
+                      <a:round/>
+                      <a:headEnd type="none" w="med" len="med"/>
+                      <a:tailEnd type="none" w="med" len="med"/>
+                    </a:lnL>
+                    <a:lnR w="12700" cap="flat" cmpd="sng" algn="ctr">
+                      <a:solidFill>
+                        <a:schemeClr val="tx1"/>
+                      </a:solidFill>
+                      <a:prstDash val="solid"/>
+                      <a:round/>
+                      <a:headEnd type="none" w="med" len="med"/>
+                      <a:tailEnd type="none" w="med" len="med"/>
+                    </a:lnR>
+                    <a:lnT w="12700" cap="flat" cmpd="sng" algn="ctr">
+                      <a:solidFill>
+                        <a:schemeClr val="tx1"/>
+                      </a:solidFill>
+                      <a:prstDash val="solid"/>
+                      <a:round/>
+                      <a:headEnd type="none" w="med" len="med"/>
+                      <a:tailEnd type="none" w="med" len="med"/>
+                    </a:lnT>
+                    <a:lnB w="12700" cap="flat" cmpd="sng" algn="ctr">
+                      <a:solidFill>
+                        <a:schemeClr val="tx1"/>
+                      </a:solidFill>
+                      <a:prstDash val="solid"/>
+                      <a:round/>
+                      <a:headEnd type="none" w="med" len="med"/>
+                      <a:tailEnd type="none" w="med" len="med"/>
+                    </a:lnB>
+                    <a:solidFill>
+                      <a:schemeClr val="bg1">
+                        <a:lumMod val="85000"/>
+                      </a:schemeClr>
+                    </a:solidFill>
+                  </a:tcPr>
+                </a:tc>
+                <a:tc>
+                  <a:txBody>
+                    <a:bodyPr/>
+                    <a:lstStyle/>
+                    <a:p>
+                      <a:pPr algn="ctr"/>
+                      <a:endParaRPr lang="de-DE" dirty="0"/>
+                    </a:p>
+                  </a:txBody>
+                  <a:tcPr>
+                    <a:lnL w="12700" cap="flat" cmpd="sng" algn="ctr">
+                      <a:solidFill>
+                        <a:schemeClr val="tx1"/>
+                      </a:solidFill>
+                      <a:prstDash val="solid"/>
+                      <a:round/>
+                      <a:headEnd type="none" w="med" len="med"/>
+                      <a:tailEnd type="none" w="med" len="med"/>
+                    </a:lnL>
+                    <a:lnR w="12700" cap="flat" cmpd="sng" algn="ctr">
+                      <a:solidFill>
+                        <a:schemeClr val="tx1"/>
+                      </a:solidFill>
+                      <a:prstDash val="solid"/>
+                      <a:round/>
+                      <a:headEnd type="none" w="med" len="med"/>
+                      <a:tailEnd type="none" w="med" len="med"/>
+                    </a:lnR>
+                    <a:lnT w="12700" cap="flat" cmpd="sng" algn="ctr">
+                      <a:solidFill>
+                        <a:schemeClr val="tx1"/>
+                      </a:solidFill>
+                      <a:prstDash val="solid"/>
+                      <a:round/>
+                      <a:headEnd type="none" w="med" len="med"/>
+                      <a:tailEnd type="none" w="med" len="med"/>
+                    </a:lnT>
+                    <a:lnB w="12700" cap="flat" cmpd="sng" algn="ctr">
+                      <a:solidFill>
+                        <a:schemeClr val="tx1"/>
+                      </a:solidFill>
+                      <a:prstDash val="solid"/>
+                      <a:round/>
+                      <a:headEnd type="none" w="med" len="med"/>
+                      <a:tailEnd type="none" w="med" len="med"/>
+                    </a:lnB>
+                    <a:solidFill>
+                      <a:schemeClr val="bg1">
+                        <a:lumMod val="85000"/>
+                      </a:schemeClr>
+                    </a:solidFill>
+                  </a:tcPr>
+                </a:tc>
+                <a:tc>
+                  <a:txBody>
+                    <a:bodyPr/>
+                    <a:lstStyle/>
+                    <a:p>
+                      <a:pPr algn="ctr"/>
+                      <a:endParaRPr lang="de-DE" dirty="0"/>
+                    </a:p>
+                  </a:txBody>
+                  <a:tcPr>
+                    <a:lnL w="12700" cap="flat" cmpd="sng" algn="ctr">
+                      <a:solidFill>
+                        <a:schemeClr val="tx1"/>
+                      </a:solidFill>
+                      <a:prstDash val="solid"/>
+                      <a:round/>
+                      <a:headEnd type="none" w="med" len="med"/>
+                      <a:tailEnd type="none" w="med" len="med"/>
+                    </a:lnL>
+                    <a:lnR w="12700" cap="flat" cmpd="sng" algn="ctr">
+                      <a:solidFill>
+                        <a:schemeClr val="tx1"/>
+                      </a:solidFill>
+                      <a:prstDash val="solid"/>
+                      <a:round/>
+                      <a:headEnd type="none" w="med" len="med"/>
+                      <a:tailEnd type="none" w="med" len="med"/>
+                    </a:lnR>
+                    <a:lnT w="12700" cap="flat" cmpd="sng" algn="ctr">
+                      <a:solidFill>
+                        <a:schemeClr val="tx1"/>
+                      </a:solidFill>
+                      <a:prstDash val="solid"/>
+                      <a:round/>
+                      <a:headEnd type="none" w="med" len="med"/>
+                      <a:tailEnd type="none" w="med" len="med"/>
+                    </a:lnT>
+                    <a:lnB w="12700" cap="flat" cmpd="sng" algn="ctr">
+                      <a:solidFill>
+                        <a:schemeClr val="tx1"/>
+                      </a:solidFill>
+                      <a:prstDash val="solid"/>
+                      <a:round/>
+                      <a:headEnd type="none" w="med" len="med"/>
+                      <a:tailEnd type="none" w="med" len="med"/>
+                    </a:lnB>
+                    <a:solidFill>
+                      <a:schemeClr val="bg1">
+                        <a:lumMod val="85000"/>
+                      </a:schemeClr>
+                    </a:solidFill>
+                  </a:tcPr>
+                </a:tc>
+                <a:extLst>
+                  <a:ext uri="{0D108BD9-81ED-4DB2-BD59-A6C34878D82A}">
+                    <a16:rowId xmlns:a16="http://schemas.microsoft.com/office/drawing/2014/main" val="270417348"/>
+                  </a:ext>
+                </a:extLst>
+              </a:tr>
+              <a:tr h="0">
+                <a:tc>
+                  <a:txBody>
+                    <a:bodyPr/>
+                    <a:lstStyle/>
+                    <a:p>
+                      <a:pPr marL="0" marR="0" lvl="0" indent="0" algn="l" defTabSz="914400" rtl="0" eaLnBrk="1" fontAlgn="auto" latinLnBrk="0" hangingPunct="1">
+                        <a:lnSpc>
+                          <a:spcPct val="100000"/>
+                        </a:lnSpc>
+                        <a:spcBef>
+                          <a:spcPts val="0"/>
+                        </a:spcBef>
+                        <a:spcAft>
+                          <a:spcPts val="0"/>
+                        </a:spcAft>
+                        <a:buClrTx/>
+                        <a:buSzTx/>
+                        <a:buFontTx/>
+                        <a:buNone/>
+                        <a:tabLst/>
+                        <a:defRPr/>
+                      </a:pPr>
+                      <a:r>
+                        <a:rPr lang="de-DE" dirty="0"/>
+                        <a:t>	Rechteck</a:t>
+                      </a:r>
+                    </a:p>
+                  </a:txBody>
+                  <a:tcPr>
+                    <a:lnL w="12700" cap="flat" cmpd="sng" algn="ctr">
+                      <a:solidFill>
+                        <a:schemeClr val="tx1"/>
+                      </a:solidFill>
+                      <a:prstDash val="solid"/>
+                      <a:round/>
+                      <a:headEnd type="none" w="med" len="med"/>
+                      <a:tailEnd type="none" w="med" len="med"/>
+                    </a:lnL>
+                    <a:lnR w="12700" cap="flat" cmpd="sng" algn="ctr">
+                      <a:solidFill>
+                        <a:schemeClr val="tx1"/>
+                      </a:solidFill>
+                      <a:prstDash val="solid"/>
+                      <a:round/>
+                      <a:headEnd type="none" w="med" len="med"/>
+                      <a:tailEnd type="none" w="med" len="med"/>
+                    </a:lnR>
+                    <a:lnT w="12700" cap="flat" cmpd="sng" algn="ctr">
+                      <a:solidFill>
+                        <a:schemeClr val="tx1"/>
+                      </a:solidFill>
+                      <a:prstDash val="solid"/>
+                      <a:round/>
+                      <a:headEnd type="none" w="med" len="med"/>
+                      <a:tailEnd type="none" w="med" len="med"/>
+                    </a:lnT>
+                    <a:lnB w="12700" cap="flat" cmpd="sng" algn="ctr">
+                      <a:solidFill>
+                        <a:schemeClr val="tx1"/>
+                      </a:solidFill>
+                      <a:prstDash val="solid"/>
+                      <a:round/>
+                      <a:headEnd type="none" w="med" len="med"/>
+                      <a:tailEnd type="none" w="med" len="med"/>
+                    </a:lnB>
+                    <a:solidFill>
+                      <a:schemeClr val="bg1"/>
+                    </a:solidFill>
+                  </a:tcPr>
+                </a:tc>
+                <a:tc>
+                  <a:txBody>
+                    <a:bodyPr/>
+                    <a:lstStyle/>
+                    <a:p>
+                      <a:pPr algn="ctr"/>
+                      <a:r>
+                        <a:rPr lang="de-DE" dirty="0"/>
+                        <a:t>8</a:t>
+                      </a:r>
+                    </a:p>
+                  </a:txBody>
+                  <a:tcPr>
+                    <a:lnL w="12700" cap="flat" cmpd="sng" algn="ctr">
+                      <a:solidFill>
+                        <a:schemeClr val="tx1"/>
+                      </a:solidFill>
+                      <a:prstDash val="solid"/>
+                      <a:round/>
+                      <a:headEnd type="none" w="med" len="med"/>
+                      <a:tailEnd type="none" w="med" len="med"/>
+                    </a:lnL>
+                    <a:lnR w="12700" cap="flat" cmpd="sng" algn="ctr">
+                      <a:solidFill>
+                        <a:schemeClr val="tx1"/>
+                      </a:solidFill>
+                      <a:prstDash val="solid"/>
+                      <a:round/>
+                      <a:headEnd type="none" w="med" len="med"/>
+                      <a:tailEnd type="none" w="med" len="med"/>
+                    </a:lnR>
+                    <a:lnT w="12700" cap="flat" cmpd="sng" algn="ctr">
+                      <a:solidFill>
+                        <a:schemeClr val="tx1"/>
+                      </a:solidFill>
+                      <a:prstDash val="solid"/>
+                      <a:round/>
+                      <a:headEnd type="none" w="med" len="med"/>
+                      <a:tailEnd type="none" w="med" len="med"/>
+                    </a:lnT>
+                    <a:lnB w="12700" cap="flat" cmpd="sng" algn="ctr">
+                      <a:solidFill>
+                        <a:schemeClr val="tx1"/>
+                      </a:solidFill>
+                      <a:prstDash val="solid"/>
+                      <a:round/>
+                      <a:headEnd type="none" w="med" len="med"/>
+                      <a:tailEnd type="none" w="med" len="med"/>
+                    </a:lnB>
+                    <a:solidFill>
+                      <a:schemeClr val="bg1"/>
+                    </a:solidFill>
+                  </a:tcPr>
+                </a:tc>
+                <a:tc>
+                  <a:txBody>
+                    <a:bodyPr/>
+                    <a:lstStyle/>
+                    <a:p>
+                      <a:pPr algn="ctr"/>
+                      <a:r>
+                        <a:rPr lang="de-DE" dirty="0"/>
+                        <a:t>Stefan</a:t>
+                      </a:r>
+                    </a:p>
+                  </a:txBody>
+                  <a:tcPr>
+                    <a:lnL w="12700" cap="flat" cmpd="sng" algn="ctr">
+                      <a:solidFill>
+                        <a:schemeClr val="tx1"/>
+                      </a:solidFill>
+                      <a:prstDash val="solid"/>
+                      <a:round/>
+                      <a:headEnd type="none" w="med" len="med"/>
+                      <a:tailEnd type="none" w="med" len="med"/>
+                    </a:lnL>
+                    <a:lnR w="12700" cap="flat" cmpd="sng" algn="ctr">
+                      <a:solidFill>
+                        <a:schemeClr val="tx1"/>
+                      </a:solidFill>
+                      <a:prstDash val="solid"/>
+                      <a:round/>
+                      <a:headEnd type="none" w="med" len="med"/>
+                      <a:tailEnd type="none" w="med" len="med"/>
+                    </a:lnR>
+                    <a:lnT w="12700" cap="flat" cmpd="sng" algn="ctr">
+                      <a:solidFill>
+                        <a:schemeClr val="tx1"/>
+                      </a:solidFill>
+                      <a:prstDash val="solid"/>
+                      <a:round/>
+                      <a:headEnd type="none" w="med" len="med"/>
+                      <a:tailEnd type="none" w="med" len="med"/>
+                    </a:lnT>
+                    <a:lnB w="12700" cap="flat" cmpd="sng" algn="ctr">
+                      <a:solidFill>
+                        <a:schemeClr val="tx1"/>
+                      </a:solidFill>
+                      <a:prstDash val="solid"/>
+                      <a:round/>
+                      <a:headEnd type="none" w="med" len="med"/>
+                      <a:tailEnd type="none" w="med" len="med"/>
+                    </a:lnB>
+                    <a:solidFill>
+                      <a:schemeClr val="bg1"/>
+                    </a:solidFill>
+                  </a:tcPr>
+                </a:tc>
+                <a:extLst>
+                  <a:ext uri="{0D108BD9-81ED-4DB2-BD59-A6C34878D82A}">
+                    <a16:rowId xmlns:a16="http://schemas.microsoft.com/office/drawing/2014/main" val="4038599401"/>
+                  </a:ext>
+                </a:extLst>
+              </a:tr>
+              <a:tr h="0">
+                <a:tc>
+                  <a:txBody>
+                    <a:bodyPr/>
+                    <a:lstStyle/>
+                    <a:p>
+                      <a:pPr marL="0" marR="0" lvl="0" indent="0" algn="l" defTabSz="914400" rtl="0" eaLnBrk="1" fontAlgn="auto" latinLnBrk="0" hangingPunct="1">
+                        <a:lnSpc>
+                          <a:spcPct val="100000"/>
+                        </a:lnSpc>
+                        <a:spcBef>
+                          <a:spcPts val="0"/>
+                        </a:spcBef>
+                        <a:spcAft>
+                          <a:spcPts val="0"/>
+                        </a:spcAft>
+                        <a:buClrTx/>
+                        <a:buSzTx/>
+                        <a:buFontTx/>
+                        <a:buNone/>
+                        <a:tabLst/>
+                        <a:defRPr/>
+                      </a:pPr>
+                      <a:r>
+                        <a:rPr lang="de-DE" dirty="0"/>
+                        <a:t>	Oval	</a:t>
+                      </a:r>
+                    </a:p>
+                  </a:txBody>
+                  <a:tcPr>
+                    <a:lnL w="12700" cap="flat" cmpd="sng" algn="ctr">
+                      <a:solidFill>
+                        <a:schemeClr val="tx1"/>
+                      </a:solidFill>
+                      <a:prstDash val="solid"/>
+                      <a:round/>
+                      <a:headEnd type="none" w="med" len="med"/>
+                      <a:tailEnd type="none" w="med" len="med"/>
+                    </a:lnL>
+                    <a:lnR w="12700" cap="flat" cmpd="sng" algn="ctr">
+                      <a:solidFill>
+                        <a:schemeClr val="tx1"/>
+                      </a:solidFill>
+                      <a:prstDash val="solid"/>
+                      <a:round/>
+                      <a:headEnd type="none" w="med" len="med"/>
+                      <a:tailEnd type="none" w="med" len="med"/>
+                    </a:lnR>
+                    <a:lnT w="12700" cap="flat" cmpd="sng" algn="ctr">
+                      <a:solidFill>
+                        <a:schemeClr val="tx1"/>
+                      </a:solidFill>
+                      <a:prstDash val="solid"/>
+                      <a:round/>
+                      <a:headEnd type="none" w="med" len="med"/>
+                      <a:tailEnd type="none" w="med" len="med"/>
+                    </a:lnT>
+                    <a:lnB w="12700" cap="flat" cmpd="sng" algn="ctr">
+                      <a:solidFill>
+                        <a:schemeClr val="tx1"/>
+                      </a:solidFill>
+                      <a:prstDash val="solid"/>
+                      <a:round/>
+                      <a:headEnd type="none" w="med" len="med"/>
+                      <a:tailEnd type="none" w="med" len="med"/>
+                    </a:lnB>
+                    <a:solidFill>
+                      <a:schemeClr val="bg1"/>
+                    </a:solidFill>
+                  </a:tcPr>
+                </a:tc>
+                <a:tc>
+                  <a:txBody>
+                    <a:bodyPr/>
+                    <a:lstStyle/>
+                    <a:p>
+                      <a:pPr algn="ctr"/>
+                      <a:r>
+                        <a:rPr lang="de-DE" dirty="0"/>
+                        <a:t>5</a:t>
+                      </a:r>
+                    </a:p>
+                  </a:txBody>
+                  <a:tcPr>
+                    <a:lnL w="12700" cap="flat" cmpd="sng" algn="ctr">
+                      <a:solidFill>
+                        <a:schemeClr val="tx1"/>
+                      </a:solidFill>
+                      <a:prstDash val="solid"/>
+                      <a:round/>
+                      <a:headEnd type="none" w="med" len="med"/>
+                      <a:tailEnd type="none" w="med" len="med"/>
+                    </a:lnL>
+                    <a:lnR w="12700" cap="flat" cmpd="sng" algn="ctr">
+                      <a:solidFill>
+                        <a:schemeClr val="tx1"/>
+                      </a:solidFill>
+                      <a:prstDash val="solid"/>
+                      <a:round/>
+                      <a:headEnd type="none" w="med" len="med"/>
+                      <a:tailEnd type="none" w="med" len="med"/>
+                    </a:lnR>
+                    <a:lnT w="12700" cap="flat" cmpd="sng" algn="ctr">
+                      <a:solidFill>
+                        <a:schemeClr val="tx1"/>
+                      </a:solidFill>
+                      <a:prstDash val="solid"/>
+                      <a:round/>
+                      <a:headEnd type="none" w="med" len="med"/>
+                      <a:tailEnd type="none" w="med" len="med"/>
+                    </a:lnT>
+                    <a:lnB w="12700" cap="flat" cmpd="sng" algn="ctr">
+                      <a:solidFill>
+                        <a:schemeClr val="tx1"/>
+                      </a:solidFill>
+                      <a:prstDash val="solid"/>
+                      <a:round/>
+                      <a:headEnd type="none" w="med" len="med"/>
+                      <a:tailEnd type="none" w="med" len="med"/>
+                    </a:lnB>
+                    <a:solidFill>
+                      <a:schemeClr val="bg1"/>
+                    </a:solidFill>
+                  </a:tcPr>
+                </a:tc>
+                <a:tc>
+                  <a:txBody>
+                    <a:bodyPr/>
+                    <a:lstStyle/>
+                    <a:p>
+                      <a:pPr algn="ctr"/>
+                      <a:r>
+                        <a:rPr lang="de-DE" dirty="0"/>
+                        <a:t>Tom</a:t>
+                      </a:r>
+                    </a:p>
+                  </a:txBody>
+                  <a:tcPr>
+                    <a:lnL w="12700" cap="flat" cmpd="sng" algn="ctr">
+                      <a:solidFill>
+                        <a:schemeClr val="tx1"/>
+                      </a:solidFill>
+                      <a:prstDash val="solid"/>
+                      <a:round/>
+                      <a:headEnd type="none" w="med" len="med"/>
+                      <a:tailEnd type="none" w="med" len="med"/>
+                    </a:lnL>
+                    <a:lnR w="12700" cap="flat" cmpd="sng" algn="ctr">
+                      <a:solidFill>
+                        <a:schemeClr val="tx1"/>
+                      </a:solidFill>
+                      <a:prstDash val="solid"/>
+                      <a:round/>
+                      <a:headEnd type="none" w="med" len="med"/>
+                      <a:tailEnd type="none" w="med" len="med"/>
+                    </a:lnR>
+                    <a:lnT w="12700" cap="flat" cmpd="sng" algn="ctr">
+                      <a:solidFill>
+                        <a:schemeClr val="tx1"/>
+                      </a:solidFill>
+                      <a:prstDash val="solid"/>
+                      <a:round/>
+                      <a:headEnd type="none" w="med" len="med"/>
+                      <a:tailEnd type="none" w="med" len="med"/>
+                    </a:lnT>
+                    <a:lnB w="12700" cap="flat" cmpd="sng" algn="ctr">
+                      <a:solidFill>
+                        <a:schemeClr val="tx1"/>
+                      </a:solidFill>
+                      <a:prstDash val="solid"/>
+                      <a:round/>
+                      <a:headEnd type="none" w="med" len="med"/>
+                      <a:tailEnd type="none" w="med" len="med"/>
+                    </a:lnB>
+                    <a:solidFill>
+                      <a:schemeClr val="bg1"/>
+                    </a:solidFill>
+                  </a:tcPr>
+                </a:tc>
+                <a:extLst>
+                  <a:ext uri="{0D108BD9-81ED-4DB2-BD59-A6C34878D82A}">
+                    <a16:rowId xmlns:a16="http://schemas.microsoft.com/office/drawing/2014/main" val="1369248427"/>
+                  </a:ext>
+                </a:extLst>
+              </a:tr>
+              <a:tr h="404949">
+                <a:tc>
+                  <a:txBody>
+                    <a:bodyPr/>
+                    <a:lstStyle/>
+                    <a:p>
+                      <a:pPr marL="0" marR="0" lvl="0" indent="0" algn="l" defTabSz="914400" rtl="0" eaLnBrk="1" fontAlgn="auto" latinLnBrk="0" hangingPunct="1">
+                        <a:lnSpc>
+                          <a:spcPct val="100000"/>
+                        </a:lnSpc>
+                        <a:spcBef>
+                          <a:spcPts val="0"/>
+                        </a:spcBef>
+                        <a:spcAft>
+                          <a:spcPts val="0"/>
+                        </a:spcAft>
+                        <a:buClrTx/>
+                        <a:buSzTx/>
+                        <a:buFontTx/>
+                        <a:buNone/>
+                        <a:tabLst/>
+                        <a:defRPr/>
+                      </a:pPr>
+                      <a:r>
+                        <a:rPr lang="de-DE" dirty="0"/>
+                        <a:t>	Kreis</a:t>
+                      </a:r>
+                    </a:p>
+                  </a:txBody>
+                  <a:tcPr>
+                    <a:lnL w="12700" cap="flat" cmpd="sng" algn="ctr">
+                      <a:solidFill>
+                        <a:schemeClr val="tx1"/>
+                      </a:solidFill>
+                      <a:prstDash val="solid"/>
+                      <a:round/>
+                      <a:headEnd type="none" w="med" len="med"/>
+                      <a:tailEnd type="none" w="med" len="med"/>
+                    </a:lnL>
+                    <a:lnR w="12700" cap="flat" cmpd="sng" algn="ctr">
+                      <a:solidFill>
+                        <a:schemeClr val="tx1"/>
+                      </a:solidFill>
+                      <a:prstDash val="solid"/>
+                      <a:round/>
+                      <a:headEnd type="none" w="med" len="med"/>
+                      <a:tailEnd type="none" w="med" len="med"/>
+                    </a:lnR>
+                    <a:lnT w="12700" cap="flat" cmpd="sng" algn="ctr">
+                      <a:solidFill>
+                        <a:schemeClr val="tx1"/>
+                      </a:solidFill>
+                      <a:prstDash val="solid"/>
+                      <a:round/>
+                      <a:headEnd type="none" w="med" len="med"/>
+                      <a:tailEnd type="none" w="med" len="med"/>
+                    </a:lnT>
+                    <a:lnB w="12700" cap="flat" cmpd="sng" algn="ctr">
+                      <a:solidFill>
+                        <a:schemeClr val="tx1"/>
+                      </a:solidFill>
+                      <a:prstDash val="solid"/>
+                      <a:round/>
+                      <a:headEnd type="none" w="med" len="med"/>
+                      <a:tailEnd type="none" w="med" len="med"/>
+                    </a:lnB>
+                    <a:solidFill>
+                      <a:schemeClr val="bg1"/>
+                    </a:solidFill>
+                  </a:tcPr>
+                </a:tc>
+                <a:tc>
+                  <a:txBody>
+                    <a:bodyPr/>
+                    <a:lstStyle/>
+                    <a:p>
+                      <a:pPr algn="ctr"/>
+                      <a:r>
+                        <a:rPr lang="de-DE" dirty="0"/>
+                        <a:t>3</a:t>
+                      </a:r>
+                    </a:p>
+                  </a:txBody>
+                  <a:tcPr>
+                    <a:lnL w="12700" cap="flat" cmpd="sng" algn="ctr">
+                      <a:solidFill>
+                        <a:schemeClr val="tx1"/>
+                      </a:solidFill>
+                      <a:prstDash val="solid"/>
+                      <a:round/>
+                      <a:headEnd type="none" w="med" len="med"/>
+                      <a:tailEnd type="none" w="med" len="med"/>
+                    </a:lnL>
+                    <a:lnR w="12700" cap="flat" cmpd="sng" algn="ctr">
+                      <a:solidFill>
+                        <a:schemeClr val="tx1"/>
+                      </a:solidFill>
+                      <a:prstDash val="solid"/>
+                      <a:round/>
+                      <a:headEnd type="none" w="med" len="med"/>
+                      <a:tailEnd type="none" w="med" len="med"/>
+                    </a:lnR>
+                    <a:lnT w="12700" cap="flat" cmpd="sng" algn="ctr">
+                      <a:solidFill>
+                        <a:schemeClr val="tx1"/>
+                      </a:solidFill>
+                      <a:prstDash val="solid"/>
+                      <a:round/>
+                      <a:headEnd type="none" w="med" len="med"/>
+                      <a:tailEnd type="none" w="med" len="med"/>
+                    </a:lnT>
+                    <a:lnB w="12700" cap="flat" cmpd="sng" algn="ctr">
+                      <a:solidFill>
+                        <a:schemeClr val="tx1"/>
+                      </a:solidFill>
+                      <a:prstDash val="solid"/>
+                      <a:round/>
+                      <a:headEnd type="none" w="med" len="med"/>
+                      <a:tailEnd type="none" w="med" len="med"/>
+                    </a:lnB>
+                    <a:solidFill>
+                      <a:schemeClr val="bg1"/>
+                    </a:solidFill>
+                  </a:tcPr>
+                </a:tc>
+                <a:tc>
+                  <a:txBody>
+                    <a:bodyPr/>
+                    <a:lstStyle/>
+                    <a:p>
+                      <a:pPr algn="ctr"/>
+                      <a:r>
+                        <a:rPr lang="de-DE" dirty="0"/>
+                        <a:t>Mariella</a:t>
+                      </a:r>
+                    </a:p>
+                  </a:txBody>
+                  <a:tcPr>
+                    <a:lnL w="12700" cap="flat" cmpd="sng" algn="ctr">
+                      <a:solidFill>
+                        <a:schemeClr val="tx1"/>
+                      </a:solidFill>
+                      <a:prstDash val="solid"/>
+                      <a:round/>
+                      <a:headEnd type="none" w="med" len="med"/>
+                      <a:tailEnd type="none" w="med" len="med"/>
+                    </a:lnL>
+                    <a:lnR w="12700" cap="flat" cmpd="sng" algn="ctr">
+                      <a:solidFill>
+                        <a:schemeClr val="tx1"/>
+                      </a:solidFill>
+                      <a:prstDash val="solid"/>
+                      <a:round/>
+                      <a:headEnd type="none" w="med" len="med"/>
+                      <a:tailEnd type="none" w="med" len="med"/>
+                    </a:lnR>
+                    <a:lnT w="12700" cap="flat" cmpd="sng" algn="ctr">
+                      <a:solidFill>
+                        <a:schemeClr val="tx1"/>
+                      </a:solidFill>
+                      <a:prstDash val="solid"/>
+                      <a:round/>
+                      <a:headEnd type="none" w="med" len="med"/>
+                      <a:tailEnd type="none" w="med" len="med"/>
+                    </a:lnT>
+                    <a:lnB w="12700" cap="flat" cmpd="sng" algn="ctr">
+                      <a:solidFill>
+                        <a:schemeClr val="tx1"/>
+                      </a:solidFill>
+                      <a:prstDash val="solid"/>
+                      <a:round/>
+                      <a:headEnd type="none" w="med" len="med"/>
+                      <a:tailEnd type="none" w="med" len="med"/>
+                    </a:lnB>
+                    <a:solidFill>
+                      <a:schemeClr val="bg1"/>
+                    </a:solidFill>
+                  </a:tcPr>
+                </a:tc>
+                <a:extLst>
+                  <a:ext uri="{0D108BD9-81ED-4DB2-BD59-A6C34878D82A}">
+                    <a16:rowId xmlns:a16="http://schemas.microsoft.com/office/drawing/2014/main" val="2809869963"/>
+                  </a:ext>
+                </a:extLst>
+              </a:tr>
+              <a:tr h="404949">
+                <a:tc>
+                  <a:txBody>
+                    <a:bodyPr/>
+                    <a:lstStyle/>
+                    <a:p>
+                      <a:pPr marL="0" marR="0" lvl="0" indent="0" algn="l" defTabSz="914400" rtl="0" eaLnBrk="1" fontAlgn="auto" latinLnBrk="0" hangingPunct="1">
+                        <a:lnSpc>
+                          <a:spcPct val="100000"/>
+                        </a:lnSpc>
+                        <a:spcBef>
+                          <a:spcPts val="0"/>
+                        </a:spcBef>
+                        <a:spcAft>
+                          <a:spcPts val="0"/>
+                        </a:spcAft>
+                        <a:buClrTx/>
+                        <a:buSzTx/>
+                        <a:buFontTx/>
+                        <a:buNone/>
+                        <a:tabLst/>
+                        <a:defRPr/>
+                      </a:pPr>
+                      <a:r>
+                        <a:rPr lang="de-DE" dirty="0"/>
+                        <a:t>	sonstige Formen (z.B. Kreis)</a:t>
+                      </a:r>
+                    </a:p>
+                  </a:txBody>
+                  <a:tcPr>
+                    <a:lnL w="12700" cap="flat" cmpd="sng" algn="ctr">
+                      <a:solidFill>
+                        <a:schemeClr val="tx1"/>
+                      </a:solidFill>
+                      <a:prstDash val="solid"/>
+                      <a:round/>
+                      <a:headEnd type="none" w="med" len="med"/>
+                      <a:tailEnd type="none" w="med" len="med"/>
+                    </a:lnL>
+                    <a:lnR w="12700" cap="flat" cmpd="sng" algn="ctr">
+                      <a:solidFill>
+                        <a:schemeClr val="tx1"/>
+                      </a:solidFill>
+                      <a:prstDash val="solid"/>
+                      <a:round/>
+                      <a:headEnd type="none" w="med" len="med"/>
+                      <a:tailEnd type="none" w="med" len="med"/>
+                    </a:lnR>
+                    <a:lnT w="12700" cap="flat" cmpd="sng" algn="ctr">
+                      <a:solidFill>
+                        <a:schemeClr val="tx1"/>
+                      </a:solidFill>
+                      <a:prstDash val="solid"/>
+                      <a:round/>
+                      <a:headEnd type="none" w="med" len="med"/>
+                      <a:tailEnd type="none" w="med" len="med"/>
+                    </a:lnT>
+                    <a:lnB w="12700" cap="flat" cmpd="sng" algn="ctr">
+                      <a:solidFill>
+                        <a:schemeClr val="tx1"/>
+                      </a:solidFill>
+                      <a:prstDash val="solid"/>
+                      <a:round/>
+                      <a:headEnd type="none" w="med" len="med"/>
+                      <a:tailEnd type="none" w="med" len="med"/>
+                    </a:lnB>
+                    <a:solidFill>
+                      <a:schemeClr val="bg1"/>
+                    </a:solidFill>
+                  </a:tcPr>
+                </a:tc>
+                <a:tc>
+                  <a:txBody>
+                    <a:bodyPr/>
+                    <a:lstStyle/>
+                    <a:p>
+                      <a:pPr algn="ctr"/>
+                      <a:r>
+                        <a:rPr lang="de-DE" dirty="0"/>
+                        <a:t>2</a:t>
+                      </a:r>
+                    </a:p>
+                  </a:txBody>
+                  <a:tcPr>
+                    <a:lnL w="12700" cap="flat" cmpd="sng" algn="ctr">
+                      <a:solidFill>
+                        <a:schemeClr val="tx1"/>
+                      </a:solidFill>
+                      <a:prstDash val="solid"/>
+                      <a:round/>
+                      <a:headEnd type="none" w="med" len="med"/>
+                      <a:tailEnd type="none" w="med" len="med"/>
+                    </a:lnL>
+                    <a:lnR w="12700" cap="flat" cmpd="sng" algn="ctr">
+                      <a:solidFill>
+                        <a:schemeClr val="tx1"/>
+                      </a:solidFill>
+                      <a:prstDash val="solid"/>
+                      <a:round/>
+                      <a:headEnd type="none" w="med" len="med"/>
+                      <a:tailEnd type="none" w="med" len="med"/>
+                    </a:lnR>
+                    <a:lnT w="12700" cap="flat" cmpd="sng" algn="ctr">
+                      <a:solidFill>
+                        <a:schemeClr val="tx1"/>
+                      </a:solidFill>
+                      <a:prstDash val="solid"/>
+                      <a:round/>
+                      <a:headEnd type="none" w="med" len="med"/>
+                      <a:tailEnd type="none" w="med" len="med"/>
+                    </a:lnT>
+                    <a:lnB w="12700" cap="flat" cmpd="sng" algn="ctr">
+                      <a:solidFill>
+                        <a:schemeClr val="tx1"/>
+                      </a:solidFill>
+                      <a:prstDash val="solid"/>
+                      <a:round/>
+                      <a:headEnd type="none" w="med" len="med"/>
+                      <a:tailEnd type="none" w="med" len="med"/>
+                    </a:lnB>
+                    <a:solidFill>
+                      <a:schemeClr val="bg1"/>
+                    </a:solidFill>
+                  </a:tcPr>
+                </a:tc>
+                <a:tc>
+                  <a:txBody>
+                    <a:bodyPr/>
+                    <a:lstStyle/>
+                    <a:p>
+                      <a:pPr algn="ctr"/>
+                      <a:r>
+                        <a:rPr lang="de-DE" dirty="0"/>
+                        <a:t>allen</a:t>
+                      </a:r>
+                    </a:p>
+                  </a:txBody>
+                  <a:tcPr>
+                    <a:lnL w="12700" cap="flat" cmpd="sng" algn="ctr">
+                      <a:solidFill>
+                        <a:schemeClr val="tx1"/>
+                      </a:solidFill>
+                      <a:prstDash val="solid"/>
+                      <a:round/>
+                      <a:headEnd type="none" w="med" len="med"/>
+                      <a:tailEnd type="none" w="med" len="med"/>
+                    </a:lnL>
+                    <a:lnR w="12700" cap="flat" cmpd="sng" algn="ctr">
+                      <a:solidFill>
+                        <a:schemeClr val="tx1"/>
+                      </a:solidFill>
+                      <a:prstDash val="solid"/>
+                      <a:round/>
+                      <a:headEnd type="none" w="med" len="med"/>
+                      <a:tailEnd type="none" w="med" len="med"/>
+                    </a:lnR>
+                    <a:lnT w="12700" cap="flat" cmpd="sng" algn="ctr">
+                      <a:solidFill>
+                        <a:schemeClr val="tx1"/>
+                      </a:solidFill>
+                      <a:prstDash val="solid"/>
+                      <a:round/>
+                      <a:headEnd type="none" w="med" len="med"/>
+                      <a:tailEnd type="none" w="med" len="med"/>
+                    </a:lnT>
+                    <a:lnB w="12700" cap="flat" cmpd="sng" algn="ctr">
+                      <a:solidFill>
+                        <a:schemeClr val="tx1"/>
+                      </a:solidFill>
+                      <a:prstDash val="solid"/>
+                      <a:round/>
+                      <a:headEnd type="none" w="med" len="med"/>
+                      <a:tailEnd type="none" w="med" len="med"/>
+                    </a:lnB>
+                    <a:solidFill>
+                      <a:schemeClr val="bg1"/>
+                    </a:solidFill>
+                  </a:tcPr>
+                </a:tc>
+                <a:extLst>
+                  <a:ext uri="{0D108BD9-81ED-4DB2-BD59-A6C34878D82A}">
+                    <a16:rowId xmlns:a16="http://schemas.microsoft.com/office/drawing/2014/main" val="1246041858"/>
+                  </a:ext>
+                </a:extLst>
+              </a:tr>
+              <a:tr h="404949">
+                <a:tc>
+                  <a:txBody>
+                    <a:bodyPr/>
+                    <a:lstStyle/>
+                    <a:p>
+                      <a:pPr marL="0" marR="0" lvl="0" indent="0" algn="l" defTabSz="914400" rtl="0" eaLnBrk="1" fontAlgn="auto" latinLnBrk="0" hangingPunct="1">
+                        <a:lnSpc>
+                          <a:spcPct val="100000"/>
+                        </a:lnSpc>
+                        <a:spcBef>
+                          <a:spcPts val="0"/>
+                        </a:spcBef>
+                        <a:spcAft>
+                          <a:spcPts val="0"/>
+                        </a:spcAft>
+                        <a:buClrTx/>
+                        <a:buSzTx/>
+                        <a:buFontTx/>
+                        <a:buNone/>
+                        <a:tabLst/>
+                        <a:defRPr/>
+                      </a:pPr>
+                      <a:r>
+                        <a:rPr lang="de-DE" dirty="0"/>
+                        <a:t>Besten Algorithmus automatisch erkennen und auswählen</a:t>
+                      </a:r>
+                    </a:p>
+                  </a:txBody>
+                  <a:tcPr>
+                    <a:lnL w="12700" cap="flat" cmpd="sng" algn="ctr">
+                      <a:solidFill>
+                        <a:schemeClr val="tx1"/>
+                      </a:solidFill>
+                      <a:prstDash val="solid"/>
+                      <a:round/>
+                      <a:headEnd type="none" w="med" len="med"/>
+                      <a:tailEnd type="none" w="med" len="med"/>
+                    </a:lnL>
+                    <a:lnR w="12700" cap="flat" cmpd="sng" algn="ctr">
+                      <a:solidFill>
+                        <a:schemeClr val="tx1"/>
+                      </a:solidFill>
+                      <a:prstDash val="solid"/>
+                      <a:round/>
+                      <a:headEnd type="none" w="med" len="med"/>
+                      <a:tailEnd type="none" w="med" len="med"/>
+                    </a:lnR>
+                    <a:lnT w="12700" cap="flat" cmpd="sng" algn="ctr">
+                      <a:solidFill>
+                        <a:schemeClr val="tx1"/>
+                      </a:solidFill>
+                      <a:prstDash val="solid"/>
+                      <a:round/>
+                      <a:headEnd type="none" w="med" len="med"/>
+                      <a:tailEnd type="none" w="med" len="med"/>
+                    </a:lnT>
+                    <a:lnB w="12700" cap="flat" cmpd="sng" algn="ctr">
+                      <a:solidFill>
+                        <a:schemeClr val="tx1"/>
+                      </a:solidFill>
+                      <a:prstDash val="solid"/>
+                      <a:round/>
+                      <a:headEnd type="none" w="med" len="med"/>
+                      <a:tailEnd type="none" w="med" len="med"/>
+                    </a:lnB>
+                    <a:solidFill>
+                      <a:schemeClr val="bg1"/>
+                    </a:solidFill>
+                  </a:tcPr>
+                </a:tc>
+                <a:tc>
+                  <a:txBody>
+                    <a:bodyPr/>
+                    <a:lstStyle/>
+                    <a:p>
+                      <a:pPr algn="ctr"/>
+                      <a:r>
+                        <a:rPr lang="de-DE" dirty="0"/>
+                        <a:t>6</a:t>
+                      </a:r>
+                    </a:p>
+                  </a:txBody>
+                  <a:tcPr>
+                    <a:lnL w="12700" cap="flat" cmpd="sng" algn="ctr">
+                      <a:solidFill>
+                        <a:schemeClr val="tx1"/>
+                      </a:solidFill>
+                      <a:prstDash val="solid"/>
+                      <a:round/>
+                      <a:headEnd type="none" w="med" len="med"/>
+                      <a:tailEnd type="none" w="med" len="med"/>
+                    </a:lnL>
+                    <a:lnR w="12700" cap="flat" cmpd="sng" algn="ctr">
+                      <a:solidFill>
+                        <a:schemeClr val="tx1"/>
+                      </a:solidFill>
+                      <a:prstDash val="solid"/>
+                      <a:round/>
+                      <a:headEnd type="none" w="med" len="med"/>
+                      <a:tailEnd type="none" w="med" len="med"/>
+                    </a:lnR>
+                    <a:lnT w="12700" cap="flat" cmpd="sng" algn="ctr">
+                      <a:solidFill>
+                        <a:schemeClr val="tx1"/>
+                      </a:solidFill>
+                      <a:prstDash val="solid"/>
+                      <a:round/>
+                      <a:headEnd type="none" w="med" len="med"/>
+                      <a:tailEnd type="none" w="med" len="med"/>
+                    </a:lnT>
+                    <a:lnB w="12700" cap="flat" cmpd="sng" algn="ctr">
+                      <a:solidFill>
+                        <a:schemeClr val="tx1"/>
+                      </a:solidFill>
+                      <a:prstDash val="solid"/>
+                      <a:round/>
+                      <a:headEnd type="none" w="med" len="med"/>
+                      <a:tailEnd type="none" w="med" len="med"/>
+                    </a:lnB>
+                    <a:solidFill>
+                      <a:schemeClr val="bg1"/>
+                    </a:solidFill>
+                  </a:tcPr>
+                </a:tc>
+                <a:tc>
+                  <a:txBody>
+                    <a:bodyPr/>
+                    <a:lstStyle/>
+                    <a:p>
+                      <a:pPr algn="ctr"/>
+                      <a:r>
+                        <a:rPr lang="de-DE" dirty="0"/>
+                        <a:t>Mariella</a:t>
+                      </a:r>
+                    </a:p>
+                  </a:txBody>
+                  <a:tcPr>
+                    <a:lnL w="12700" cap="flat" cmpd="sng" algn="ctr">
+                      <a:solidFill>
+                        <a:schemeClr val="tx1"/>
+                      </a:solidFill>
+                      <a:prstDash val="solid"/>
+                      <a:round/>
+                      <a:headEnd type="none" w="med" len="med"/>
+                      <a:tailEnd type="none" w="med" len="med"/>
+                    </a:lnL>
+                    <a:lnR w="12700" cap="flat" cmpd="sng" algn="ctr">
+                      <a:solidFill>
+                        <a:schemeClr val="tx1"/>
+                      </a:solidFill>
+                      <a:prstDash val="solid"/>
+                      <a:round/>
+                      <a:headEnd type="none" w="med" len="med"/>
+                      <a:tailEnd type="none" w="med" len="med"/>
+                    </a:lnR>
+                    <a:lnT w="12700" cap="flat" cmpd="sng" algn="ctr">
+                      <a:solidFill>
+                        <a:schemeClr val="tx1"/>
+                      </a:solidFill>
+                      <a:prstDash val="solid"/>
+                      <a:round/>
+                      <a:headEnd type="none" w="med" len="med"/>
+                      <a:tailEnd type="none" w="med" len="med"/>
+                    </a:lnT>
+                    <a:lnB w="12700" cap="flat" cmpd="sng" algn="ctr">
+                      <a:solidFill>
+                        <a:schemeClr val="tx1"/>
+                      </a:solidFill>
+                      <a:prstDash val="solid"/>
+                      <a:round/>
+                      <a:headEnd type="none" w="med" len="med"/>
+                      <a:tailEnd type="none" w="med" len="med"/>
+                    </a:lnB>
+                    <a:solidFill>
+                      <a:schemeClr val="bg1"/>
+                    </a:solidFill>
+                  </a:tcPr>
+                </a:tc>
+                <a:extLst>
+                  <a:ext uri="{0D108BD9-81ED-4DB2-BD59-A6C34878D82A}">
+                    <a16:rowId xmlns:a16="http://schemas.microsoft.com/office/drawing/2014/main" val="2866071675"/>
+                  </a:ext>
+                </a:extLst>
+              </a:tr>
+            </a:tbl>
+          </a:graphicData>
+        </a:graphic>
+      </p:graphicFrame>
     </p:spTree>
     <p:extLst>
       <p:ext uri="{BB962C8B-B14F-4D97-AF65-F5344CB8AC3E}">
@@ -4061,14 +10007,14 @@
             <a:pPr lvl="1"/>
             <a:r>
               <a:rPr lang="de-DE" dirty="0"/>
+              <a:t>Implementierung</a:t>
+            </a:r>
+          </a:p>
+          <a:p>
+            <a:pPr lvl="1"/>
+            <a:r>
+              <a:rPr lang="de-DE" dirty="0"/>
               <a:t>Vergleich mit bestehenden Tools (Google Fotos)</a:t>
-            </a:r>
-          </a:p>
-          <a:p>
-            <a:pPr lvl="1"/>
-            <a:r>
-              <a:rPr lang="de-DE" dirty="0"/>
-              <a:t>Artefakt: Zusammenstellung verschiedener Methoden</a:t>
             </a:r>
           </a:p>
         </p:txBody>
@@ -4087,9 +10033,9 @@
 </file>
 
 <file path=ppt/theme/theme1.xml><?xml version="1.0" encoding="utf-8"?>
-<a:theme xmlns:a="http://schemas.openxmlformats.org/drawingml/2006/main" name="Office">
+<a:theme xmlns:a="http://schemas.openxmlformats.org/drawingml/2006/main" name="Facette">
   <a:themeElements>
-    <a:clrScheme name="Office">
+    <a:clrScheme name="Office 2007-2010">
       <a:dk1>
         <a:sysClr val="windowText" lastClr="000000"/>
       </a:dk1>
@@ -4097,52 +10043,52 @@
         <a:sysClr val="window" lastClr="FFFFFF"/>
       </a:lt1>
       <a:dk2>
-        <a:srgbClr val="44546A"/>
+        <a:srgbClr val="1F497D"/>
       </a:dk2>
       <a:lt2>
-        <a:srgbClr val="E7E6E6"/>
+        <a:srgbClr val="EEECE1"/>
       </a:lt2>
       <a:accent1>
-        <a:srgbClr val="4472C4"/>
+        <a:srgbClr val="4F81BD"/>
       </a:accent1>
       <a:accent2>
-        <a:srgbClr val="ED7D31"/>
+        <a:srgbClr val="C0504D"/>
       </a:accent2>
       <a:accent3>
-        <a:srgbClr val="A5A5A5"/>
+        <a:srgbClr val="9BBB59"/>
       </a:accent3>
       <a:accent4>
-        <a:srgbClr val="FFC000"/>
+        <a:srgbClr val="8064A2"/>
       </a:accent4>
       <a:accent5>
-        <a:srgbClr val="5B9BD5"/>
+        <a:srgbClr val="4BACC6"/>
       </a:accent5>
       <a:accent6>
-        <a:srgbClr val="70AD47"/>
+        <a:srgbClr val="F79646"/>
       </a:accent6>
       <a:hlink>
-        <a:srgbClr val="0563C1"/>
+        <a:srgbClr val="0000FF"/>
       </a:hlink>
       <a:folHlink>
-        <a:srgbClr val="954F72"/>
+        <a:srgbClr val="800080"/>
       </a:folHlink>
     </a:clrScheme>
-    <a:fontScheme name="Office">
+    <a:fontScheme name="Facette">
       <a:majorFont>
-        <a:latin typeface="Calibri Light" panose="020F0302020204030204"/>
+        <a:latin typeface="Trebuchet MS" panose="020B0603020202020204"/>
         <a:ea typeface=""/>
         <a:cs typeface=""/>
-        <a:font script="Jpan" typeface="游ゴシック Light"/>
+        <a:font script="Jpan" typeface="メイリオ"/>
         <a:font script="Hang" typeface="맑은 고딕"/>
-        <a:font script="Hans" typeface="等线 Light"/>
-        <a:font script="Hant" typeface="新細明體"/>
-        <a:font script="Arab" typeface="Times New Roman"/>
-        <a:font script="Hebr" typeface="Times New Roman"/>
-        <a:font script="Thai" typeface="Angsana New"/>
+        <a:font script="Hans" typeface="方正姚体"/>
+        <a:font script="Hant" typeface="微軟正黑體"/>
+        <a:font script="Arab" typeface="Tahoma"/>
+        <a:font script="Hebr" typeface="Arial"/>
+        <a:font script="Thai" typeface="Cordia New"/>
         <a:font script="Ethi" typeface="Nyala"/>
         <a:font script="Beng" typeface="Vrinda"/>
         <a:font script="Gujr" typeface="Shruti"/>
-        <a:font script="Khmr" typeface="MoolBoran"/>
+        <a:font script="Khmr" typeface="DaunPenh"/>
         <a:font script="Knda" typeface="Tunga"/>
         <a:font script="Guru" typeface="Raavi"/>
         <a:font script="Cans" typeface="Euphemia"/>
@@ -4159,38 +10105,21 @@
         <a:font script="Laoo" typeface="DokChampa"/>
         <a:font script="Sinh" typeface="Iskoola Pota"/>
         <a:font script="Mong" typeface="Mongolian Baiti"/>
-        <a:font script="Viet" typeface="Times New Roman"/>
+        <a:font script="Viet" typeface="Tahoma"/>
         <a:font script="Uigh" typeface="Microsoft Uighur"/>
         <a:font script="Geor" typeface="Sylfaen"/>
-        <a:font script="Armn" typeface="Arial"/>
-        <a:font script="Bugi" typeface="Leelawadee UI"/>
-        <a:font script="Bopo" typeface="Microsoft JhengHei"/>
-        <a:font script="Java" typeface="Javanese Text"/>
-        <a:font script="Lisu" typeface="Segoe UI"/>
-        <a:font script="Mymr" typeface="Myanmar Text"/>
-        <a:font script="Nkoo" typeface="Ebrima"/>
-        <a:font script="Olck" typeface="Nirmala UI"/>
-        <a:font script="Osma" typeface="Ebrima"/>
-        <a:font script="Phag" typeface="Phagspa"/>
-        <a:font script="Syrn" typeface="Estrangelo Edessa"/>
-        <a:font script="Syrj" typeface="Estrangelo Edessa"/>
-        <a:font script="Syre" typeface="Estrangelo Edessa"/>
-        <a:font script="Sora" typeface="Nirmala UI"/>
-        <a:font script="Tale" typeface="Microsoft Tai Le"/>
-        <a:font script="Talu" typeface="Microsoft New Tai Lue"/>
-        <a:font script="Tfng" typeface="Ebrima"/>
       </a:majorFont>
       <a:minorFont>
-        <a:latin typeface="Calibri" panose="020F0502020204030204"/>
+        <a:latin typeface="Trebuchet MS" panose="020B0603020202020204"/>
         <a:ea typeface=""/>
         <a:cs typeface=""/>
-        <a:font script="Jpan" typeface="游ゴシック"/>
-        <a:font script="Hang" typeface="맑은 고딕"/>
-        <a:font script="Hans" typeface="等线"/>
-        <a:font script="Hant" typeface="新細明體"/>
-        <a:font script="Arab" typeface="Arial"/>
-        <a:font script="Hebr" typeface="Arial"/>
-        <a:font script="Thai" typeface="Cordia New"/>
+        <a:font script="Jpan" typeface="メイリオ"/>
+        <a:font script="Hang" typeface="HY그래픽M"/>
+        <a:font script="Hans" typeface="华文新魏"/>
+        <a:font script="Hant" typeface="微軟正黑體"/>
+        <a:font script="Arab" typeface="Tahoma"/>
+        <a:font script="Hebr" typeface="Gisha"/>
+        <a:font script="Thai" typeface="IrisUPC"/>
         <a:font script="Ethi" typeface="Nyala"/>
         <a:font script="Beng" typeface="Vrinda"/>
         <a:font script="Gujr" typeface="Shruti"/>
@@ -4214,26 +10143,9 @@
         <a:font script="Viet" typeface="Arial"/>
         <a:font script="Uigh" typeface="Microsoft Uighur"/>
         <a:font script="Geor" typeface="Sylfaen"/>
-        <a:font script="Armn" typeface="Arial"/>
-        <a:font script="Bugi" typeface="Leelawadee UI"/>
-        <a:font script="Bopo" typeface="Microsoft JhengHei"/>
-        <a:font script="Java" typeface="Javanese Text"/>
-        <a:font script="Lisu" typeface="Segoe UI"/>
-        <a:font script="Mymr" typeface="Myanmar Text"/>
-        <a:font script="Nkoo" typeface="Ebrima"/>
-        <a:font script="Olck" typeface="Nirmala UI"/>
-        <a:font script="Osma" typeface="Ebrima"/>
-        <a:font script="Phag" typeface="Phagspa"/>
-        <a:font script="Syrn" typeface="Estrangelo Edessa"/>
-        <a:font script="Syrj" typeface="Estrangelo Edessa"/>
-        <a:font script="Syre" typeface="Estrangelo Edessa"/>
-        <a:font script="Sora" typeface="Nirmala UI"/>
-        <a:font script="Tale" typeface="Microsoft Tai Le"/>
-        <a:font script="Talu" typeface="Microsoft New Tai Lue"/>
-        <a:font script="Tfng" typeface="Ebrima"/>
       </a:minorFont>
     </a:fontScheme>
-    <a:fmtScheme name="Office">
+    <a:fmtScheme name="Facette">
       <a:fillStyleLst>
         <a:solidFill>
           <a:schemeClr val="phClr"/>
@@ -4242,23 +10154,13 @@
           <a:gsLst>
             <a:gs pos="0">
               <a:schemeClr val="phClr">
+                <a:tint val="65000"/>
                 <a:lumMod val="110000"/>
-                <a:satMod val="105000"/>
-                <a:tint val="67000"/>
               </a:schemeClr>
             </a:gs>
-            <a:gs pos="50000">
+            <a:gs pos="88000">
               <a:schemeClr val="phClr">
-                <a:lumMod val="105000"/>
-                <a:satMod val="103000"/>
-                <a:tint val="73000"/>
-              </a:schemeClr>
-            </a:gs>
-            <a:gs pos="100000">
-              <a:schemeClr val="phClr">
-                <a:lumMod val="105000"/>
-                <a:satMod val="109000"/>
-                <a:tint val="81000"/>
+                <a:tint val="90000"/>
               </a:schemeClr>
             </a:gs>
           </a:gsLst>
@@ -4268,23 +10170,14 @@
           <a:gsLst>
             <a:gs pos="0">
               <a:schemeClr val="phClr">
-                <a:satMod val="103000"/>
-                <a:lumMod val="102000"/>
-                <a:tint val="94000"/>
+                <a:tint val="96000"/>
+                <a:lumMod val="100000"/>
               </a:schemeClr>
             </a:gs>
-            <a:gs pos="50000">
+            <a:gs pos="78000">
               <a:schemeClr val="phClr">
-                <a:satMod val="110000"/>
-                <a:lumMod val="100000"/>
-                <a:shade val="100000"/>
-              </a:schemeClr>
-            </a:gs>
-            <a:gs pos="100000">
-              <a:schemeClr val="phClr">
-                <a:lumMod val="99000"/>
-                <a:satMod val="120000"/>
-                <a:shade val="78000"/>
+                <a:shade val="94000"/>
+                <a:lumMod val="94000"/>
               </a:schemeClr>
             </a:gs>
           </a:gsLst>
@@ -4292,26 +10185,23 @@
         </a:gradFill>
       </a:fillStyleLst>
       <a:lnStyleLst>
-        <a:ln w="6350" cap="flat" cmpd="sng" algn="ctr">
+        <a:ln w="12700" cap="rnd" cmpd="sng" algn="ctr">
           <a:solidFill>
             <a:schemeClr val="phClr"/>
           </a:solidFill>
           <a:prstDash val="solid"/>
-          <a:miter lim="800000"/>
         </a:ln>
-        <a:ln w="12700" cap="flat" cmpd="sng" algn="ctr">
+        <a:ln w="19050" cap="rnd" cmpd="sng" algn="ctr">
           <a:solidFill>
             <a:schemeClr val="phClr"/>
           </a:solidFill>
           <a:prstDash val="solid"/>
-          <a:miter lim="800000"/>
         </a:ln>
-        <a:ln w="19050" cap="flat" cmpd="sng" algn="ctr">
+        <a:ln w="25400" cap="rnd" cmpd="sng" algn="ctr">
           <a:solidFill>
             <a:schemeClr val="phClr"/>
           </a:solidFill>
           <a:prstDash val="solid"/>
-          <a:miter lim="800000"/>
         </a:ln>
       </a:lnStyleLst>
       <a:effectStyleLst>
@@ -4319,54 +10209,72 @@
           <a:effectLst/>
         </a:effectStyle>
         <a:effectStyle>
-          <a:effectLst/>
+          <a:effectLst>
+            <a:outerShdw blurRad="38100" dist="25400" dir="5400000" rotWithShape="0">
+              <a:srgbClr val="000000">
+                <a:alpha val="35000"/>
+              </a:srgbClr>
+            </a:outerShdw>
+          </a:effectLst>
         </a:effectStyle>
         <a:effectStyle>
           <a:effectLst>
-            <a:outerShdw blurRad="57150" dist="19050" dir="5400000" algn="ctr" rotWithShape="0">
+            <a:outerShdw blurRad="50800" dist="38100" dir="5400000" rotWithShape="0">
               <a:srgbClr val="000000">
-                <a:alpha val="63000"/>
+                <a:alpha val="35000"/>
               </a:srgbClr>
             </a:outerShdw>
           </a:effectLst>
+          <a:scene3d>
+            <a:camera prst="orthographicFront">
+              <a:rot lat="0" lon="0" rev="0"/>
+            </a:camera>
+            <a:lightRig rig="threePt" dir="tl"/>
+          </a:scene3d>
+          <a:sp3d prstMaterial="plastic">
+            <a:bevelT w="0" h="0"/>
+          </a:sp3d>
         </a:effectStyle>
       </a:effectStyleLst>
       <a:bgFillStyleLst>
         <a:solidFill>
           <a:schemeClr val="phClr"/>
         </a:solidFill>
-        <a:solidFill>
-          <a:schemeClr val="phClr">
-            <a:tint val="95000"/>
-            <a:satMod val="170000"/>
-          </a:schemeClr>
-        </a:solidFill>
         <a:gradFill rotWithShape="1">
           <a:gsLst>
             <a:gs pos="0">
               <a:schemeClr val="phClr">
-                <a:tint val="93000"/>
-                <a:satMod val="150000"/>
-                <a:shade val="98000"/>
-                <a:lumMod val="102000"/>
+                <a:tint val="90000"/>
+                <a:lumMod val="104000"/>
               </a:schemeClr>
             </a:gs>
-            <a:gs pos="50000">
+            <a:gs pos="94000">
               <a:schemeClr val="phClr">
-                <a:tint val="98000"/>
-                <a:satMod val="130000"/>
-                <a:shade val="90000"/>
-                <a:lumMod val="103000"/>
+                <a:shade val="96000"/>
+                <a:lumMod val="82000"/>
+              </a:schemeClr>
+            </a:gs>
+          </a:gsLst>
+          <a:lin ang="5400000" scaled="0"/>
+        </a:gradFill>
+        <a:gradFill rotWithShape="1">
+          <a:gsLst>
+            <a:gs pos="0">
+              <a:schemeClr val="phClr">
+                <a:tint val="90000"/>
+                <a:lumMod val="110000"/>
               </a:schemeClr>
             </a:gs>
             <a:gs pos="100000">
               <a:schemeClr val="phClr">
-                <a:shade val="63000"/>
-                <a:satMod val="120000"/>
+                <a:shade val="94000"/>
+                <a:lumMod val="96000"/>
               </a:schemeClr>
             </a:gs>
           </a:gsLst>
-          <a:lin ang="5400000" scaled="0"/>
+          <a:path path="circle">
+            <a:fillToRect l="50000" t="50000" r="100000" b="100000"/>
+          </a:path>
         </a:gradFill>
       </a:bgFillStyleLst>
     </a:fmtScheme>
@@ -4375,7 +10283,7 @@
   <a:extraClrSchemeLst/>
   <a:extLst>
     <a:ext uri="{05A4C25C-085E-4340-85A3-A5531E510DB2}">
-      <thm15:themeFamily xmlns:thm15="http://schemas.microsoft.com/office/thememl/2012/main" name="Office Theme" id="{62F939B6-93AF-4DB8-9C6B-D6C7DFDC589F}" vid="{4A3C46E8-61CC-4603-A589-7422A47A8E4A}"/>
+      <thm15:themeFamily xmlns:thm15="http://schemas.microsoft.com/office/thememl/2012/main" name="Facet" id="{C0C680CD-088A-49FC-A102-D699147F32B2}" vid="{0B5AB586-D108-4FC1-8368-649FE654B894}"/>
     </a:ext>
   </a:extLst>
 </a:theme>

--- a/expose/expose_präsentation.pptx
+++ b/expose/expose_präsentation.pptx
@@ -6169,7 +6169,7 @@
           <a:p>
             <a:r>
               <a:rPr lang="de-DE" dirty="0"/>
-              <a:t>Modulare Skripte, die als Pipeline Ausgeführt werden</a:t>
+              <a:t>Modulare Skripte, die als Pipeline ausgeführt werden</a:t>
             </a:r>
           </a:p>
           <a:p>
@@ -9952,21 +9952,8 @@
           <a:p>
             <a:r>
               <a:rPr lang="de-DE" dirty="0"/>
-              <a:t>Nice-</a:t>
-            </a:r>
-            <a:r>
-              <a:rPr lang="de-DE" dirty="0" err="1"/>
-              <a:t>To</a:t>
-            </a:r>
-            <a:r>
-              <a:rPr lang="de-DE" dirty="0"/>
-              <a:t>-</a:t>
-            </a:r>
-            <a:r>
-              <a:rPr lang="de-DE" dirty="0" err="1"/>
-              <a:t>Have</a:t>
-            </a:r>
-            <a:endParaRPr lang="de-DE" dirty="0"/>
+              <a:t>Weitere Verarbeitung der Bilder</a:t>
+            </a:r>
           </a:p>
         </p:txBody>
       </p:sp>

--- a/expose/expose_präsentation.pptx
+++ b/expose/expose_präsentation.pptx
@@ -862,7 +862,7 @@
           <a:p>
             <a:fld id="{DC9D8582-8A58-4132-A4EC-EC2F984BAC10}" type="datetimeFigureOut">
               <a:rPr lang="de-DE" smtClean="0"/>
-              <a:t>15.05.2018</a:t>
+              <a:t>16.05.2018</a:t>
             </a:fld>
             <a:endParaRPr lang="de-DE"/>
           </a:p>
@@ -1113,7 +1113,7 @@
           <a:p>
             <a:fld id="{DC9D8582-8A58-4132-A4EC-EC2F984BAC10}" type="datetimeFigureOut">
               <a:rPr lang="de-DE" smtClean="0"/>
-              <a:t>15.05.2018</a:t>
+              <a:t>16.05.2018</a:t>
             </a:fld>
             <a:endParaRPr lang="de-DE"/>
           </a:p>
@@ -1427,7 +1427,7 @@
           <a:p>
             <a:fld id="{DC9D8582-8A58-4132-A4EC-EC2F984BAC10}" type="datetimeFigureOut">
               <a:rPr lang="de-DE" smtClean="0"/>
-              <a:t>15.05.2018</a:t>
+              <a:t>16.05.2018</a:t>
             </a:fld>
             <a:endParaRPr lang="de-DE"/>
           </a:p>
@@ -1760,7 +1760,7 @@
           <a:p>
             <a:fld id="{DC9D8582-8A58-4132-A4EC-EC2F984BAC10}" type="datetimeFigureOut">
               <a:rPr lang="de-DE" smtClean="0"/>
-              <a:t>15.05.2018</a:t>
+              <a:t>16.05.2018</a:t>
             </a:fld>
             <a:endParaRPr lang="de-DE"/>
           </a:p>
@@ -2074,7 +2074,7 @@
           <a:p>
             <a:fld id="{DC9D8582-8A58-4132-A4EC-EC2F984BAC10}" type="datetimeFigureOut">
               <a:rPr lang="de-DE" smtClean="0"/>
-              <a:t>15.05.2018</a:t>
+              <a:t>16.05.2018</a:t>
             </a:fld>
             <a:endParaRPr lang="de-DE"/>
           </a:p>
@@ -2467,7 +2467,7 @@
           <a:p>
             <a:fld id="{DC9D8582-8A58-4132-A4EC-EC2F984BAC10}" type="datetimeFigureOut">
               <a:rPr lang="de-DE" smtClean="0"/>
-              <a:t>15.05.2018</a:t>
+              <a:t>16.05.2018</a:t>
             </a:fld>
             <a:endParaRPr lang="de-DE"/>
           </a:p>
@@ -2637,7 +2637,7 @@
           <a:p>
             <a:fld id="{DC9D8582-8A58-4132-A4EC-EC2F984BAC10}" type="datetimeFigureOut">
               <a:rPr lang="de-DE" smtClean="0"/>
-              <a:t>15.05.2018</a:t>
+              <a:t>16.05.2018</a:t>
             </a:fld>
             <a:endParaRPr lang="de-DE"/>
           </a:p>
@@ -2817,7 +2817,7 @@
           <a:p>
             <a:fld id="{DC9D8582-8A58-4132-A4EC-EC2F984BAC10}" type="datetimeFigureOut">
               <a:rPr lang="de-DE" smtClean="0"/>
-              <a:t>15.05.2018</a:t>
+              <a:t>16.05.2018</a:t>
             </a:fld>
             <a:endParaRPr lang="de-DE"/>
           </a:p>
@@ -2987,7 +2987,7 @@
           <a:p>
             <a:fld id="{DC9D8582-8A58-4132-A4EC-EC2F984BAC10}" type="datetimeFigureOut">
               <a:rPr lang="de-DE" smtClean="0"/>
-              <a:t>15.05.2018</a:t>
+              <a:t>16.05.2018</a:t>
             </a:fld>
             <a:endParaRPr lang="de-DE"/>
           </a:p>
@@ -3234,7 +3234,7 @@
           <a:p>
             <a:fld id="{DC9D8582-8A58-4132-A4EC-EC2F984BAC10}" type="datetimeFigureOut">
               <a:rPr lang="de-DE" smtClean="0"/>
-              <a:t>15.05.2018</a:t>
+              <a:t>16.05.2018</a:t>
             </a:fld>
             <a:endParaRPr lang="de-DE"/>
           </a:p>
@@ -3466,7 +3466,7 @@
           <a:p>
             <a:fld id="{DC9D8582-8A58-4132-A4EC-EC2F984BAC10}" type="datetimeFigureOut">
               <a:rPr lang="de-DE" smtClean="0"/>
-              <a:t>15.05.2018</a:t>
+              <a:t>16.05.2018</a:t>
             </a:fld>
             <a:endParaRPr lang="de-DE"/>
           </a:p>
@@ -3840,7 +3840,7 @@
           <a:p>
             <a:fld id="{DC9D8582-8A58-4132-A4EC-EC2F984BAC10}" type="datetimeFigureOut">
               <a:rPr lang="de-DE" smtClean="0"/>
-              <a:t>15.05.2018</a:t>
+              <a:t>16.05.2018</a:t>
             </a:fld>
             <a:endParaRPr lang="de-DE"/>
           </a:p>
@@ -3963,7 +3963,7 @@
           <a:p>
             <a:fld id="{DC9D8582-8A58-4132-A4EC-EC2F984BAC10}" type="datetimeFigureOut">
               <a:rPr lang="de-DE" smtClean="0"/>
-              <a:t>15.05.2018</a:t>
+              <a:t>16.05.2018</a:t>
             </a:fld>
             <a:endParaRPr lang="de-DE"/>
           </a:p>
@@ -4058,7 +4058,7 @@
           <a:p>
             <a:fld id="{DC9D8582-8A58-4132-A4EC-EC2F984BAC10}" type="datetimeFigureOut">
               <a:rPr lang="de-DE" smtClean="0"/>
-              <a:t>15.05.2018</a:t>
+              <a:t>16.05.2018</a:t>
             </a:fld>
             <a:endParaRPr lang="de-DE"/>
           </a:p>
@@ -4313,7 +4313,7 @@
           <a:p>
             <a:fld id="{DC9D8582-8A58-4132-A4EC-EC2F984BAC10}" type="datetimeFigureOut">
               <a:rPr lang="de-DE" smtClean="0"/>
-              <a:t>15.05.2018</a:t>
+              <a:t>16.05.2018</a:t>
             </a:fld>
             <a:endParaRPr lang="de-DE"/>
           </a:p>
@@ -4618,7 +4618,7 @@
           <a:p>
             <a:fld id="{DC9D8582-8A58-4132-A4EC-EC2F984BAC10}" type="datetimeFigureOut">
               <a:rPr lang="de-DE" smtClean="0"/>
-              <a:t>15.05.2018</a:t>
+              <a:t>16.05.2018</a:t>
             </a:fld>
             <a:endParaRPr lang="de-DE"/>
           </a:p>
@@ -5320,7 +5320,7 @@
           <a:p>
             <a:fld id="{DC9D8582-8A58-4132-A4EC-EC2F984BAC10}" type="datetimeFigureOut">
               <a:rPr lang="de-DE" smtClean="0"/>
-              <a:t>15.05.2018</a:t>
+              <a:t>16.05.2018</a:t>
             </a:fld>
             <a:endParaRPr lang="de-DE"/>
           </a:p>
@@ -6000,14 +6000,19 @@
             <p:ph idx="1"/>
           </p:nvPr>
         </p:nvSpPr>
-        <p:spPr/>
+        <p:spPr>
+          <a:xfrm>
+            <a:off x="677334" y="2160589"/>
+            <a:ext cx="8596668" cy="3880773"/>
+          </a:xfrm>
+        </p:spPr>
         <p:txBody>
           <a:bodyPr/>
           <a:lstStyle/>
           <a:p>
             <a:r>
               <a:rPr lang="de-DE" dirty="0"/>
-              <a:t>Eingescannte Fotoalbumseiten</a:t>
+              <a:t>Eingescannte Fotoalbumseiten:</a:t>
             </a:r>
           </a:p>
           <a:p>
@@ -6028,7 +6033,7 @@
             <a:pPr lvl="1"/>
             <a:r>
               <a:rPr lang="de-DE" dirty="0"/>
-              <a:t>Bilder teilweise mit Rand</a:t>
+              <a:t>Bilder teilweise mit Passepartout</a:t>
             </a:r>
           </a:p>
           <a:p>
@@ -6055,10 +6060,18 @@
           <a:p>
             <a:r>
               <a:rPr lang="de-DE" dirty="0"/>
+              <a:t>Tools:</a:t>
+            </a:r>
+          </a:p>
+          <a:p>
+            <a:pPr lvl="1"/>
+            <a:r>
+              <a:rPr lang="de-DE" dirty="0"/>
               <a:t>Python als Programmiersprache</a:t>
             </a:r>
           </a:p>
           <a:p>
+            <a:pPr lvl="1"/>
             <a:r>
               <a:rPr lang="de-DE" dirty="0" err="1"/>
               <a:t>OpenCV</a:t>
@@ -6151,7 +6164,7 @@
           <a:p>
             <a:r>
               <a:rPr lang="de-DE" dirty="0"/>
-              <a:t>Ausschneiden von Bildern mit unterschiedlicher Form</a:t>
+              <a:t>Manuell Testdaten von unterschiedlichen Bildformen erstellen</a:t>
             </a:r>
           </a:p>
           <a:p>
@@ -6163,7 +6176,7 @@
           <a:p>
             <a:r>
               <a:rPr lang="de-DE" dirty="0"/>
-              <a:t>Konsolen Anwendung</a:t>
+              <a:t>Konsolenanwendung</a:t>
             </a:r>
           </a:p>
           <a:p>
@@ -7922,7 +7935,7 @@
           <p:nvPr>
             <p:extLst>
               <p:ext uri="{D42A27DB-BD31-4B8C-83A1-F6EECF244321}">
-                <p14:modId xmlns:p14="http://schemas.microsoft.com/office/powerpoint/2010/main" val="4162033907"/>
+                <p14:modId xmlns:p14="http://schemas.microsoft.com/office/powerpoint/2010/main" val="2545705175"/>
               </p:ext>
             </p:extLst>
           </p:nvPr>
@@ -8852,9 +8865,7 @@
                       <a:tailEnd type="none" w="med" len="med"/>
                     </a:lnB>
                     <a:solidFill>
-                      <a:schemeClr val="bg1">
-                        <a:lumMod val="85000"/>
-                      </a:schemeClr>
+                      <a:schemeClr val="bg1"/>
                     </a:solidFill>
                   </a:tcPr>
                 </a:tc>
@@ -8905,9 +8916,7 @@
                       <a:tailEnd type="none" w="med" len="med"/>
                     </a:lnB>
                     <a:solidFill>
-                      <a:schemeClr val="bg1">
-                        <a:lumMod val="85000"/>
-                      </a:schemeClr>
+                      <a:schemeClr val="bg1"/>
                     </a:solidFill>
                   </a:tcPr>
                 </a:tc>
@@ -8958,9 +8967,7 @@
                       <a:tailEnd type="none" w="med" len="med"/>
                     </a:lnB>
                     <a:solidFill>
-                      <a:schemeClr val="bg1">
-                        <a:lumMod val="85000"/>
-                      </a:schemeClr>
+                      <a:schemeClr val="bg1"/>
                     </a:solidFill>
                   </a:tcPr>
                 </a:tc>
@@ -9550,7 +9557,7 @@
                       </a:pPr>
                       <a:r>
                         <a:rPr lang="de-DE" dirty="0"/>
-                        <a:t>	sonstige Formen (z.B. Kreis)</a:t>
+                        <a:t>	sonstige Formen (z.B. Dreieck)</a:t>
                       </a:r>
                     </a:p>
                   </a:txBody>

--- a/expose/expose_präsentation.pptx
+++ b/expose/expose_präsentation.pptx
@@ -5921,7 +5921,7 @@
           <a:p>
             <a:r>
               <a:rPr lang="de-DE" dirty="0"/>
-              <a:t>Mariella Dreißig, Tom Eckard, Stefan Bergmann</a:t>
+              <a:t>Mariella Dreißig, Tom Eckardt, Stefan Bergmann</a:t>
             </a:r>
           </a:p>
         </p:txBody>

--- a/expose/expose_präsentation.pptx
+++ b/expose/expose_präsentation.pptx
@@ -10,7 +10,8 @@
     <p:sldId id="258" r:id="rId4"/>
     <p:sldId id="259" r:id="rId5"/>
     <p:sldId id="260" r:id="rId6"/>
-    <p:sldId id="261" r:id="rId7"/>
+    <p:sldId id="262" r:id="rId7"/>
+    <p:sldId id="261" r:id="rId8"/>
   </p:sldIdLst>
   <p:sldSz cx="12192000" cy="6858000"/>
   <p:notesSz cx="6858000" cy="9144000"/>
@@ -862,7 +863,7 @@
           <a:p>
             <a:fld id="{DC9D8582-8A58-4132-A4EC-EC2F984BAC10}" type="datetimeFigureOut">
               <a:rPr lang="de-DE" smtClean="0"/>
-              <a:t>16.05.2018</a:t>
+              <a:t>17.05.2018</a:t>
             </a:fld>
             <a:endParaRPr lang="de-DE"/>
           </a:p>
@@ -1113,7 +1114,7 @@
           <a:p>
             <a:fld id="{DC9D8582-8A58-4132-A4EC-EC2F984BAC10}" type="datetimeFigureOut">
               <a:rPr lang="de-DE" smtClean="0"/>
-              <a:t>16.05.2018</a:t>
+              <a:t>17.05.2018</a:t>
             </a:fld>
             <a:endParaRPr lang="de-DE"/>
           </a:p>
@@ -1427,7 +1428,7 @@
           <a:p>
             <a:fld id="{DC9D8582-8A58-4132-A4EC-EC2F984BAC10}" type="datetimeFigureOut">
               <a:rPr lang="de-DE" smtClean="0"/>
-              <a:t>16.05.2018</a:t>
+              <a:t>17.05.2018</a:t>
             </a:fld>
             <a:endParaRPr lang="de-DE"/>
           </a:p>
@@ -1760,7 +1761,7 @@
           <a:p>
             <a:fld id="{DC9D8582-8A58-4132-A4EC-EC2F984BAC10}" type="datetimeFigureOut">
               <a:rPr lang="de-DE" smtClean="0"/>
-              <a:t>16.05.2018</a:t>
+              <a:t>17.05.2018</a:t>
             </a:fld>
             <a:endParaRPr lang="de-DE"/>
           </a:p>
@@ -2074,7 +2075,7 @@
           <a:p>
             <a:fld id="{DC9D8582-8A58-4132-A4EC-EC2F984BAC10}" type="datetimeFigureOut">
               <a:rPr lang="de-DE" smtClean="0"/>
-              <a:t>16.05.2018</a:t>
+              <a:t>17.05.2018</a:t>
             </a:fld>
             <a:endParaRPr lang="de-DE"/>
           </a:p>
@@ -2467,7 +2468,7 @@
           <a:p>
             <a:fld id="{DC9D8582-8A58-4132-A4EC-EC2F984BAC10}" type="datetimeFigureOut">
               <a:rPr lang="de-DE" smtClean="0"/>
-              <a:t>16.05.2018</a:t>
+              <a:t>17.05.2018</a:t>
             </a:fld>
             <a:endParaRPr lang="de-DE"/>
           </a:p>
@@ -2637,7 +2638,7 @@
           <a:p>
             <a:fld id="{DC9D8582-8A58-4132-A4EC-EC2F984BAC10}" type="datetimeFigureOut">
               <a:rPr lang="de-DE" smtClean="0"/>
-              <a:t>16.05.2018</a:t>
+              <a:t>17.05.2018</a:t>
             </a:fld>
             <a:endParaRPr lang="de-DE"/>
           </a:p>
@@ -2817,7 +2818,7 @@
           <a:p>
             <a:fld id="{DC9D8582-8A58-4132-A4EC-EC2F984BAC10}" type="datetimeFigureOut">
               <a:rPr lang="de-DE" smtClean="0"/>
-              <a:t>16.05.2018</a:t>
+              <a:t>17.05.2018</a:t>
             </a:fld>
             <a:endParaRPr lang="de-DE"/>
           </a:p>
@@ -2987,7 +2988,7 @@
           <a:p>
             <a:fld id="{DC9D8582-8A58-4132-A4EC-EC2F984BAC10}" type="datetimeFigureOut">
               <a:rPr lang="de-DE" smtClean="0"/>
-              <a:t>16.05.2018</a:t>
+              <a:t>17.05.2018</a:t>
             </a:fld>
             <a:endParaRPr lang="de-DE"/>
           </a:p>
@@ -3234,7 +3235,7 @@
           <a:p>
             <a:fld id="{DC9D8582-8A58-4132-A4EC-EC2F984BAC10}" type="datetimeFigureOut">
               <a:rPr lang="de-DE" smtClean="0"/>
-              <a:t>16.05.2018</a:t>
+              <a:t>17.05.2018</a:t>
             </a:fld>
             <a:endParaRPr lang="de-DE"/>
           </a:p>
@@ -3466,7 +3467,7 @@
           <a:p>
             <a:fld id="{DC9D8582-8A58-4132-A4EC-EC2F984BAC10}" type="datetimeFigureOut">
               <a:rPr lang="de-DE" smtClean="0"/>
-              <a:t>16.05.2018</a:t>
+              <a:t>17.05.2018</a:t>
             </a:fld>
             <a:endParaRPr lang="de-DE"/>
           </a:p>
@@ -3840,7 +3841,7 @@
           <a:p>
             <a:fld id="{DC9D8582-8A58-4132-A4EC-EC2F984BAC10}" type="datetimeFigureOut">
               <a:rPr lang="de-DE" smtClean="0"/>
-              <a:t>16.05.2018</a:t>
+              <a:t>17.05.2018</a:t>
             </a:fld>
             <a:endParaRPr lang="de-DE"/>
           </a:p>
@@ -3963,7 +3964,7 @@
           <a:p>
             <a:fld id="{DC9D8582-8A58-4132-A4EC-EC2F984BAC10}" type="datetimeFigureOut">
               <a:rPr lang="de-DE" smtClean="0"/>
-              <a:t>16.05.2018</a:t>
+              <a:t>17.05.2018</a:t>
             </a:fld>
             <a:endParaRPr lang="de-DE"/>
           </a:p>
@@ -4058,7 +4059,7 @@
           <a:p>
             <a:fld id="{DC9D8582-8A58-4132-A4EC-EC2F984BAC10}" type="datetimeFigureOut">
               <a:rPr lang="de-DE" smtClean="0"/>
-              <a:t>16.05.2018</a:t>
+              <a:t>17.05.2018</a:t>
             </a:fld>
             <a:endParaRPr lang="de-DE"/>
           </a:p>
@@ -4313,7 +4314,7 @@
           <a:p>
             <a:fld id="{DC9D8582-8A58-4132-A4EC-EC2F984BAC10}" type="datetimeFigureOut">
               <a:rPr lang="de-DE" smtClean="0"/>
-              <a:t>16.05.2018</a:t>
+              <a:t>17.05.2018</a:t>
             </a:fld>
             <a:endParaRPr lang="de-DE"/>
           </a:p>
@@ -4618,7 +4619,7 @@
           <a:p>
             <a:fld id="{DC9D8582-8A58-4132-A4EC-EC2F984BAC10}" type="datetimeFigureOut">
               <a:rPr lang="de-DE" smtClean="0"/>
-              <a:t>16.05.2018</a:t>
+              <a:t>17.05.2018</a:t>
             </a:fld>
             <a:endParaRPr lang="de-DE"/>
           </a:p>
@@ -5320,7 +5321,7 @@
           <a:p>
             <a:fld id="{DC9D8582-8A58-4132-A4EC-EC2F984BAC10}" type="datetimeFigureOut">
               <a:rPr lang="de-DE" smtClean="0"/>
-              <a:t>16.05.2018</a:t>
+              <a:t>17.05.2018</a:t>
             </a:fld>
             <a:endParaRPr lang="de-DE"/>
           </a:p>
@@ -9941,6 +9942,996 @@
           <p:cNvPr id="2" name="Titel 1">
             <a:extLst>
               <a:ext uri="{FF2B5EF4-FFF2-40B4-BE49-F238E27FC236}">
+                <a16:creationId xmlns:a16="http://schemas.microsoft.com/office/drawing/2014/main" id="{C1CE1FE1-409F-41F3-B06B-607146ED84AD}"/>
+              </a:ext>
+            </a:extLst>
+          </p:cNvPr>
+          <p:cNvSpPr>
+            <a:spLocks noGrp="1"/>
+          </p:cNvSpPr>
+          <p:nvPr>
+            <p:ph type="title"/>
+          </p:nvPr>
+        </p:nvSpPr>
+        <p:spPr/>
+        <p:txBody>
+          <a:bodyPr/>
+          <a:lstStyle/>
+          <a:p>
+            <a:r>
+              <a:rPr lang="de-DE" dirty="0"/>
+              <a:t>Aufgaben</a:t>
+            </a:r>
+          </a:p>
+        </p:txBody>
+      </p:sp>
+      <p:graphicFrame>
+        <p:nvGraphicFramePr>
+          <p:cNvPr id="4" name="Tabelle 3">
+            <a:extLst>
+              <a:ext uri="{FF2B5EF4-FFF2-40B4-BE49-F238E27FC236}">
+                <a16:creationId xmlns:a16="http://schemas.microsoft.com/office/drawing/2014/main" id="{4A1418E1-089F-4642-9E13-16825E0834DC}"/>
+              </a:ext>
+            </a:extLst>
+          </p:cNvPr>
+          <p:cNvGraphicFramePr>
+            <a:graphicFrameLocks noGrp="1"/>
+          </p:cNvGraphicFramePr>
+          <p:nvPr>
+            <p:extLst>
+              <p:ext uri="{D42A27DB-BD31-4B8C-83A1-F6EECF244321}">
+                <p14:modId xmlns:p14="http://schemas.microsoft.com/office/powerpoint/2010/main" val="3377680220"/>
+              </p:ext>
+            </p:extLst>
+          </p:nvPr>
+        </p:nvGraphicFramePr>
+        <p:xfrm>
+          <a:off x="870857" y="1560071"/>
+          <a:ext cx="10738523" cy="1828800"/>
+        </p:xfrm>
+        <a:graphic>
+          <a:graphicData uri="http://schemas.openxmlformats.org/drawingml/2006/table">
+            <a:tbl>
+              <a:tblPr firstRow="1" bandRow="1">
+                <a:tableStyleId>{5C22544A-7EE6-4342-B048-85BDC9FD1C3A}</a:tableStyleId>
+              </a:tblPr>
+              <a:tblGrid>
+                <a:gridCol w="6822231">
+                  <a:extLst>
+                    <a:ext uri="{9D8B030D-6E8A-4147-A177-3AD203B41FA5}">
+                      <a16:colId xmlns:a16="http://schemas.microsoft.com/office/drawing/2014/main" val="3315867083"/>
+                    </a:ext>
+                  </a:extLst>
+                </a:gridCol>
+                <a:gridCol w="2145030">
+                  <a:extLst>
+                    <a:ext uri="{9D8B030D-6E8A-4147-A177-3AD203B41FA5}">
+                      <a16:colId xmlns:a16="http://schemas.microsoft.com/office/drawing/2014/main" val="3823184431"/>
+                    </a:ext>
+                  </a:extLst>
+                </a:gridCol>
+                <a:gridCol w="1771262">
+                  <a:extLst>
+                    <a:ext uri="{9D8B030D-6E8A-4147-A177-3AD203B41FA5}">
+                      <a16:colId xmlns:a16="http://schemas.microsoft.com/office/drawing/2014/main" val="3662850478"/>
+                    </a:ext>
+                  </a:extLst>
+                </a:gridCol>
+              </a:tblGrid>
+              <a:tr h="271886">
+                <a:tc>
+                  <a:txBody>
+                    <a:bodyPr/>
+                    <a:lstStyle/>
+                    <a:p>
+                      <a:r>
+                        <a:rPr lang="de-DE" dirty="0"/>
+                        <a:t>Aufgabe</a:t>
+                      </a:r>
+                    </a:p>
+                  </a:txBody>
+                  <a:tcPr>
+                    <a:lnL w="12700" cap="flat" cmpd="sng" algn="ctr">
+                      <a:solidFill>
+                        <a:schemeClr val="tx1"/>
+                      </a:solidFill>
+                      <a:prstDash val="solid"/>
+                      <a:round/>
+                      <a:headEnd type="none" w="med" len="med"/>
+                      <a:tailEnd type="none" w="med" len="med"/>
+                    </a:lnL>
+                    <a:lnR w="12700" cap="flat" cmpd="sng" algn="ctr">
+                      <a:solidFill>
+                        <a:schemeClr val="tx1"/>
+                      </a:solidFill>
+                      <a:prstDash val="solid"/>
+                      <a:round/>
+                      <a:headEnd type="none" w="med" len="med"/>
+                      <a:tailEnd type="none" w="med" len="med"/>
+                    </a:lnR>
+                    <a:lnT w="12700" cap="flat" cmpd="sng" algn="ctr">
+                      <a:solidFill>
+                        <a:schemeClr val="tx1"/>
+                      </a:solidFill>
+                      <a:prstDash val="solid"/>
+                      <a:round/>
+                      <a:headEnd type="none" w="med" len="med"/>
+                      <a:tailEnd type="none" w="med" len="med"/>
+                    </a:lnT>
+                    <a:lnB w="12700" cap="flat" cmpd="sng" algn="ctr">
+                      <a:solidFill>
+                        <a:schemeClr val="tx1"/>
+                      </a:solidFill>
+                      <a:prstDash val="solid"/>
+                      <a:round/>
+                      <a:headEnd type="none" w="med" len="med"/>
+                      <a:tailEnd type="none" w="med" len="med"/>
+                    </a:lnB>
+                  </a:tcPr>
+                </a:tc>
+                <a:tc>
+                  <a:txBody>
+                    <a:bodyPr/>
+                    <a:lstStyle/>
+                    <a:p>
+                      <a:r>
+                        <a:rPr lang="de-DE" dirty="0"/>
+                        <a:t>Priorität ( 0 – 10 )</a:t>
+                      </a:r>
+                    </a:p>
+                  </a:txBody>
+                  <a:tcPr>
+                    <a:lnL w="12700" cap="flat" cmpd="sng" algn="ctr">
+                      <a:solidFill>
+                        <a:schemeClr val="tx1"/>
+                      </a:solidFill>
+                      <a:prstDash val="solid"/>
+                      <a:round/>
+                      <a:headEnd type="none" w="med" len="med"/>
+                      <a:tailEnd type="none" w="med" len="med"/>
+                    </a:lnL>
+                    <a:lnR w="12700" cap="flat" cmpd="sng" algn="ctr">
+                      <a:solidFill>
+                        <a:schemeClr val="tx1"/>
+                      </a:solidFill>
+                      <a:prstDash val="solid"/>
+                      <a:round/>
+                      <a:headEnd type="none" w="med" len="med"/>
+                      <a:tailEnd type="none" w="med" len="med"/>
+                    </a:lnR>
+                    <a:lnT w="12700" cap="flat" cmpd="sng" algn="ctr">
+                      <a:solidFill>
+                        <a:schemeClr val="tx1"/>
+                      </a:solidFill>
+                      <a:prstDash val="solid"/>
+                      <a:round/>
+                      <a:headEnd type="none" w="med" len="med"/>
+                      <a:tailEnd type="none" w="med" len="med"/>
+                    </a:lnT>
+                    <a:lnB w="12700" cap="flat" cmpd="sng" algn="ctr">
+                      <a:solidFill>
+                        <a:schemeClr val="tx1"/>
+                      </a:solidFill>
+                      <a:prstDash val="solid"/>
+                      <a:round/>
+                      <a:headEnd type="none" w="med" len="med"/>
+                      <a:tailEnd type="none" w="med" len="med"/>
+                    </a:lnB>
+                  </a:tcPr>
+                </a:tc>
+                <a:tc>
+                  <a:txBody>
+                    <a:bodyPr/>
+                    <a:lstStyle/>
+                    <a:p>
+                      <a:r>
+                        <a:rPr lang="de-DE" dirty="0"/>
+                        <a:t>Bearbeitet von</a:t>
+                      </a:r>
+                    </a:p>
+                  </a:txBody>
+                  <a:tcPr>
+                    <a:lnL w="12700" cap="flat" cmpd="sng" algn="ctr">
+                      <a:solidFill>
+                        <a:schemeClr val="tx1"/>
+                      </a:solidFill>
+                      <a:prstDash val="solid"/>
+                      <a:round/>
+                      <a:headEnd type="none" w="med" len="med"/>
+                      <a:tailEnd type="none" w="med" len="med"/>
+                    </a:lnL>
+                    <a:lnR w="12700" cap="flat" cmpd="sng" algn="ctr">
+                      <a:solidFill>
+                        <a:schemeClr val="tx1"/>
+                      </a:solidFill>
+                      <a:prstDash val="solid"/>
+                      <a:round/>
+                      <a:headEnd type="none" w="med" len="med"/>
+                      <a:tailEnd type="none" w="med" len="med"/>
+                    </a:lnR>
+                    <a:lnT w="12700" cap="flat" cmpd="sng" algn="ctr">
+                      <a:solidFill>
+                        <a:schemeClr val="tx1"/>
+                      </a:solidFill>
+                      <a:prstDash val="solid"/>
+                      <a:round/>
+                      <a:headEnd type="none" w="med" len="med"/>
+                      <a:tailEnd type="none" w="med" len="med"/>
+                    </a:lnT>
+                    <a:lnB w="12700" cap="flat" cmpd="sng" algn="ctr">
+                      <a:solidFill>
+                        <a:schemeClr val="tx1"/>
+                      </a:solidFill>
+                      <a:prstDash val="solid"/>
+                      <a:round/>
+                      <a:headEnd type="none" w="med" len="med"/>
+                      <a:tailEnd type="none" w="med" len="med"/>
+                    </a:lnB>
+                  </a:tcPr>
+                </a:tc>
+                <a:extLst>
+                  <a:ext uri="{0D108BD9-81ED-4DB2-BD59-A6C34878D82A}">
+                    <a16:rowId xmlns:a16="http://schemas.microsoft.com/office/drawing/2014/main" val="2599813341"/>
+                  </a:ext>
+                </a:extLst>
+              </a:tr>
+              <a:tr h="271886">
+                <a:tc>
+                  <a:txBody>
+                    <a:bodyPr/>
+                    <a:lstStyle/>
+                    <a:p>
+                      <a:r>
+                        <a:rPr lang="de-DE" dirty="0">
+                          <a:solidFill>
+                            <a:schemeClr val="bg1"/>
+                          </a:solidFill>
+                        </a:rPr>
+                        <a:t>Gesichtserkennung</a:t>
+                      </a:r>
+                    </a:p>
+                  </a:txBody>
+                  <a:tcPr>
+                    <a:lnL w="12700" cap="flat" cmpd="sng" algn="ctr">
+                      <a:solidFill>
+                        <a:schemeClr val="tx1"/>
+                      </a:solidFill>
+                      <a:prstDash val="solid"/>
+                      <a:round/>
+                      <a:headEnd type="none" w="med" len="med"/>
+                      <a:tailEnd type="none" w="med" len="med"/>
+                    </a:lnL>
+                    <a:lnR w="12700" cap="flat" cmpd="sng" algn="ctr">
+                      <a:solidFill>
+                        <a:schemeClr val="tx1"/>
+                      </a:solidFill>
+                      <a:prstDash val="solid"/>
+                      <a:round/>
+                      <a:headEnd type="none" w="med" len="med"/>
+                      <a:tailEnd type="none" w="med" len="med"/>
+                    </a:lnR>
+                    <a:lnT w="12700" cap="flat" cmpd="sng" algn="ctr">
+                      <a:solidFill>
+                        <a:schemeClr val="tx1"/>
+                      </a:solidFill>
+                      <a:prstDash val="solid"/>
+                      <a:round/>
+                      <a:headEnd type="none" w="med" len="med"/>
+                      <a:tailEnd type="none" w="med" len="med"/>
+                    </a:lnT>
+                    <a:lnB w="12700" cap="flat" cmpd="sng" algn="ctr">
+                      <a:solidFill>
+                        <a:schemeClr val="tx1"/>
+                      </a:solidFill>
+                      <a:prstDash val="solid"/>
+                      <a:round/>
+                      <a:headEnd type="none" w="med" len="med"/>
+                      <a:tailEnd type="none" w="med" len="med"/>
+                    </a:lnB>
+                    <a:solidFill>
+                      <a:srgbClr val="994040"/>
+                    </a:solidFill>
+                  </a:tcPr>
+                </a:tc>
+                <a:tc>
+                  <a:txBody>
+                    <a:bodyPr/>
+                    <a:lstStyle/>
+                    <a:p>
+                      <a:endParaRPr lang="de-DE" dirty="0"/>
+                    </a:p>
+                  </a:txBody>
+                  <a:tcPr>
+                    <a:lnL w="12700" cap="flat" cmpd="sng" algn="ctr">
+                      <a:solidFill>
+                        <a:schemeClr val="tx1"/>
+                      </a:solidFill>
+                      <a:prstDash val="solid"/>
+                      <a:round/>
+                      <a:headEnd type="none" w="med" len="med"/>
+                      <a:tailEnd type="none" w="med" len="med"/>
+                    </a:lnL>
+                    <a:lnR w="12700" cap="flat" cmpd="sng" algn="ctr">
+                      <a:solidFill>
+                        <a:schemeClr val="tx1"/>
+                      </a:solidFill>
+                      <a:prstDash val="solid"/>
+                      <a:round/>
+                      <a:headEnd type="none" w="med" len="med"/>
+                      <a:tailEnd type="none" w="med" len="med"/>
+                    </a:lnR>
+                    <a:lnT w="12700" cap="flat" cmpd="sng" algn="ctr">
+                      <a:solidFill>
+                        <a:schemeClr val="tx1"/>
+                      </a:solidFill>
+                      <a:prstDash val="solid"/>
+                      <a:round/>
+                      <a:headEnd type="none" w="med" len="med"/>
+                      <a:tailEnd type="none" w="med" len="med"/>
+                    </a:lnT>
+                    <a:lnB w="12700" cap="flat" cmpd="sng" algn="ctr">
+                      <a:solidFill>
+                        <a:schemeClr val="tx1"/>
+                      </a:solidFill>
+                      <a:prstDash val="solid"/>
+                      <a:round/>
+                      <a:headEnd type="none" w="med" len="med"/>
+                      <a:tailEnd type="none" w="med" len="med"/>
+                    </a:lnB>
+                    <a:solidFill>
+                      <a:srgbClr val="994040"/>
+                    </a:solidFill>
+                  </a:tcPr>
+                </a:tc>
+                <a:tc>
+                  <a:txBody>
+                    <a:bodyPr/>
+                    <a:lstStyle/>
+                    <a:p>
+                      <a:endParaRPr lang="de-DE" dirty="0"/>
+                    </a:p>
+                  </a:txBody>
+                  <a:tcPr>
+                    <a:lnL w="12700" cap="flat" cmpd="sng" algn="ctr">
+                      <a:solidFill>
+                        <a:schemeClr val="tx1"/>
+                      </a:solidFill>
+                      <a:prstDash val="solid"/>
+                      <a:round/>
+                      <a:headEnd type="none" w="med" len="med"/>
+                      <a:tailEnd type="none" w="med" len="med"/>
+                    </a:lnL>
+                    <a:lnR w="12700" cap="flat" cmpd="sng" algn="ctr">
+                      <a:solidFill>
+                        <a:schemeClr val="tx1"/>
+                      </a:solidFill>
+                      <a:prstDash val="solid"/>
+                      <a:round/>
+                      <a:headEnd type="none" w="med" len="med"/>
+                      <a:tailEnd type="none" w="med" len="med"/>
+                    </a:lnR>
+                    <a:lnT w="12700" cap="flat" cmpd="sng" algn="ctr">
+                      <a:solidFill>
+                        <a:schemeClr val="tx1"/>
+                      </a:solidFill>
+                      <a:prstDash val="solid"/>
+                      <a:round/>
+                      <a:headEnd type="none" w="med" len="med"/>
+                      <a:tailEnd type="none" w="med" len="med"/>
+                    </a:lnT>
+                    <a:lnB w="12700" cap="flat" cmpd="sng" algn="ctr">
+                      <a:solidFill>
+                        <a:schemeClr val="tx1"/>
+                      </a:solidFill>
+                      <a:prstDash val="solid"/>
+                      <a:round/>
+                      <a:headEnd type="none" w="med" len="med"/>
+                      <a:tailEnd type="none" w="med" len="med"/>
+                    </a:lnB>
+                    <a:solidFill>
+                      <a:srgbClr val="994040"/>
+                    </a:solidFill>
+                  </a:tcPr>
+                </a:tc>
+                <a:extLst>
+                  <a:ext uri="{0D108BD9-81ED-4DB2-BD59-A6C34878D82A}">
+                    <a16:rowId xmlns:a16="http://schemas.microsoft.com/office/drawing/2014/main" val="2186858902"/>
+                  </a:ext>
+                </a:extLst>
+              </a:tr>
+              <a:tr h="294847">
+                <a:tc>
+                  <a:txBody>
+                    <a:bodyPr/>
+                    <a:lstStyle/>
+                    <a:p>
+                      <a:r>
+                        <a:rPr lang="de-DE" dirty="0"/>
+                        <a:t>Methodenrecherche</a:t>
+                      </a:r>
+                    </a:p>
+                  </a:txBody>
+                  <a:tcPr>
+                    <a:lnL w="12700" cap="flat" cmpd="sng" algn="ctr">
+                      <a:solidFill>
+                        <a:schemeClr val="tx1"/>
+                      </a:solidFill>
+                      <a:prstDash val="solid"/>
+                      <a:round/>
+                      <a:headEnd type="none" w="med" len="med"/>
+                      <a:tailEnd type="none" w="med" len="med"/>
+                    </a:lnL>
+                    <a:lnR w="12700" cap="flat" cmpd="sng" algn="ctr">
+                      <a:solidFill>
+                        <a:schemeClr val="tx1"/>
+                      </a:solidFill>
+                      <a:prstDash val="solid"/>
+                      <a:round/>
+                      <a:headEnd type="none" w="med" len="med"/>
+                      <a:tailEnd type="none" w="med" len="med"/>
+                    </a:lnR>
+                    <a:lnT w="12700" cap="flat" cmpd="sng" algn="ctr">
+                      <a:solidFill>
+                        <a:schemeClr val="tx1"/>
+                      </a:solidFill>
+                      <a:prstDash val="solid"/>
+                      <a:round/>
+                      <a:headEnd type="none" w="med" len="med"/>
+                      <a:tailEnd type="none" w="med" len="med"/>
+                    </a:lnT>
+                    <a:lnB w="12700" cap="flat" cmpd="sng" algn="ctr">
+                      <a:solidFill>
+                        <a:schemeClr val="tx1"/>
+                      </a:solidFill>
+                      <a:prstDash val="solid"/>
+                      <a:round/>
+                      <a:headEnd type="none" w="med" len="med"/>
+                      <a:tailEnd type="none" w="med" len="med"/>
+                    </a:lnB>
+                    <a:solidFill>
+                      <a:schemeClr val="bg1"/>
+                    </a:solidFill>
+                  </a:tcPr>
+                </a:tc>
+                <a:tc>
+                  <a:txBody>
+                    <a:bodyPr/>
+                    <a:lstStyle/>
+                    <a:p>
+                      <a:pPr algn="ctr"/>
+                      <a:r>
+                        <a:rPr lang="de-DE" dirty="0"/>
+                        <a:t>8</a:t>
+                      </a:r>
+                    </a:p>
+                  </a:txBody>
+                  <a:tcPr>
+                    <a:lnL w="12700" cap="flat" cmpd="sng" algn="ctr">
+                      <a:solidFill>
+                        <a:schemeClr val="tx1"/>
+                      </a:solidFill>
+                      <a:prstDash val="solid"/>
+                      <a:round/>
+                      <a:headEnd type="none" w="med" len="med"/>
+                      <a:tailEnd type="none" w="med" len="med"/>
+                    </a:lnL>
+                    <a:lnR w="12700" cap="flat" cmpd="sng" algn="ctr">
+                      <a:solidFill>
+                        <a:schemeClr val="tx1"/>
+                      </a:solidFill>
+                      <a:prstDash val="solid"/>
+                      <a:round/>
+                      <a:headEnd type="none" w="med" len="med"/>
+                      <a:tailEnd type="none" w="med" len="med"/>
+                    </a:lnR>
+                    <a:lnT w="12700" cap="flat" cmpd="sng" algn="ctr">
+                      <a:solidFill>
+                        <a:schemeClr val="tx1"/>
+                      </a:solidFill>
+                      <a:prstDash val="solid"/>
+                      <a:round/>
+                      <a:headEnd type="none" w="med" len="med"/>
+                      <a:tailEnd type="none" w="med" len="med"/>
+                    </a:lnT>
+                    <a:lnB w="12700" cap="flat" cmpd="sng" algn="ctr">
+                      <a:solidFill>
+                        <a:schemeClr val="tx1"/>
+                      </a:solidFill>
+                      <a:prstDash val="solid"/>
+                      <a:round/>
+                      <a:headEnd type="none" w="med" len="med"/>
+                      <a:tailEnd type="none" w="med" len="med"/>
+                    </a:lnB>
+                    <a:solidFill>
+                      <a:schemeClr val="bg1"/>
+                    </a:solidFill>
+                  </a:tcPr>
+                </a:tc>
+                <a:tc>
+                  <a:txBody>
+                    <a:bodyPr/>
+                    <a:lstStyle/>
+                    <a:p>
+                      <a:pPr algn="ctr"/>
+                      <a:r>
+                        <a:rPr lang="de-DE" dirty="0"/>
+                        <a:t>allen</a:t>
+                      </a:r>
+                    </a:p>
+                  </a:txBody>
+                  <a:tcPr>
+                    <a:lnL w="12700" cap="flat" cmpd="sng" algn="ctr">
+                      <a:solidFill>
+                        <a:schemeClr val="tx1"/>
+                      </a:solidFill>
+                      <a:prstDash val="solid"/>
+                      <a:round/>
+                      <a:headEnd type="none" w="med" len="med"/>
+                      <a:tailEnd type="none" w="med" len="med"/>
+                    </a:lnL>
+                    <a:lnR w="12700" cap="flat" cmpd="sng" algn="ctr">
+                      <a:solidFill>
+                        <a:schemeClr val="tx1"/>
+                      </a:solidFill>
+                      <a:prstDash val="solid"/>
+                      <a:round/>
+                      <a:headEnd type="none" w="med" len="med"/>
+                      <a:tailEnd type="none" w="med" len="med"/>
+                    </a:lnR>
+                    <a:lnT w="12700" cap="flat" cmpd="sng" algn="ctr">
+                      <a:solidFill>
+                        <a:schemeClr val="tx1"/>
+                      </a:solidFill>
+                      <a:prstDash val="solid"/>
+                      <a:round/>
+                      <a:headEnd type="none" w="med" len="med"/>
+                      <a:tailEnd type="none" w="med" len="med"/>
+                    </a:lnT>
+                    <a:lnB w="12700" cap="flat" cmpd="sng" algn="ctr">
+                      <a:solidFill>
+                        <a:schemeClr val="tx1"/>
+                      </a:solidFill>
+                      <a:prstDash val="solid"/>
+                      <a:round/>
+                      <a:headEnd type="none" w="med" len="med"/>
+                      <a:tailEnd type="none" w="med" len="med"/>
+                    </a:lnB>
+                    <a:solidFill>
+                      <a:schemeClr val="bg1"/>
+                    </a:solidFill>
+                  </a:tcPr>
+                </a:tc>
+                <a:extLst>
+                  <a:ext uri="{0D108BD9-81ED-4DB2-BD59-A6C34878D82A}">
+                    <a16:rowId xmlns:a16="http://schemas.microsoft.com/office/drawing/2014/main" val="1576252859"/>
+                  </a:ext>
+                </a:extLst>
+              </a:tr>
+              <a:tr h="0">
+                <a:tc>
+                  <a:txBody>
+                    <a:bodyPr/>
+                    <a:lstStyle/>
+                    <a:p>
+                      <a:r>
+                        <a:rPr lang="de-DE" dirty="0"/>
+                        <a:t>Implementierung</a:t>
+                      </a:r>
+                    </a:p>
+                  </a:txBody>
+                  <a:tcPr>
+                    <a:lnL w="12700" cap="flat" cmpd="sng" algn="ctr">
+                      <a:solidFill>
+                        <a:schemeClr val="tx1"/>
+                      </a:solidFill>
+                      <a:prstDash val="solid"/>
+                      <a:round/>
+                      <a:headEnd type="none" w="med" len="med"/>
+                      <a:tailEnd type="none" w="med" len="med"/>
+                    </a:lnL>
+                    <a:lnR w="12700" cap="flat" cmpd="sng" algn="ctr">
+                      <a:solidFill>
+                        <a:schemeClr val="tx1"/>
+                      </a:solidFill>
+                      <a:prstDash val="solid"/>
+                      <a:round/>
+                      <a:headEnd type="none" w="med" len="med"/>
+                      <a:tailEnd type="none" w="med" len="med"/>
+                    </a:lnR>
+                    <a:lnT w="12700" cap="flat" cmpd="sng" algn="ctr">
+                      <a:solidFill>
+                        <a:schemeClr val="tx1"/>
+                      </a:solidFill>
+                      <a:prstDash val="solid"/>
+                      <a:round/>
+                      <a:headEnd type="none" w="med" len="med"/>
+                      <a:tailEnd type="none" w="med" len="med"/>
+                    </a:lnT>
+                    <a:lnB w="12700" cap="flat" cmpd="sng" algn="ctr">
+                      <a:solidFill>
+                        <a:schemeClr val="tx1"/>
+                      </a:solidFill>
+                      <a:prstDash val="solid"/>
+                      <a:round/>
+                      <a:headEnd type="none" w="med" len="med"/>
+                      <a:tailEnd type="none" w="med" len="med"/>
+                    </a:lnB>
+                    <a:solidFill>
+                      <a:schemeClr val="bg1"/>
+                    </a:solidFill>
+                  </a:tcPr>
+                </a:tc>
+                <a:tc>
+                  <a:txBody>
+                    <a:bodyPr/>
+                    <a:lstStyle/>
+                    <a:p>
+                      <a:pPr algn="ctr"/>
+                      <a:r>
+                        <a:rPr lang="de-DE" dirty="0"/>
+                        <a:t>-</a:t>
+                      </a:r>
+                    </a:p>
+                  </a:txBody>
+                  <a:tcPr>
+                    <a:lnL w="12700" cap="flat" cmpd="sng" algn="ctr">
+                      <a:solidFill>
+                        <a:schemeClr val="tx1"/>
+                      </a:solidFill>
+                      <a:prstDash val="solid"/>
+                      <a:round/>
+                      <a:headEnd type="none" w="med" len="med"/>
+                      <a:tailEnd type="none" w="med" len="med"/>
+                    </a:lnL>
+                    <a:lnR w="12700" cap="flat" cmpd="sng" algn="ctr">
+                      <a:solidFill>
+                        <a:schemeClr val="tx1"/>
+                      </a:solidFill>
+                      <a:prstDash val="solid"/>
+                      <a:round/>
+                      <a:headEnd type="none" w="med" len="med"/>
+                      <a:tailEnd type="none" w="med" len="med"/>
+                    </a:lnR>
+                    <a:lnT w="12700" cap="flat" cmpd="sng" algn="ctr">
+                      <a:solidFill>
+                        <a:schemeClr val="tx1"/>
+                      </a:solidFill>
+                      <a:prstDash val="solid"/>
+                      <a:round/>
+                      <a:headEnd type="none" w="med" len="med"/>
+                      <a:tailEnd type="none" w="med" len="med"/>
+                    </a:lnT>
+                    <a:lnB w="12700" cap="flat" cmpd="sng" algn="ctr">
+                      <a:solidFill>
+                        <a:schemeClr val="tx1"/>
+                      </a:solidFill>
+                      <a:prstDash val="solid"/>
+                      <a:round/>
+                      <a:headEnd type="none" w="med" len="med"/>
+                      <a:tailEnd type="none" w="med" len="med"/>
+                    </a:lnB>
+                    <a:solidFill>
+                      <a:schemeClr val="bg1"/>
+                    </a:solidFill>
+                  </a:tcPr>
+                </a:tc>
+                <a:tc>
+                  <a:txBody>
+                    <a:bodyPr/>
+                    <a:lstStyle/>
+                    <a:p>
+                      <a:pPr algn="ctr"/>
+                      <a:r>
+                        <a:rPr lang="de-DE" dirty="0"/>
+                        <a:t>-</a:t>
+                      </a:r>
+                    </a:p>
+                  </a:txBody>
+                  <a:tcPr>
+                    <a:lnL w="12700" cap="flat" cmpd="sng" algn="ctr">
+                      <a:solidFill>
+                        <a:schemeClr val="tx1"/>
+                      </a:solidFill>
+                      <a:prstDash val="solid"/>
+                      <a:round/>
+                      <a:headEnd type="none" w="med" len="med"/>
+                      <a:tailEnd type="none" w="med" len="med"/>
+                    </a:lnL>
+                    <a:lnR w="12700" cap="flat" cmpd="sng" algn="ctr">
+                      <a:solidFill>
+                        <a:schemeClr val="tx1"/>
+                      </a:solidFill>
+                      <a:prstDash val="solid"/>
+                      <a:round/>
+                      <a:headEnd type="none" w="med" len="med"/>
+                      <a:tailEnd type="none" w="med" len="med"/>
+                    </a:lnR>
+                    <a:lnT w="12700" cap="flat" cmpd="sng" algn="ctr">
+                      <a:solidFill>
+                        <a:schemeClr val="tx1"/>
+                      </a:solidFill>
+                      <a:prstDash val="solid"/>
+                      <a:round/>
+                      <a:headEnd type="none" w="med" len="med"/>
+                      <a:tailEnd type="none" w="med" len="med"/>
+                    </a:lnT>
+                    <a:lnB w="12700" cap="flat" cmpd="sng" algn="ctr">
+                      <a:solidFill>
+                        <a:schemeClr val="tx1"/>
+                      </a:solidFill>
+                      <a:prstDash val="solid"/>
+                      <a:round/>
+                      <a:headEnd type="none" w="med" len="med"/>
+                      <a:tailEnd type="none" w="med" len="med"/>
+                    </a:lnB>
+                    <a:solidFill>
+                      <a:schemeClr val="bg1"/>
+                    </a:solidFill>
+                  </a:tcPr>
+                </a:tc>
+                <a:extLst>
+                  <a:ext uri="{0D108BD9-81ED-4DB2-BD59-A6C34878D82A}">
+                    <a16:rowId xmlns:a16="http://schemas.microsoft.com/office/drawing/2014/main" val="1060909734"/>
+                  </a:ext>
+                </a:extLst>
+              </a:tr>
+              <a:tr h="0">
+                <a:tc>
+                  <a:txBody>
+                    <a:bodyPr/>
+                    <a:lstStyle/>
+                    <a:p>
+                      <a:pPr marL="0" marR="0" lvl="0" indent="0" algn="l" defTabSz="914400" rtl="0" eaLnBrk="1" fontAlgn="auto" latinLnBrk="0" hangingPunct="1">
+                        <a:lnSpc>
+                          <a:spcPct val="100000"/>
+                        </a:lnSpc>
+                        <a:spcBef>
+                          <a:spcPts val="0"/>
+                        </a:spcBef>
+                        <a:spcAft>
+                          <a:spcPts val="0"/>
+                        </a:spcAft>
+                        <a:buClrTx/>
+                        <a:buSzTx/>
+                        <a:buFontTx/>
+                        <a:buNone/>
+                        <a:tabLst/>
+                        <a:defRPr/>
+                      </a:pPr>
+                      <a:r>
+                        <a:rPr lang="de-DE" dirty="0"/>
+                        <a:t>Vergleich mit bestehenden Tools (Google Fotos)</a:t>
+                      </a:r>
+                    </a:p>
+                  </a:txBody>
+                  <a:tcPr>
+                    <a:lnL w="12700" cap="flat" cmpd="sng" algn="ctr">
+                      <a:solidFill>
+                        <a:schemeClr val="tx1"/>
+                      </a:solidFill>
+                      <a:prstDash val="solid"/>
+                      <a:round/>
+                      <a:headEnd type="none" w="med" len="med"/>
+                      <a:tailEnd type="none" w="med" len="med"/>
+                    </a:lnL>
+                    <a:lnR w="12700" cap="flat" cmpd="sng" algn="ctr">
+                      <a:solidFill>
+                        <a:schemeClr val="tx1"/>
+                      </a:solidFill>
+                      <a:prstDash val="solid"/>
+                      <a:round/>
+                      <a:headEnd type="none" w="med" len="med"/>
+                      <a:tailEnd type="none" w="med" len="med"/>
+                    </a:lnR>
+                    <a:lnT w="12700" cap="flat" cmpd="sng" algn="ctr">
+                      <a:solidFill>
+                        <a:schemeClr val="tx1"/>
+                      </a:solidFill>
+                      <a:prstDash val="solid"/>
+                      <a:round/>
+                      <a:headEnd type="none" w="med" len="med"/>
+                      <a:tailEnd type="none" w="med" len="med"/>
+                    </a:lnT>
+                    <a:lnB w="12700" cap="flat" cmpd="sng" algn="ctr">
+                      <a:solidFill>
+                        <a:schemeClr val="tx1"/>
+                      </a:solidFill>
+                      <a:prstDash val="solid"/>
+                      <a:round/>
+                      <a:headEnd type="none" w="med" len="med"/>
+                      <a:tailEnd type="none" w="med" len="med"/>
+                    </a:lnB>
+                    <a:solidFill>
+                      <a:schemeClr val="bg1"/>
+                    </a:solidFill>
+                  </a:tcPr>
+                </a:tc>
+                <a:tc>
+                  <a:txBody>
+                    <a:bodyPr/>
+                    <a:lstStyle/>
+                    <a:p>
+                      <a:pPr algn="ctr"/>
+                      <a:r>
+                        <a:rPr lang="de-DE" dirty="0"/>
+                        <a:t>-</a:t>
+                      </a:r>
+                    </a:p>
+                  </a:txBody>
+                  <a:tcPr>
+                    <a:lnL w="12700" cap="flat" cmpd="sng" algn="ctr">
+                      <a:solidFill>
+                        <a:schemeClr val="tx1"/>
+                      </a:solidFill>
+                      <a:prstDash val="solid"/>
+                      <a:round/>
+                      <a:headEnd type="none" w="med" len="med"/>
+                      <a:tailEnd type="none" w="med" len="med"/>
+                    </a:lnL>
+                    <a:lnR w="12700" cap="flat" cmpd="sng" algn="ctr">
+                      <a:solidFill>
+                        <a:schemeClr val="tx1"/>
+                      </a:solidFill>
+                      <a:prstDash val="solid"/>
+                      <a:round/>
+                      <a:headEnd type="none" w="med" len="med"/>
+                      <a:tailEnd type="none" w="med" len="med"/>
+                    </a:lnR>
+                    <a:lnT w="12700" cap="flat" cmpd="sng" algn="ctr">
+                      <a:solidFill>
+                        <a:schemeClr val="tx1"/>
+                      </a:solidFill>
+                      <a:prstDash val="solid"/>
+                      <a:round/>
+                      <a:headEnd type="none" w="med" len="med"/>
+                      <a:tailEnd type="none" w="med" len="med"/>
+                    </a:lnT>
+                    <a:lnB w="12700" cap="flat" cmpd="sng" algn="ctr">
+                      <a:solidFill>
+                        <a:schemeClr val="tx1"/>
+                      </a:solidFill>
+                      <a:prstDash val="solid"/>
+                      <a:round/>
+                      <a:headEnd type="none" w="med" len="med"/>
+                      <a:tailEnd type="none" w="med" len="med"/>
+                    </a:lnB>
+                    <a:solidFill>
+                      <a:schemeClr val="bg1"/>
+                    </a:solidFill>
+                  </a:tcPr>
+                </a:tc>
+                <a:tc>
+                  <a:txBody>
+                    <a:bodyPr/>
+                    <a:lstStyle/>
+                    <a:p>
+                      <a:pPr algn="ctr"/>
+                      <a:r>
+                        <a:rPr lang="de-DE" dirty="0"/>
+                        <a:t>-</a:t>
+                      </a:r>
+                    </a:p>
+                  </a:txBody>
+                  <a:tcPr>
+                    <a:lnL w="12700" cap="flat" cmpd="sng" algn="ctr">
+                      <a:solidFill>
+                        <a:schemeClr val="tx1"/>
+                      </a:solidFill>
+                      <a:prstDash val="solid"/>
+                      <a:round/>
+                      <a:headEnd type="none" w="med" len="med"/>
+                      <a:tailEnd type="none" w="med" len="med"/>
+                    </a:lnL>
+                    <a:lnR w="12700" cap="flat" cmpd="sng" algn="ctr">
+                      <a:solidFill>
+                        <a:schemeClr val="tx1"/>
+                      </a:solidFill>
+                      <a:prstDash val="solid"/>
+                      <a:round/>
+                      <a:headEnd type="none" w="med" len="med"/>
+                      <a:tailEnd type="none" w="med" len="med"/>
+                    </a:lnR>
+                    <a:lnT w="12700" cap="flat" cmpd="sng" algn="ctr">
+                      <a:solidFill>
+                        <a:schemeClr val="tx1"/>
+                      </a:solidFill>
+                      <a:prstDash val="solid"/>
+                      <a:round/>
+                      <a:headEnd type="none" w="med" len="med"/>
+                      <a:tailEnd type="none" w="med" len="med"/>
+                    </a:lnT>
+                    <a:lnB w="12700" cap="flat" cmpd="sng" algn="ctr">
+                      <a:solidFill>
+                        <a:schemeClr val="tx1"/>
+                      </a:solidFill>
+                      <a:prstDash val="solid"/>
+                      <a:round/>
+                      <a:headEnd type="none" w="med" len="med"/>
+                      <a:tailEnd type="none" w="med" len="med"/>
+                    </a:lnB>
+                    <a:solidFill>
+                      <a:schemeClr val="bg1"/>
+                    </a:solidFill>
+                  </a:tcPr>
+                </a:tc>
+                <a:extLst>
+                  <a:ext uri="{0D108BD9-81ED-4DB2-BD59-A6C34878D82A}">
+                    <a16:rowId xmlns:a16="http://schemas.microsoft.com/office/drawing/2014/main" val="3575142651"/>
+                  </a:ext>
+                </a:extLst>
+              </a:tr>
+            </a:tbl>
+          </a:graphicData>
+        </a:graphic>
+      </p:graphicFrame>
+      <p:sp>
+        <p:nvSpPr>
+          <p:cNvPr id="5" name="Inhaltsplatzhalter 2">
+            <a:extLst>
+              <a:ext uri="{FF2B5EF4-FFF2-40B4-BE49-F238E27FC236}">
+                <a16:creationId xmlns:a16="http://schemas.microsoft.com/office/drawing/2014/main" id="{ADD9A780-0FB5-4568-9F57-9F9CEF80C829}"/>
+              </a:ext>
+            </a:extLst>
+          </p:cNvPr>
+          <p:cNvSpPr>
+            <a:spLocks noGrp="1"/>
+          </p:cNvSpPr>
+          <p:nvPr>
+            <p:ph idx="1"/>
+          </p:nvPr>
+        </p:nvSpPr>
+        <p:spPr>
+          <a:xfrm>
+            <a:off x="813811" y="3921149"/>
+            <a:ext cx="8596668" cy="1633489"/>
+          </a:xfrm>
+        </p:spPr>
+        <p:txBody>
+          <a:bodyPr/>
+          <a:lstStyle/>
+          <a:p>
+            <a:r>
+              <a:rPr lang="de-DE" dirty="0"/>
+              <a:t>Genaue Zuordnung/Priorisierung, abhängig vom Fortschritt in den einzelnen Bereichen</a:t>
+            </a:r>
+          </a:p>
+        </p:txBody>
+      </p:sp>
+    </p:spTree>
+    <p:extLst>
+      <p:ext uri="{BB962C8B-B14F-4D97-AF65-F5344CB8AC3E}">
+        <p14:creationId xmlns:p14="http://schemas.microsoft.com/office/powerpoint/2010/main" val="2002393911"/>
+      </p:ext>
+    </p:extLst>
+  </p:cSld>
+  <p:clrMapOvr>
+    <a:masterClrMapping/>
+  </p:clrMapOvr>
+</p:sld>
+</file>
+
+<file path=ppt/slides/slide7.xml><?xml version="1.0" encoding="utf-8"?>
+<p:sld xmlns:a="http://schemas.openxmlformats.org/drawingml/2006/main" xmlns:r="http://schemas.openxmlformats.org/officeDocument/2006/relationships" xmlns:p="http://schemas.openxmlformats.org/presentationml/2006/main">
+  <p:cSld>
+    <p:spTree>
+      <p:nvGrpSpPr>
+        <p:cNvPr id="1" name=""/>
+        <p:cNvGrpSpPr/>
+        <p:nvPr/>
+      </p:nvGrpSpPr>
+      <p:grpSpPr>
+        <a:xfrm>
+          <a:off x="0" y="0"/>
+          <a:ext cx="0" cy="0"/>
+          <a:chOff x="0" y="0"/>
+          <a:chExt cx="0" cy="0"/>
+        </a:xfrm>
+      </p:grpSpPr>
+      <p:sp>
+        <p:nvSpPr>
+          <p:cNvPr id="2" name="Titel 1">
+            <a:extLst>
+              <a:ext uri="{FF2B5EF4-FFF2-40B4-BE49-F238E27FC236}">
                 <a16:creationId xmlns:a16="http://schemas.microsoft.com/office/drawing/2014/main" id="{556504CB-61C8-4036-99B2-201D1AEA5034}"/>
               </a:ext>
             </a:extLst>

--- a/expose/expose_präsentation.pptx
+++ b/expose/expose_präsentation.pptx
@@ -10950,8 +10950,21 @@
           <a:p>
             <a:r>
               <a:rPr lang="de-DE" dirty="0"/>
-              <a:t>Weitere Verarbeitung der Bilder</a:t>
-            </a:r>
+              <a:t>Nice </a:t>
+            </a:r>
+            <a:r>
+              <a:rPr lang="de-DE" dirty="0" err="1"/>
+              <a:t>To</a:t>
+            </a:r>
+            <a:r>
+              <a:rPr lang="de-DE" dirty="0"/>
+              <a:t> </a:t>
+            </a:r>
+            <a:r>
+              <a:rPr lang="de-DE" dirty="0" err="1"/>
+              <a:t>Have</a:t>
+            </a:r>
+            <a:endParaRPr lang="de-DE" dirty="0"/>
           </a:p>
         </p:txBody>
       </p:sp>
@@ -10978,29 +10991,17 @@
           <a:p>
             <a:r>
               <a:rPr lang="de-DE" dirty="0"/>
-              <a:t>Gesichtserkennung</a:t>
-            </a:r>
-          </a:p>
-          <a:p>
-            <a:pPr lvl="1"/>
+              <a:t>Face Recognition</a:t>
+            </a:r>
+          </a:p>
+          <a:p>
             <a:r>
               <a:rPr lang="de-DE" dirty="0"/>
-              <a:t>Methodenrecherche</a:t>
-            </a:r>
-          </a:p>
-          <a:p>
-            <a:pPr lvl="1"/>
-            <a:r>
-              <a:rPr lang="de-DE" dirty="0"/>
-              <a:t>Implementierung</a:t>
-            </a:r>
-          </a:p>
-          <a:p>
-            <a:pPr lvl="1"/>
-            <a:r>
-              <a:rPr lang="de-DE" dirty="0"/>
-              <a:t>Vergleich mit bestehenden Tools (Google Fotos)</a:t>
-            </a:r>
+              <a:t>Sortieren nach Personen</a:t>
+            </a:r>
+          </a:p>
+          <a:p>
+            <a:endParaRPr lang="de-DE" dirty="0"/>
           </a:p>
         </p:txBody>
       </p:sp>
